--- a/mass-spectrometry-fundamentals-5thsession.pptx
+++ b/mass-spectrometry-fundamentals-5thsession.pptx
@@ -9,6 +9,14 @@
     <p:sldId id="258" r:id="rId3"/>
     <p:sldId id="259" r:id="rId4"/>
     <p:sldId id="257" r:id="rId5"/>
+    <p:sldId id="267" r:id="rId6"/>
+    <p:sldId id="260" r:id="rId7"/>
+    <p:sldId id="261" r:id="rId8"/>
+    <p:sldId id="266" r:id="rId9"/>
+    <p:sldId id="262" r:id="rId10"/>
+    <p:sldId id="263" r:id="rId11"/>
+    <p:sldId id="265" r:id="rId12"/>
+    <p:sldId id="264" r:id="rId13"/>
   </p:sldIdLst>
   <p:sldSz cx="12192000" cy="6858000"/>
   <p:notesSz cx="6858000" cy="9144000"/>
@@ -108,6 +116,3000 @@
     </a:lvl9pPr>
   </p:defaultTextStyle>
 </p:presentation>
+</file>
+
+<file path=ppt/diagrams/colors1.xml><?xml version="1.0" encoding="utf-8"?>
+<dgm:colorsDef xmlns:dgm="http://schemas.openxmlformats.org/drawingml/2006/diagram" xmlns:a="http://schemas.openxmlformats.org/drawingml/2006/main" uniqueId="urn:microsoft.com/office/officeart/2005/8/colors/accent1_2">
+  <dgm:title val=""/>
+  <dgm:desc val=""/>
+  <dgm:catLst>
+    <dgm:cat type="accent1" pri="11200"/>
+  </dgm:catLst>
+  <dgm:styleLbl name="node0">
+    <dgm:fillClrLst meth="repeat">
+      <a:schemeClr val="accent1"/>
+    </dgm:fillClrLst>
+    <dgm:linClrLst meth="repeat">
+      <a:schemeClr val="lt1"/>
+    </dgm:linClrLst>
+    <dgm:effectClrLst/>
+    <dgm:txLinClrLst/>
+    <dgm:txFillClrLst/>
+    <dgm:txEffectClrLst/>
+  </dgm:styleLbl>
+  <dgm:styleLbl name="alignNode1">
+    <dgm:fillClrLst meth="repeat">
+      <a:schemeClr val="accent1"/>
+    </dgm:fillClrLst>
+    <dgm:linClrLst meth="repeat">
+      <a:schemeClr val="accent1"/>
+    </dgm:linClrLst>
+    <dgm:effectClrLst/>
+    <dgm:txLinClrLst/>
+    <dgm:txFillClrLst/>
+    <dgm:txEffectClrLst/>
+  </dgm:styleLbl>
+  <dgm:styleLbl name="node1">
+    <dgm:fillClrLst meth="repeat">
+      <a:schemeClr val="accent1"/>
+    </dgm:fillClrLst>
+    <dgm:linClrLst meth="repeat">
+      <a:schemeClr val="lt1"/>
+    </dgm:linClrLst>
+    <dgm:effectClrLst/>
+    <dgm:txLinClrLst/>
+    <dgm:txFillClrLst/>
+    <dgm:txEffectClrLst/>
+  </dgm:styleLbl>
+  <dgm:styleLbl name="lnNode1">
+    <dgm:fillClrLst meth="repeat">
+      <a:schemeClr val="accent1"/>
+    </dgm:fillClrLst>
+    <dgm:linClrLst meth="repeat">
+      <a:schemeClr val="lt1"/>
+    </dgm:linClrLst>
+    <dgm:effectClrLst/>
+    <dgm:txLinClrLst/>
+    <dgm:txFillClrLst/>
+    <dgm:txEffectClrLst/>
+  </dgm:styleLbl>
+  <dgm:styleLbl name="vennNode1">
+    <dgm:fillClrLst meth="repeat">
+      <a:schemeClr val="accent1">
+        <a:alpha val="50000"/>
+      </a:schemeClr>
+    </dgm:fillClrLst>
+    <dgm:linClrLst meth="repeat">
+      <a:schemeClr val="lt1"/>
+    </dgm:linClrLst>
+    <dgm:effectClrLst/>
+    <dgm:txLinClrLst/>
+    <dgm:txFillClrLst/>
+    <dgm:txEffectClrLst/>
+  </dgm:styleLbl>
+  <dgm:styleLbl name="node2">
+    <dgm:fillClrLst meth="repeat">
+      <a:schemeClr val="accent1"/>
+    </dgm:fillClrLst>
+    <dgm:linClrLst meth="repeat">
+      <a:schemeClr val="lt1"/>
+    </dgm:linClrLst>
+    <dgm:effectClrLst/>
+    <dgm:txLinClrLst/>
+    <dgm:txFillClrLst/>
+    <dgm:txEffectClrLst/>
+  </dgm:styleLbl>
+  <dgm:styleLbl name="node3">
+    <dgm:fillClrLst meth="repeat">
+      <a:schemeClr val="accent1"/>
+    </dgm:fillClrLst>
+    <dgm:linClrLst meth="repeat">
+      <a:schemeClr val="lt1"/>
+    </dgm:linClrLst>
+    <dgm:effectClrLst/>
+    <dgm:txLinClrLst/>
+    <dgm:txFillClrLst/>
+    <dgm:txEffectClrLst/>
+  </dgm:styleLbl>
+  <dgm:styleLbl name="node4">
+    <dgm:fillClrLst meth="repeat">
+      <a:schemeClr val="accent1"/>
+    </dgm:fillClrLst>
+    <dgm:linClrLst meth="repeat">
+      <a:schemeClr val="lt1"/>
+    </dgm:linClrLst>
+    <dgm:effectClrLst/>
+    <dgm:txLinClrLst/>
+    <dgm:txFillClrLst/>
+    <dgm:txEffectClrLst/>
+  </dgm:styleLbl>
+  <dgm:styleLbl name="fgImgPlace1">
+    <dgm:fillClrLst meth="repeat">
+      <a:schemeClr val="accent1">
+        <a:tint val="50000"/>
+      </a:schemeClr>
+    </dgm:fillClrLst>
+    <dgm:linClrLst meth="repeat">
+      <a:schemeClr val="lt1"/>
+    </dgm:linClrLst>
+    <dgm:effectClrLst/>
+    <dgm:txLinClrLst/>
+    <dgm:txFillClrLst meth="repeat">
+      <a:schemeClr val="lt1"/>
+    </dgm:txFillClrLst>
+    <dgm:txEffectClrLst/>
+  </dgm:styleLbl>
+  <dgm:styleLbl name="alignImgPlace1">
+    <dgm:fillClrLst meth="repeat">
+      <a:schemeClr val="accent1">
+        <a:tint val="50000"/>
+      </a:schemeClr>
+    </dgm:fillClrLst>
+    <dgm:linClrLst meth="repeat">
+      <a:schemeClr val="lt1"/>
+    </dgm:linClrLst>
+    <dgm:effectClrLst/>
+    <dgm:txLinClrLst/>
+    <dgm:txFillClrLst meth="repeat">
+      <a:schemeClr val="lt1"/>
+    </dgm:txFillClrLst>
+    <dgm:txEffectClrLst/>
+  </dgm:styleLbl>
+  <dgm:styleLbl name="bgImgPlace1">
+    <dgm:fillClrLst meth="repeat">
+      <a:schemeClr val="accent1">
+        <a:tint val="50000"/>
+      </a:schemeClr>
+    </dgm:fillClrLst>
+    <dgm:linClrLst meth="repeat">
+      <a:schemeClr val="lt1"/>
+    </dgm:linClrLst>
+    <dgm:effectClrLst/>
+    <dgm:txLinClrLst/>
+    <dgm:txFillClrLst meth="repeat">
+      <a:schemeClr val="lt1"/>
+    </dgm:txFillClrLst>
+    <dgm:txEffectClrLst/>
+  </dgm:styleLbl>
+  <dgm:styleLbl name="sibTrans2D1">
+    <dgm:fillClrLst meth="repeat">
+      <a:schemeClr val="accent1">
+        <a:tint val="60000"/>
+      </a:schemeClr>
+    </dgm:fillClrLst>
+    <dgm:linClrLst meth="repeat">
+      <a:schemeClr val="accent1">
+        <a:tint val="60000"/>
+      </a:schemeClr>
+    </dgm:linClrLst>
+    <dgm:effectClrLst/>
+    <dgm:txLinClrLst/>
+    <dgm:txFillClrLst/>
+    <dgm:txEffectClrLst/>
+  </dgm:styleLbl>
+  <dgm:styleLbl name="fgSibTrans2D1">
+    <dgm:fillClrLst meth="repeat">
+      <a:schemeClr val="accent1">
+        <a:tint val="60000"/>
+      </a:schemeClr>
+    </dgm:fillClrLst>
+    <dgm:linClrLst meth="repeat">
+      <a:schemeClr val="accent1">
+        <a:tint val="60000"/>
+      </a:schemeClr>
+    </dgm:linClrLst>
+    <dgm:effectClrLst/>
+    <dgm:txLinClrLst/>
+    <dgm:txFillClrLst/>
+    <dgm:txEffectClrLst/>
+  </dgm:styleLbl>
+  <dgm:styleLbl name="bgSibTrans2D1">
+    <dgm:fillClrLst meth="repeat">
+      <a:schemeClr val="accent1">
+        <a:tint val="60000"/>
+      </a:schemeClr>
+    </dgm:fillClrLst>
+    <dgm:linClrLst meth="repeat">
+      <a:schemeClr val="accent1">
+        <a:tint val="60000"/>
+      </a:schemeClr>
+    </dgm:linClrLst>
+    <dgm:effectClrLst/>
+    <dgm:txLinClrLst/>
+    <dgm:txFillClrLst/>
+    <dgm:txEffectClrLst/>
+  </dgm:styleLbl>
+  <dgm:styleLbl name="sibTrans1D1">
+    <dgm:fillClrLst meth="repeat">
+      <a:schemeClr val="accent1"/>
+    </dgm:fillClrLst>
+    <dgm:linClrLst meth="repeat">
+      <a:schemeClr val="accent1"/>
+    </dgm:linClrLst>
+    <dgm:effectClrLst/>
+    <dgm:txLinClrLst/>
+    <dgm:txFillClrLst meth="repeat">
+      <a:schemeClr val="tx1"/>
+    </dgm:txFillClrLst>
+    <dgm:txEffectClrLst/>
+  </dgm:styleLbl>
+  <dgm:styleLbl name="callout">
+    <dgm:fillClrLst meth="repeat">
+      <a:schemeClr val="accent1"/>
+    </dgm:fillClrLst>
+    <dgm:linClrLst meth="repeat">
+      <a:schemeClr val="accent1">
+        <a:tint val="50000"/>
+      </a:schemeClr>
+    </dgm:linClrLst>
+    <dgm:effectClrLst/>
+    <dgm:txLinClrLst/>
+    <dgm:txFillClrLst meth="repeat">
+      <a:schemeClr val="tx1"/>
+    </dgm:txFillClrLst>
+    <dgm:txEffectClrLst/>
+  </dgm:styleLbl>
+  <dgm:styleLbl name="asst0">
+    <dgm:fillClrLst meth="repeat">
+      <a:schemeClr val="accent1"/>
+    </dgm:fillClrLst>
+    <dgm:linClrLst meth="repeat">
+      <a:schemeClr val="lt1"/>
+    </dgm:linClrLst>
+    <dgm:effectClrLst/>
+    <dgm:txLinClrLst/>
+    <dgm:txFillClrLst/>
+    <dgm:txEffectClrLst/>
+  </dgm:styleLbl>
+  <dgm:styleLbl name="asst1">
+    <dgm:fillClrLst meth="repeat">
+      <a:schemeClr val="accent1"/>
+    </dgm:fillClrLst>
+    <dgm:linClrLst meth="repeat">
+      <a:schemeClr val="lt1"/>
+    </dgm:linClrLst>
+    <dgm:effectClrLst/>
+    <dgm:txLinClrLst/>
+    <dgm:txFillClrLst/>
+    <dgm:txEffectClrLst/>
+  </dgm:styleLbl>
+  <dgm:styleLbl name="asst2">
+    <dgm:fillClrLst meth="repeat">
+      <a:schemeClr val="accent1"/>
+    </dgm:fillClrLst>
+    <dgm:linClrLst meth="repeat">
+      <a:schemeClr val="lt1"/>
+    </dgm:linClrLst>
+    <dgm:effectClrLst/>
+    <dgm:txLinClrLst/>
+    <dgm:txFillClrLst/>
+    <dgm:txEffectClrLst/>
+  </dgm:styleLbl>
+  <dgm:styleLbl name="asst3">
+    <dgm:fillClrLst meth="repeat">
+      <a:schemeClr val="accent1"/>
+    </dgm:fillClrLst>
+    <dgm:linClrLst meth="repeat">
+      <a:schemeClr val="lt1"/>
+    </dgm:linClrLst>
+    <dgm:effectClrLst/>
+    <dgm:txLinClrLst/>
+    <dgm:txFillClrLst/>
+    <dgm:txEffectClrLst/>
+  </dgm:styleLbl>
+  <dgm:styleLbl name="asst4">
+    <dgm:fillClrLst meth="repeat">
+      <a:schemeClr val="accent1"/>
+    </dgm:fillClrLst>
+    <dgm:linClrLst meth="repeat">
+      <a:schemeClr val="lt1"/>
+    </dgm:linClrLst>
+    <dgm:effectClrLst/>
+    <dgm:txLinClrLst/>
+    <dgm:txFillClrLst/>
+    <dgm:txEffectClrLst/>
+  </dgm:styleLbl>
+  <dgm:styleLbl name="parChTrans2D1">
+    <dgm:fillClrLst meth="repeat">
+      <a:schemeClr val="accent1">
+        <a:tint val="60000"/>
+      </a:schemeClr>
+    </dgm:fillClrLst>
+    <dgm:linClrLst meth="repeat">
+      <a:schemeClr val="accent1">
+        <a:tint val="60000"/>
+      </a:schemeClr>
+    </dgm:linClrLst>
+    <dgm:effectClrLst/>
+    <dgm:txLinClrLst/>
+    <dgm:txFillClrLst meth="repeat">
+      <a:schemeClr val="lt1"/>
+    </dgm:txFillClrLst>
+    <dgm:txEffectClrLst/>
+  </dgm:styleLbl>
+  <dgm:styleLbl name="parChTrans2D2">
+    <dgm:fillClrLst meth="repeat">
+      <a:schemeClr val="accent1"/>
+    </dgm:fillClrLst>
+    <dgm:linClrLst meth="repeat">
+      <a:schemeClr val="accent1"/>
+    </dgm:linClrLst>
+    <dgm:effectClrLst/>
+    <dgm:txLinClrLst/>
+    <dgm:txFillClrLst meth="repeat">
+      <a:schemeClr val="lt1"/>
+    </dgm:txFillClrLst>
+    <dgm:txEffectClrLst/>
+  </dgm:styleLbl>
+  <dgm:styleLbl name="parChTrans2D3">
+    <dgm:fillClrLst meth="repeat">
+      <a:schemeClr val="accent1"/>
+    </dgm:fillClrLst>
+    <dgm:linClrLst meth="repeat">
+      <a:schemeClr val="accent1"/>
+    </dgm:linClrLst>
+    <dgm:effectClrLst/>
+    <dgm:txLinClrLst/>
+    <dgm:txFillClrLst meth="repeat">
+      <a:schemeClr val="lt1"/>
+    </dgm:txFillClrLst>
+    <dgm:txEffectClrLst/>
+  </dgm:styleLbl>
+  <dgm:styleLbl name="parChTrans2D4">
+    <dgm:fillClrLst meth="repeat">
+      <a:schemeClr val="accent1"/>
+    </dgm:fillClrLst>
+    <dgm:linClrLst meth="repeat">
+      <a:schemeClr val="accent1"/>
+    </dgm:linClrLst>
+    <dgm:effectClrLst/>
+    <dgm:txLinClrLst/>
+    <dgm:txFillClrLst meth="repeat">
+      <a:schemeClr val="lt1"/>
+    </dgm:txFillClrLst>
+    <dgm:txEffectClrLst/>
+  </dgm:styleLbl>
+  <dgm:styleLbl name="parChTrans1D1">
+    <dgm:fillClrLst meth="repeat">
+      <a:schemeClr val="accent1"/>
+    </dgm:fillClrLst>
+    <dgm:linClrLst meth="repeat">
+      <a:schemeClr val="accent1">
+        <a:shade val="60000"/>
+      </a:schemeClr>
+    </dgm:linClrLst>
+    <dgm:effectClrLst/>
+    <dgm:txLinClrLst/>
+    <dgm:txFillClrLst meth="repeat">
+      <a:schemeClr val="tx1"/>
+    </dgm:txFillClrLst>
+    <dgm:txEffectClrLst/>
+  </dgm:styleLbl>
+  <dgm:styleLbl name="parChTrans1D2">
+    <dgm:fillClrLst meth="repeat">
+      <a:schemeClr val="accent1"/>
+    </dgm:fillClrLst>
+    <dgm:linClrLst meth="repeat">
+      <a:schemeClr val="accent1">
+        <a:shade val="60000"/>
+      </a:schemeClr>
+    </dgm:linClrLst>
+    <dgm:effectClrLst/>
+    <dgm:txLinClrLst/>
+    <dgm:txFillClrLst meth="repeat">
+      <a:schemeClr val="tx1"/>
+    </dgm:txFillClrLst>
+    <dgm:txEffectClrLst/>
+  </dgm:styleLbl>
+  <dgm:styleLbl name="parChTrans1D3">
+    <dgm:fillClrLst meth="repeat">
+      <a:schemeClr val="accent1"/>
+    </dgm:fillClrLst>
+    <dgm:linClrLst meth="repeat">
+      <a:schemeClr val="accent1">
+        <a:shade val="80000"/>
+      </a:schemeClr>
+    </dgm:linClrLst>
+    <dgm:effectClrLst/>
+    <dgm:txLinClrLst/>
+    <dgm:txFillClrLst meth="repeat">
+      <a:schemeClr val="tx1"/>
+    </dgm:txFillClrLst>
+    <dgm:txEffectClrLst/>
+  </dgm:styleLbl>
+  <dgm:styleLbl name="parChTrans1D4">
+    <dgm:fillClrLst meth="repeat">
+      <a:schemeClr val="accent1"/>
+    </dgm:fillClrLst>
+    <dgm:linClrLst meth="repeat">
+      <a:schemeClr val="accent1">
+        <a:shade val="80000"/>
+      </a:schemeClr>
+    </dgm:linClrLst>
+    <dgm:effectClrLst/>
+    <dgm:txLinClrLst/>
+    <dgm:txFillClrLst meth="repeat">
+      <a:schemeClr val="tx1"/>
+    </dgm:txFillClrLst>
+    <dgm:txEffectClrLst/>
+  </dgm:styleLbl>
+  <dgm:styleLbl name="fgAcc1">
+    <dgm:fillClrLst meth="repeat">
+      <a:schemeClr val="lt1">
+        <a:alpha val="90000"/>
+      </a:schemeClr>
+    </dgm:fillClrLst>
+    <dgm:linClrLst meth="repeat">
+      <a:schemeClr val="accent1"/>
+    </dgm:linClrLst>
+    <dgm:effectClrLst/>
+    <dgm:txLinClrLst/>
+    <dgm:txFillClrLst meth="repeat">
+      <a:schemeClr val="dk1"/>
+    </dgm:txFillClrLst>
+    <dgm:txEffectClrLst/>
+  </dgm:styleLbl>
+  <dgm:styleLbl name="conFgAcc1">
+    <dgm:fillClrLst meth="repeat">
+      <a:schemeClr val="lt1">
+        <a:alpha val="90000"/>
+      </a:schemeClr>
+    </dgm:fillClrLst>
+    <dgm:linClrLst meth="repeat">
+      <a:schemeClr val="accent1"/>
+    </dgm:linClrLst>
+    <dgm:effectClrLst/>
+    <dgm:txLinClrLst/>
+    <dgm:txFillClrLst meth="repeat">
+      <a:schemeClr val="dk1"/>
+    </dgm:txFillClrLst>
+    <dgm:txEffectClrLst/>
+  </dgm:styleLbl>
+  <dgm:styleLbl name="alignAcc1">
+    <dgm:fillClrLst meth="repeat">
+      <a:schemeClr val="lt1">
+        <a:alpha val="90000"/>
+      </a:schemeClr>
+    </dgm:fillClrLst>
+    <dgm:linClrLst meth="repeat">
+      <a:schemeClr val="accent1"/>
+    </dgm:linClrLst>
+    <dgm:effectClrLst/>
+    <dgm:txLinClrLst/>
+    <dgm:txFillClrLst meth="repeat">
+      <a:schemeClr val="dk1"/>
+    </dgm:txFillClrLst>
+    <dgm:txEffectClrLst/>
+  </dgm:styleLbl>
+  <dgm:styleLbl name="trAlignAcc1">
+    <dgm:fillClrLst meth="repeat">
+      <a:schemeClr val="lt1">
+        <a:alpha val="40000"/>
+      </a:schemeClr>
+    </dgm:fillClrLst>
+    <dgm:linClrLst meth="repeat">
+      <a:schemeClr val="accent1"/>
+    </dgm:linClrLst>
+    <dgm:effectClrLst/>
+    <dgm:txLinClrLst/>
+    <dgm:txFillClrLst meth="repeat">
+      <a:schemeClr val="dk1"/>
+    </dgm:txFillClrLst>
+    <dgm:txEffectClrLst/>
+  </dgm:styleLbl>
+  <dgm:styleLbl name="bgAcc1">
+    <dgm:fillClrLst meth="repeat">
+      <a:schemeClr val="lt1">
+        <a:alpha val="90000"/>
+      </a:schemeClr>
+    </dgm:fillClrLst>
+    <dgm:linClrLst meth="repeat">
+      <a:schemeClr val="accent1"/>
+    </dgm:linClrLst>
+    <dgm:effectClrLst/>
+    <dgm:txLinClrLst/>
+    <dgm:txFillClrLst meth="repeat">
+      <a:schemeClr val="dk1"/>
+    </dgm:txFillClrLst>
+    <dgm:txEffectClrLst/>
+  </dgm:styleLbl>
+  <dgm:styleLbl name="solidFgAcc1">
+    <dgm:fillClrLst meth="repeat">
+      <a:schemeClr val="lt1"/>
+    </dgm:fillClrLst>
+    <dgm:linClrLst meth="repeat">
+      <a:schemeClr val="accent1"/>
+    </dgm:linClrLst>
+    <dgm:effectClrLst/>
+    <dgm:txLinClrLst/>
+    <dgm:txFillClrLst meth="repeat">
+      <a:schemeClr val="dk1"/>
+    </dgm:txFillClrLst>
+    <dgm:txEffectClrLst/>
+  </dgm:styleLbl>
+  <dgm:styleLbl name="solidAlignAcc1">
+    <dgm:fillClrLst meth="repeat">
+      <a:schemeClr val="lt1"/>
+    </dgm:fillClrLst>
+    <dgm:linClrLst meth="repeat">
+      <a:schemeClr val="accent1"/>
+    </dgm:linClrLst>
+    <dgm:effectClrLst/>
+    <dgm:txLinClrLst/>
+    <dgm:txFillClrLst meth="repeat">
+      <a:schemeClr val="dk1"/>
+    </dgm:txFillClrLst>
+    <dgm:txEffectClrLst/>
+  </dgm:styleLbl>
+  <dgm:styleLbl name="solidBgAcc1">
+    <dgm:fillClrLst meth="repeat">
+      <a:schemeClr val="lt1"/>
+    </dgm:fillClrLst>
+    <dgm:linClrLst meth="repeat">
+      <a:schemeClr val="accent1"/>
+    </dgm:linClrLst>
+    <dgm:effectClrLst/>
+    <dgm:txLinClrLst/>
+    <dgm:txFillClrLst meth="repeat">
+      <a:schemeClr val="dk1"/>
+    </dgm:txFillClrLst>
+    <dgm:txEffectClrLst/>
+  </dgm:styleLbl>
+  <dgm:styleLbl name="fgAccFollowNode1">
+    <dgm:fillClrLst meth="repeat">
+      <a:schemeClr val="accent1">
+        <a:alpha val="90000"/>
+        <a:tint val="40000"/>
+      </a:schemeClr>
+    </dgm:fillClrLst>
+    <dgm:linClrLst meth="repeat">
+      <a:schemeClr val="accent1">
+        <a:alpha val="90000"/>
+        <a:tint val="40000"/>
+      </a:schemeClr>
+    </dgm:linClrLst>
+    <dgm:effectClrLst/>
+    <dgm:txLinClrLst/>
+    <dgm:txFillClrLst meth="repeat">
+      <a:schemeClr val="dk1"/>
+    </dgm:txFillClrLst>
+    <dgm:txEffectClrLst/>
+  </dgm:styleLbl>
+  <dgm:styleLbl name="alignAccFollowNode1">
+    <dgm:fillClrLst meth="repeat">
+      <a:schemeClr val="accent1">
+        <a:alpha val="90000"/>
+        <a:tint val="40000"/>
+      </a:schemeClr>
+    </dgm:fillClrLst>
+    <dgm:linClrLst meth="repeat">
+      <a:schemeClr val="accent1">
+        <a:alpha val="90000"/>
+        <a:tint val="40000"/>
+      </a:schemeClr>
+    </dgm:linClrLst>
+    <dgm:effectClrLst/>
+    <dgm:txLinClrLst/>
+    <dgm:txFillClrLst meth="repeat">
+      <a:schemeClr val="dk1"/>
+    </dgm:txFillClrLst>
+    <dgm:txEffectClrLst/>
+  </dgm:styleLbl>
+  <dgm:styleLbl name="bgAccFollowNode1">
+    <dgm:fillClrLst meth="repeat">
+      <a:schemeClr val="accent1">
+        <a:alpha val="90000"/>
+        <a:tint val="40000"/>
+      </a:schemeClr>
+    </dgm:fillClrLst>
+    <dgm:linClrLst meth="repeat">
+      <a:schemeClr val="accent1">
+        <a:alpha val="90000"/>
+        <a:tint val="40000"/>
+      </a:schemeClr>
+    </dgm:linClrLst>
+    <dgm:effectClrLst/>
+    <dgm:txLinClrLst/>
+    <dgm:txFillClrLst meth="repeat">
+      <a:schemeClr val="dk1"/>
+    </dgm:txFillClrLst>
+    <dgm:txEffectClrLst/>
+  </dgm:styleLbl>
+  <dgm:styleLbl name="fgAcc0">
+    <dgm:fillClrLst meth="repeat">
+      <a:schemeClr val="lt1">
+        <a:alpha val="90000"/>
+      </a:schemeClr>
+    </dgm:fillClrLst>
+    <dgm:linClrLst meth="repeat">
+      <a:schemeClr val="accent1"/>
+    </dgm:linClrLst>
+    <dgm:effectClrLst/>
+    <dgm:txLinClrLst/>
+    <dgm:txFillClrLst meth="repeat">
+      <a:schemeClr val="dk1"/>
+    </dgm:txFillClrLst>
+    <dgm:txEffectClrLst/>
+  </dgm:styleLbl>
+  <dgm:styleLbl name="fgAcc2">
+    <dgm:fillClrLst meth="repeat">
+      <a:schemeClr val="lt1">
+        <a:alpha val="90000"/>
+      </a:schemeClr>
+    </dgm:fillClrLst>
+    <dgm:linClrLst meth="repeat">
+      <a:schemeClr val="accent1"/>
+    </dgm:linClrLst>
+    <dgm:effectClrLst/>
+    <dgm:txLinClrLst/>
+    <dgm:txFillClrLst meth="repeat">
+      <a:schemeClr val="dk1"/>
+    </dgm:txFillClrLst>
+    <dgm:txEffectClrLst/>
+  </dgm:styleLbl>
+  <dgm:styleLbl name="fgAcc3">
+    <dgm:fillClrLst meth="repeat">
+      <a:schemeClr val="lt1">
+        <a:alpha val="90000"/>
+      </a:schemeClr>
+    </dgm:fillClrLst>
+    <dgm:linClrLst meth="repeat">
+      <a:schemeClr val="accent1"/>
+    </dgm:linClrLst>
+    <dgm:effectClrLst/>
+    <dgm:txLinClrLst/>
+    <dgm:txFillClrLst meth="repeat">
+      <a:schemeClr val="dk1"/>
+    </dgm:txFillClrLst>
+    <dgm:txEffectClrLst/>
+  </dgm:styleLbl>
+  <dgm:styleLbl name="fgAcc4">
+    <dgm:fillClrLst meth="repeat">
+      <a:schemeClr val="lt1">
+        <a:alpha val="90000"/>
+      </a:schemeClr>
+    </dgm:fillClrLst>
+    <dgm:linClrLst meth="repeat">
+      <a:schemeClr val="accent1"/>
+    </dgm:linClrLst>
+    <dgm:effectClrLst/>
+    <dgm:txLinClrLst/>
+    <dgm:txFillClrLst meth="repeat">
+      <a:schemeClr val="dk1"/>
+    </dgm:txFillClrLst>
+    <dgm:txEffectClrLst/>
+  </dgm:styleLbl>
+  <dgm:styleLbl name="bgShp">
+    <dgm:fillClrLst meth="repeat">
+      <a:schemeClr val="accent1">
+        <a:tint val="40000"/>
+      </a:schemeClr>
+    </dgm:fillClrLst>
+    <dgm:linClrLst meth="repeat">
+      <a:schemeClr val="accent1"/>
+    </dgm:linClrLst>
+    <dgm:effectClrLst/>
+    <dgm:txLinClrLst/>
+    <dgm:txFillClrLst meth="repeat">
+      <a:schemeClr val="dk1"/>
+    </dgm:txFillClrLst>
+    <dgm:txEffectClrLst/>
+  </dgm:styleLbl>
+  <dgm:styleLbl name="dkBgShp">
+    <dgm:fillClrLst meth="repeat">
+      <a:schemeClr val="accent1">
+        <a:shade val="80000"/>
+      </a:schemeClr>
+    </dgm:fillClrLst>
+    <dgm:linClrLst meth="repeat">
+      <a:schemeClr val="accent1"/>
+    </dgm:linClrLst>
+    <dgm:effectClrLst/>
+    <dgm:txLinClrLst/>
+    <dgm:txFillClrLst meth="repeat">
+      <a:schemeClr val="lt1"/>
+    </dgm:txFillClrLst>
+    <dgm:txEffectClrLst/>
+  </dgm:styleLbl>
+  <dgm:styleLbl name="trBgShp">
+    <dgm:fillClrLst meth="repeat">
+      <a:schemeClr val="accent1">
+        <a:tint val="50000"/>
+        <a:alpha val="40000"/>
+      </a:schemeClr>
+    </dgm:fillClrLst>
+    <dgm:linClrLst meth="repeat">
+      <a:schemeClr val="accent1"/>
+    </dgm:linClrLst>
+    <dgm:effectClrLst/>
+    <dgm:txLinClrLst/>
+    <dgm:txFillClrLst meth="repeat">
+      <a:schemeClr val="lt1"/>
+    </dgm:txFillClrLst>
+    <dgm:txEffectClrLst/>
+  </dgm:styleLbl>
+  <dgm:styleLbl name="fgShp">
+    <dgm:fillClrLst meth="repeat">
+      <a:schemeClr val="accent1">
+        <a:tint val="60000"/>
+      </a:schemeClr>
+    </dgm:fillClrLst>
+    <dgm:linClrLst meth="repeat">
+      <a:schemeClr val="lt1"/>
+    </dgm:linClrLst>
+    <dgm:effectClrLst/>
+    <dgm:txLinClrLst/>
+    <dgm:txFillClrLst meth="repeat">
+      <a:schemeClr val="dk1"/>
+    </dgm:txFillClrLst>
+    <dgm:txEffectClrLst/>
+  </dgm:styleLbl>
+  <dgm:styleLbl name="revTx">
+    <dgm:fillClrLst meth="repeat">
+      <a:schemeClr val="lt1">
+        <a:alpha val="0"/>
+      </a:schemeClr>
+    </dgm:fillClrLst>
+    <dgm:linClrLst meth="repeat">
+      <a:schemeClr val="dk1">
+        <a:alpha val="0"/>
+      </a:schemeClr>
+    </dgm:linClrLst>
+    <dgm:effectClrLst/>
+    <dgm:txLinClrLst/>
+    <dgm:txFillClrLst meth="repeat">
+      <a:schemeClr val="tx1"/>
+    </dgm:txFillClrLst>
+    <dgm:txEffectClrLst/>
+  </dgm:styleLbl>
+</dgm:colorsDef>
+</file>
+
+<file path=ppt/diagrams/data1.xml><?xml version="1.0" encoding="utf-8"?>
+<dgm:dataModel xmlns:dgm="http://schemas.openxmlformats.org/drawingml/2006/diagram" xmlns:a="http://schemas.openxmlformats.org/drawingml/2006/main">
+  <dgm:ptLst>
+    <dgm:pt modelId="{49CDFB4C-9E99-41B3-936C-91411F62B592}" type="doc">
+      <dgm:prSet loTypeId="urn:microsoft.com/office/officeart/2005/8/layout/hierarchy1" loCatId="hierarchy" qsTypeId="urn:microsoft.com/office/officeart/2005/8/quickstyle/simple1" qsCatId="simple" csTypeId="urn:microsoft.com/office/officeart/2005/8/colors/accent1_2" csCatId="accent1" phldr="1"/>
+      <dgm:spPr/>
+      <dgm:t>
+        <a:bodyPr/>
+        <a:lstStyle/>
+        <a:p>
+          <a:endParaRPr lang="en-US"/>
+        </a:p>
+      </dgm:t>
+    </dgm:pt>
+    <dgm:pt modelId="{0FDB5B07-1B91-4AFD-B28D-67B9087A0B5A}">
+      <dgm:prSet/>
+      <dgm:spPr/>
+      <dgm:t>
+        <a:bodyPr/>
+        <a:lstStyle/>
+        <a:p>
+          <a:r>
+            <a:rPr lang="en-FI"/>
+            <a:t>Electrospray</a:t>
+          </a:r>
+          <a:endParaRPr lang="en-US"/>
+        </a:p>
+      </dgm:t>
+    </dgm:pt>
+    <dgm:pt modelId="{2A15C453-6895-4BFB-8DC4-FDFDA02559ED}" type="parTrans" cxnId="{5852AD87-5703-48F8-87E4-EBB90363BDF0}">
+      <dgm:prSet/>
+      <dgm:spPr/>
+      <dgm:t>
+        <a:bodyPr/>
+        <a:lstStyle/>
+        <a:p>
+          <a:endParaRPr lang="en-US"/>
+        </a:p>
+      </dgm:t>
+    </dgm:pt>
+    <dgm:pt modelId="{7A2AB993-A4E5-43F8-AEF7-8319C914CC36}" type="sibTrans" cxnId="{5852AD87-5703-48F8-87E4-EBB90363BDF0}">
+      <dgm:prSet/>
+      <dgm:spPr/>
+      <dgm:t>
+        <a:bodyPr/>
+        <a:lstStyle/>
+        <a:p>
+          <a:endParaRPr lang="en-US"/>
+        </a:p>
+      </dgm:t>
+    </dgm:pt>
+    <dgm:pt modelId="{D9FD3F03-1133-4E1C-A702-D297459C80DF}">
+      <dgm:prSet/>
+      <dgm:spPr/>
+      <dgm:t>
+        <a:bodyPr/>
+        <a:lstStyle/>
+        <a:p>
+          <a:r>
+            <a:rPr lang="en-FI" dirty="0"/>
+            <a:t>MALDI</a:t>
+          </a:r>
+          <a:endParaRPr lang="en-US" dirty="0"/>
+        </a:p>
+      </dgm:t>
+    </dgm:pt>
+    <dgm:pt modelId="{9A853CAB-C98F-46D0-9B5C-BF17FB3F991D}" type="parTrans" cxnId="{8A06F40A-BA6E-4B88-97D3-D04E839964FF}">
+      <dgm:prSet/>
+      <dgm:spPr/>
+      <dgm:t>
+        <a:bodyPr/>
+        <a:lstStyle/>
+        <a:p>
+          <a:endParaRPr lang="en-US"/>
+        </a:p>
+      </dgm:t>
+    </dgm:pt>
+    <dgm:pt modelId="{BDE0A4CB-FCFC-49DF-8928-5F91A6EF4CB9}" type="sibTrans" cxnId="{8A06F40A-BA6E-4B88-97D3-D04E839964FF}">
+      <dgm:prSet/>
+      <dgm:spPr/>
+      <dgm:t>
+        <a:bodyPr/>
+        <a:lstStyle/>
+        <a:p>
+          <a:endParaRPr lang="en-US"/>
+        </a:p>
+      </dgm:t>
+    </dgm:pt>
+    <dgm:pt modelId="{6DED76B9-2EF6-574E-B07B-754D8451862D}">
+      <dgm:prSet/>
+      <dgm:spPr/>
+      <dgm:t>
+        <a:bodyPr/>
+        <a:lstStyle/>
+        <a:p>
+          <a:r>
+            <a:rPr lang="en-US" dirty="0"/>
+            <a:t>Other methods</a:t>
+          </a:r>
+        </a:p>
+      </dgm:t>
+    </dgm:pt>
+    <dgm:pt modelId="{7B3B8D6B-3A51-2241-8419-906B941AEABD}" type="parTrans" cxnId="{AE04305E-ACED-9B4D-8891-1947648B1B56}">
+      <dgm:prSet/>
+      <dgm:spPr/>
+      <dgm:t>
+        <a:bodyPr/>
+        <a:lstStyle/>
+        <a:p>
+          <a:endParaRPr lang="en-GB"/>
+        </a:p>
+      </dgm:t>
+    </dgm:pt>
+    <dgm:pt modelId="{3851A886-B61E-A443-8C04-48712E5F0B41}" type="sibTrans" cxnId="{AE04305E-ACED-9B4D-8891-1947648B1B56}">
+      <dgm:prSet/>
+      <dgm:spPr/>
+      <dgm:t>
+        <a:bodyPr/>
+        <a:lstStyle/>
+        <a:p>
+          <a:endParaRPr lang="en-GB"/>
+        </a:p>
+      </dgm:t>
+    </dgm:pt>
+    <dgm:pt modelId="{C7356610-5995-7045-B855-6D883E6CE114}" type="pres">
+      <dgm:prSet presAssocID="{49CDFB4C-9E99-41B3-936C-91411F62B592}" presName="hierChild1" presStyleCnt="0">
+        <dgm:presLayoutVars>
+          <dgm:chPref val="1"/>
+          <dgm:dir/>
+          <dgm:animOne val="branch"/>
+          <dgm:animLvl val="lvl"/>
+          <dgm:resizeHandles/>
+        </dgm:presLayoutVars>
+      </dgm:prSet>
+      <dgm:spPr/>
+    </dgm:pt>
+    <dgm:pt modelId="{E7C75C43-6081-3147-B317-9A4A2D631B09}" type="pres">
+      <dgm:prSet presAssocID="{0FDB5B07-1B91-4AFD-B28D-67B9087A0B5A}" presName="hierRoot1" presStyleCnt="0"/>
+      <dgm:spPr/>
+    </dgm:pt>
+    <dgm:pt modelId="{B81459C6-888C-994B-9E79-BD7B8DFE7A19}" type="pres">
+      <dgm:prSet presAssocID="{0FDB5B07-1B91-4AFD-B28D-67B9087A0B5A}" presName="composite" presStyleCnt="0"/>
+      <dgm:spPr/>
+    </dgm:pt>
+    <dgm:pt modelId="{F379B235-2164-B540-88B5-4D306DA7D403}" type="pres">
+      <dgm:prSet presAssocID="{0FDB5B07-1B91-4AFD-B28D-67B9087A0B5A}" presName="background" presStyleLbl="node0" presStyleIdx="0" presStyleCnt="3"/>
+      <dgm:spPr/>
+    </dgm:pt>
+    <dgm:pt modelId="{BADB9C42-9FF8-4148-8CEC-A54F61916C95}" type="pres">
+      <dgm:prSet presAssocID="{0FDB5B07-1B91-4AFD-B28D-67B9087A0B5A}" presName="text" presStyleLbl="fgAcc0" presStyleIdx="0" presStyleCnt="3">
+        <dgm:presLayoutVars>
+          <dgm:chPref val="3"/>
+        </dgm:presLayoutVars>
+      </dgm:prSet>
+      <dgm:spPr/>
+    </dgm:pt>
+    <dgm:pt modelId="{E99E1BF4-95DC-1443-BD58-1A851516A893}" type="pres">
+      <dgm:prSet presAssocID="{0FDB5B07-1B91-4AFD-B28D-67B9087A0B5A}" presName="hierChild2" presStyleCnt="0"/>
+      <dgm:spPr/>
+    </dgm:pt>
+    <dgm:pt modelId="{B343B91E-6052-3643-9935-A119CE544088}" type="pres">
+      <dgm:prSet presAssocID="{D9FD3F03-1133-4E1C-A702-D297459C80DF}" presName="hierRoot1" presStyleCnt="0"/>
+      <dgm:spPr/>
+    </dgm:pt>
+    <dgm:pt modelId="{6061680D-4E95-724A-AD24-AB40B1D8B779}" type="pres">
+      <dgm:prSet presAssocID="{D9FD3F03-1133-4E1C-A702-D297459C80DF}" presName="composite" presStyleCnt="0"/>
+      <dgm:spPr/>
+    </dgm:pt>
+    <dgm:pt modelId="{C882061E-FE45-684A-81CD-14F4A38879F3}" type="pres">
+      <dgm:prSet presAssocID="{D9FD3F03-1133-4E1C-A702-D297459C80DF}" presName="background" presStyleLbl="node0" presStyleIdx="1" presStyleCnt="3"/>
+      <dgm:spPr/>
+    </dgm:pt>
+    <dgm:pt modelId="{715043EB-4A21-A34F-AC2A-BCD2A8D09454}" type="pres">
+      <dgm:prSet presAssocID="{D9FD3F03-1133-4E1C-A702-D297459C80DF}" presName="text" presStyleLbl="fgAcc0" presStyleIdx="1" presStyleCnt="3">
+        <dgm:presLayoutVars>
+          <dgm:chPref val="3"/>
+        </dgm:presLayoutVars>
+      </dgm:prSet>
+      <dgm:spPr/>
+    </dgm:pt>
+    <dgm:pt modelId="{B46D49CD-B247-4541-B0A0-C89B716A39B4}" type="pres">
+      <dgm:prSet presAssocID="{D9FD3F03-1133-4E1C-A702-D297459C80DF}" presName="hierChild2" presStyleCnt="0"/>
+      <dgm:spPr/>
+    </dgm:pt>
+    <dgm:pt modelId="{93565FF4-29A2-5345-91C3-33A5D23E222E}" type="pres">
+      <dgm:prSet presAssocID="{6DED76B9-2EF6-574E-B07B-754D8451862D}" presName="hierRoot1" presStyleCnt="0"/>
+      <dgm:spPr/>
+    </dgm:pt>
+    <dgm:pt modelId="{7965BE5A-C058-8949-A114-98B12F251D68}" type="pres">
+      <dgm:prSet presAssocID="{6DED76B9-2EF6-574E-B07B-754D8451862D}" presName="composite" presStyleCnt="0"/>
+      <dgm:spPr/>
+    </dgm:pt>
+    <dgm:pt modelId="{B92310F5-D9CF-B44B-AF35-15627A3B3449}" type="pres">
+      <dgm:prSet presAssocID="{6DED76B9-2EF6-574E-B07B-754D8451862D}" presName="background" presStyleLbl="node0" presStyleIdx="2" presStyleCnt="3"/>
+      <dgm:spPr/>
+    </dgm:pt>
+    <dgm:pt modelId="{23CFEF48-8812-054F-B1AE-EF70D931213A}" type="pres">
+      <dgm:prSet presAssocID="{6DED76B9-2EF6-574E-B07B-754D8451862D}" presName="text" presStyleLbl="fgAcc0" presStyleIdx="2" presStyleCnt="3" custLinFactX="-66561" custLinFactY="40366" custLinFactNeighborX="-100000" custLinFactNeighborY="100000">
+        <dgm:presLayoutVars>
+          <dgm:chPref val="3"/>
+        </dgm:presLayoutVars>
+      </dgm:prSet>
+      <dgm:spPr/>
+    </dgm:pt>
+    <dgm:pt modelId="{F189BB61-574E-A04F-BD57-005F59B6430C}" type="pres">
+      <dgm:prSet presAssocID="{6DED76B9-2EF6-574E-B07B-754D8451862D}" presName="hierChild2" presStyleCnt="0"/>
+      <dgm:spPr/>
+    </dgm:pt>
+  </dgm:ptLst>
+  <dgm:cxnLst>
+    <dgm:cxn modelId="{A11D1A0A-902A-5740-9C89-B621D9C3B381}" type="presOf" srcId="{6DED76B9-2EF6-574E-B07B-754D8451862D}" destId="{23CFEF48-8812-054F-B1AE-EF70D931213A}" srcOrd="0" destOrd="0" presId="urn:microsoft.com/office/officeart/2005/8/layout/hierarchy1"/>
+    <dgm:cxn modelId="{8A06F40A-BA6E-4B88-97D3-D04E839964FF}" srcId="{49CDFB4C-9E99-41B3-936C-91411F62B592}" destId="{D9FD3F03-1133-4E1C-A702-D297459C80DF}" srcOrd="1" destOrd="0" parTransId="{9A853CAB-C98F-46D0-9B5C-BF17FB3F991D}" sibTransId="{BDE0A4CB-FCFC-49DF-8928-5F91A6EF4CB9}"/>
+    <dgm:cxn modelId="{EB95EF5A-E83F-CD45-86FC-277A3B64B71A}" type="presOf" srcId="{D9FD3F03-1133-4E1C-A702-D297459C80DF}" destId="{715043EB-4A21-A34F-AC2A-BCD2A8D09454}" srcOrd="0" destOrd="0" presId="urn:microsoft.com/office/officeart/2005/8/layout/hierarchy1"/>
+    <dgm:cxn modelId="{AE04305E-ACED-9B4D-8891-1947648B1B56}" srcId="{49CDFB4C-9E99-41B3-936C-91411F62B592}" destId="{6DED76B9-2EF6-574E-B07B-754D8451862D}" srcOrd="2" destOrd="0" parTransId="{7B3B8D6B-3A51-2241-8419-906B941AEABD}" sibTransId="{3851A886-B61E-A443-8C04-48712E5F0B41}"/>
+    <dgm:cxn modelId="{F7846E87-8FB6-FC41-B0E9-AD42577EBDF0}" type="presOf" srcId="{49CDFB4C-9E99-41B3-936C-91411F62B592}" destId="{C7356610-5995-7045-B855-6D883E6CE114}" srcOrd="0" destOrd="0" presId="urn:microsoft.com/office/officeart/2005/8/layout/hierarchy1"/>
+    <dgm:cxn modelId="{5852AD87-5703-48F8-87E4-EBB90363BDF0}" srcId="{49CDFB4C-9E99-41B3-936C-91411F62B592}" destId="{0FDB5B07-1B91-4AFD-B28D-67B9087A0B5A}" srcOrd="0" destOrd="0" parTransId="{2A15C453-6895-4BFB-8DC4-FDFDA02559ED}" sibTransId="{7A2AB993-A4E5-43F8-AEF7-8319C914CC36}"/>
+    <dgm:cxn modelId="{458462F7-2B39-A541-A04D-2B373551B631}" type="presOf" srcId="{0FDB5B07-1B91-4AFD-B28D-67B9087A0B5A}" destId="{BADB9C42-9FF8-4148-8CEC-A54F61916C95}" srcOrd="0" destOrd="0" presId="urn:microsoft.com/office/officeart/2005/8/layout/hierarchy1"/>
+    <dgm:cxn modelId="{B5B14289-7AC6-B148-B81C-BDD2054A2868}" type="presParOf" srcId="{C7356610-5995-7045-B855-6D883E6CE114}" destId="{E7C75C43-6081-3147-B317-9A4A2D631B09}" srcOrd="0" destOrd="0" presId="urn:microsoft.com/office/officeart/2005/8/layout/hierarchy1"/>
+    <dgm:cxn modelId="{0044CF26-77D3-3342-8A20-6C51462BB59F}" type="presParOf" srcId="{E7C75C43-6081-3147-B317-9A4A2D631B09}" destId="{B81459C6-888C-994B-9E79-BD7B8DFE7A19}" srcOrd="0" destOrd="0" presId="urn:microsoft.com/office/officeart/2005/8/layout/hierarchy1"/>
+    <dgm:cxn modelId="{CEE2C2D0-D1B5-B94D-A029-E322A834A25F}" type="presParOf" srcId="{B81459C6-888C-994B-9E79-BD7B8DFE7A19}" destId="{F379B235-2164-B540-88B5-4D306DA7D403}" srcOrd="0" destOrd="0" presId="urn:microsoft.com/office/officeart/2005/8/layout/hierarchy1"/>
+    <dgm:cxn modelId="{7C54B77F-4FD0-EE4B-9813-2142734F83C7}" type="presParOf" srcId="{B81459C6-888C-994B-9E79-BD7B8DFE7A19}" destId="{BADB9C42-9FF8-4148-8CEC-A54F61916C95}" srcOrd="1" destOrd="0" presId="urn:microsoft.com/office/officeart/2005/8/layout/hierarchy1"/>
+    <dgm:cxn modelId="{4A82030D-79A7-4F4F-B3C7-0B69F6C7A682}" type="presParOf" srcId="{E7C75C43-6081-3147-B317-9A4A2D631B09}" destId="{E99E1BF4-95DC-1443-BD58-1A851516A893}" srcOrd="1" destOrd="0" presId="urn:microsoft.com/office/officeart/2005/8/layout/hierarchy1"/>
+    <dgm:cxn modelId="{64F1A093-040B-034C-9A7F-4EC8B991D699}" type="presParOf" srcId="{C7356610-5995-7045-B855-6D883E6CE114}" destId="{B343B91E-6052-3643-9935-A119CE544088}" srcOrd="1" destOrd="0" presId="urn:microsoft.com/office/officeart/2005/8/layout/hierarchy1"/>
+    <dgm:cxn modelId="{21EF60DC-47B8-3B4A-AEFD-FB0193CE8D47}" type="presParOf" srcId="{B343B91E-6052-3643-9935-A119CE544088}" destId="{6061680D-4E95-724A-AD24-AB40B1D8B779}" srcOrd="0" destOrd="0" presId="urn:microsoft.com/office/officeart/2005/8/layout/hierarchy1"/>
+    <dgm:cxn modelId="{A18AF529-F191-AE40-BF99-A1BFF002EB00}" type="presParOf" srcId="{6061680D-4E95-724A-AD24-AB40B1D8B779}" destId="{C882061E-FE45-684A-81CD-14F4A38879F3}" srcOrd="0" destOrd="0" presId="urn:microsoft.com/office/officeart/2005/8/layout/hierarchy1"/>
+    <dgm:cxn modelId="{0AFF1D29-60D3-9B4B-A311-9FBE0967D93C}" type="presParOf" srcId="{6061680D-4E95-724A-AD24-AB40B1D8B779}" destId="{715043EB-4A21-A34F-AC2A-BCD2A8D09454}" srcOrd="1" destOrd="0" presId="urn:microsoft.com/office/officeart/2005/8/layout/hierarchy1"/>
+    <dgm:cxn modelId="{B6E0635F-8335-AB44-AFF9-D311C2920602}" type="presParOf" srcId="{B343B91E-6052-3643-9935-A119CE544088}" destId="{B46D49CD-B247-4541-B0A0-C89B716A39B4}" srcOrd="1" destOrd="0" presId="urn:microsoft.com/office/officeart/2005/8/layout/hierarchy1"/>
+    <dgm:cxn modelId="{6EE5F681-C2C7-2641-AA97-6FE5F3CB814D}" type="presParOf" srcId="{C7356610-5995-7045-B855-6D883E6CE114}" destId="{93565FF4-29A2-5345-91C3-33A5D23E222E}" srcOrd="2" destOrd="0" presId="urn:microsoft.com/office/officeart/2005/8/layout/hierarchy1"/>
+    <dgm:cxn modelId="{B8938E97-F7FA-CD4B-98E6-5D3FB5A45B07}" type="presParOf" srcId="{93565FF4-29A2-5345-91C3-33A5D23E222E}" destId="{7965BE5A-C058-8949-A114-98B12F251D68}" srcOrd="0" destOrd="0" presId="urn:microsoft.com/office/officeart/2005/8/layout/hierarchy1"/>
+    <dgm:cxn modelId="{9E9DFFEE-A83E-E34E-8C6B-3AF98810CEF5}" type="presParOf" srcId="{7965BE5A-C058-8949-A114-98B12F251D68}" destId="{B92310F5-D9CF-B44B-AF35-15627A3B3449}" srcOrd="0" destOrd="0" presId="urn:microsoft.com/office/officeart/2005/8/layout/hierarchy1"/>
+    <dgm:cxn modelId="{1BD45443-5426-3540-A601-D99F1096F4EA}" type="presParOf" srcId="{7965BE5A-C058-8949-A114-98B12F251D68}" destId="{23CFEF48-8812-054F-B1AE-EF70D931213A}" srcOrd="1" destOrd="0" presId="urn:microsoft.com/office/officeart/2005/8/layout/hierarchy1"/>
+    <dgm:cxn modelId="{6A9A2487-E159-DA45-9BEA-FDC4EFEE0771}" type="presParOf" srcId="{93565FF4-29A2-5345-91C3-33A5D23E222E}" destId="{F189BB61-574E-A04F-BD57-005F59B6430C}" srcOrd="1" destOrd="0" presId="urn:microsoft.com/office/officeart/2005/8/layout/hierarchy1"/>
+  </dgm:cxnLst>
+  <dgm:bg/>
+  <dgm:whole/>
+  <dgm:extLst>
+    <a:ext uri="http://schemas.microsoft.com/office/drawing/2008/diagram">
+      <dsp:dataModelExt xmlns:dsp="http://schemas.microsoft.com/office/drawing/2008/diagram" relId="rId6" minVer="http://schemas.openxmlformats.org/drawingml/2006/diagram"/>
+    </a:ext>
+  </dgm:extLst>
+</dgm:dataModel>
+</file>
+
+<file path=ppt/diagrams/drawing1.xml><?xml version="1.0" encoding="utf-8"?>
+<dsp:drawing xmlns:dgm="http://schemas.openxmlformats.org/drawingml/2006/diagram" xmlns:dsp="http://schemas.microsoft.com/office/drawing/2008/diagram" xmlns:a="http://schemas.openxmlformats.org/drawingml/2006/main">
+  <dsp:spTree>
+    <dsp:nvGrpSpPr>
+      <dsp:cNvPr id="0" name=""/>
+      <dsp:cNvGrpSpPr/>
+    </dsp:nvGrpSpPr>
+    <dsp:grpSpPr/>
+    <dsp:sp modelId="{F379B235-2164-B540-88B5-4D306DA7D403}">
+      <dsp:nvSpPr>
+        <dsp:cNvPr id="0" name=""/>
+        <dsp:cNvSpPr/>
+      </dsp:nvSpPr>
+      <dsp:spPr>
+        <a:xfrm>
+          <a:off x="0" y="1960943"/>
+          <a:ext cx="2037446" cy="1293778"/>
+        </a:xfrm>
+        <a:prstGeom prst="roundRect">
+          <a:avLst>
+            <a:gd name="adj" fmla="val 10000"/>
+          </a:avLst>
+        </a:prstGeom>
+        <a:solidFill>
+          <a:schemeClr val="accent1">
+            <a:hueOff val="0"/>
+            <a:satOff val="0"/>
+            <a:lumOff val="0"/>
+            <a:alphaOff val="0"/>
+          </a:schemeClr>
+        </a:solidFill>
+        <a:ln w="19050" cap="flat" cmpd="sng" algn="ctr">
+          <a:solidFill>
+            <a:schemeClr val="lt1">
+              <a:hueOff val="0"/>
+              <a:satOff val="0"/>
+              <a:lumOff val="0"/>
+              <a:alphaOff val="0"/>
+            </a:schemeClr>
+          </a:solidFill>
+          <a:prstDash val="solid"/>
+          <a:miter lim="800000"/>
+        </a:ln>
+        <a:effectLst/>
+      </dsp:spPr>
+      <dsp:style>
+        <a:lnRef idx="2">
+          <a:scrgbClr r="0" g="0" b="0"/>
+        </a:lnRef>
+        <a:fillRef idx="1">
+          <a:scrgbClr r="0" g="0" b="0"/>
+        </a:fillRef>
+        <a:effectRef idx="0">
+          <a:scrgbClr r="0" g="0" b="0"/>
+        </a:effectRef>
+        <a:fontRef idx="minor">
+          <a:schemeClr val="lt1"/>
+        </a:fontRef>
+      </dsp:style>
+    </dsp:sp>
+    <dsp:sp modelId="{BADB9C42-9FF8-4148-8CEC-A54F61916C95}">
+      <dsp:nvSpPr>
+        <dsp:cNvPr id="0" name=""/>
+        <dsp:cNvSpPr/>
+      </dsp:nvSpPr>
+      <dsp:spPr>
+        <a:xfrm>
+          <a:off x="226382" y="2176007"/>
+          <a:ext cx="2037446" cy="1293778"/>
+        </a:xfrm>
+        <a:prstGeom prst="roundRect">
+          <a:avLst>
+            <a:gd name="adj" fmla="val 10000"/>
+          </a:avLst>
+        </a:prstGeom>
+        <a:solidFill>
+          <a:schemeClr val="lt1">
+            <a:alpha val="90000"/>
+            <a:hueOff val="0"/>
+            <a:satOff val="0"/>
+            <a:lumOff val="0"/>
+            <a:alphaOff val="0"/>
+          </a:schemeClr>
+        </a:solidFill>
+        <a:ln w="19050" cap="flat" cmpd="sng" algn="ctr">
+          <a:solidFill>
+            <a:schemeClr val="accent1">
+              <a:hueOff val="0"/>
+              <a:satOff val="0"/>
+              <a:lumOff val="0"/>
+              <a:alphaOff val="0"/>
+            </a:schemeClr>
+          </a:solidFill>
+          <a:prstDash val="solid"/>
+          <a:miter lim="800000"/>
+        </a:ln>
+        <a:effectLst/>
+      </dsp:spPr>
+      <dsp:style>
+        <a:lnRef idx="2">
+          <a:scrgbClr r="0" g="0" b="0"/>
+        </a:lnRef>
+        <a:fillRef idx="1">
+          <a:scrgbClr r="0" g="0" b="0"/>
+        </a:fillRef>
+        <a:effectRef idx="0">
+          <a:scrgbClr r="0" g="0" b="0"/>
+        </a:effectRef>
+        <a:fontRef idx="minor"/>
+      </dsp:style>
+      <dsp:txBody>
+        <a:bodyPr spcFirstLastPara="0" vert="horz" wrap="square" lIns="95250" tIns="95250" rIns="95250" bIns="95250" numCol="1" spcCol="1270" anchor="ctr" anchorCtr="0">
+          <a:noAutofit/>
+        </a:bodyPr>
+        <a:lstStyle/>
+        <a:p>
+          <a:pPr marL="0" lvl="0" indent="0" algn="ctr" defTabSz="1111250">
+            <a:lnSpc>
+              <a:spcPct val="90000"/>
+            </a:lnSpc>
+            <a:spcBef>
+              <a:spcPct val="0"/>
+            </a:spcBef>
+            <a:spcAft>
+              <a:spcPct val="35000"/>
+            </a:spcAft>
+            <a:buNone/>
+          </a:pPr>
+          <a:r>
+            <a:rPr lang="en-FI" sz="2500" kern="1200"/>
+            <a:t>Electrospray</a:t>
+          </a:r>
+          <a:endParaRPr lang="en-US" sz="2500" kern="1200"/>
+        </a:p>
+      </dsp:txBody>
+      <dsp:txXfrm>
+        <a:off x="264275" y="2213900"/>
+        <a:ext cx="1961660" cy="1217992"/>
+      </dsp:txXfrm>
+    </dsp:sp>
+    <dsp:sp modelId="{C882061E-FE45-684A-81CD-14F4A38879F3}">
+      <dsp:nvSpPr>
+        <dsp:cNvPr id="0" name=""/>
+        <dsp:cNvSpPr/>
+      </dsp:nvSpPr>
+      <dsp:spPr>
+        <a:xfrm>
+          <a:off x="2490211" y="1960943"/>
+          <a:ext cx="2037446" cy="1293778"/>
+        </a:xfrm>
+        <a:prstGeom prst="roundRect">
+          <a:avLst>
+            <a:gd name="adj" fmla="val 10000"/>
+          </a:avLst>
+        </a:prstGeom>
+        <a:solidFill>
+          <a:schemeClr val="accent1">
+            <a:hueOff val="0"/>
+            <a:satOff val="0"/>
+            <a:lumOff val="0"/>
+            <a:alphaOff val="0"/>
+          </a:schemeClr>
+        </a:solidFill>
+        <a:ln w="19050" cap="flat" cmpd="sng" algn="ctr">
+          <a:solidFill>
+            <a:schemeClr val="lt1">
+              <a:hueOff val="0"/>
+              <a:satOff val="0"/>
+              <a:lumOff val="0"/>
+              <a:alphaOff val="0"/>
+            </a:schemeClr>
+          </a:solidFill>
+          <a:prstDash val="solid"/>
+          <a:miter lim="800000"/>
+        </a:ln>
+        <a:effectLst/>
+      </dsp:spPr>
+      <dsp:style>
+        <a:lnRef idx="2">
+          <a:scrgbClr r="0" g="0" b="0"/>
+        </a:lnRef>
+        <a:fillRef idx="1">
+          <a:scrgbClr r="0" g="0" b="0"/>
+        </a:fillRef>
+        <a:effectRef idx="0">
+          <a:scrgbClr r="0" g="0" b="0"/>
+        </a:effectRef>
+        <a:fontRef idx="minor">
+          <a:schemeClr val="lt1"/>
+        </a:fontRef>
+      </dsp:style>
+    </dsp:sp>
+    <dsp:sp modelId="{715043EB-4A21-A34F-AC2A-BCD2A8D09454}">
+      <dsp:nvSpPr>
+        <dsp:cNvPr id="0" name=""/>
+        <dsp:cNvSpPr/>
+      </dsp:nvSpPr>
+      <dsp:spPr>
+        <a:xfrm>
+          <a:off x="2716594" y="2176007"/>
+          <a:ext cx="2037446" cy="1293778"/>
+        </a:xfrm>
+        <a:prstGeom prst="roundRect">
+          <a:avLst>
+            <a:gd name="adj" fmla="val 10000"/>
+          </a:avLst>
+        </a:prstGeom>
+        <a:solidFill>
+          <a:schemeClr val="lt1">
+            <a:alpha val="90000"/>
+            <a:hueOff val="0"/>
+            <a:satOff val="0"/>
+            <a:lumOff val="0"/>
+            <a:alphaOff val="0"/>
+          </a:schemeClr>
+        </a:solidFill>
+        <a:ln w="19050" cap="flat" cmpd="sng" algn="ctr">
+          <a:solidFill>
+            <a:schemeClr val="accent1">
+              <a:hueOff val="0"/>
+              <a:satOff val="0"/>
+              <a:lumOff val="0"/>
+              <a:alphaOff val="0"/>
+            </a:schemeClr>
+          </a:solidFill>
+          <a:prstDash val="solid"/>
+          <a:miter lim="800000"/>
+        </a:ln>
+        <a:effectLst/>
+      </dsp:spPr>
+      <dsp:style>
+        <a:lnRef idx="2">
+          <a:scrgbClr r="0" g="0" b="0"/>
+        </a:lnRef>
+        <a:fillRef idx="1">
+          <a:scrgbClr r="0" g="0" b="0"/>
+        </a:fillRef>
+        <a:effectRef idx="0">
+          <a:scrgbClr r="0" g="0" b="0"/>
+        </a:effectRef>
+        <a:fontRef idx="minor"/>
+      </dsp:style>
+      <dsp:txBody>
+        <a:bodyPr spcFirstLastPara="0" vert="horz" wrap="square" lIns="95250" tIns="95250" rIns="95250" bIns="95250" numCol="1" spcCol="1270" anchor="ctr" anchorCtr="0">
+          <a:noAutofit/>
+        </a:bodyPr>
+        <a:lstStyle/>
+        <a:p>
+          <a:pPr marL="0" lvl="0" indent="0" algn="ctr" defTabSz="1111250">
+            <a:lnSpc>
+              <a:spcPct val="90000"/>
+            </a:lnSpc>
+            <a:spcBef>
+              <a:spcPct val="0"/>
+            </a:spcBef>
+            <a:spcAft>
+              <a:spcPct val="35000"/>
+            </a:spcAft>
+            <a:buNone/>
+          </a:pPr>
+          <a:r>
+            <a:rPr lang="en-FI" sz="2500" kern="1200" dirty="0"/>
+            <a:t>MALDI</a:t>
+          </a:r>
+          <a:endParaRPr lang="en-US" sz="2500" kern="1200" dirty="0"/>
+        </a:p>
+      </dsp:txBody>
+      <dsp:txXfrm>
+        <a:off x="2754487" y="2213900"/>
+        <a:ext cx="1961660" cy="1217992"/>
+      </dsp:txXfrm>
+    </dsp:sp>
+    <dsp:sp modelId="{B92310F5-D9CF-B44B-AF35-15627A3B3449}">
+      <dsp:nvSpPr>
+        <dsp:cNvPr id="0" name=""/>
+        <dsp:cNvSpPr/>
+      </dsp:nvSpPr>
+      <dsp:spPr>
+        <a:xfrm>
+          <a:off x="1586833" y="3776968"/>
+          <a:ext cx="2037446" cy="1293778"/>
+        </a:xfrm>
+        <a:prstGeom prst="roundRect">
+          <a:avLst>
+            <a:gd name="adj" fmla="val 10000"/>
+          </a:avLst>
+        </a:prstGeom>
+        <a:solidFill>
+          <a:schemeClr val="accent1">
+            <a:hueOff val="0"/>
+            <a:satOff val="0"/>
+            <a:lumOff val="0"/>
+            <a:alphaOff val="0"/>
+          </a:schemeClr>
+        </a:solidFill>
+        <a:ln w="19050" cap="flat" cmpd="sng" algn="ctr">
+          <a:solidFill>
+            <a:schemeClr val="lt1">
+              <a:hueOff val="0"/>
+              <a:satOff val="0"/>
+              <a:lumOff val="0"/>
+              <a:alphaOff val="0"/>
+            </a:schemeClr>
+          </a:solidFill>
+          <a:prstDash val="solid"/>
+          <a:miter lim="800000"/>
+        </a:ln>
+        <a:effectLst/>
+      </dsp:spPr>
+      <dsp:style>
+        <a:lnRef idx="2">
+          <a:scrgbClr r="0" g="0" b="0"/>
+        </a:lnRef>
+        <a:fillRef idx="1">
+          <a:scrgbClr r="0" g="0" b="0"/>
+        </a:fillRef>
+        <a:effectRef idx="0">
+          <a:scrgbClr r="0" g="0" b="0"/>
+        </a:effectRef>
+        <a:fontRef idx="minor">
+          <a:schemeClr val="lt1"/>
+        </a:fontRef>
+      </dsp:style>
+    </dsp:sp>
+    <dsp:sp modelId="{23CFEF48-8812-054F-B1AE-EF70D931213A}">
+      <dsp:nvSpPr>
+        <dsp:cNvPr id="0" name=""/>
+        <dsp:cNvSpPr/>
+      </dsp:nvSpPr>
+      <dsp:spPr>
+        <a:xfrm>
+          <a:off x="1813216" y="3992032"/>
+          <a:ext cx="2037446" cy="1293778"/>
+        </a:xfrm>
+        <a:prstGeom prst="roundRect">
+          <a:avLst>
+            <a:gd name="adj" fmla="val 10000"/>
+          </a:avLst>
+        </a:prstGeom>
+        <a:solidFill>
+          <a:schemeClr val="lt1">
+            <a:alpha val="90000"/>
+            <a:hueOff val="0"/>
+            <a:satOff val="0"/>
+            <a:lumOff val="0"/>
+            <a:alphaOff val="0"/>
+          </a:schemeClr>
+        </a:solidFill>
+        <a:ln w="19050" cap="flat" cmpd="sng" algn="ctr">
+          <a:solidFill>
+            <a:schemeClr val="accent1">
+              <a:hueOff val="0"/>
+              <a:satOff val="0"/>
+              <a:lumOff val="0"/>
+              <a:alphaOff val="0"/>
+            </a:schemeClr>
+          </a:solidFill>
+          <a:prstDash val="solid"/>
+          <a:miter lim="800000"/>
+        </a:ln>
+        <a:effectLst/>
+      </dsp:spPr>
+      <dsp:style>
+        <a:lnRef idx="2">
+          <a:scrgbClr r="0" g="0" b="0"/>
+        </a:lnRef>
+        <a:fillRef idx="1">
+          <a:scrgbClr r="0" g="0" b="0"/>
+        </a:fillRef>
+        <a:effectRef idx="0">
+          <a:scrgbClr r="0" g="0" b="0"/>
+        </a:effectRef>
+        <a:fontRef idx="minor"/>
+      </dsp:style>
+      <dsp:txBody>
+        <a:bodyPr spcFirstLastPara="0" vert="horz" wrap="square" lIns="95250" tIns="95250" rIns="95250" bIns="95250" numCol="1" spcCol="1270" anchor="ctr" anchorCtr="0">
+          <a:noAutofit/>
+        </a:bodyPr>
+        <a:lstStyle/>
+        <a:p>
+          <a:pPr marL="0" lvl="0" indent="0" algn="ctr" defTabSz="1111250">
+            <a:lnSpc>
+              <a:spcPct val="90000"/>
+            </a:lnSpc>
+            <a:spcBef>
+              <a:spcPct val="0"/>
+            </a:spcBef>
+            <a:spcAft>
+              <a:spcPct val="35000"/>
+            </a:spcAft>
+            <a:buNone/>
+          </a:pPr>
+          <a:r>
+            <a:rPr lang="en-US" sz="2500" kern="1200" dirty="0"/>
+            <a:t>Other methods</a:t>
+          </a:r>
+        </a:p>
+      </dsp:txBody>
+      <dsp:txXfrm>
+        <a:off x="1851109" y="4029925"/>
+        <a:ext cx="1961660" cy="1217992"/>
+      </dsp:txXfrm>
+    </dsp:sp>
+  </dsp:spTree>
+</dsp:drawing>
+</file>
+
+<file path=ppt/diagrams/layout1.xml><?xml version="1.0" encoding="utf-8"?>
+<dgm:layoutDef xmlns:dgm="http://schemas.openxmlformats.org/drawingml/2006/diagram" xmlns:a="http://schemas.openxmlformats.org/drawingml/2006/main" uniqueId="urn:microsoft.com/office/officeart/2005/8/layout/hierarchy1">
+  <dgm:title val=""/>
+  <dgm:desc val=""/>
+  <dgm:catLst>
+    <dgm:cat type="hierarchy" pri="2000"/>
+  </dgm:catLst>
+  <dgm:sampData>
+    <dgm:dataModel>
+      <dgm:ptLst>
+        <dgm:pt modelId="0" type="doc"/>
+        <dgm:pt modelId="1">
+          <dgm:prSet phldr="1"/>
+        </dgm:pt>
+        <dgm:pt modelId="2">
+          <dgm:prSet phldr="1"/>
+        </dgm:pt>
+        <dgm:pt modelId="21">
+          <dgm:prSet phldr="1"/>
+        </dgm:pt>
+        <dgm:pt modelId="22">
+          <dgm:prSet phldr="1"/>
+        </dgm:pt>
+        <dgm:pt modelId="3">
+          <dgm:prSet phldr="1"/>
+        </dgm:pt>
+        <dgm:pt modelId="31">
+          <dgm:prSet phldr="1"/>
+        </dgm:pt>
+      </dgm:ptLst>
+      <dgm:cxnLst>
+        <dgm:cxn modelId="4" srcId="0" destId="1" srcOrd="0" destOrd="0"/>
+        <dgm:cxn modelId="5" srcId="1" destId="2" srcOrd="0" destOrd="0"/>
+        <dgm:cxn modelId="6" srcId="1" destId="3" srcOrd="1" destOrd="0"/>
+        <dgm:cxn modelId="23" srcId="2" destId="21" srcOrd="0" destOrd="0"/>
+        <dgm:cxn modelId="24" srcId="2" destId="22" srcOrd="1" destOrd="0"/>
+        <dgm:cxn modelId="33" srcId="3" destId="31" srcOrd="0" destOrd="0"/>
+      </dgm:cxnLst>
+      <dgm:bg/>
+      <dgm:whole/>
+    </dgm:dataModel>
+  </dgm:sampData>
+  <dgm:styleData>
+    <dgm:dataModel>
+      <dgm:ptLst>
+        <dgm:pt modelId="0" type="doc"/>
+        <dgm:pt modelId="1"/>
+        <dgm:pt modelId="11"/>
+        <dgm:pt modelId="12"/>
+      </dgm:ptLst>
+      <dgm:cxnLst>
+        <dgm:cxn modelId="2" srcId="0" destId="1" srcOrd="0" destOrd="0"/>
+        <dgm:cxn modelId="13" srcId="1" destId="11" srcOrd="0" destOrd="0"/>
+        <dgm:cxn modelId="14" srcId="1" destId="12" srcOrd="1" destOrd="0"/>
+      </dgm:cxnLst>
+      <dgm:bg/>
+      <dgm:whole/>
+    </dgm:dataModel>
+  </dgm:styleData>
+  <dgm:clrData>
+    <dgm:dataModel>
+      <dgm:ptLst>
+        <dgm:pt modelId="0" type="doc"/>
+        <dgm:pt modelId="1"/>
+        <dgm:pt modelId="2"/>
+        <dgm:pt modelId="21"/>
+        <dgm:pt modelId="211"/>
+        <dgm:pt modelId="3"/>
+        <dgm:pt modelId="31"/>
+        <dgm:pt modelId="311"/>
+      </dgm:ptLst>
+      <dgm:cxnLst>
+        <dgm:cxn modelId="4" srcId="0" destId="1" srcOrd="0" destOrd="0"/>
+        <dgm:cxn modelId="5" srcId="1" destId="2" srcOrd="0" destOrd="0"/>
+        <dgm:cxn modelId="6" srcId="1" destId="3" srcOrd="1" destOrd="0"/>
+        <dgm:cxn modelId="23" srcId="2" destId="21" srcOrd="0" destOrd="0"/>
+        <dgm:cxn modelId="24" srcId="21" destId="211" srcOrd="0" destOrd="0"/>
+        <dgm:cxn modelId="33" srcId="3" destId="31" srcOrd="0" destOrd="0"/>
+        <dgm:cxn modelId="34" srcId="31" destId="311" srcOrd="0" destOrd="0"/>
+      </dgm:cxnLst>
+      <dgm:bg/>
+      <dgm:whole/>
+    </dgm:dataModel>
+  </dgm:clrData>
+  <dgm:layoutNode name="hierChild1">
+    <dgm:varLst>
+      <dgm:chPref val="1"/>
+      <dgm:dir/>
+      <dgm:animOne val="branch"/>
+      <dgm:animLvl val="lvl"/>
+      <dgm:resizeHandles/>
+    </dgm:varLst>
+    <dgm:choose name="Name0">
+      <dgm:if name="Name1" func="var" arg="dir" op="equ" val="norm">
+        <dgm:alg type="hierChild">
+          <dgm:param type="linDir" val="fromL"/>
+        </dgm:alg>
+      </dgm:if>
+      <dgm:else name="Name2">
+        <dgm:alg type="hierChild">
+          <dgm:param type="linDir" val="fromR"/>
+        </dgm:alg>
+      </dgm:else>
+    </dgm:choose>
+    <dgm:shape xmlns:r="http://schemas.openxmlformats.org/officeDocument/2006/relationships" r:blip="">
+      <dgm:adjLst/>
+    </dgm:shape>
+    <dgm:presOf/>
+    <dgm:constrLst>
+      <dgm:constr type="primFontSz" for="des" ptType="node" op="equ" val="65"/>
+      <dgm:constr type="w" for="des" forName="composite" refType="w"/>
+      <dgm:constr type="h" for="des" forName="composite" refType="w" refFor="des" refForName="composite" fact="0.667"/>
+      <dgm:constr type="w" for="des" forName="composite2" refType="w" refFor="des" refForName="composite"/>
+      <dgm:constr type="h" for="des" forName="composite2" refType="h" refFor="des" refForName="composite"/>
+      <dgm:constr type="w" for="des" forName="composite3" refType="w" refFor="des" refForName="composite"/>
+      <dgm:constr type="h" for="des" forName="composite3" refType="h" refFor="des" refForName="composite"/>
+      <dgm:constr type="w" for="des" forName="composite4" refType="w" refFor="des" refForName="composite"/>
+      <dgm:constr type="h" for="des" forName="composite4" refType="h" refFor="des" refForName="composite"/>
+      <dgm:constr type="w" for="des" forName="composite5" refType="w" refFor="des" refForName="composite"/>
+      <dgm:constr type="h" for="des" forName="composite5" refType="h" refFor="des" refForName="composite"/>
+      <dgm:constr type="sibSp" refType="w" refFor="des" refForName="composite" fact="0.1"/>
+      <dgm:constr type="sibSp" for="des" forName="hierChild2" refType="sibSp"/>
+      <dgm:constr type="sibSp" for="des" forName="hierChild3" refType="sibSp"/>
+      <dgm:constr type="sibSp" for="des" forName="hierChild4" refType="sibSp"/>
+      <dgm:constr type="sibSp" for="des" forName="hierChild5" refType="sibSp"/>
+      <dgm:constr type="sibSp" for="des" forName="hierChild6" refType="sibSp"/>
+      <dgm:constr type="sp" for="des" forName="hierRoot1" refType="h" refFor="des" refForName="composite" fact="0.25"/>
+      <dgm:constr type="sp" for="des" forName="hierRoot2" refType="sp" refFor="des" refForName="hierRoot1"/>
+      <dgm:constr type="sp" for="des" forName="hierRoot3" refType="sp" refFor="des" refForName="hierRoot1"/>
+      <dgm:constr type="sp" for="des" forName="hierRoot4" refType="sp" refFor="des" refForName="hierRoot1"/>
+      <dgm:constr type="sp" for="des" forName="hierRoot5" refType="sp" refFor="des" refForName="hierRoot1"/>
+    </dgm:constrLst>
+    <dgm:ruleLst/>
+    <dgm:forEach name="Name3" axis="ch">
+      <dgm:forEach name="Name4" axis="self" ptType="node">
+        <dgm:layoutNode name="hierRoot1">
+          <dgm:alg type="hierRoot"/>
+          <dgm:shape xmlns:r="http://schemas.openxmlformats.org/officeDocument/2006/relationships" r:blip="">
+            <dgm:adjLst/>
+          </dgm:shape>
+          <dgm:presOf/>
+          <dgm:constrLst>
+            <dgm:constr type="bendDist" for="des" ptType="parTrans" refType="sp" fact="0.5"/>
+          </dgm:constrLst>
+          <dgm:ruleLst/>
+          <dgm:layoutNode name="composite">
+            <dgm:alg type="composite"/>
+            <dgm:shape xmlns:r="http://schemas.openxmlformats.org/officeDocument/2006/relationships" r:blip="">
+              <dgm:adjLst/>
+            </dgm:shape>
+            <dgm:presOf/>
+            <dgm:constrLst>
+              <dgm:constr type="w" for="ch" forName="background" refType="w" fact="0.9"/>
+              <dgm:constr type="h" for="ch" forName="background" refType="w" refFor="ch" refForName="background" fact="0.635"/>
+              <dgm:constr type="t" for="ch" forName="background"/>
+              <dgm:constr type="l" for="ch" forName="background"/>
+              <dgm:constr type="w" for="ch" forName="text" refType="w" fact="0.9"/>
+              <dgm:constr type="h" for="ch" forName="text" refType="w" refFor="ch" refForName="text" fact="0.635"/>
+              <dgm:constr type="t" for="ch" forName="text" refType="w" fact="0.095"/>
+              <dgm:constr type="l" for="ch" forName="text" refType="w" fact="0.1"/>
+            </dgm:constrLst>
+            <dgm:ruleLst/>
+            <dgm:layoutNode name="background" styleLbl="node0" moveWith="text">
+              <dgm:alg type="sp"/>
+              <dgm:shape xmlns:r="http://schemas.openxmlformats.org/officeDocument/2006/relationships" type="roundRect" r:blip="">
+                <dgm:adjLst>
+                  <dgm:adj idx="1" val="0.1"/>
+                </dgm:adjLst>
+              </dgm:shape>
+              <dgm:presOf/>
+              <dgm:constrLst/>
+              <dgm:ruleLst/>
+            </dgm:layoutNode>
+            <dgm:layoutNode name="text" styleLbl="fgAcc0">
+              <dgm:varLst>
+                <dgm:chPref val="3"/>
+              </dgm:varLst>
+              <dgm:alg type="tx"/>
+              <dgm:shape xmlns:r="http://schemas.openxmlformats.org/officeDocument/2006/relationships" type="roundRect" r:blip="">
+                <dgm:adjLst>
+                  <dgm:adj idx="1" val="0.1"/>
+                </dgm:adjLst>
+              </dgm:shape>
+              <dgm:presOf axis="self"/>
+              <dgm:constrLst>
+                <dgm:constr type="tMarg" refType="primFontSz" fact="0.3"/>
+                <dgm:constr type="bMarg" refType="primFontSz" fact="0.3"/>
+                <dgm:constr type="lMarg" refType="primFontSz" fact="0.3"/>
+                <dgm:constr type="rMarg" refType="primFontSz" fact="0.3"/>
+              </dgm:constrLst>
+              <dgm:ruleLst>
+                <dgm:rule type="primFontSz" val="5" fact="NaN" max="NaN"/>
+              </dgm:ruleLst>
+            </dgm:layoutNode>
+          </dgm:layoutNode>
+          <dgm:layoutNode name="hierChild2">
+            <dgm:choose name="Name5">
+              <dgm:if name="Name6" func="var" arg="dir" op="equ" val="norm">
+                <dgm:alg type="hierChild">
+                  <dgm:param type="linDir" val="fromL"/>
+                </dgm:alg>
+              </dgm:if>
+              <dgm:else name="Name7">
+                <dgm:alg type="hierChild">
+                  <dgm:param type="linDir" val="fromR"/>
+                </dgm:alg>
+              </dgm:else>
+            </dgm:choose>
+            <dgm:shape xmlns:r="http://schemas.openxmlformats.org/officeDocument/2006/relationships" r:blip="">
+              <dgm:adjLst/>
+            </dgm:shape>
+            <dgm:presOf/>
+            <dgm:constrLst/>
+            <dgm:ruleLst/>
+            <dgm:forEach name="Name8" axis="ch">
+              <dgm:forEach name="Name9" axis="self" ptType="parTrans" cnt="1">
+                <dgm:layoutNode name="Name10">
+                  <dgm:alg type="conn">
+                    <dgm:param type="dim" val="1D"/>
+                    <dgm:param type="endSty" val="noArr"/>
+                    <dgm:param type="connRout" val="bend"/>
+                    <dgm:param type="bendPt" val="end"/>
+                    <dgm:param type="begPts" val="bCtr"/>
+                    <dgm:param type="endPts" val="tCtr"/>
+                    <dgm:param type="srcNode" val="background"/>
+                    <dgm:param type="dstNode" val="background2"/>
+                  </dgm:alg>
+                  <dgm:shape xmlns:r="http://schemas.openxmlformats.org/officeDocument/2006/relationships" type="conn" r:blip="" zOrderOff="-999">
+                    <dgm:adjLst/>
+                  </dgm:shape>
+                  <dgm:presOf axis="self"/>
+                  <dgm:constrLst>
+                    <dgm:constr type="begPad"/>
+                    <dgm:constr type="endPad"/>
+                  </dgm:constrLst>
+                  <dgm:ruleLst/>
+                </dgm:layoutNode>
+              </dgm:forEach>
+              <dgm:forEach name="Name11" axis="self" ptType="node">
+                <dgm:layoutNode name="hierRoot2">
+                  <dgm:alg type="hierRoot"/>
+                  <dgm:shape xmlns:r="http://schemas.openxmlformats.org/officeDocument/2006/relationships" r:blip="">
+                    <dgm:adjLst/>
+                  </dgm:shape>
+                  <dgm:presOf/>
+                  <dgm:constrLst>
+                    <dgm:constr type="bendDist" for="des" ptType="parTrans" refType="sp" fact="0.5"/>
+                  </dgm:constrLst>
+                  <dgm:ruleLst/>
+                  <dgm:layoutNode name="composite2">
+                    <dgm:alg type="composite"/>
+                    <dgm:shape xmlns:r="http://schemas.openxmlformats.org/officeDocument/2006/relationships" r:blip="">
+                      <dgm:adjLst/>
+                    </dgm:shape>
+                    <dgm:presOf/>
+                    <dgm:constrLst>
+                      <dgm:constr type="w" for="ch" forName="background2" refType="w" fact="0.9"/>
+                      <dgm:constr type="h" for="ch" forName="background2" refType="w" refFor="ch" refForName="background2" fact="0.635"/>
+                      <dgm:constr type="t" for="ch" forName="background2"/>
+                      <dgm:constr type="l" for="ch" forName="background2"/>
+                      <dgm:constr type="w" for="ch" forName="text2" refType="w" fact="0.9"/>
+                      <dgm:constr type="h" for="ch" forName="text2" refType="w" refFor="ch" refForName="text2" fact="0.635"/>
+                      <dgm:constr type="t" for="ch" forName="text2" refType="w" fact="0.095"/>
+                      <dgm:constr type="l" for="ch" forName="text2" refType="w" fact="0.1"/>
+                    </dgm:constrLst>
+                    <dgm:ruleLst/>
+                    <dgm:layoutNode name="background2" moveWith="text2">
+                      <dgm:alg type="sp"/>
+                      <dgm:shape xmlns:r="http://schemas.openxmlformats.org/officeDocument/2006/relationships" type="roundRect" r:blip="">
+                        <dgm:adjLst>
+                          <dgm:adj idx="1" val="0.1"/>
+                        </dgm:adjLst>
+                      </dgm:shape>
+                      <dgm:presOf/>
+                      <dgm:constrLst/>
+                      <dgm:ruleLst/>
+                    </dgm:layoutNode>
+                    <dgm:layoutNode name="text2" styleLbl="fgAcc2">
+                      <dgm:varLst>
+                        <dgm:chPref val="3"/>
+                      </dgm:varLst>
+                      <dgm:alg type="tx"/>
+                      <dgm:shape xmlns:r="http://schemas.openxmlformats.org/officeDocument/2006/relationships" type="roundRect" r:blip="">
+                        <dgm:adjLst>
+                          <dgm:adj idx="1" val="0.1"/>
+                        </dgm:adjLst>
+                      </dgm:shape>
+                      <dgm:presOf axis="self"/>
+                      <dgm:constrLst>
+                        <dgm:constr type="tMarg" refType="primFontSz" fact="0.3"/>
+                        <dgm:constr type="bMarg" refType="primFontSz" fact="0.3"/>
+                        <dgm:constr type="lMarg" refType="primFontSz" fact="0.3"/>
+                        <dgm:constr type="rMarg" refType="primFontSz" fact="0.3"/>
+                      </dgm:constrLst>
+                      <dgm:ruleLst>
+                        <dgm:rule type="primFontSz" val="5" fact="NaN" max="NaN"/>
+                      </dgm:ruleLst>
+                    </dgm:layoutNode>
+                  </dgm:layoutNode>
+                  <dgm:layoutNode name="hierChild3">
+                    <dgm:choose name="Name12">
+                      <dgm:if name="Name13" func="var" arg="dir" op="equ" val="norm">
+                        <dgm:alg type="hierChild">
+                          <dgm:param type="linDir" val="fromL"/>
+                        </dgm:alg>
+                      </dgm:if>
+                      <dgm:else name="Name14">
+                        <dgm:alg type="hierChild">
+                          <dgm:param type="linDir" val="fromR"/>
+                        </dgm:alg>
+                      </dgm:else>
+                    </dgm:choose>
+                    <dgm:shape xmlns:r="http://schemas.openxmlformats.org/officeDocument/2006/relationships" r:blip="">
+                      <dgm:adjLst/>
+                    </dgm:shape>
+                    <dgm:presOf/>
+                    <dgm:constrLst/>
+                    <dgm:ruleLst/>
+                    <dgm:forEach name="Name15" axis="ch">
+                      <dgm:forEach name="Name16" axis="self" ptType="parTrans" cnt="1">
+                        <dgm:layoutNode name="Name17">
+                          <dgm:alg type="conn">
+                            <dgm:param type="dim" val="1D"/>
+                            <dgm:param type="endSty" val="noArr"/>
+                            <dgm:param type="connRout" val="bend"/>
+                            <dgm:param type="bendPt" val="end"/>
+                            <dgm:param type="begPts" val="bCtr"/>
+                            <dgm:param type="endPts" val="tCtr"/>
+                            <dgm:param type="srcNode" val="background2"/>
+                            <dgm:param type="dstNode" val="background3"/>
+                          </dgm:alg>
+                          <dgm:shape xmlns:r="http://schemas.openxmlformats.org/officeDocument/2006/relationships" type="conn" r:blip="" zOrderOff="-999">
+                            <dgm:adjLst/>
+                          </dgm:shape>
+                          <dgm:presOf axis="self"/>
+                          <dgm:constrLst>
+                            <dgm:constr type="begPad"/>
+                            <dgm:constr type="endPad"/>
+                          </dgm:constrLst>
+                          <dgm:ruleLst/>
+                        </dgm:layoutNode>
+                      </dgm:forEach>
+                      <dgm:forEach name="Name18" axis="self" ptType="node">
+                        <dgm:layoutNode name="hierRoot3">
+                          <dgm:alg type="hierRoot"/>
+                          <dgm:shape xmlns:r="http://schemas.openxmlformats.org/officeDocument/2006/relationships" r:blip="">
+                            <dgm:adjLst/>
+                          </dgm:shape>
+                          <dgm:presOf/>
+                          <dgm:constrLst>
+                            <dgm:constr type="bendDist" for="des" ptType="parTrans" refType="sp" fact="0.5"/>
+                          </dgm:constrLst>
+                          <dgm:ruleLst/>
+                          <dgm:layoutNode name="composite3">
+                            <dgm:alg type="composite"/>
+                            <dgm:shape xmlns:r="http://schemas.openxmlformats.org/officeDocument/2006/relationships" r:blip="">
+                              <dgm:adjLst/>
+                            </dgm:shape>
+                            <dgm:presOf/>
+                            <dgm:constrLst>
+                              <dgm:constr type="w" for="ch" forName="background3" refType="w" fact="0.9"/>
+                              <dgm:constr type="h" for="ch" forName="background3" refType="w" refFor="ch" refForName="background3" fact="0.635"/>
+                              <dgm:constr type="t" for="ch" forName="background3"/>
+                              <dgm:constr type="l" for="ch" forName="background3"/>
+                              <dgm:constr type="w" for="ch" forName="text3" refType="w" fact="0.9"/>
+                              <dgm:constr type="h" for="ch" forName="text3" refType="w" refFor="ch" refForName="text3" fact="0.635"/>
+                              <dgm:constr type="t" for="ch" forName="text3" refType="w" fact="0.095"/>
+                              <dgm:constr type="l" for="ch" forName="text3" refType="w" fact="0.1"/>
+                            </dgm:constrLst>
+                            <dgm:ruleLst/>
+                            <dgm:layoutNode name="background3" moveWith="text3">
+                              <dgm:alg type="sp"/>
+                              <dgm:shape xmlns:r="http://schemas.openxmlformats.org/officeDocument/2006/relationships" type="roundRect" r:blip="">
+                                <dgm:adjLst>
+                                  <dgm:adj idx="1" val="0.1"/>
+                                </dgm:adjLst>
+                              </dgm:shape>
+                              <dgm:presOf/>
+                              <dgm:constrLst/>
+                              <dgm:ruleLst/>
+                            </dgm:layoutNode>
+                            <dgm:layoutNode name="text3" styleLbl="fgAcc3">
+                              <dgm:varLst>
+                                <dgm:chPref val="3"/>
+                              </dgm:varLst>
+                              <dgm:alg type="tx"/>
+                              <dgm:shape xmlns:r="http://schemas.openxmlformats.org/officeDocument/2006/relationships" type="roundRect" r:blip="">
+                                <dgm:adjLst>
+                                  <dgm:adj idx="1" val="0.1"/>
+                                </dgm:adjLst>
+                              </dgm:shape>
+                              <dgm:presOf axis="self"/>
+                              <dgm:constrLst>
+                                <dgm:constr type="tMarg" refType="primFontSz" fact="0.3"/>
+                                <dgm:constr type="bMarg" refType="primFontSz" fact="0.3"/>
+                                <dgm:constr type="lMarg" refType="primFontSz" fact="0.3"/>
+                                <dgm:constr type="rMarg" refType="primFontSz" fact="0.3"/>
+                              </dgm:constrLst>
+                              <dgm:ruleLst>
+                                <dgm:rule type="primFontSz" val="5" fact="NaN" max="NaN"/>
+                              </dgm:ruleLst>
+                            </dgm:layoutNode>
+                          </dgm:layoutNode>
+                          <dgm:layoutNode name="hierChild4">
+                            <dgm:choose name="Name19">
+                              <dgm:if name="Name20" func="var" arg="dir" op="equ" val="norm">
+                                <dgm:alg type="hierChild">
+                                  <dgm:param type="linDir" val="fromL"/>
+                                </dgm:alg>
+                              </dgm:if>
+                              <dgm:else name="Name21">
+                                <dgm:alg type="hierChild">
+                                  <dgm:param type="linDir" val="fromR"/>
+                                </dgm:alg>
+                              </dgm:else>
+                            </dgm:choose>
+                            <dgm:shape xmlns:r="http://schemas.openxmlformats.org/officeDocument/2006/relationships" r:blip="">
+                              <dgm:adjLst/>
+                            </dgm:shape>
+                            <dgm:presOf/>
+                            <dgm:constrLst/>
+                            <dgm:ruleLst/>
+                            <dgm:forEach name="repeat" axis="ch">
+                              <dgm:forEach name="Name22" axis="self" ptType="parTrans" cnt="1">
+                                <dgm:layoutNode name="Name23">
+                                  <dgm:choose name="Name24">
+                                    <dgm:if name="Name25" axis="self" func="depth" op="lte" val="4">
+                                      <dgm:alg type="conn">
+                                        <dgm:param type="dim" val="1D"/>
+                                        <dgm:param type="endSty" val="noArr"/>
+                                        <dgm:param type="connRout" val="bend"/>
+                                        <dgm:param type="bendPt" val="end"/>
+                                        <dgm:param type="begPts" val="bCtr"/>
+                                        <dgm:param type="endPts" val="tCtr"/>
+                                        <dgm:param type="srcNode" val="background3"/>
+                                        <dgm:param type="dstNode" val="background4"/>
+                                      </dgm:alg>
+                                    </dgm:if>
+                                    <dgm:else name="Name26">
+                                      <dgm:alg type="conn">
+                                        <dgm:param type="dim" val="1D"/>
+                                        <dgm:param type="endSty" val="noArr"/>
+                                        <dgm:param type="connRout" val="bend"/>
+                                        <dgm:param type="bendPt" val="end"/>
+                                        <dgm:param type="begPts" val="bCtr"/>
+                                        <dgm:param type="endPts" val="tCtr"/>
+                                        <dgm:param type="srcNode" val="background4"/>
+                                        <dgm:param type="dstNode" val="background4"/>
+                                      </dgm:alg>
+                                    </dgm:else>
+                                  </dgm:choose>
+                                  <dgm:shape xmlns:r="http://schemas.openxmlformats.org/officeDocument/2006/relationships" type="conn" r:blip="" zOrderOff="-999">
+                                    <dgm:adjLst/>
+                                  </dgm:shape>
+                                  <dgm:presOf axis="self"/>
+                                  <dgm:constrLst>
+                                    <dgm:constr type="begPad"/>
+                                    <dgm:constr type="endPad"/>
+                                  </dgm:constrLst>
+                                  <dgm:ruleLst/>
+                                </dgm:layoutNode>
+                              </dgm:forEach>
+                              <dgm:forEach name="Name27" axis="self" ptType="node">
+                                <dgm:layoutNode name="hierRoot4">
+                                  <dgm:alg type="hierRoot"/>
+                                  <dgm:shape xmlns:r="http://schemas.openxmlformats.org/officeDocument/2006/relationships" r:blip="">
+                                    <dgm:adjLst/>
+                                  </dgm:shape>
+                                  <dgm:presOf/>
+                                  <dgm:constrLst>
+                                    <dgm:constr type="bendDist" for="des" ptType="parTrans" refType="sp" fact="0.5"/>
+                                  </dgm:constrLst>
+                                  <dgm:ruleLst/>
+                                  <dgm:layoutNode name="composite4">
+                                    <dgm:alg type="composite"/>
+                                    <dgm:shape xmlns:r="http://schemas.openxmlformats.org/officeDocument/2006/relationships" r:blip="">
+                                      <dgm:adjLst/>
+                                    </dgm:shape>
+                                    <dgm:presOf/>
+                                    <dgm:constrLst>
+                                      <dgm:constr type="w" for="ch" forName="background4" refType="w" fact="0.9"/>
+                                      <dgm:constr type="h" for="ch" forName="background4" refType="w" refFor="ch" refForName="background4" fact="0.635"/>
+                                      <dgm:constr type="t" for="ch" forName="background4"/>
+                                      <dgm:constr type="l" for="ch" forName="background4"/>
+                                      <dgm:constr type="w" for="ch" forName="text4" refType="w" fact="0.9"/>
+                                      <dgm:constr type="h" for="ch" forName="text4" refType="w" refFor="ch" refForName="text4" fact="0.635"/>
+                                      <dgm:constr type="t" for="ch" forName="text4" refType="w" fact="0.095"/>
+                                      <dgm:constr type="l" for="ch" forName="text4" refType="w" fact="0.1"/>
+                                    </dgm:constrLst>
+                                    <dgm:ruleLst/>
+                                    <dgm:layoutNode name="background4" moveWith="text4">
+                                      <dgm:alg type="sp"/>
+                                      <dgm:shape xmlns:r="http://schemas.openxmlformats.org/officeDocument/2006/relationships" type="roundRect" r:blip="">
+                                        <dgm:adjLst>
+                                          <dgm:adj idx="1" val="0.1"/>
+                                        </dgm:adjLst>
+                                      </dgm:shape>
+                                      <dgm:presOf/>
+                                      <dgm:constrLst/>
+                                      <dgm:ruleLst/>
+                                    </dgm:layoutNode>
+                                    <dgm:layoutNode name="text4" styleLbl="fgAcc4">
+                                      <dgm:varLst>
+                                        <dgm:chPref val="3"/>
+                                      </dgm:varLst>
+                                      <dgm:alg type="tx"/>
+                                      <dgm:shape xmlns:r="http://schemas.openxmlformats.org/officeDocument/2006/relationships" type="roundRect" r:blip="">
+                                        <dgm:adjLst>
+                                          <dgm:adj idx="1" val="0.1"/>
+                                        </dgm:adjLst>
+                                      </dgm:shape>
+                                      <dgm:presOf axis="self"/>
+                                      <dgm:constrLst>
+                                        <dgm:constr type="tMarg" refType="primFontSz" fact="0.3"/>
+                                        <dgm:constr type="bMarg" refType="primFontSz" fact="0.3"/>
+                                        <dgm:constr type="lMarg" refType="primFontSz" fact="0.3"/>
+                                        <dgm:constr type="rMarg" refType="primFontSz" fact="0.3"/>
+                                      </dgm:constrLst>
+                                      <dgm:ruleLst>
+                                        <dgm:rule type="primFontSz" val="5" fact="NaN" max="NaN"/>
+                                      </dgm:ruleLst>
+                                    </dgm:layoutNode>
+                                  </dgm:layoutNode>
+                                  <dgm:layoutNode name="hierChild5">
+                                    <dgm:choose name="Name28">
+                                      <dgm:if name="Name29" func="var" arg="dir" op="equ" val="norm">
+                                        <dgm:alg type="hierChild">
+                                          <dgm:param type="linDir" val="fromL"/>
+                                        </dgm:alg>
+                                      </dgm:if>
+                                      <dgm:else name="Name30">
+                                        <dgm:alg type="hierChild">
+                                          <dgm:param type="linDir" val="fromR"/>
+                                        </dgm:alg>
+                                      </dgm:else>
+                                    </dgm:choose>
+                                    <dgm:shape xmlns:r="http://schemas.openxmlformats.org/officeDocument/2006/relationships" r:blip="">
+                                      <dgm:adjLst/>
+                                    </dgm:shape>
+                                    <dgm:presOf/>
+                                    <dgm:constrLst/>
+                                    <dgm:ruleLst/>
+                                    <dgm:forEach name="Name31" ref="repeat"/>
+                                  </dgm:layoutNode>
+                                </dgm:layoutNode>
+                              </dgm:forEach>
+                            </dgm:forEach>
+                          </dgm:layoutNode>
+                        </dgm:layoutNode>
+                      </dgm:forEach>
+                    </dgm:forEach>
+                  </dgm:layoutNode>
+                </dgm:layoutNode>
+              </dgm:forEach>
+            </dgm:forEach>
+          </dgm:layoutNode>
+        </dgm:layoutNode>
+      </dgm:forEach>
+    </dgm:forEach>
+  </dgm:layoutNode>
+</dgm:layoutDef>
+</file>
+
+<file path=ppt/diagrams/quickStyle1.xml><?xml version="1.0" encoding="utf-8"?>
+<dgm:styleDef xmlns:dgm="http://schemas.openxmlformats.org/drawingml/2006/diagram" xmlns:a="http://schemas.openxmlformats.org/drawingml/2006/main" uniqueId="urn:microsoft.com/office/officeart/2005/8/quickstyle/simple1">
+  <dgm:title val=""/>
+  <dgm:desc val=""/>
+  <dgm:catLst>
+    <dgm:cat type="simple" pri="10100"/>
+  </dgm:catLst>
+  <dgm:scene3d>
+    <a:camera prst="orthographicFront"/>
+    <a:lightRig rig="threePt" dir="t"/>
+  </dgm:scene3d>
+  <dgm:styleLbl name="node0">
+    <dgm:scene3d>
+      <a:camera prst="orthographicFront"/>
+      <a:lightRig rig="threePt" dir="t"/>
+    </dgm:scene3d>
+    <dgm:sp3d/>
+    <dgm:txPr/>
+    <dgm:style>
+      <a:lnRef idx="2">
+        <a:scrgbClr r="0" g="0" b="0"/>
+      </a:lnRef>
+      <a:fillRef idx="1">
+        <a:scrgbClr r="0" g="0" b="0"/>
+      </a:fillRef>
+      <a:effectRef idx="0">
+        <a:scrgbClr r="0" g="0" b="0"/>
+      </a:effectRef>
+      <a:fontRef idx="minor">
+        <a:schemeClr val="lt1"/>
+      </a:fontRef>
+    </dgm:style>
+  </dgm:styleLbl>
+  <dgm:styleLbl name="lnNode1">
+    <dgm:scene3d>
+      <a:camera prst="orthographicFront"/>
+      <a:lightRig rig="threePt" dir="t"/>
+    </dgm:scene3d>
+    <dgm:sp3d/>
+    <dgm:txPr/>
+    <dgm:style>
+      <a:lnRef idx="2">
+        <a:scrgbClr r="0" g="0" b="0"/>
+      </a:lnRef>
+      <a:fillRef idx="1">
+        <a:scrgbClr r="0" g="0" b="0"/>
+      </a:fillRef>
+      <a:effectRef idx="0">
+        <a:scrgbClr r="0" g="0" b="0"/>
+      </a:effectRef>
+      <a:fontRef idx="minor">
+        <a:schemeClr val="lt1"/>
+      </a:fontRef>
+    </dgm:style>
+  </dgm:styleLbl>
+  <dgm:styleLbl name="vennNode1">
+    <dgm:scene3d>
+      <a:camera prst="orthographicFront"/>
+      <a:lightRig rig="threePt" dir="t"/>
+    </dgm:scene3d>
+    <dgm:sp3d/>
+    <dgm:txPr/>
+    <dgm:style>
+      <a:lnRef idx="2">
+        <a:scrgbClr r="0" g="0" b="0"/>
+      </a:lnRef>
+      <a:fillRef idx="1">
+        <a:scrgbClr r="0" g="0" b="0"/>
+      </a:fillRef>
+      <a:effectRef idx="0">
+        <a:scrgbClr r="0" g="0" b="0"/>
+      </a:effectRef>
+      <a:fontRef idx="minor">
+        <a:schemeClr val="tx1"/>
+      </a:fontRef>
+    </dgm:style>
+  </dgm:styleLbl>
+  <dgm:styleLbl name="alignNode1">
+    <dgm:scene3d>
+      <a:camera prst="orthographicFront"/>
+      <a:lightRig rig="threePt" dir="t"/>
+    </dgm:scene3d>
+    <dgm:sp3d/>
+    <dgm:txPr/>
+    <dgm:style>
+      <a:lnRef idx="2">
+        <a:scrgbClr r="0" g="0" b="0"/>
+      </a:lnRef>
+      <a:fillRef idx="1">
+        <a:scrgbClr r="0" g="0" b="0"/>
+      </a:fillRef>
+      <a:effectRef idx="0">
+        <a:scrgbClr r="0" g="0" b="0"/>
+      </a:effectRef>
+      <a:fontRef idx="minor">
+        <a:schemeClr val="lt1"/>
+      </a:fontRef>
+    </dgm:style>
+  </dgm:styleLbl>
+  <dgm:styleLbl name="node1">
+    <dgm:scene3d>
+      <a:camera prst="orthographicFront"/>
+      <a:lightRig rig="threePt" dir="t"/>
+    </dgm:scene3d>
+    <dgm:sp3d/>
+    <dgm:txPr/>
+    <dgm:style>
+      <a:lnRef idx="2">
+        <a:scrgbClr r="0" g="0" b="0"/>
+      </a:lnRef>
+      <a:fillRef idx="1">
+        <a:scrgbClr r="0" g="0" b="0"/>
+      </a:fillRef>
+      <a:effectRef idx="0">
+        <a:scrgbClr r="0" g="0" b="0"/>
+      </a:effectRef>
+      <a:fontRef idx="minor">
+        <a:schemeClr val="lt1"/>
+      </a:fontRef>
+    </dgm:style>
+  </dgm:styleLbl>
+  <dgm:styleLbl name="node2">
+    <dgm:scene3d>
+      <a:camera prst="orthographicFront"/>
+      <a:lightRig rig="threePt" dir="t"/>
+    </dgm:scene3d>
+    <dgm:sp3d/>
+    <dgm:txPr/>
+    <dgm:style>
+      <a:lnRef idx="2">
+        <a:scrgbClr r="0" g="0" b="0"/>
+      </a:lnRef>
+      <a:fillRef idx="1">
+        <a:scrgbClr r="0" g="0" b="0"/>
+      </a:fillRef>
+      <a:effectRef idx="0">
+        <a:scrgbClr r="0" g="0" b="0"/>
+      </a:effectRef>
+      <a:fontRef idx="minor">
+        <a:schemeClr val="lt1"/>
+      </a:fontRef>
+    </dgm:style>
+  </dgm:styleLbl>
+  <dgm:styleLbl name="node3">
+    <dgm:scene3d>
+      <a:camera prst="orthographicFront"/>
+      <a:lightRig rig="threePt" dir="t"/>
+    </dgm:scene3d>
+    <dgm:sp3d/>
+    <dgm:txPr/>
+    <dgm:style>
+      <a:lnRef idx="2">
+        <a:scrgbClr r="0" g="0" b="0"/>
+      </a:lnRef>
+      <a:fillRef idx="1">
+        <a:scrgbClr r="0" g="0" b="0"/>
+      </a:fillRef>
+      <a:effectRef idx="0">
+        <a:scrgbClr r="0" g="0" b="0"/>
+      </a:effectRef>
+      <a:fontRef idx="minor">
+        <a:schemeClr val="lt1"/>
+      </a:fontRef>
+    </dgm:style>
+  </dgm:styleLbl>
+  <dgm:styleLbl name="node4">
+    <dgm:scene3d>
+      <a:camera prst="orthographicFront"/>
+      <a:lightRig rig="threePt" dir="t"/>
+    </dgm:scene3d>
+    <dgm:sp3d/>
+    <dgm:txPr/>
+    <dgm:style>
+      <a:lnRef idx="2">
+        <a:scrgbClr r="0" g="0" b="0"/>
+      </a:lnRef>
+      <a:fillRef idx="1">
+        <a:scrgbClr r="0" g="0" b="0"/>
+      </a:fillRef>
+      <a:effectRef idx="0">
+        <a:scrgbClr r="0" g="0" b="0"/>
+      </a:effectRef>
+      <a:fontRef idx="minor">
+        <a:schemeClr val="lt1"/>
+      </a:fontRef>
+    </dgm:style>
+  </dgm:styleLbl>
+  <dgm:styleLbl name="fgImgPlace1">
+    <dgm:scene3d>
+      <a:camera prst="orthographicFront"/>
+      <a:lightRig rig="threePt" dir="t"/>
+    </dgm:scene3d>
+    <dgm:sp3d/>
+    <dgm:txPr/>
+    <dgm:style>
+      <a:lnRef idx="2">
+        <a:scrgbClr r="0" g="0" b="0"/>
+      </a:lnRef>
+      <a:fillRef idx="1">
+        <a:scrgbClr r="0" g="0" b="0"/>
+      </a:fillRef>
+      <a:effectRef idx="0">
+        <a:scrgbClr r="0" g="0" b="0"/>
+      </a:effectRef>
+      <a:fontRef idx="minor"/>
+    </dgm:style>
+  </dgm:styleLbl>
+  <dgm:styleLbl name="alignImgPlace1">
+    <dgm:scene3d>
+      <a:camera prst="orthographicFront"/>
+      <a:lightRig rig="threePt" dir="t"/>
+    </dgm:scene3d>
+    <dgm:sp3d/>
+    <dgm:txPr/>
+    <dgm:style>
+      <a:lnRef idx="2">
+        <a:scrgbClr r="0" g="0" b="0"/>
+      </a:lnRef>
+      <a:fillRef idx="1">
+        <a:scrgbClr r="0" g="0" b="0"/>
+      </a:fillRef>
+      <a:effectRef idx="0">
+        <a:scrgbClr r="0" g="0" b="0"/>
+      </a:effectRef>
+      <a:fontRef idx="minor"/>
+    </dgm:style>
+  </dgm:styleLbl>
+  <dgm:styleLbl name="bgImgPlace1">
+    <dgm:scene3d>
+      <a:camera prst="orthographicFront"/>
+      <a:lightRig rig="threePt" dir="t"/>
+    </dgm:scene3d>
+    <dgm:sp3d/>
+    <dgm:txPr/>
+    <dgm:style>
+      <a:lnRef idx="2">
+        <a:scrgbClr r="0" g="0" b="0"/>
+      </a:lnRef>
+      <a:fillRef idx="1">
+        <a:scrgbClr r="0" g="0" b="0"/>
+      </a:fillRef>
+      <a:effectRef idx="0">
+        <a:scrgbClr r="0" g="0" b="0"/>
+      </a:effectRef>
+      <a:fontRef idx="minor"/>
+    </dgm:style>
+  </dgm:styleLbl>
+  <dgm:styleLbl name="sibTrans2D1">
+    <dgm:scene3d>
+      <a:camera prst="orthographicFront"/>
+      <a:lightRig rig="threePt" dir="t"/>
+    </dgm:scene3d>
+    <dgm:sp3d/>
+    <dgm:txPr/>
+    <dgm:style>
+      <a:lnRef idx="0">
+        <a:scrgbClr r="0" g="0" b="0"/>
+      </a:lnRef>
+      <a:fillRef idx="1">
+        <a:scrgbClr r="0" g="0" b="0"/>
+      </a:fillRef>
+      <a:effectRef idx="0">
+        <a:scrgbClr r="0" g="0" b="0"/>
+      </a:effectRef>
+      <a:fontRef idx="minor">
+        <a:schemeClr val="lt1"/>
+      </a:fontRef>
+    </dgm:style>
+  </dgm:styleLbl>
+  <dgm:styleLbl name="fgSibTrans2D1">
+    <dgm:scene3d>
+      <a:camera prst="orthographicFront"/>
+      <a:lightRig rig="threePt" dir="t"/>
+    </dgm:scene3d>
+    <dgm:sp3d/>
+    <dgm:txPr/>
+    <dgm:style>
+      <a:lnRef idx="0">
+        <a:scrgbClr r="0" g="0" b="0"/>
+      </a:lnRef>
+      <a:fillRef idx="1">
+        <a:scrgbClr r="0" g="0" b="0"/>
+      </a:fillRef>
+      <a:effectRef idx="0">
+        <a:scrgbClr r="0" g="0" b="0"/>
+      </a:effectRef>
+      <a:fontRef idx="minor">
+        <a:schemeClr val="lt1"/>
+      </a:fontRef>
+    </dgm:style>
+  </dgm:styleLbl>
+  <dgm:styleLbl name="bgSibTrans2D1">
+    <dgm:scene3d>
+      <a:camera prst="orthographicFront"/>
+      <a:lightRig rig="threePt" dir="t"/>
+    </dgm:scene3d>
+    <dgm:sp3d/>
+    <dgm:txPr/>
+    <dgm:style>
+      <a:lnRef idx="0">
+        <a:scrgbClr r="0" g="0" b="0"/>
+      </a:lnRef>
+      <a:fillRef idx="1">
+        <a:scrgbClr r="0" g="0" b="0"/>
+      </a:fillRef>
+      <a:effectRef idx="0">
+        <a:scrgbClr r="0" g="0" b="0"/>
+      </a:effectRef>
+      <a:fontRef idx="minor">
+        <a:schemeClr val="lt1"/>
+      </a:fontRef>
+    </dgm:style>
+  </dgm:styleLbl>
+  <dgm:styleLbl name="sibTrans1D1">
+    <dgm:scene3d>
+      <a:camera prst="orthographicFront"/>
+      <a:lightRig rig="threePt" dir="t"/>
+    </dgm:scene3d>
+    <dgm:sp3d/>
+    <dgm:txPr/>
+    <dgm:style>
+      <a:lnRef idx="1">
+        <a:scrgbClr r="0" g="0" b="0"/>
+      </a:lnRef>
+      <a:fillRef idx="0">
+        <a:scrgbClr r="0" g="0" b="0"/>
+      </a:fillRef>
+      <a:effectRef idx="0">
+        <a:scrgbClr r="0" g="0" b="0"/>
+      </a:effectRef>
+      <a:fontRef idx="minor"/>
+    </dgm:style>
+  </dgm:styleLbl>
+  <dgm:styleLbl name="callout">
+    <dgm:scene3d>
+      <a:camera prst="orthographicFront"/>
+      <a:lightRig rig="threePt" dir="t"/>
+    </dgm:scene3d>
+    <dgm:sp3d/>
+    <dgm:txPr/>
+    <dgm:style>
+      <a:lnRef idx="2">
+        <a:scrgbClr r="0" g="0" b="0"/>
+      </a:lnRef>
+      <a:fillRef idx="1">
+        <a:scrgbClr r="0" g="0" b="0"/>
+      </a:fillRef>
+      <a:effectRef idx="0">
+        <a:scrgbClr r="0" g="0" b="0"/>
+      </a:effectRef>
+      <a:fontRef idx="minor"/>
+    </dgm:style>
+  </dgm:styleLbl>
+  <dgm:styleLbl name="asst0">
+    <dgm:scene3d>
+      <a:camera prst="orthographicFront"/>
+      <a:lightRig rig="threePt" dir="t"/>
+    </dgm:scene3d>
+    <dgm:sp3d/>
+    <dgm:txPr/>
+    <dgm:style>
+      <a:lnRef idx="2">
+        <a:scrgbClr r="0" g="0" b="0"/>
+      </a:lnRef>
+      <a:fillRef idx="1">
+        <a:scrgbClr r="0" g="0" b="0"/>
+      </a:fillRef>
+      <a:effectRef idx="0">
+        <a:scrgbClr r="0" g="0" b="0"/>
+      </a:effectRef>
+      <a:fontRef idx="minor">
+        <a:schemeClr val="lt1"/>
+      </a:fontRef>
+    </dgm:style>
+  </dgm:styleLbl>
+  <dgm:styleLbl name="asst1">
+    <dgm:scene3d>
+      <a:camera prst="orthographicFront"/>
+      <a:lightRig rig="threePt" dir="t"/>
+    </dgm:scene3d>
+    <dgm:sp3d/>
+    <dgm:txPr/>
+    <dgm:style>
+      <a:lnRef idx="2">
+        <a:scrgbClr r="0" g="0" b="0"/>
+      </a:lnRef>
+      <a:fillRef idx="1">
+        <a:scrgbClr r="0" g="0" b="0"/>
+      </a:fillRef>
+      <a:effectRef idx="0">
+        <a:scrgbClr r="0" g="0" b="0"/>
+      </a:effectRef>
+      <a:fontRef idx="minor">
+        <a:schemeClr val="lt1"/>
+      </a:fontRef>
+    </dgm:style>
+  </dgm:styleLbl>
+  <dgm:styleLbl name="asst2">
+    <dgm:scene3d>
+      <a:camera prst="orthographicFront"/>
+      <a:lightRig rig="threePt" dir="t"/>
+    </dgm:scene3d>
+    <dgm:sp3d/>
+    <dgm:txPr/>
+    <dgm:style>
+      <a:lnRef idx="2">
+        <a:scrgbClr r="0" g="0" b="0"/>
+      </a:lnRef>
+      <a:fillRef idx="1">
+        <a:scrgbClr r="0" g="0" b="0"/>
+      </a:fillRef>
+      <a:effectRef idx="0">
+        <a:scrgbClr r="0" g="0" b="0"/>
+      </a:effectRef>
+      <a:fontRef idx="minor">
+        <a:schemeClr val="lt1"/>
+      </a:fontRef>
+    </dgm:style>
+  </dgm:styleLbl>
+  <dgm:styleLbl name="asst3">
+    <dgm:scene3d>
+      <a:camera prst="orthographicFront"/>
+      <a:lightRig rig="threePt" dir="t"/>
+    </dgm:scene3d>
+    <dgm:sp3d/>
+    <dgm:txPr/>
+    <dgm:style>
+      <a:lnRef idx="2">
+        <a:scrgbClr r="0" g="0" b="0"/>
+      </a:lnRef>
+      <a:fillRef idx="1">
+        <a:scrgbClr r="0" g="0" b="0"/>
+      </a:fillRef>
+      <a:effectRef idx="0">
+        <a:scrgbClr r="0" g="0" b="0"/>
+      </a:effectRef>
+      <a:fontRef idx="minor">
+        <a:schemeClr val="lt1"/>
+      </a:fontRef>
+    </dgm:style>
+  </dgm:styleLbl>
+  <dgm:styleLbl name="asst4">
+    <dgm:scene3d>
+      <a:camera prst="orthographicFront"/>
+      <a:lightRig rig="threePt" dir="t"/>
+    </dgm:scene3d>
+    <dgm:sp3d/>
+    <dgm:txPr/>
+    <dgm:style>
+      <a:lnRef idx="2">
+        <a:scrgbClr r="0" g="0" b="0"/>
+      </a:lnRef>
+      <a:fillRef idx="1">
+        <a:scrgbClr r="0" g="0" b="0"/>
+      </a:fillRef>
+      <a:effectRef idx="0">
+        <a:scrgbClr r="0" g="0" b="0"/>
+      </a:effectRef>
+      <a:fontRef idx="minor">
+        <a:schemeClr val="lt1"/>
+      </a:fontRef>
+    </dgm:style>
+  </dgm:styleLbl>
+  <dgm:styleLbl name="parChTrans2D1">
+    <dgm:scene3d>
+      <a:camera prst="orthographicFront"/>
+      <a:lightRig rig="threePt" dir="t"/>
+    </dgm:scene3d>
+    <dgm:sp3d/>
+    <dgm:txPr/>
+    <dgm:style>
+      <a:lnRef idx="2">
+        <a:scrgbClr r="0" g="0" b="0"/>
+      </a:lnRef>
+      <a:fillRef idx="1">
+        <a:scrgbClr r="0" g="0" b="0"/>
+      </a:fillRef>
+      <a:effectRef idx="0">
+        <a:scrgbClr r="0" g="0" b="0"/>
+      </a:effectRef>
+      <a:fontRef idx="minor">
+        <a:schemeClr val="lt1"/>
+      </a:fontRef>
+    </dgm:style>
+  </dgm:styleLbl>
+  <dgm:styleLbl name="parChTrans2D2">
+    <dgm:scene3d>
+      <a:camera prst="orthographicFront"/>
+      <a:lightRig rig="threePt" dir="t"/>
+    </dgm:scene3d>
+    <dgm:sp3d/>
+    <dgm:txPr/>
+    <dgm:style>
+      <a:lnRef idx="2">
+        <a:scrgbClr r="0" g="0" b="0"/>
+      </a:lnRef>
+      <a:fillRef idx="1">
+        <a:scrgbClr r="0" g="0" b="0"/>
+      </a:fillRef>
+      <a:effectRef idx="0">
+        <a:scrgbClr r="0" g="0" b="0"/>
+      </a:effectRef>
+      <a:fontRef idx="minor">
+        <a:schemeClr val="lt1"/>
+      </a:fontRef>
+    </dgm:style>
+  </dgm:styleLbl>
+  <dgm:styleLbl name="parChTrans2D3">
+    <dgm:scene3d>
+      <a:camera prst="orthographicFront"/>
+      <a:lightRig rig="threePt" dir="t"/>
+    </dgm:scene3d>
+    <dgm:sp3d/>
+    <dgm:txPr/>
+    <dgm:style>
+      <a:lnRef idx="2">
+        <a:scrgbClr r="0" g="0" b="0"/>
+      </a:lnRef>
+      <a:fillRef idx="1">
+        <a:scrgbClr r="0" g="0" b="0"/>
+      </a:fillRef>
+      <a:effectRef idx="0">
+        <a:scrgbClr r="0" g="0" b="0"/>
+      </a:effectRef>
+      <a:fontRef idx="minor">
+        <a:schemeClr val="lt1"/>
+      </a:fontRef>
+    </dgm:style>
+  </dgm:styleLbl>
+  <dgm:styleLbl name="parChTrans2D4">
+    <dgm:scene3d>
+      <a:camera prst="orthographicFront"/>
+      <a:lightRig rig="threePt" dir="t"/>
+    </dgm:scene3d>
+    <dgm:sp3d/>
+    <dgm:txPr/>
+    <dgm:style>
+      <a:lnRef idx="2">
+        <a:scrgbClr r="0" g="0" b="0"/>
+      </a:lnRef>
+      <a:fillRef idx="1">
+        <a:scrgbClr r="0" g="0" b="0"/>
+      </a:fillRef>
+      <a:effectRef idx="0">
+        <a:scrgbClr r="0" g="0" b="0"/>
+      </a:effectRef>
+      <a:fontRef idx="minor">
+        <a:schemeClr val="lt1"/>
+      </a:fontRef>
+    </dgm:style>
+  </dgm:styleLbl>
+  <dgm:styleLbl name="parChTrans1D1">
+    <dgm:scene3d>
+      <a:camera prst="orthographicFront"/>
+      <a:lightRig rig="threePt" dir="t"/>
+    </dgm:scene3d>
+    <dgm:sp3d/>
+    <dgm:txPr/>
+    <dgm:style>
+      <a:lnRef idx="2">
+        <a:scrgbClr r="0" g="0" b="0"/>
+      </a:lnRef>
+      <a:fillRef idx="0">
+        <a:scrgbClr r="0" g="0" b="0"/>
+      </a:fillRef>
+      <a:effectRef idx="0">
+        <a:scrgbClr r="0" g="0" b="0"/>
+      </a:effectRef>
+      <a:fontRef idx="minor"/>
+    </dgm:style>
+  </dgm:styleLbl>
+  <dgm:styleLbl name="parChTrans1D2">
+    <dgm:scene3d>
+      <a:camera prst="orthographicFront"/>
+      <a:lightRig rig="threePt" dir="t"/>
+    </dgm:scene3d>
+    <dgm:sp3d/>
+    <dgm:txPr/>
+    <dgm:style>
+      <a:lnRef idx="2">
+        <a:scrgbClr r="0" g="0" b="0"/>
+      </a:lnRef>
+      <a:fillRef idx="0">
+        <a:scrgbClr r="0" g="0" b="0"/>
+      </a:fillRef>
+      <a:effectRef idx="0">
+        <a:scrgbClr r="0" g="0" b="0"/>
+      </a:effectRef>
+      <a:fontRef idx="minor"/>
+    </dgm:style>
+  </dgm:styleLbl>
+  <dgm:styleLbl name="parChTrans1D3">
+    <dgm:scene3d>
+      <a:camera prst="orthographicFront"/>
+      <a:lightRig rig="threePt" dir="t"/>
+    </dgm:scene3d>
+    <dgm:sp3d/>
+    <dgm:txPr/>
+    <dgm:style>
+      <a:lnRef idx="2">
+        <a:scrgbClr r="0" g="0" b="0"/>
+      </a:lnRef>
+      <a:fillRef idx="0">
+        <a:scrgbClr r="0" g="0" b="0"/>
+      </a:fillRef>
+      <a:effectRef idx="0">
+        <a:scrgbClr r="0" g="0" b="0"/>
+      </a:effectRef>
+      <a:fontRef idx="minor"/>
+    </dgm:style>
+  </dgm:styleLbl>
+  <dgm:styleLbl name="parChTrans1D4">
+    <dgm:scene3d>
+      <a:camera prst="orthographicFront"/>
+      <a:lightRig rig="threePt" dir="t"/>
+    </dgm:scene3d>
+    <dgm:sp3d/>
+    <dgm:txPr/>
+    <dgm:style>
+      <a:lnRef idx="2">
+        <a:scrgbClr r="0" g="0" b="0"/>
+      </a:lnRef>
+      <a:fillRef idx="0">
+        <a:scrgbClr r="0" g="0" b="0"/>
+      </a:fillRef>
+      <a:effectRef idx="0">
+        <a:scrgbClr r="0" g="0" b="0"/>
+      </a:effectRef>
+      <a:fontRef idx="minor"/>
+    </dgm:style>
+  </dgm:styleLbl>
+  <dgm:styleLbl name="fgAcc1">
+    <dgm:scene3d>
+      <a:camera prst="orthographicFront"/>
+      <a:lightRig rig="threePt" dir="t"/>
+    </dgm:scene3d>
+    <dgm:sp3d/>
+    <dgm:txPr/>
+    <dgm:style>
+      <a:lnRef idx="2">
+        <a:scrgbClr r="0" g="0" b="0"/>
+      </a:lnRef>
+      <a:fillRef idx="1">
+        <a:scrgbClr r="0" g="0" b="0"/>
+      </a:fillRef>
+      <a:effectRef idx="0">
+        <a:scrgbClr r="0" g="0" b="0"/>
+      </a:effectRef>
+      <a:fontRef idx="minor"/>
+    </dgm:style>
+  </dgm:styleLbl>
+  <dgm:styleLbl name="conFgAcc1">
+    <dgm:scene3d>
+      <a:camera prst="orthographicFront"/>
+      <a:lightRig rig="threePt" dir="t"/>
+    </dgm:scene3d>
+    <dgm:sp3d/>
+    <dgm:txPr/>
+    <dgm:style>
+      <a:lnRef idx="2">
+        <a:scrgbClr r="0" g="0" b="0"/>
+      </a:lnRef>
+      <a:fillRef idx="1">
+        <a:scrgbClr r="0" g="0" b="0"/>
+      </a:fillRef>
+      <a:effectRef idx="0">
+        <a:scrgbClr r="0" g="0" b="0"/>
+      </a:effectRef>
+      <a:fontRef idx="minor"/>
+    </dgm:style>
+  </dgm:styleLbl>
+  <dgm:styleLbl name="alignAcc1">
+    <dgm:scene3d>
+      <a:camera prst="orthographicFront"/>
+      <a:lightRig rig="threePt" dir="t"/>
+    </dgm:scene3d>
+    <dgm:sp3d/>
+    <dgm:txPr/>
+    <dgm:style>
+      <a:lnRef idx="2">
+        <a:scrgbClr r="0" g="0" b="0"/>
+      </a:lnRef>
+      <a:fillRef idx="1">
+        <a:scrgbClr r="0" g="0" b="0"/>
+      </a:fillRef>
+      <a:effectRef idx="0">
+        <a:scrgbClr r="0" g="0" b="0"/>
+      </a:effectRef>
+      <a:fontRef idx="minor"/>
+    </dgm:style>
+  </dgm:styleLbl>
+  <dgm:styleLbl name="trAlignAcc1">
+    <dgm:scene3d>
+      <a:camera prst="orthographicFront"/>
+      <a:lightRig rig="threePt" dir="t"/>
+    </dgm:scene3d>
+    <dgm:sp3d/>
+    <dgm:txPr/>
+    <dgm:style>
+      <a:lnRef idx="1">
+        <a:scrgbClr r="0" g="0" b="0"/>
+      </a:lnRef>
+      <a:fillRef idx="1">
+        <a:scrgbClr r="0" g="0" b="0"/>
+      </a:fillRef>
+      <a:effectRef idx="0">
+        <a:scrgbClr r="0" g="0" b="0"/>
+      </a:effectRef>
+      <a:fontRef idx="minor"/>
+    </dgm:style>
+  </dgm:styleLbl>
+  <dgm:styleLbl name="bgAcc1">
+    <dgm:scene3d>
+      <a:camera prst="orthographicFront"/>
+      <a:lightRig rig="threePt" dir="t"/>
+    </dgm:scene3d>
+    <dgm:sp3d/>
+    <dgm:txPr/>
+    <dgm:style>
+      <a:lnRef idx="2">
+        <a:scrgbClr r="0" g="0" b="0"/>
+      </a:lnRef>
+      <a:fillRef idx="1">
+        <a:scrgbClr r="0" g="0" b="0"/>
+      </a:fillRef>
+      <a:effectRef idx="0">
+        <a:scrgbClr r="0" g="0" b="0"/>
+      </a:effectRef>
+      <a:fontRef idx="minor"/>
+    </dgm:style>
+  </dgm:styleLbl>
+  <dgm:styleLbl name="solidFgAcc1">
+    <dgm:scene3d>
+      <a:camera prst="orthographicFront"/>
+      <a:lightRig rig="threePt" dir="t"/>
+    </dgm:scene3d>
+    <dgm:sp3d/>
+    <dgm:txPr/>
+    <dgm:style>
+      <a:lnRef idx="2">
+        <a:scrgbClr r="0" g="0" b="0"/>
+      </a:lnRef>
+      <a:fillRef idx="1">
+        <a:scrgbClr r="0" g="0" b="0"/>
+      </a:fillRef>
+      <a:effectRef idx="0">
+        <a:scrgbClr r="0" g="0" b="0"/>
+      </a:effectRef>
+      <a:fontRef idx="minor"/>
+    </dgm:style>
+  </dgm:styleLbl>
+  <dgm:styleLbl name="solidAlignAcc1">
+    <dgm:scene3d>
+      <a:camera prst="orthographicFront"/>
+      <a:lightRig rig="threePt" dir="t"/>
+    </dgm:scene3d>
+    <dgm:sp3d/>
+    <dgm:txPr/>
+    <dgm:style>
+      <a:lnRef idx="2">
+        <a:scrgbClr r="0" g="0" b="0"/>
+      </a:lnRef>
+      <a:fillRef idx="1">
+        <a:scrgbClr r="0" g="0" b="0"/>
+      </a:fillRef>
+      <a:effectRef idx="0">
+        <a:scrgbClr r="0" g="0" b="0"/>
+      </a:effectRef>
+      <a:fontRef idx="minor"/>
+    </dgm:style>
+  </dgm:styleLbl>
+  <dgm:styleLbl name="solidBgAcc1">
+    <dgm:scene3d>
+      <a:camera prst="orthographicFront"/>
+      <a:lightRig rig="threePt" dir="t"/>
+    </dgm:scene3d>
+    <dgm:sp3d/>
+    <dgm:txPr/>
+    <dgm:style>
+      <a:lnRef idx="2">
+        <a:scrgbClr r="0" g="0" b="0"/>
+      </a:lnRef>
+      <a:fillRef idx="1">
+        <a:scrgbClr r="0" g="0" b="0"/>
+      </a:fillRef>
+      <a:effectRef idx="0">
+        <a:scrgbClr r="0" g="0" b="0"/>
+      </a:effectRef>
+      <a:fontRef idx="minor"/>
+    </dgm:style>
+  </dgm:styleLbl>
+  <dgm:styleLbl name="fgAccFollowNode1">
+    <dgm:scene3d>
+      <a:camera prst="orthographicFront"/>
+      <a:lightRig rig="threePt" dir="t"/>
+    </dgm:scene3d>
+    <dgm:sp3d/>
+    <dgm:txPr/>
+    <dgm:style>
+      <a:lnRef idx="2">
+        <a:scrgbClr r="0" g="0" b="0"/>
+      </a:lnRef>
+      <a:fillRef idx="1">
+        <a:scrgbClr r="0" g="0" b="0"/>
+      </a:fillRef>
+      <a:effectRef idx="0">
+        <a:scrgbClr r="0" g="0" b="0"/>
+      </a:effectRef>
+      <a:fontRef idx="minor"/>
+    </dgm:style>
+  </dgm:styleLbl>
+  <dgm:styleLbl name="alignAccFollowNode1">
+    <dgm:scene3d>
+      <a:camera prst="orthographicFront"/>
+      <a:lightRig rig="threePt" dir="t"/>
+    </dgm:scene3d>
+    <dgm:sp3d/>
+    <dgm:txPr/>
+    <dgm:style>
+      <a:lnRef idx="2">
+        <a:scrgbClr r="0" g="0" b="0"/>
+      </a:lnRef>
+      <a:fillRef idx="1">
+        <a:scrgbClr r="0" g="0" b="0"/>
+      </a:fillRef>
+      <a:effectRef idx="0">
+        <a:scrgbClr r="0" g="0" b="0"/>
+      </a:effectRef>
+      <a:fontRef idx="minor"/>
+    </dgm:style>
+  </dgm:styleLbl>
+  <dgm:styleLbl name="bgAccFollowNode1">
+    <dgm:scene3d>
+      <a:camera prst="orthographicFront"/>
+      <a:lightRig rig="threePt" dir="t"/>
+    </dgm:scene3d>
+    <dgm:sp3d/>
+    <dgm:txPr/>
+    <dgm:style>
+      <a:lnRef idx="2">
+        <a:scrgbClr r="0" g="0" b="0"/>
+      </a:lnRef>
+      <a:fillRef idx="1">
+        <a:scrgbClr r="0" g="0" b="0"/>
+      </a:fillRef>
+      <a:effectRef idx="0">
+        <a:scrgbClr r="0" g="0" b="0"/>
+      </a:effectRef>
+      <a:fontRef idx="minor"/>
+    </dgm:style>
+  </dgm:styleLbl>
+  <dgm:styleLbl name="fgAcc0">
+    <dgm:scene3d>
+      <a:camera prst="orthographicFront"/>
+      <a:lightRig rig="threePt" dir="t"/>
+    </dgm:scene3d>
+    <dgm:sp3d/>
+    <dgm:txPr/>
+    <dgm:style>
+      <a:lnRef idx="2">
+        <a:scrgbClr r="0" g="0" b="0"/>
+      </a:lnRef>
+      <a:fillRef idx="1">
+        <a:scrgbClr r="0" g="0" b="0"/>
+      </a:fillRef>
+      <a:effectRef idx="0">
+        <a:scrgbClr r="0" g="0" b="0"/>
+      </a:effectRef>
+      <a:fontRef idx="minor"/>
+    </dgm:style>
+  </dgm:styleLbl>
+  <dgm:styleLbl name="fgAcc2">
+    <dgm:scene3d>
+      <a:camera prst="orthographicFront"/>
+      <a:lightRig rig="threePt" dir="t"/>
+    </dgm:scene3d>
+    <dgm:sp3d/>
+    <dgm:txPr/>
+    <dgm:style>
+      <a:lnRef idx="2">
+        <a:scrgbClr r="0" g="0" b="0"/>
+      </a:lnRef>
+      <a:fillRef idx="1">
+        <a:scrgbClr r="0" g="0" b="0"/>
+      </a:fillRef>
+      <a:effectRef idx="0">
+        <a:scrgbClr r="0" g="0" b="0"/>
+      </a:effectRef>
+      <a:fontRef idx="minor"/>
+    </dgm:style>
+  </dgm:styleLbl>
+  <dgm:styleLbl name="fgAcc3">
+    <dgm:scene3d>
+      <a:camera prst="orthographicFront"/>
+      <a:lightRig rig="threePt" dir="t"/>
+    </dgm:scene3d>
+    <dgm:sp3d/>
+    <dgm:txPr/>
+    <dgm:style>
+      <a:lnRef idx="2">
+        <a:scrgbClr r="0" g="0" b="0"/>
+      </a:lnRef>
+      <a:fillRef idx="1">
+        <a:scrgbClr r="0" g="0" b="0"/>
+      </a:fillRef>
+      <a:effectRef idx="0">
+        <a:scrgbClr r="0" g="0" b="0"/>
+      </a:effectRef>
+      <a:fontRef idx="minor"/>
+    </dgm:style>
+  </dgm:styleLbl>
+  <dgm:styleLbl name="fgAcc4">
+    <dgm:scene3d>
+      <a:camera prst="orthographicFront"/>
+      <a:lightRig rig="threePt" dir="t"/>
+    </dgm:scene3d>
+    <dgm:sp3d/>
+    <dgm:txPr/>
+    <dgm:style>
+      <a:lnRef idx="2">
+        <a:scrgbClr r="0" g="0" b="0"/>
+      </a:lnRef>
+      <a:fillRef idx="1">
+        <a:scrgbClr r="0" g="0" b="0"/>
+      </a:fillRef>
+      <a:effectRef idx="0">
+        <a:scrgbClr r="0" g="0" b="0"/>
+      </a:effectRef>
+      <a:fontRef idx="minor"/>
+    </dgm:style>
+  </dgm:styleLbl>
+  <dgm:styleLbl name="bgShp">
+    <dgm:scene3d>
+      <a:camera prst="orthographicFront"/>
+      <a:lightRig rig="threePt" dir="t"/>
+    </dgm:scene3d>
+    <dgm:sp3d/>
+    <dgm:txPr/>
+    <dgm:style>
+      <a:lnRef idx="0">
+        <a:scrgbClr r="0" g="0" b="0"/>
+      </a:lnRef>
+      <a:fillRef idx="1">
+        <a:scrgbClr r="0" g="0" b="0"/>
+      </a:fillRef>
+      <a:effectRef idx="0">
+        <a:scrgbClr r="0" g="0" b="0"/>
+      </a:effectRef>
+      <a:fontRef idx="minor"/>
+    </dgm:style>
+  </dgm:styleLbl>
+  <dgm:styleLbl name="dkBgShp">
+    <dgm:scene3d>
+      <a:camera prst="orthographicFront"/>
+      <a:lightRig rig="threePt" dir="t"/>
+    </dgm:scene3d>
+    <dgm:sp3d/>
+    <dgm:txPr/>
+    <dgm:style>
+      <a:lnRef idx="0">
+        <a:scrgbClr r="0" g="0" b="0"/>
+      </a:lnRef>
+      <a:fillRef idx="1">
+        <a:scrgbClr r="0" g="0" b="0"/>
+      </a:fillRef>
+      <a:effectRef idx="0">
+        <a:scrgbClr r="0" g="0" b="0"/>
+      </a:effectRef>
+      <a:fontRef idx="minor"/>
+    </dgm:style>
+  </dgm:styleLbl>
+  <dgm:styleLbl name="trBgShp">
+    <dgm:scene3d>
+      <a:camera prst="orthographicFront"/>
+      <a:lightRig rig="threePt" dir="t"/>
+    </dgm:scene3d>
+    <dgm:sp3d/>
+    <dgm:txPr/>
+    <dgm:style>
+      <a:lnRef idx="0">
+        <a:scrgbClr r="0" g="0" b="0"/>
+      </a:lnRef>
+      <a:fillRef idx="1">
+        <a:scrgbClr r="0" g="0" b="0"/>
+      </a:fillRef>
+      <a:effectRef idx="0">
+        <a:scrgbClr r="0" g="0" b="0"/>
+      </a:effectRef>
+      <a:fontRef idx="minor"/>
+    </dgm:style>
+  </dgm:styleLbl>
+  <dgm:styleLbl name="fgShp">
+    <dgm:scene3d>
+      <a:camera prst="orthographicFront"/>
+      <a:lightRig rig="threePt" dir="t"/>
+    </dgm:scene3d>
+    <dgm:sp3d/>
+    <dgm:txPr/>
+    <dgm:style>
+      <a:lnRef idx="2">
+        <a:scrgbClr r="0" g="0" b="0"/>
+      </a:lnRef>
+      <a:fillRef idx="1">
+        <a:scrgbClr r="0" g="0" b="0"/>
+      </a:fillRef>
+      <a:effectRef idx="0">
+        <a:scrgbClr r="0" g="0" b="0"/>
+      </a:effectRef>
+      <a:fontRef idx="minor"/>
+    </dgm:style>
+  </dgm:styleLbl>
+  <dgm:styleLbl name="revTx">
+    <dgm:scene3d>
+      <a:camera prst="orthographicFront"/>
+      <a:lightRig rig="threePt" dir="t"/>
+    </dgm:scene3d>
+    <dgm:sp3d/>
+    <dgm:txPr/>
+    <dgm:style>
+      <a:lnRef idx="0">
+        <a:scrgbClr r="0" g="0" b="0"/>
+      </a:lnRef>
+      <a:fillRef idx="0">
+        <a:scrgbClr r="0" g="0" b="0"/>
+      </a:fillRef>
+      <a:effectRef idx="0">
+        <a:scrgbClr r="0" g="0" b="0"/>
+      </a:effectRef>
+      <a:fontRef idx="minor"/>
+    </dgm:style>
+  </dgm:styleLbl>
+</dgm:styleDef>
 </file>
 
 <file path=ppt/slideLayouts/slideLayout1.xml><?xml version="1.0" encoding="utf-8"?>
@@ -4378,6 +7380,691 @@
 </p:sld>
 </file>
 
+<file path=ppt/slides/slide10.xml><?xml version="1.0" encoding="utf-8"?>
+<p:sld xmlns:a="http://schemas.openxmlformats.org/drawingml/2006/main" xmlns:r="http://schemas.openxmlformats.org/officeDocument/2006/relationships" xmlns:p="http://schemas.openxmlformats.org/presentationml/2006/main">
+  <p:cSld>
+    <p:spTree>
+      <p:nvGrpSpPr>
+        <p:cNvPr id="1" name=""/>
+        <p:cNvGrpSpPr/>
+        <p:nvPr/>
+      </p:nvGrpSpPr>
+      <p:grpSpPr>
+        <a:xfrm>
+          <a:off x="0" y="0"/>
+          <a:ext cx="0" cy="0"/>
+          <a:chOff x="0" y="0"/>
+          <a:chExt cx="0" cy="0"/>
+        </a:xfrm>
+      </p:grpSpPr>
+      <p:sp>
+        <p:nvSpPr>
+          <p:cNvPr id="2" name="Title 1">
+            <a:extLst>
+              <a:ext uri="{FF2B5EF4-FFF2-40B4-BE49-F238E27FC236}">
+                <a16:creationId xmlns:a16="http://schemas.microsoft.com/office/drawing/2014/main" id="{3C23380C-7CF2-DA79-89FC-83C45F4A02F0}"/>
+              </a:ext>
+            </a:extLst>
+          </p:cNvPr>
+          <p:cNvSpPr>
+            <a:spLocks noGrp="1"/>
+          </p:cNvSpPr>
+          <p:nvPr>
+            <p:ph type="title"/>
+          </p:nvPr>
+        </p:nvSpPr>
+        <p:spPr/>
+        <p:txBody>
+          <a:bodyPr/>
+          <a:lstStyle/>
+          <a:p>
+            <a:endParaRPr lang="en-FI"/>
+          </a:p>
+        </p:txBody>
+      </p:sp>
+      <p:sp>
+        <p:nvSpPr>
+          <p:cNvPr id="3" name="Content Placeholder 2">
+            <a:extLst>
+              <a:ext uri="{FF2B5EF4-FFF2-40B4-BE49-F238E27FC236}">
+                <a16:creationId xmlns:a16="http://schemas.microsoft.com/office/drawing/2014/main" id="{91480B2E-D4EA-092B-69CD-08BA49C25643}"/>
+              </a:ext>
+            </a:extLst>
+          </p:cNvPr>
+          <p:cNvSpPr>
+            <a:spLocks noGrp="1"/>
+          </p:cNvSpPr>
+          <p:nvPr>
+            <p:ph idx="1"/>
+          </p:nvPr>
+        </p:nvSpPr>
+        <p:spPr/>
+        <p:txBody>
+          <a:bodyPr/>
+          <a:lstStyle/>
+          <a:p>
+            <a:endParaRPr lang="en-FI"/>
+          </a:p>
+        </p:txBody>
+      </p:sp>
+    </p:spTree>
+    <p:extLst>
+      <p:ext uri="{BB962C8B-B14F-4D97-AF65-F5344CB8AC3E}">
+        <p14:creationId xmlns:p14="http://schemas.microsoft.com/office/powerpoint/2010/main" val="815217979"/>
+      </p:ext>
+    </p:extLst>
+  </p:cSld>
+  <p:clrMapOvr>
+    <a:masterClrMapping/>
+  </p:clrMapOvr>
+</p:sld>
+</file>
+
+<file path=ppt/slides/slide11.xml><?xml version="1.0" encoding="utf-8"?>
+<p:sld xmlns:a="http://schemas.openxmlformats.org/drawingml/2006/main" xmlns:r="http://schemas.openxmlformats.org/officeDocument/2006/relationships" xmlns:p="http://schemas.openxmlformats.org/presentationml/2006/main">
+  <p:cSld>
+    <p:bg>
+      <p:bgPr>
+        <a:solidFill>
+          <a:schemeClr val="bg1"/>
+        </a:solidFill>
+        <a:effectLst/>
+      </p:bgPr>
+    </p:bg>
+    <p:spTree>
+      <p:nvGrpSpPr>
+        <p:cNvPr id="1" name=""/>
+        <p:cNvGrpSpPr/>
+        <p:nvPr/>
+      </p:nvGrpSpPr>
+      <p:grpSpPr>
+        <a:xfrm>
+          <a:off x="0" y="0"/>
+          <a:ext cx="0" cy="0"/>
+          <a:chOff x="0" y="0"/>
+          <a:chExt cx="0" cy="0"/>
+        </a:xfrm>
+      </p:grpSpPr>
+      <p:pic>
+        <p:nvPicPr>
+          <p:cNvPr id="4" name="Picture 3">
+            <a:extLst>
+              <a:ext uri="{FF2B5EF4-FFF2-40B4-BE49-F238E27FC236}">
+                <a16:creationId xmlns:a16="http://schemas.microsoft.com/office/drawing/2014/main" id="{67941B4A-4468-6367-CA06-C6846569ACB5}"/>
+              </a:ext>
+            </a:extLst>
+          </p:cNvPr>
+          <p:cNvPicPr>
+            <a:picLocks noChangeAspect="1"/>
+          </p:cNvPicPr>
+          <p:nvPr/>
+        </p:nvPicPr>
+        <p:blipFill>
+          <a:blip r:embed="rId2"/>
+          <a:srcRect t="881" b="6786"/>
+          <a:stretch/>
+        </p:blipFill>
+        <p:spPr>
+          <a:xfrm>
+            <a:off x="20" y="469567"/>
+            <a:ext cx="12191980" cy="6388433"/>
+          </a:xfrm>
+          <a:prstGeom prst="rect">
+            <a:avLst/>
+          </a:prstGeom>
+        </p:spPr>
+      </p:pic>
+      <p:sp>
+        <p:nvSpPr>
+          <p:cNvPr id="22" name="Rectangle 21">
+            <a:extLst>
+              <a:ext uri="{FF2B5EF4-FFF2-40B4-BE49-F238E27FC236}">
+                <a16:creationId xmlns:a16="http://schemas.microsoft.com/office/drawing/2014/main" id="{216BB327-7AA9-4EC5-815F-9D8E6BC53E34}"/>
+              </a:ext>
+              <a:ext uri="{C183D7F6-B498-43B3-948B-1728B52AA6E4}">
+                <adec:decorative xmlns:adec="http://schemas.microsoft.com/office/drawing/2017/decorative" val="1"/>
+              </a:ext>
+            </a:extLst>
+          </p:cNvPr>
+          <p:cNvSpPr>
+            <a:spLocks noGrp="1" noRot="1" noChangeAspect="1" noMove="1" noResize="1" noEditPoints="1" noAdjustHandles="1" noChangeArrowheads="1" noChangeShapeType="1" noTextEdit="1"/>
+          </p:cNvSpPr>
+          <p:nvPr>
+            <p:extLst>
+              <p:ext uri="{386F3935-93C4-4BCD-93E2-E3B085C9AB24}">
+                <p16:designElem xmlns:p16="http://schemas.microsoft.com/office/powerpoint/2015/main" val="1"/>
+              </p:ext>
+            </p:extLst>
+          </p:nvPr>
+        </p:nvSpPr>
+        <p:spPr>
+          <a:xfrm>
+            <a:off x="126206" y="115193"/>
+            <a:ext cx="11939588" cy="6627614"/>
+          </a:xfrm>
+          <a:prstGeom prst="rect">
+            <a:avLst/>
+          </a:prstGeom>
+          <a:noFill/>
+          <a:ln w="12700">
+            <a:solidFill>
+              <a:schemeClr val="accent2"/>
+            </a:solidFill>
+          </a:ln>
+        </p:spPr>
+        <p:style>
+          <a:lnRef idx="2">
+            <a:schemeClr val="accent1">
+              <a:shade val="50000"/>
+            </a:schemeClr>
+          </a:lnRef>
+          <a:fillRef idx="1">
+            <a:schemeClr val="accent1"/>
+          </a:fillRef>
+          <a:effectRef idx="0">
+            <a:schemeClr val="accent1"/>
+          </a:effectRef>
+          <a:fontRef idx="minor">
+            <a:schemeClr val="lt1"/>
+          </a:fontRef>
+        </p:style>
+        <p:txBody>
+          <a:bodyPr rtlCol="0" anchor="ctr"/>
+          <a:lstStyle/>
+          <a:p>
+            <a:pPr algn="ctr"/>
+            <a:endParaRPr lang="en-US"/>
+          </a:p>
+        </p:txBody>
+      </p:sp>
+    </p:spTree>
+    <p:extLst>
+      <p:ext uri="{BB962C8B-B14F-4D97-AF65-F5344CB8AC3E}">
+        <p14:creationId xmlns:p14="http://schemas.microsoft.com/office/powerpoint/2010/main" val="937822135"/>
+      </p:ext>
+    </p:extLst>
+  </p:cSld>
+  <p:clrMapOvr>
+    <a:masterClrMapping/>
+  </p:clrMapOvr>
+</p:sld>
+</file>
+
+<file path=ppt/slides/slide12.xml><?xml version="1.0" encoding="utf-8"?>
+<p:sld xmlns:a="http://schemas.openxmlformats.org/drawingml/2006/main" xmlns:r="http://schemas.openxmlformats.org/officeDocument/2006/relationships" xmlns:p="http://schemas.openxmlformats.org/presentationml/2006/main">
+  <p:cSld>
+    <p:bg>
+      <p:bgPr>
+        <a:solidFill>
+          <a:schemeClr val="bg1"/>
+        </a:solidFill>
+        <a:effectLst/>
+      </p:bgPr>
+    </p:bg>
+    <p:spTree>
+      <p:nvGrpSpPr>
+        <p:cNvPr id="1" name=""/>
+        <p:cNvGrpSpPr/>
+        <p:nvPr/>
+      </p:nvGrpSpPr>
+      <p:grpSpPr>
+        <a:xfrm>
+          <a:off x="0" y="0"/>
+          <a:ext cx="0" cy="0"/>
+          <a:chOff x="0" y="0"/>
+          <a:chExt cx="0" cy="0"/>
+        </a:xfrm>
+      </p:grpSpPr>
+      <p:sp>
+        <p:nvSpPr>
+          <p:cNvPr id="9" name="Rectangle 8">
+            <a:extLst>
+              <a:ext uri="{FF2B5EF4-FFF2-40B4-BE49-F238E27FC236}">
+                <a16:creationId xmlns:a16="http://schemas.microsoft.com/office/drawing/2014/main" id="{86FF76B9-219D-4469-AF87-0236D29032F1}"/>
+              </a:ext>
+              <a:ext uri="{C183D7F6-B498-43B3-948B-1728B52AA6E4}">
+                <adec:decorative xmlns:adec="http://schemas.microsoft.com/office/drawing/2017/decorative" val="1"/>
+              </a:ext>
+            </a:extLst>
+          </p:cNvPr>
+          <p:cNvSpPr>
+            <a:spLocks noGrp="1" noRot="1" noChangeAspect="1" noMove="1" noResize="1" noEditPoints="1" noAdjustHandles="1" noChangeArrowheads="1" noChangeShapeType="1" noTextEdit="1"/>
+          </p:cNvSpPr>
+          <p:nvPr>
+            <p:extLst>
+              <p:ext uri="{386F3935-93C4-4BCD-93E2-E3B085C9AB24}">
+                <p16:designElem xmlns:p16="http://schemas.microsoft.com/office/powerpoint/2015/main" val="1"/>
+              </p:ext>
+            </p:extLst>
+          </p:nvPr>
+        </p:nvSpPr>
+        <p:spPr>
+          <a:xfrm>
+            <a:off x="0" y="0"/>
+            <a:ext cx="12192000" cy="6858000"/>
+          </a:xfrm>
+          <a:prstGeom prst="rect">
+            <a:avLst/>
+          </a:prstGeom>
+          <a:solidFill>
+            <a:schemeClr val="bg1"/>
+          </a:solidFill>
+          <a:ln>
+            <a:noFill/>
+          </a:ln>
+        </p:spPr>
+        <p:style>
+          <a:lnRef idx="2">
+            <a:schemeClr val="accent1">
+              <a:shade val="50000"/>
+            </a:schemeClr>
+          </a:lnRef>
+          <a:fillRef idx="1">
+            <a:schemeClr val="accent1"/>
+          </a:fillRef>
+          <a:effectRef idx="0">
+            <a:schemeClr val="accent1"/>
+          </a:effectRef>
+          <a:fontRef idx="minor">
+            <a:schemeClr val="lt1"/>
+          </a:fontRef>
+        </p:style>
+        <p:txBody>
+          <a:bodyPr rtlCol="0" anchor="ctr"/>
+          <a:lstStyle/>
+          <a:p>
+            <a:pPr algn="ctr"/>
+            <a:endParaRPr lang="en-US" dirty="0"/>
+          </a:p>
+        </p:txBody>
+      </p:sp>
+      <p:grpSp>
+        <p:nvGrpSpPr>
+          <p:cNvPr id="11" name="Group 10">
+            <a:extLst>
+              <a:ext uri="{FF2B5EF4-FFF2-40B4-BE49-F238E27FC236}">
+                <a16:creationId xmlns:a16="http://schemas.microsoft.com/office/drawing/2014/main" id="{DB88BD78-87E1-424D-B479-C37D8E41B12E}"/>
+              </a:ext>
+              <a:ext uri="{C183D7F6-B498-43B3-948B-1728B52AA6E4}">
+                <adec:decorative xmlns:adec="http://schemas.microsoft.com/office/drawing/2017/decorative" val="1"/>
+              </a:ext>
+            </a:extLst>
+          </p:cNvPr>
+          <p:cNvGrpSpPr>
+            <a:grpSpLocks noGrp="1" noUngrp="1" noRot="1" noChangeAspect="1" noMove="1" noResize="1"/>
+          </p:cNvGrpSpPr>
+          <p:nvPr>
+            <p:extLst>
+              <p:ext uri="{386F3935-93C4-4BCD-93E2-E3B085C9AB24}">
+                <p16:designElem xmlns:p16="http://schemas.microsoft.com/office/powerpoint/2015/main" val="1"/>
+              </p:ext>
+            </p:extLst>
+          </p:nvPr>
+        </p:nvGrpSpPr>
+        <p:grpSpPr>
+          <a:xfrm flipH="1">
+            <a:off x="10964637" y="2358"/>
+            <a:ext cx="1876653" cy="1766008"/>
+            <a:chOff x="-648769" y="2358"/>
+            <a:chExt cx="1876653" cy="1766008"/>
+          </a:xfrm>
+        </p:grpSpPr>
+        <p:sp>
+          <p:nvSpPr>
+            <p:cNvPr id="12" name="Freeform: Shape 11">
+              <a:extLst>
+                <a:ext uri="{FF2B5EF4-FFF2-40B4-BE49-F238E27FC236}">
+                  <a16:creationId xmlns:a16="http://schemas.microsoft.com/office/drawing/2014/main" id="{C05EB894-9410-4B20-95E4-7A25101AB895}"/>
+                </a:ext>
+                <a:ext uri="{C183D7F6-B498-43B3-948B-1728B52AA6E4}">
+                  <adec:decorative xmlns:adec="http://schemas.microsoft.com/office/drawing/2017/decorative" val="1"/>
+                </a:ext>
+              </a:extLst>
+            </p:cNvPr>
+            <p:cNvSpPr/>
+            <p:nvPr>
+              <p:extLst>
+                <p:ext uri="{386F3935-93C4-4BCD-93E2-E3B085C9AB24}">
+                  <p16:designElem xmlns:p16="http://schemas.microsoft.com/office/powerpoint/2015/main" val="1"/>
+                </p:ext>
+              </p:extLst>
+            </p:nvPr>
+          </p:nvSpPr>
+          <p:spPr>
+            <a:xfrm rot="2700000">
+              <a:off x="-415188" y="-231223"/>
+              <a:ext cx="1409491" cy="1876653"/>
+            </a:xfrm>
+            <a:custGeom>
+              <a:avLst/>
+              <a:gdLst>
+                <a:gd name="connsiteX0" fmla="*/ 0 w 1409491"/>
+                <a:gd name="connsiteY0" fmla="*/ 643075 h 1876653"/>
+                <a:gd name="connsiteX1" fmla="*/ 643075 w 1409491"/>
+                <a:gd name="connsiteY1" fmla="*/ 0 h 1876653"/>
+                <a:gd name="connsiteX2" fmla="*/ 1409491 w 1409491"/>
+                <a:gd name="connsiteY2" fmla="*/ 0 h 1876653"/>
+                <a:gd name="connsiteX3" fmla="*/ 1409491 w 1409491"/>
+                <a:gd name="connsiteY3" fmla="*/ 1876653 h 1876653"/>
+                <a:gd name="connsiteX4" fmla="*/ 1233578 w 1409491"/>
+                <a:gd name="connsiteY4" fmla="*/ 1876653 h 1876653"/>
+              </a:gdLst>
+              <a:ahLst/>
+              <a:cxnLst>
+                <a:cxn ang="0">
+                  <a:pos x="connsiteX0" y="connsiteY0"/>
+                </a:cxn>
+                <a:cxn ang="0">
+                  <a:pos x="connsiteX1" y="connsiteY1"/>
+                </a:cxn>
+                <a:cxn ang="0">
+                  <a:pos x="connsiteX2" y="connsiteY2"/>
+                </a:cxn>
+                <a:cxn ang="0">
+                  <a:pos x="connsiteX3" y="connsiteY3"/>
+                </a:cxn>
+                <a:cxn ang="0">
+                  <a:pos x="connsiteX4" y="connsiteY4"/>
+                </a:cxn>
+              </a:cxnLst>
+              <a:rect l="l" t="t" r="r" b="b"/>
+              <a:pathLst>
+                <a:path w="1409491" h="1876653">
+                  <a:moveTo>
+                    <a:pt x="0" y="643075"/>
+                  </a:moveTo>
+                  <a:lnTo>
+                    <a:pt x="643075" y="0"/>
+                  </a:lnTo>
+                  <a:lnTo>
+                    <a:pt x="1409491" y="0"/>
+                  </a:lnTo>
+                  <a:lnTo>
+                    <a:pt x="1409491" y="1876653"/>
+                  </a:lnTo>
+                  <a:lnTo>
+                    <a:pt x="1233578" y="1876653"/>
+                  </a:lnTo>
+                  <a:close/>
+                </a:path>
+              </a:pathLst>
+            </a:custGeom>
+            <a:solidFill>
+              <a:schemeClr val="accent1">
+                <a:alpha val="30000"/>
+              </a:schemeClr>
+            </a:solidFill>
+            <a:ln>
+              <a:noFill/>
+            </a:ln>
+          </p:spPr>
+          <p:style>
+            <a:lnRef idx="2">
+              <a:schemeClr val="accent1">
+                <a:shade val="50000"/>
+              </a:schemeClr>
+            </a:lnRef>
+            <a:fillRef idx="1">
+              <a:schemeClr val="accent1"/>
+            </a:fillRef>
+            <a:effectRef idx="0">
+              <a:schemeClr val="accent1"/>
+            </a:effectRef>
+            <a:fontRef idx="minor">
+              <a:schemeClr val="lt1"/>
+            </a:fontRef>
+          </p:style>
+          <p:txBody>
+            <a:bodyPr rtlCol="0" anchor="ctr"/>
+            <a:lstStyle/>
+            <a:p>
+              <a:pPr algn="ctr"/>
+              <a:endParaRPr lang="en-US"/>
+            </a:p>
+          </p:txBody>
+        </p:sp>
+        <p:sp>
+          <p:nvSpPr>
+            <p:cNvPr id="13" name="Rectangle 12">
+              <a:extLst>
+                <a:ext uri="{FF2B5EF4-FFF2-40B4-BE49-F238E27FC236}">
+                  <a16:creationId xmlns:a16="http://schemas.microsoft.com/office/drawing/2014/main" id="{166E38B6-B050-4340-8E8F-3A971DADC031}"/>
+                </a:ext>
+                <a:ext uri="{C183D7F6-B498-43B3-948B-1728B52AA6E4}">
+                  <adec:decorative xmlns:adec="http://schemas.microsoft.com/office/drawing/2017/decorative" val="1"/>
+                </a:ext>
+              </a:extLst>
+            </p:cNvPr>
+            <p:cNvSpPr/>
+            <p:nvPr>
+              <p:extLst>
+                <p:ext uri="{386F3935-93C4-4BCD-93E2-E3B085C9AB24}">
+                  <p16:designElem xmlns:p16="http://schemas.microsoft.com/office/powerpoint/2015/main" val="1"/>
+                </p:ext>
+              </p:extLst>
+            </p:nvPr>
+          </p:nvSpPr>
+          <p:spPr>
+            <a:xfrm rot="2700000">
+              <a:off x="301285" y="1282788"/>
+              <a:ext cx="485578" cy="485578"/>
+            </a:xfrm>
+            <a:prstGeom prst="rect">
+              <a:avLst/>
+            </a:prstGeom>
+            <a:solidFill>
+              <a:schemeClr val="accent1">
+                <a:alpha val="30000"/>
+              </a:schemeClr>
+            </a:solidFill>
+            <a:ln>
+              <a:noFill/>
+            </a:ln>
+          </p:spPr>
+          <p:style>
+            <a:lnRef idx="2">
+              <a:schemeClr val="accent1">
+                <a:shade val="50000"/>
+              </a:schemeClr>
+            </a:lnRef>
+            <a:fillRef idx="1">
+              <a:schemeClr val="accent1"/>
+            </a:fillRef>
+            <a:effectRef idx="0">
+              <a:schemeClr val="accent1"/>
+            </a:effectRef>
+            <a:fontRef idx="minor">
+              <a:schemeClr val="lt1"/>
+            </a:fontRef>
+          </p:style>
+          <p:txBody>
+            <a:bodyPr rtlCol="0" anchor="ctr"/>
+            <a:lstStyle/>
+            <a:p>
+              <a:pPr algn="ctr"/>
+              <a:endParaRPr lang="en-US"/>
+            </a:p>
+          </p:txBody>
+        </p:sp>
+      </p:grpSp>
+      <p:sp>
+        <p:nvSpPr>
+          <p:cNvPr id="15" name="Rectangle 14">
+            <a:extLst>
+              <a:ext uri="{FF2B5EF4-FFF2-40B4-BE49-F238E27FC236}">
+                <a16:creationId xmlns:a16="http://schemas.microsoft.com/office/drawing/2014/main" id="{2E80C965-DB6D-4F81-9E9E-B027384D0BD6}"/>
+              </a:ext>
+              <a:ext uri="{C183D7F6-B498-43B3-948B-1728B52AA6E4}">
+                <adec:decorative xmlns:adec="http://schemas.microsoft.com/office/drawing/2017/decorative" val="1"/>
+              </a:ext>
+            </a:extLst>
+          </p:cNvPr>
+          <p:cNvSpPr>
+            <a:spLocks noGrp="1" noRot="1" noChangeAspect="1" noMove="1" noResize="1" noEditPoints="1" noAdjustHandles="1" noChangeArrowheads="1" noChangeShapeType="1" noTextEdit="1"/>
+          </p:cNvSpPr>
+          <p:nvPr>
+            <p:extLst>
+              <p:ext uri="{386F3935-93C4-4BCD-93E2-E3B085C9AB24}">
+                <p16:designElem xmlns:p16="http://schemas.microsoft.com/office/powerpoint/2015/main" val="1"/>
+              </p:ext>
+            </p:extLst>
+          </p:nvPr>
+        </p:nvSpPr>
+        <p:spPr>
+          <a:xfrm rot="2700000">
+            <a:off x="2737196" y="6033666"/>
+            <a:ext cx="645368" cy="645368"/>
+          </a:xfrm>
+          <a:prstGeom prst="rect">
+            <a:avLst/>
+          </a:prstGeom>
+          <a:solidFill>
+            <a:schemeClr val="accent4">
+              <a:alpha val="30000"/>
+            </a:schemeClr>
+          </a:solidFill>
+          <a:ln>
+            <a:noFill/>
+          </a:ln>
+        </p:spPr>
+        <p:style>
+          <a:lnRef idx="2">
+            <a:schemeClr val="accent1">
+              <a:shade val="50000"/>
+            </a:schemeClr>
+          </a:lnRef>
+          <a:fillRef idx="1">
+            <a:schemeClr val="accent1"/>
+          </a:fillRef>
+          <a:effectRef idx="0">
+            <a:schemeClr val="accent1"/>
+          </a:effectRef>
+          <a:fontRef idx="minor">
+            <a:schemeClr val="lt1"/>
+          </a:fontRef>
+        </p:style>
+        <p:txBody>
+          <a:bodyPr rtlCol="0" anchor="ctr"/>
+          <a:lstStyle/>
+          <a:p>
+            <a:pPr algn="ctr"/>
+            <a:endParaRPr lang="en-US"/>
+          </a:p>
+        </p:txBody>
+      </p:sp>
+      <p:sp>
+        <p:nvSpPr>
+          <p:cNvPr id="17" name="Isosceles Triangle 16">
+            <a:extLst>
+              <a:ext uri="{FF2B5EF4-FFF2-40B4-BE49-F238E27FC236}">
+                <a16:creationId xmlns:a16="http://schemas.microsoft.com/office/drawing/2014/main" id="{633C5E46-DAC5-4661-9C87-22B08E2A512F}"/>
+              </a:ext>
+              <a:ext uri="{C183D7F6-B498-43B3-948B-1728B52AA6E4}">
+                <adec:decorative xmlns:adec="http://schemas.microsoft.com/office/drawing/2017/decorative" val="1"/>
+              </a:ext>
+            </a:extLst>
+          </p:cNvPr>
+          <p:cNvSpPr>
+            <a:spLocks noGrp="1" noRot="1" noChangeAspect="1" noMove="1" noResize="1" noEditPoints="1" noAdjustHandles="1" noChangeArrowheads="1" noChangeShapeType="1" noTextEdit="1"/>
+          </p:cNvSpPr>
+          <p:nvPr>
+            <p:extLst>
+              <p:ext uri="{386F3935-93C4-4BCD-93E2-E3B085C9AB24}">
+                <p16:designElem xmlns:p16="http://schemas.microsoft.com/office/powerpoint/2015/main" val="1"/>
+              </p:ext>
+            </p:extLst>
+          </p:nvPr>
+        </p:nvSpPr>
+        <p:spPr>
+          <a:xfrm>
+            <a:off x="1343436" y="5721108"/>
+            <a:ext cx="2261965" cy="1136891"/>
+          </a:xfrm>
+          <a:prstGeom prst="triangle">
+            <a:avLst>
+              <a:gd name="adj" fmla="val 50000"/>
+            </a:avLst>
+          </a:prstGeom>
+          <a:solidFill>
+            <a:schemeClr val="accent4">
+              <a:alpha val="30000"/>
+            </a:schemeClr>
+          </a:solidFill>
+          <a:ln>
+            <a:noFill/>
+          </a:ln>
+        </p:spPr>
+        <p:style>
+          <a:lnRef idx="2">
+            <a:schemeClr val="accent1">
+              <a:shade val="50000"/>
+            </a:schemeClr>
+          </a:lnRef>
+          <a:fillRef idx="1">
+            <a:schemeClr val="accent1"/>
+          </a:fillRef>
+          <a:effectRef idx="0">
+            <a:schemeClr val="accent1"/>
+          </a:effectRef>
+          <a:fontRef idx="minor">
+            <a:schemeClr val="lt1"/>
+          </a:fontRef>
+        </p:style>
+        <p:txBody>
+          <a:bodyPr rtlCol="0" anchor="ctr"/>
+          <a:lstStyle/>
+          <a:p>
+            <a:pPr algn="ctr"/>
+            <a:endParaRPr lang="en-US"/>
+          </a:p>
+        </p:txBody>
+      </p:sp>
+      <p:pic>
+        <p:nvPicPr>
+          <p:cNvPr id="4" name="Picture 3">
+            <a:extLst>
+              <a:ext uri="{FF2B5EF4-FFF2-40B4-BE49-F238E27FC236}">
+                <a16:creationId xmlns:a16="http://schemas.microsoft.com/office/drawing/2014/main" id="{CC8515AC-0B23-15B0-4E37-963AD1608861}"/>
+              </a:ext>
+            </a:extLst>
+          </p:cNvPr>
+          <p:cNvPicPr>
+            <a:picLocks noChangeAspect="1"/>
+          </p:cNvPicPr>
+          <p:nvPr/>
+        </p:nvPicPr>
+        <p:blipFill>
+          <a:blip r:embed="rId2"/>
+          <a:stretch>
+            <a:fillRect/>
+          </a:stretch>
+        </p:blipFill>
+        <p:spPr>
+          <a:xfrm>
+            <a:off x="643467" y="2338493"/>
+            <a:ext cx="10905066" cy="2181012"/>
+          </a:xfrm>
+          <a:prstGeom prst="rect">
+            <a:avLst/>
+          </a:prstGeom>
+          <a:ln>
+            <a:noFill/>
+          </a:ln>
+        </p:spPr>
+      </p:pic>
+    </p:spTree>
+    <p:extLst>
+      <p:ext uri="{BB962C8B-B14F-4D97-AF65-F5344CB8AC3E}">
+        <p14:creationId xmlns:p14="http://schemas.microsoft.com/office/powerpoint/2010/main" val="892930318"/>
+      </p:ext>
+    </p:extLst>
+  </p:cSld>
+  <p:clrMapOvr>
+    <a:masterClrMapping/>
+  </p:clrMapOvr>
+</p:sld>
+</file>
+
 <file path=ppt/slides/slide2.xml><?xml version="1.0" encoding="utf-8"?>
 <p:sld xmlns:a="http://schemas.openxmlformats.org/drawingml/2006/main" xmlns:r="http://schemas.openxmlformats.org/officeDocument/2006/relationships" xmlns:p="http://schemas.openxmlformats.org/presentationml/2006/main">
   <p:cSld>
@@ -4674,7 +8361,7 @@
               <a:buChar char="•"/>
             </a:pPr>
             <a:r>
-              <a:rPr lang="en-GB" b="0" i="0">
+              <a:rPr lang="en-GB" b="0" i="0" dirty="0">
                 <a:effectLst/>
                 <a:latin typeface="SBL Hebrew"/>
               </a:rPr>
@@ -4687,7 +8374,7 @@
               <a:buChar char="•"/>
             </a:pPr>
             <a:r>
-              <a:rPr lang="en-GB" b="0" i="0">
+              <a:rPr lang="en-GB" b="0" i="0" dirty="0">
                 <a:effectLst/>
                 <a:latin typeface="SBL Hebrew"/>
               </a:rPr>
@@ -4700,7 +8387,7 @@
               <a:buChar char="•"/>
             </a:pPr>
             <a:r>
-              <a:rPr lang="en-GB" b="0" i="0">
+              <a:rPr lang="en-GB" b="0" i="0" dirty="0">
                 <a:effectLst/>
                 <a:latin typeface="SBL Hebrew"/>
               </a:rPr>
@@ -4713,7 +8400,7 @@
               <a:buChar char="•"/>
             </a:pPr>
             <a:r>
-              <a:rPr lang="en-GB" b="0" i="0">
+              <a:rPr lang="en-GB" b="0" i="0" dirty="0">
                 <a:effectLst/>
                 <a:latin typeface="SBL Hebrew"/>
               </a:rPr>
@@ -4726,7 +8413,7 @@
               <a:buChar char="•"/>
             </a:pPr>
             <a:r>
-              <a:rPr lang="en-GB">
+              <a:rPr lang="en-GB" dirty="0">
                 <a:latin typeface="SBL Hebrew"/>
               </a:rPr>
               <a:t>DDA/DIA</a:t>
@@ -4738,7 +8425,7 @@
               <a:buChar char="•"/>
             </a:pPr>
             <a:r>
-              <a:rPr lang="en-GB" b="0" i="0">
+              <a:rPr lang="en-GB" b="0" i="0" dirty="0">
                 <a:effectLst/>
                 <a:latin typeface="SBL Hebrew"/>
               </a:rPr>
@@ -5616,8 +9303,8 @@
         </p:blipFill>
         <p:spPr bwMode="auto">
           <a:xfrm>
-            <a:off x="1350908" y="-73573"/>
-            <a:ext cx="9658350" cy="6858000"/>
+            <a:off x="341926" y="512981"/>
+            <a:ext cx="7734081" cy="5491655"/>
           </a:xfrm>
           <a:prstGeom prst="rect">
             <a:avLst/>
@@ -5683,7 +9370,7 @@
         </p:nvSpPr>
         <p:spPr>
           <a:xfrm>
-            <a:off x="8460826" y="6492874"/>
+            <a:off x="630066" y="6402224"/>
             <a:ext cx="4351283" cy="369332"/>
           </a:xfrm>
           <a:prstGeom prst="rect">
@@ -5704,10 +9391,5462 @@
           </a:p>
         </p:txBody>
       </p:sp>
+      <p:cxnSp>
+        <p:nvCxnSpPr>
+          <p:cNvPr id="8" name="Straight Arrow Connector 7">
+            <a:extLst>
+              <a:ext uri="{FF2B5EF4-FFF2-40B4-BE49-F238E27FC236}">
+                <a16:creationId xmlns:a16="http://schemas.microsoft.com/office/drawing/2014/main" id="{6350769C-299C-FEC7-D23B-C44780C4E529}"/>
+              </a:ext>
+            </a:extLst>
+          </p:cNvPr>
+          <p:cNvCxnSpPr/>
+          <p:nvPr/>
+        </p:nvCxnSpPr>
+        <p:spPr>
+          <a:xfrm>
+            <a:off x="7942853" y="2380591"/>
+            <a:ext cx="394576" cy="0"/>
+          </a:xfrm>
+          <a:prstGeom prst="straightConnector1">
+            <a:avLst/>
+          </a:prstGeom>
+          <a:ln>
+            <a:tailEnd type="triangle"/>
+          </a:ln>
+        </p:spPr>
+        <p:style>
+          <a:lnRef idx="2">
+            <a:schemeClr val="dk1"/>
+          </a:lnRef>
+          <a:fillRef idx="0">
+            <a:schemeClr val="dk1"/>
+          </a:fillRef>
+          <a:effectRef idx="1">
+            <a:schemeClr val="dk1"/>
+          </a:effectRef>
+          <a:fontRef idx="minor">
+            <a:schemeClr val="tx1"/>
+          </a:fontRef>
+        </p:style>
+      </p:cxnSp>
+      <p:pic>
+        <p:nvPicPr>
+          <p:cNvPr id="12" name="Picture 11">
+            <a:extLst>
+              <a:ext uri="{FF2B5EF4-FFF2-40B4-BE49-F238E27FC236}">
+                <a16:creationId xmlns:a16="http://schemas.microsoft.com/office/drawing/2014/main" id="{79DF60B4-9FF6-D2CF-3615-E574C1569D08}"/>
+              </a:ext>
+            </a:extLst>
+          </p:cNvPr>
+          <p:cNvPicPr>
+            <a:picLocks noChangeAspect="1"/>
+          </p:cNvPicPr>
+          <p:nvPr/>
+        </p:nvPicPr>
+        <p:blipFill>
+          <a:blip r:embed="rId3"/>
+          <a:stretch>
+            <a:fillRect/>
+          </a:stretch>
+        </p:blipFill>
+        <p:spPr>
+          <a:xfrm>
+            <a:off x="10264092" y="5378223"/>
+            <a:ext cx="1744695" cy="1393333"/>
+          </a:xfrm>
+          <a:prstGeom prst="rect">
+            <a:avLst/>
+          </a:prstGeom>
+        </p:spPr>
+      </p:pic>
+      <p:pic>
+        <p:nvPicPr>
+          <p:cNvPr id="18" name="Picture 17">
+            <a:extLst>
+              <a:ext uri="{FF2B5EF4-FFF2-40B4-BE49-F238E27FC236}">
+                <a16:creationId xmlns:a16="http://schemas.microsoft.com/office/drawing/2014/main" id="{539151E7-75FD-9C20-8FCE-B3921B334ED2}"/>
+              </a:ext>
+            </a:extLst>
+          </p:cNvPr>
+          <p:cNvPicPr>
+            <a:picLocks noChangeAspect="1"/>
+          </p:cNvPicPr>
+          <p:nvPr/>
+        </p:nvPicPr>
+        <p:blipFill>
+          <a:blip r:embed="rId4"/>
+          <a:stretch>
+            <a:fillRect/>
+          </a:stretch>
+        </p:blipFill>
+        <p:spPr>
+          <a:xfrm>
+            <a:off x="9031897" y="3822597"/>
+            <a:ext cx="2333440" cy="1555626"/>
+          </a:xfrm>
+          <a:prstGeom prst="rect">
+            <a:avLst/>
+          </a:prstGeom>
+        </p:spPr>
+      </p:pic>
+      <p:pic>
+        <p:nvPicPr>
+          <p:cNvPr id="20" name="Picture 19">
+            <a:extLst>
+              <a:ext uri="{FF2B5EF4-FFF2-40B4-BE49-F238E27FC236}">
+                <a16:creationId xmlns:a16="http://schemas.microsoft.com/office/drawing/2014/main" id="{79FFA22E-7DA8-A14A-65F2-706389C25F6C}"/>
+              </a:ext>
+            </a:extLst>
+          </p:cNvPr>
+          <p:cNvPicPr>
+            <a:picLocks noChangeAspect="1"/>
+          </p:cNvPicPr>
+          <p:nvPr/>
+        </p:nvPicPr>
+        <p:blipFill>
+          <a:blip r:embed="rId5"/>
+          <a:stretch>
+            <a:fillRect/>
+          </a:stretch>
+        </p:blipFill>
+        <p:spPr>
+          <a:xfrm>
+            <a:off x="8432019" y="5464667"/>
+            <a:ext cx="1741666" cy="1393333"/>
+          </a:xfrm>
+          <a:prstGeom prst="rect">
+            <a:avLst/>
+          </a:prstGeom>
+        </p:spPr>
+      </p:pic>
+      <p:pic>
+        <p:nvPicPr>
+          <p:cNvPr id="1028" name="Picture 4" descr="Quantitative proteomics table of proteins with differential abundance... |  Download Table">
+            <a:extLst>
+              <a:ext uri="{FF2B5EF4-FFF2-40B4-BE49-F238E27FC236}">
+                <a16:creationId xmlns:a16="http://schemas.microsoft.com/office/drawing/2014/main" id="{421D21C1-4DAF-82BB-8366-EE2D651A5701}"/>
+              </a:ext>
+            </a:extLst>
+          </p:cNvPr>
+          <p:cNvPicPr>
+            <a:picLocks noChangeAspect="1" noChangeArrowheads="1"/>
+          </p:cNvPicPr>
+          <p:nvPr/>
+        </p:nvPicPr>
+        <p:blipFill rotWithShape="1">
+          <a:blip r:embed="rId6">
+            <a:extLst>
+              <a:ext uri="{28A0092B-C50C-407E-A947-70E740481C1C}">
+                <a14:useLocalDpi xmlns:a14="http://schemas.microsoft.com/office/drawing/2010/main" val="0"/>
+              </a:ext>
+            </a:extLst>
+          </a:blip>
+          <a:srcRect t="14545"/>
+          <a:stretch/>
+        </p:blipFill>
+        <p:spPr bwMode="auto">
+          <a:xfrm>
+            <a:off x="8678110" y="1105615"/>
+            <a:ext cx="3171964" cy="2072466"/>
+          </a:xfrm>
+          <a:prstGeom prst="rect">
+            <a:avLst/>
+          </a:prstGeom>
+          <a:noFill/>
+          <a:extLst>
+            <a:ext uri="{909E8E84-426E-40DD-AFC4-6F175D3DCCD1}">
+              <a14:hiddenFill xmlns:a14="http://schemas.microsoft.com/office/drawing/2010/main">
+                <a:solidFill>
+                  <a:srgbClr val="FFFFFF"/>
+                </a:solidFill>
+              </a14:hiddenFill>
+            </a:ext>
+          </a:extLst>
+        </p:spPr>
+      </p:pic>
+      <p:cxnSp>
+        <p:nvCxnSpPr>
+          <p:cNvPr id="21" name="Straight Arrow Connector 20">
+            <a:extLst>
+              <a:ext uri="{FF2B5EF4-FFF2-40B4-BE49-F238E27FC236}">
+                <a16:creationId xmlns:a16="http://schemas.microsoft.com/office/drawing/2014/main" id="{920C4416-B25F-C9C1-FC0E-565707D20A8F}"/>
+              </a:ext>
+            </a:extLst>
+          </p:cNvPr>
+          <p:cNvCxnSpPr>
+            <a:cxnSpLocks/>
+          </p:cNvCxnSpPr>
+          <p:nvPr/>
+        </p:nvCxnSpPr>
+        <p:spPr>
+          <a:xfrm>
+            <a:off x="10108814" y="3233955"/>
+            <a:ext cx="0" cy="371093"/>
+          </a:xfrm>
+          <a:prstGeom prst="straightConnector1">
+            <a:avLst/>
+          </a:prstGeom>
+          <a:ln>
+            <a:tailEnd type="triangle"/>
+          </a:ln>
+        </p:spPr>
+        <p:style>
+          <a:lnRef idx="2">
+            <a:schemeClr val="dk1"/>
+          </a:lnRef>
+          <a:fillRef idx="0">
+            <a:schemeClr val="dk1"/>
+          </a:fillRef>
+          <a:effectRef idx="1">
+            <a:schemeClr val="dk1"/>
+          </a:effectRef>
+          <a:fontRef idx="minor">
+            <a:schemeClr val="tx1"/>
+          </a:fontRef>
+        </p:style>
+      </p:cxnSp>
+      <p:sp>
+        <p:nvSpPr>
+          <p:cNvPr id="23" name="Rectangle 22">
+            <a:extLst>
+              <a:ext uri="{FF2B5EF4-FFF2-40B4-BE49-F238E27FC236}">
+                <a16:creationId xmlns:a16="http://schemas.microsoft.com/office/drawing/2014/main" id="{3A7AC307-EC58-1477-C8B0-EFC3712F0179}"/>
+              </a:ext>
+            </a:extLst>
+          </p:cNvPr>
+          <p:cNvSpPr/>
+          <p:nvPr/>
+        </p:nvSpPr>
+        <p:spPr>
+          <a:xfrm>
+            <a:off x="8192691" y="3752189"/>
+            <a:ext cx="3957269" cy="3095301"/>
+          </a:xfrm>
+          <a:prstGeom prst="rect">
+            <a:avLst/>
+          </a:prstGeom>
+          <a:noFill/>
+        </p:spPr>
+        <p:style>
+          <a:lnRef idx="2">
+            <a:schemeClr val="accent1">
+              <a:shade val="15000"/>
+            </a:schemeClr>
+          </a:lnRef>
+          <a:fillRef idx="1">
+            <a:schemeClr val="accent1"/>
+          </a:fillRef>
+          <a:effectRef idx="0">
+            <a:schemeClr val="accent1"/>
+          </a:effectRef>
+          <a:fontRef idx="minor">
+            <a:schemeClr val="lt1"/>
+          </a:fontRef>
+        </p:style>
+        <p:txBody>
+          <a:bodyPr rtlCol="0" anchor="ctr"/>
+          <a:lstStyle/>
+          <a:p>
+            <a:pPr algn="ctr"/>
+            <a:endParaRPr lang="en-FI"/>
+          </a:p>
+        </p:txBody>
+      </p:sp>
+      <p:sp>
+        <p:nvSpPr>
+          <p:cNvPr id="26" name="Rectangle 25">
+            <a:extLst>
+              <a:ext uri="{FF2B5EF4-FFF2-40B4-BE49-F238E27FC236}">
+                <a16:creationId xmlns:a16="http://schemas.microsoft.com/office/drawing/2014/main" id="{F5DA86AC-2CDD-B3E2-F8A5-77CC02A46D85}"/>
+              </a:ext>
+            </a:extLst>
+          </p:cNvPr>
+          <p:cNvSpPr/>
+          <p:nvPr/>
+        </p:nvSpPr>
+        <p:spPr>
+          <a:xfrm>
+            <a:off x="683171" y="3804738"/>
+            <a:ext cx="7136526" cy="2154625"/>
+          </a:xfrm>
+          <a:prstGeom prst="rect">
+            <a:avLst/>
+          </a:prstGeom>
+          <a:solidFill>
+            <a:schemeClr val="tx1"/>
+          </a:solidFill>
+          <a:ln w="38100">
+            <a:solidFill>
+              <a:srgbClr val="FF0000"/>
+            </a:solidFill>
+            <a:prstDash val="dash"/>
+          </a:ln>
+        </p:spPr>
+        <p:style>
+          <a:lnRef idx="2">
+            <a:schemeClr val="accent1">
+              <a:shade val="15000"/>
+            </a:schemeClr>
+          </a:lnRef>
+          <a:fillRef idx="1">
+            <a:schemeClr val="accent1"/>
+          </a:fillRef>
+          <a:effectRef idx="0">
+            <a:schemeClr val="accent1"/>
+          </a:effectRef>
+          <a:fontRef idx="minor">
+            <a:schemeClr val="lt1"/>
+          </a:fontRef>
+        </p:style>
+        <p:txBody>
+          <a:bodyPr rtlCol="0" anchor="ctr"/>
+          <a:lstStyle/>
+          <a:p>
+            <a:pPr algn="ctr"/>
+            <a:endParaRPr lang="en-FI"/>
+          </a:p>
+        </p:txBody>
+      </p:sp>
+      <p:sp>
+        <p:nvSpPr>
+          <p:cNvPr id="27" name="Rectangle 26">
+            <a:extLst>
+              <a:ext uri="{FF2B5EF4-FFF2-40B4-BE49-F238E27FC236}">
+                <a16:creationId xmlns:a16="http://schemas.microsoft.com/office/drawing/2014/main" id="{83D1F6A7-1E4A-1E67-2053-D4EE4A0258CC}"/>
+              </a:ext>
+            </a:extLst>
+          </p:cNvPr>
+          <p:cNvSpPr/>
+          <p:nvPr/>
+        </p:nvSpPr>
+        <p:spPr>
+          <a:xfrm>
+            <a:off x="341926" y="1105615"/>
+            <a:ext cx="5533357" cy="2154625"/>
+          </a:xfrm>
+          <a:prstGeom prst="rect">
+            <a:avLst/>
+          </a:prstGeom>
+          <a:noFill/>
+          <a:ln w="38100">
+            <a:solidFill>
+              <a:srgbClr val="00B050"/>
+            </a:solidFill>
+            <a:prstDash val="dash"/>
+          </a:ln>
+        </p:spPr>
+        <p:style>
+          <a:lnRef idx="2">
+            <a:schemeClr val="accent1">
+              <a:shade val="15000"/>
+            </a:schemeClr>
+          </a:lnRef>
+          <a:fillRef idx="1">
+            <a:schemeClr val="accent1"/>
+          </a:fillRef>
+          <a:effectRef idx="0">
+            <a:schemeClr val="accent1"/>
+          </a:effectRef>
+          <a:fontRef idx="minor">
+            <a:schemeClr val="lt1"/>
+          </a:fontRef>
+        </p:style>
+        <p:txBody>
+          <a:bodyPr rtlCol="0" anchor="ctr"/>
+          <a:lstStyle/>
+          <a:p>
+            <a:pPr algn="ctr"/>
+            <a:endParaRPr lang="en-FI">
+              <a:solidFill>
+                <a:schemeClr val="tx2">
+                  <a:lumMod val="75000"/>
+                  <a:lumOff val="25000"/>
+                </a:schemeClr>
+              </a:solidFill>
+            </a:endParaRPr>
+          </a:p>
+        </p:txBody>
+      </p:sp>
+      <p:sp>
+        <p:nvSpPr>
+          <p:cNvPr id="28" name="Rectangle 27">
+            <a:extLst>
+              <a:ext uri="{FF2B5EF4-FFF2-40B4-BE49-F238E27FC236}">
+                <a16:creationId xmlns:a16="http://schemas.microsoft.com/office/drawing/2014/main" id="{68F2F6C9-9C7B-2424-507C-87C080217CFB}"/>
+              </a:ext>
+            </a:extLst>
+          </p:cNvPr>
+          <p:cNvSpPr/>
+          <p:nvPr/>
+        </p:nvSpPr>
+        <p:spPr>
+          <a:xfrm>
+            <a:off x="8037443" y="898637"/>
+            <a:ext cx="4112511" cy="5959363"/>
+          </a:xfrm>
+          <a:prstGeom prst="rect">
+            <a:avLst/>
+          </a:prstGeom>
+          <a:noFill/>
+          <a:ln w="38100">
+            <a:solidFill>
+              <a:srgbClr val="FFC000"/>
+            </a:solidFill>
+            <a:prstDash val="dash"/>
+          </a:ln>
+        </p:spPr>
+        <p:style>
+          <a:lnRef idx="2">
+            <a:schemeClr val="accent1">
+              <a:shade val="15000"/>
+            </a:schemeClr>
+          </a:lnRef>
+          <a:fillRef idx="1">
+            <a:schemeClr val="accent1"/>
+          </a:fillRef>
+          <a:effectRef idx="0">
+            <a:schemeClr val="accent1"/>
+          </a:effectRef>
+          <a:fontRef idx="minor">
+            <a:schemeClr val="lt1"/>
+          </a:fontRef>
+        </p:style>
+        <p:txBody>
+          <a:bodyPr rtlCol="0" anchor="ctr"/>
+          <a:lstStyle/>
+          <a:p>
+            <a:pPr algn="ctr"/>
+            <a:endParaRPr lang="en-FI">
+              <a:solidFill>
+                <a:schemeClr val="tx2">
+                  <a:lumMod val="75000"/>
+                  <a:lumOff val="25000"/>
+                </a:schemeClr>
+              </a:solidFill>
+            </a:endParaRPr>
+          </a:p>
+        </p:txBody>
+      </p:sp>
     </p:spTree>
     <p:extLst>
       <p:ext uri="{BB962C8B-B14F-4D97-AF65-F5344CB8AC3E}">
         <p14:creationId xmlns:p14="http://schemas.microsoft.com/office/powerpoint/2010/main" val="756868624"/>
+      </p:ext>
+    </p:extLst>
+  </p:cSld>
+  <p:clrMapOvr>
+    <a:masterClrMapping/>
+  </p:clrMapOvr>
+</p:sld>
+</file>
+
+<file path=ppt/slides/slide5.xml><?xml version="1.0" encoding="utf-8"?>
+<p:sld xmlns:a="http://schemas.openxmlformats.org/drawingml/2006/main" xmlns:r="http://schemas.openxmlformats.org/officeDocument/2006/relationships" xmlns:p="http://schemas.openxmlformats.org/presentationml/2006/main">
+  <p:cSld>
+    <p:spTree>
+      <p:nvGrpSpPr>
+        <p:cNvPr id="1" name="">
+          <a:extLst>
+            <a:ext uri="{FF2B5EF4-FFF2-40B4-BE49-F238E27FC236}">
+              <a16:creationId xmlns:a16="http://schemas.microsoft.com/office/drawing/2014/main" id="{7CC3A730-DDEA-194B-F805-EEDB262095EE}"/>
+            </a:ext>
+          </a:extLst>
+        </p:cNvPr>
+        <p:cNvGrpSpPr/>
+        <p:nvPr/>
+      </p:nvGrpSpPr>
+      <p:grpSpPr>
+        <a:xfrm>
+          <a:off x="0" y="0"/>
+          <a:ext cx="0" cy="0"/>
+          <a:chOff x="0" y="0"/>
+          <a:chExt cx="0" cy="0"/>
+        </a:xfrm>
+      </p:grpSpPr>
+      <p:pic>
+        <p:nvPicPr>
+          <p:cNvPr id="1026" name="Picture 2" descr="Approach - Proteome Exploration Laboratory">
+            <a:extLst>
+              <a:ext uri="{FF2B5EF4-FFF2-40B4-BE49-F238E27FC236}">
+                <a16:creationId xmlns:a16="http://schemas.microsoft.com/office/drawing/2014/main" id="{01FAC9C7-D5CB-394F-9423-83F136324C8D}"/>
+              </a:ext>
+            </a:extLst>
+          </p:cNvPr>
+          <p:cNvPicPr>
+            <a:picLocks noChangeAspect="1" noChangeArrowheads="1"/>
+          </p:cNvPicPr>
+          <p:nvPr/>
+        </p:nvPicPr>
+        <p:blipFill>
+          <a:blip r:embed="rId2">
+            <a:extLst>
+              <a:ext uri="{28A0092B-C50C-407E-A947-70E740481C1C}">
+                <a14:useLocalDpi xmlns:a14="http://schemas.microsoft.com/office/drawing/2010/main" val="0"/>
+              </a:ext>
+            </a:extLst>
+          </a:blip>
+          <a:srcRect/>
+          <a:stretch>
+            <a:fillRect/>
+          </a:stretch>
+        </p:blipFill>
+        <p:spPr bwMode="auto">
+          <a:xfrm>
+            <a:off x="341926" y="512981"/>
+            <a:ext cx="7734081" cy="5491655"/>
+          </a:xfrm>
+          <a:prstGeom prst="rect">
+            <a:avLst/>
+          </a:prstGeom>
+          <a:noFill/>
+          <a:extLst>
+            <a:ext uri="{909E8E84-426E-40DD-AFC4-6F175D3DCCD1}">
+              <a14:hiddenFill xmlns:a14="http://schemas.microsoft.com/office/drawing/2010/main">
+                <a:solidFill>
+                  <a:srgbClr val="FFFFFF"/>
+                </a:solidFill>
+              </a14:hiddenFill>
+            </a:ext>
+          </a:extLst>
+        </p:spPr>
+      </p:pic>
+      <p:sp>
+        <p:nvSpPr>
+          <p:cNvPr id="4" name="Title 1">
+            <a:extLst>
+              <a:ext uri="{FF2B5EF4-FFF2-40B4-BE49-F238E27FC236}">
+                <a16:creationId xmlns:a16="http://schemas.microsoft.com/office/drawing/2014/main" id="{79C8A3D3-B415-EB59-A886-213FAC8AD6F5}"/>
+              </a:ext>
+            </a:extLst>
+          </p:cNvPr>
+          <p:cNvSpPr>
+            <a:spLocks noGrp="1"/>
+          </p:cNvSpPr>
+          <p:nvPr>
+            <p:ph type="title"/>
+          </p:nvPr>
+        </p:nvSpPr>
+        <p:spPr>
+          <a:xfrm>
+            <a:off x="838200" y="365126"/>
+            <a:ext cx="10515600" cy="633358"/>
+          </a:xfrm>
+        </p:spPr>
+        <p:txBody>
+          <a:bodyPr>
+            <a:normAutofit/>
+          </a:bodyPr>
+          <a:lstStyle/>
+          <a:p>
+            <a:r>
+              <a:rPr lang="en-FI" sz="3600" b="1" dirty="0"/>
+              <a:t>workflow</a:t>
+            </a:r>
+          </a:p>
+        </p:txBody>
+      </p:sp>
+      <p:sp>
+        <p:nvSpPr>
+          <p:cNvPr id="6" name="TextBox 5">
+            <a:extLst>
+              <a:ext uri="{FF2B5EF4-FFF2-40B4-BE49-F238E27FC236}">
+                <a16:creationId xmlns:a16="http://schemas.microsoft.com/office/drawing/2014/main" id="{1242415A-D00B-7AC7-0773-919F3569B6BD}"/>
+              </a:ext>
+            </a:extLst>
+          </p:cNvPr>
+          <p:cNvSpPr txBox="1"/>
+          <p:nvPr/>
+        </p:nvSpPr>
+        <p:spPr>
+          <a:xfrm>
+            <a:off x="630066" y="6402224"/>
+            <a:ext cx="4351283" cy="369332"/>
+          </a:xfrm>
+          <a:prstGeom prst="rect">
+            <a:avLst/>
+          </a:prstGeom>
+          <a:noFill/>
+        </p:spPr>
+        <p:txBody>
+          <a:bodyPr wrap="square">
+            <a:spAutoFit/>
+          </a:bodyPr>
+          <a:lstStyle/>
+          <a:p>
+            <a:r>
+              <a:rPr lang="en-FI" dirty="0"/>
+              <a:t>https://pel.caltech.edu/approach</a:t>
+            </a:r>
+          </a:p>
+        </p:txBody>
+      </p:sp>
+      <p:cxnSp>
+        <p:nvCxnSpPr>
+          <p:cNvPr id="8" name="Straight Arrow Connector 7">
+            <a:extLst>
+              <a:ext uri="{FF2B5EF4-FFF2-40B4-BE49-F238E27FC236}">
+                <a16:creationId xmlns:a16="http://schemas.microsoft.com/office/drawing/2014/main" id="{13988188-8BC0-1CED-2B5A-D951FE8CC5D7}"/>
+              </a:ext>
+            </a:extLst>
+          </p:cNvPr>
+          <p:cNvCxnSpPr/>
+          <p:nvPr/>
+        </p:nvCxnSpPr>
+        <p:spPr>
+          <a:xfrm>
+            <a:off x="8037443" y="2380591"/>
+            <a:ext cx="394576" cy="0"/>
+          </a:xfrm>
+          <a:prstGeom prst="straightConnector1">
+            <a:avLst/>
+          </a:prstGeom>
+          <a:ln>
+            <a:tailEnd type="triangle"/>
+          </a:ln>
+        </p:spPr>
+        <p:style>
+          <a:lnRef idx="2">
+            <a:schemeClr val="dk1"/>
+          </a:lnRef>
+          <a:fillRef idx="0">
+            <a:schemeClr val="dk1"/>
+          </a:fillRef>
+          <a:effectRef idx="1">
+            <a:schemeClr val="dk1"/>
+          </a:effectRef>
+          <a:fontRef idx="minor">
+            <a:schemeClr val="tx1"/>
+          </a:fontRef>
+        </p:style>
+      </p:cxnSp>
+      <p:pic>
+        <p:nvPicPr>
+          <p:cNvPr id="12" name="Picture 11">
+            <a:extLst>
+              <a:ext uri="{FF2B5EF4-FFF2-40B4-BE49-F238E27FC236}">
+                <a16:creationId xmlns:a16="http://schemas.microsoft.com/office/drawing/2014/main" id="{B7467B39-881F-3AD6-E433-F62D449D29C6}"/>
+              </a:ext>
+            </a:extLst>
+          </p:cNvPr>
+          <p:cNvPicPr>
+            <a:picLocks noChangeAspect="1"/>
+          </p:cNvPicPr>
+          <p:nvPr/>
+        </p:nvPicPr>
+        <p:blipFill>
+          <a:blip r:embed="rId3"/>
+          <a:stretch>
+            <a:fillRect/>
+          </a:stretch>
+        </p:blipFill>
+        <p:spPr>
+          <a:xfrm>
+            <a:off x="10264092" y="5378223"/>
+            <a:ext cx="1744695" cy="1393333"/>
+          </a:xfrm>
+          <a:prstGeom prst="rect">
+            <a:avLst/>
+          </a:prstGeom>
+        </p:spPr>
+      </p:pic>
+      <p:pic>
+        <p:nvPicPr>
+          <p:cNvPr id="18" name="Picture 17">
+            <a:extLst>
+              <a:ext uri="{FF2B5EF4-FFF2-40B4-BE49-F238E27FC236}">
+                <a16:creationId xmlns:a16="http://schemas.microsoft.com/office/drawing/2014/main" id="{E83A58E4-2EBB-586E-6827-D78A48E1E102}"/>
+              </a:ext>
+            </a:extLst>
+          </p:cNvPr>
+          <p:cNvPicPr>
+            <a:picLocks noChangeAspect="1"/>
+          </p:cNvPicPr>
+          <p:nvPr/>
+        </p:nvPicPr>
+        <p:blipFill>
+          <a:blip r:embed="rId4"/>
+          <a:stretch>
+            <a:fillRect/>
+          </a:stretch>
+        </p:blipFill>
+        <p:spPr>
+          <a:xfrm>
+            <a:off x="9031897" y="3822597"/>
+            <a:ext cx="2333440" cy="1555626"/>
+          </a:xfrm>
+          <a:prstGeom prst="rect">
+            <a:avLst/>
+          </a:prstGeom>
+        </p:spPr>
+      </p:pic>
+      <p:pic>
+        <p:nvPicPr>
+          <p:cNvPr id="20" name="Picture 19">
+            <a:extLst>
+              <a:ext uri="{FF2B5EF4-FFF2-40B4-BE49-F238E27FC236}">
+                <a16:creationId xmlns:a16="http://schemas.microsoft.com/office/drawing/2014/main" id="{DB38684D-EBC9-8B45-6849-7558FF038D07}"/>
+              </a:ext>
+            </a:extLst>
+          </p:cNvPr>
+          <p:cNvPicPr>
+            <a:picLocks noChangeAspect="1"/>
+          </p:cNvPicPr>
+          <p:nvPr/>
+        </p:nvPicPr>
+        <p:blipFill>
+          <a:blip r:embed="rId5"/>
+          <a:stretch>
+            <a:fillRect/>
+          </a:stretch>
+        </p:blipFill>
+        <p:spPr>
+          <a:xfrm>
+            <a:off x="8432019" y="5464667"/>
+            <a:ext cx="1741666" cy="1393333"/>
+          </a:xfrm>
+          <a:prstGeom prst="rect">
+            <a:avLst/>
+          </a:prstGeom>
+        </p:spPr>
+      </p:pic>
+      <p:pic>
+        <p:nvPicPr>
+          <p:cNvPr id="1028" name="Picture 4" descr="Quantitative proteomics table of proteins with differential abundance... |  Download Table">
+            <a:extLst>
+              <a:ext uri="{FF2B5EF4-FFF2-40B4-BE49-F238E27FC236}">
+                <a16:creationId xmlns:a16="http://schemas.microsoft.com/office/drawing/2014/main" id="{EDEFE571-A0CC-B27E-81EF-3331AE61418F}"/>
+              </a:ext>
+            </a:extLst>
+          </p:cNvPr>
+          <p:cNvPicPr>
+            <a:picLocks noChangeAspect="1" noChangeArrowheads="1"/>
+          </p:cNvPicPr>
+          <p:nvPr/>
+        </p:nvPicPr>
+        <p:blipFill rotWithShape="1">
+          <a:blip r:embed="rId6">
+            <a:extLst>
+              <a:ext uri="{28A0092B-C50C-407E-A947-70E740481C1C}">
+                <a14:useLocalDpi xmlns:a14="http://schemas.microsoft.com/office/drawing/2010/main" val="0"/>
+              </a:ext>
+            </a:extLst>
+          </a:blip>
+          <a:srcRect t="14545"/>
+          <a:stretch/>
+        </p:blipFill>
+        <p:spPr bwMode="auto">
+          <a:xfrm>
+            <a:off x="8678110" y="1105615"/>
+            <a:ext cx="3171964" cy="2072466"/>
+          </a:xfrm>
+          <a:prstGeom prst="rect">
+            <a:avLst/>
+          </a:prstGeom>
+          <a:noFill/>
+          <a:extLst>
+            <a:ext uri="{909E8E84-426E-40DD-AFC4-6F175D3DCCD1}">
+              <a14:hiddenFill xmlns:a14="http://schemas.microsoft.com/office/drawing/2010/main">
+                <a:solidFill>
+                  <a:srgbClr val="FFFFFF"/>
+                </a:solidFill>
+              </a14:hiddenFill>
+            </a:ext>
+          </a:extLst>
+        </p:spPr>
+      </p:pic>
+      <p:cxnSp>
+        <p:nvCxnSpPr>
+          <p:cNvPr id="21" name="Straight Arrow Connector 20">
+            <a:extLst>
+              <a:ext uri="{FF2B5EF4-FFF2-40B4-BE49-F238E27FC236}">
+                <a16:creationId xmlns:a16="http://schemas.microsoft.com/office/drawing/2014/main" id="{0BEB0451-20D1-4E26-FFF6-D445D549FDB8}"/>
+              </a:ext>
+            </a:extLst>
+          </p:cNvPr>
+          <p:cNvCxnSpPr>
+            <a:cxnSpLocks/>
+          </p:cNvCxnSpPr>
+          <p:nvPr/>
+        </p:nvCxnSpPr>
+        <p:spPr>
+          <a:xfrm>
+            <a:off x="10108814" y="3233955"/>
+            <a:ext cx="0" cy="371093"/>
+          </a:xfrm>
+          <a:prstGeom prst="straightConnector1">
+            <a:avLst/>
+          </a:prstGeom>
+          <a:ln>
+            <a:tailEnd type="triangle"/>
+          </a:ln>
+        </p:spPr>
+        <p:style>
+          <a:lnRef idx="2">
+            <a:schemeClr val="dk1"/>
+          </a:lnRef>
+          <a:fillRef idx="0">
+            <a:schemeClr val="dk1"/>
+          </a:fillRef>
+          <a:effectRef idx="1">
+            <a:schemeClr val="dk1"/>
+          </a:effectRef>
+          <a:fontRef idx="minor">
+            <a:schemeClr val="tx1"/>
+          </a:fontRef>
+        </p:style>
+      </p:cxnSp>
+      <p:sp>
+        <p:nvSpPr>
+          <p:cNvPr id="23" name="Rectangle 22">
+            <a:extLst>
+              <a:ext uri="{FF2B5EF4-FFF2-40B4-BE49-F238E27FC236}">
+                <a16:creationId xmlns:a16="http://schemas.microsoft.com/office/drawing/2014/main" id="{E1D24503-3AAA-5C99-9048-F626DD3AD834}"/>
+              </a:ext>
+            </a:extLst>
+          </p:cNvPr>
+          <p:cNvSpPr/>
+          <p:nvPr/>
+        </p:nvSpPr>
+        <p:spPr>
+          <a:xfrm>
+            <a:off x="8192691" y="3752189"/>
+            <a:ext cx="3957269" cy="3095301"/>
+          </a:xfrm>
+          <a:prstGeom prst="rect">
+            <a:avLst/>
+          </a:prstGeom>
+          <a:noFill/>
+        </p:spPr>
+        <p:style>
+          <a:lnRef idx="2">
+            <a:schemeClr val="accent1">
+              <a:shade val="15000"/>
+            </a:schemeClr>
+          </a:lnRef>
+          <a:fillRef idx="1">
+            <a:schemeClr val="accent1"/>
+          </a:fillRef>
+          <a:effectRef idx="0">
+            <a:schemeClr val="accent1"/>
+          </a:effectRef>
+          <a:fontRef idx="minor">
+            <a:schemeClr val="lt1"/>
+          </a:fontRef>
+        </p:style>
+        <p:txBody>
+          <a:bodyPr rtlCol="0" anchor="ctr"/>
+          <a:lstStyle/>
+          <a:p>
+            <a:pPr algn="ctr"/>
+            <a:endParaRPr lang="en-FI"/>
+          </a:p>
+        </p:txBody>
+      </p:sp>
+      <p:sp>
+        <p:nvSpPr>
+          <p:cNvPr id="26" name="Rectangle 25">
+            <a:extLst>
+              <a:ext uri="{FF2B5EF4-FFF2-40B4-BE49-F238E27FC236}">
+                <a16:creationId xmlns:a16="http://schemas.microsoft.com/office/drawing/2014/main" id="{05CF22BB-716E-82D6-0FD5-B3D4C2718760}"/>
+              </a:ext>
+            </a:extLst>
+          </p:cNvPr>
+          <p:cNvSpPr/>
+          <p:nvPr/>
+        </p:nvSpPr>
+        <p:spPr>
+          <a:xfrm>
+            <a:off x="683171" y="3804738"/>
+            <a:ext cx="7136526" cy="2154625"/>
+          </a:xfrm>
+          <a:prstGeom prst="rect">
+            <a:avLst/>
+          </a:prstGeom>
+          <a:noFill/>
+          <a:ln w="38100">
+            <a:solidFill>
+              <a:srgbClr val="FF0000"/>
+            </a:solidFill>
+            <a:prstDash val="dash"/>
+          </a:ln>
+        </p:spPr>
+        <p:style>
+          <a:lnRef idx="2">
+            <a:schemeClr val="accent1">
+              <a:shade val="15000"/>
+            </a:schemeClr>
+          </a:lnRef>
+          <a:fillRef idx="1">
+            <a:schemeClr val="accent1"/>
+          </a:fillRef>
+          <a:effectRef idx="0">
+            <a:schemeClr val="accent1"/>
+          </a:effectRef>
+          <a:fontRef idx="minor">
+            <a:schemeClr val="lt1"/>
+          </a:fontRef>
+        </p:style>
+        <p:txBody>
+          <a:bodyPr rtlCol="0" anchor="ctr"/>
+          <a:lstStyle/>
+          <a:p>
+            <a:pPr algn="ctr"/>
+            <a:endParaRPr lang="en-FI"/>
+          </a:p>
+        </p:txBody>
+      </p:sp>
+      <p:sp>
+        <p:nvSpPr>
+          <p:cNvPr id="27" name="Rectangle 26">
+            <a:extLst>
+              <a:ext uri="{FF2B5EF4-FFF2-40B4-BE49-F238E27FC236}">
+                <a16:creationId xmlns:a16="http://schemas.microsoft.com/office/drawing/2014/main" id="{DD2BC835-BC14-A63C-D2B9-7CFDEAC702C0}"/>
+              </a:ext>
+            </a:extLst>
+          </p:cNvPr>
+          <p:cNvSpPr/>
+          <p:nvPr/>
+        </p:nvSpPr>
+        <p:spPr>
+          <a:xfrm>
+            <a:off x="341926" y="1105615"/>
+            <a:ext cx="5585908" cy="2154625"/>
+          </a:xfrm>
+          <a:prstGeom prst="rect">
+            <a:avLst/>
+          </a:prstGeom>
+          <a:noFill/>
+          <a:ln w="38100">
+            <a:solidFill>
+              <a:srgbClr val="00B050"/>
+            </a:solidFill>
+            <a:prstDash val="dash"/>
+          </a:ln>
+        </p:spPr>
+        <p:style>
+          <a:lnRef idx="2">
+            <a:schemeClr val="accent1">
+              <a:shade val="15000"/>
+            </a:schemeClr>
+          </a:lnRef>
+          <a:fillRef idx="1">
+            <a:schemeClr val="accent1"/>
+          </a:fillRef>
+          <a:effectRef idx="0">
+            <a:schemeClr val="accent1"/>
+          </a:effectRef>
+          <a:fontRef idx="minor">
+            <a:schemeClr val="lt1"/>
+          </a:fontRef>
+        </p:style>
+        <p:txBody>
+          <a:bodyPr rtlCol="0" anchor="ctr"/>
+          <a:lstStyle/>
+          <a:p>
+            <a:pPr algn="ctr"/>
+            <a:endParaRPr lang="en-FI">
+              <a:solidFill>
+                <a:schemeClr val="tx2">
+                  <a:lumMod val="75000"/>
+                  <a:lumOff val="25000"/>
+                </a:schemeClr>
+              </a:solidFill>
+            </a:endParaRPr>
+          </a:p>
+        </p:txBody>
+      </p:sp>
+      <p:sp>
+        <p:nvSpPr>
+          <p:cNvPr id="28" name="Rectangle 27">
+            <a:extLst>
+              <a:ext uri="{FF2B5EF4-FFF2-40B4-BE49-F238E27FC236}">
+                <a16:creationId xmlns:a16="http://schemas.microsoft.com/office/drawing/2014/main" id="{935F4DC5-E29B-0F05-334E-A3502A38CA5F}"/>
+              </a:ext>
+            </a:extLst>
+          </p:cNvPr>
+          <p:cNvSpPr/>
+          <p:nvPr/>
+        </p:nvSpPr>
+        <p:spPr>
+          <a:xfrm>
+            <a:off x="8037443" y="898637"/>
+            <a:ext cx="4112511" cy="5959363"/>
+          </a:xfrm>
+          <a:prstGeom prst="rect">
+            <a:avLst/>
+          </a:prstGeom>
+          <a:noFill/>
+          <a:ln w="38100">
+            <a:solidFill>
+              <a:srgbClr val="FFC000"/>
+            </a:solidFill>
+            <a:prstDash val="dash"/>
+          </a:ln>
+        </p:spPr>
+        <p:style>
+          <a:lnRef idx="2">
+            <a:schemeClr val="accent1">
+              <a:shade val="15000"/>
+            </a:schemeClr>
+          </a:lnRef>
+          <a:fillRef idx="1">
+            <a:schemeClr val="accent1"/>
+          </a:fillRef>
+          <a:effectRef idx="0">
+            <a:schemeClr val="accent1"/>
+          </a:effectRef>
+          <a:fontRef idx="minor">
+            <a:schemeClr val="lt1"/>
+          </a:fontRef>
+        </p:style>
+        <p:txBody>
+          <a:bodyPr rtlCol="0" anchor="ctr"/>
+          <a:lstStyle/>
+          <a:p>
+            <a:pPr algn="ctr"/>
+            <a:endParaRPr lang="en-FI">
+              <a:solidFill>
+                <a:schemeClr val="tx2">
+                  <a:lumMod val="75000"/>
+                  <a:lumOff val="25000"/>
+                </a:schemeClr>
+              </a:solidFill>
+            </a:endParaRPr>
+          </a:p>
+        </p:txBody>
+      </p:sp>
+    </p:spTree>
+    <p:extLst>
+      <p:ext uri="{BB962C8B-B14F-4D97-AF65-F5344CB8AC3E}">
+        <p14:creationId xmlns:p14="http://schemas.microsoft.com/office/powerpoint/2010/main" val="2849090372"/>
+      </p:ext>
+    </p:extLst>
+  </p:cSld>
+  <p:clrMapOvr>
+    <a:masterClrMapping/>
+  </p:clrMapOvr>
+</p:sld>
+</file>
+
+<file path=ppt/slides/slide6.xml><?xml version="1.0" encoding="utf-8"?>
+<p:sld xmlns:a="http://schemas.openxmlformats.org/drawingml/2006/main" xmlns:r="http://schemas.openxmlformats.org/officeDocument/2006/relationships" xmlns:p="http://schemas.openxmlformats.org/presentationml/2006/main">
+  <p:cSld>
+    <p:bg>
+      <p:bgPr>
+        <a:solidFill>
+          <a:schemeClr val="bg1"/>
+        </a:solidFill>
+        <a:effectLst/>
+      </p:bgPr>
+    </p:bg>
+    <p:spTree>
+      <p:nvGrpSpPr>
+        <p:cNvPr id="1" name=""/>
+        <p:cNvGrpSpPr/>
+        <p:nvPr/>
+      </p:nvGrpSpPr>
+      <p:grpSpPr>
+        <a:xfrm>
+          <a:off x="0" y="0"/>
+          <a:ext cx="0" cy="0"/>
+          <a:chOff x="0" y="0"/>
+          <a:chExt cx="0" cy="0"/>
+        </a:xfrm>
+      </p:grpSpPr>
+      <p:sp useBgFill="1">
+        <p:nvSpPr>
+          <p:cNvPr id="3079" name="Rectangle 3078">
+            <a:extLst>
+              <a:ext uri="{FF2B5EF4-FFF2-40B4-BE49-F238E27FC236}">
+                <a16:creationId xmlns:a16="http://schemas.microsoft.com/office/drawing/2014/main" id="{5EF17487-C386-4F99-B5EB-4FD3DF4236B2}"/>
+              </a:ext>
+              <a:ext uri="{C183D7F6-B498-43B3-948B-1728B52AA6E4}">
+                <adec:decorative xmlns:adec="http://schemas.microsoft.com/office/drawing/2017/decorative" val="1"/>
+              </a:ext>
+            </a:extLst>
+          </p:cNvPr>
+          <p:cNvSpPr>
+            <a:spLocks noGrp="1" noRot="1" noChangeAspect="1" noMove="1" noResize="1" noEditPoints="1" noAdjustHandles="1" noChangeArrowheads="1" noChangeShapeType="1" noTextEdit="1"/>
+          </p:cNvSpPr>
+          <p:nvPr>
+            <p:extLst>
+              <p:ext uri="{386F3935-93C4-4BCD-93E2-E3B085C9AB24}">
+                <p16:designElem xmlns:p16="http://schemas.microsoft.com/office/powerpoint/2015/main" val="1"/>
+              </p:ext>
+            </p:extLst>
+          </p:nvPr>
+        </p:nvSpPr>
+        <p:spPr>
+          <a:xfrm>
+            <a:off x="0" y="0"/>
+            <a:ext cx="12188952" cy="6858000"/>
+          </a:xfrm>
+          <a:prstGeom prst="rect">
+            <a:avLst/>
+          </a:prstGeom>
+          <a:ln>
+            <a:noFill/>
+          </a:ln>
+        </p:spPr>
+        <p:style>
+          <a:lnRef idx="2">
+            <a:schemeClr val="accent1">
+              <a:shade val="50000"/>
+            </a:schemeClr>
+          </a:lnRef>
+          <a:fillRef idx="1">
+            <a:schemeClr val="accent1"/>
+          </a:fillRef>
+          <a:effectRef idx="0">
+            <a:schemeClr val="accent1"/>
+          </a:effectRef>
+          <a:fontRef idx="minor">
+            <a:schemeClr val="lt1"/>
+          </a:fontRef>
+        </p:style>
+        <p:txBody>
+          <a:bodyPr rtlCol="0" anchor="ctr"/>
+          <a:lstStyle/>
+          <a:p>
+            <a:pPr algn="ctr"/>
+            <a:endParaRPr lang="en-US"/>
+          </a:p>
+        </p:txBody>
+      </p:sp>
+      <p:sp>
+        <p:nvSpPr>
+          <p:cNvPr id="3081" name="Freeform: Shape 3080">
+            <a:extLst>
+              <a:ext uri="{FF2B5EF4-FFF2-40B4-BE49-F238E27FC236}">
+                <a16:creationId xmlns:a16="http://schemas.microsoft.com/office/drawing/2014/main" id="{A0DE92DF-4769-4DE9-93FD-EE31271850CA}"/>
+              </a:ext>
+              <a:ext uri="{C183D7F6-B498-43B3-948B-1728B52AA6E4}">
+                <adec:decorative xmlns:adec="http://schemas.microsoft.com/office/drawing/2017/decorative" val="1"/>
+              </a:ext>
+            </a:extLst>
+          </p:cNvPr>
+          <p:cNvSpPr>
+            <a:spLocks noGrp="1" noRot="1" noChangeAspect="1" noMove="1" noResize="1" noEditPoints="1" noAdjustHandles="1" noChangeArrowheads="1" noChangeShapeType="1" noTextEdit="1"/>
+          </p:cNvSpPr>
+          <p:nvPr>
+            <p:extLst>
+              <p:ext uri="{386F3935-93C4-4BCD-93E2-E3B085C9AB24}">
+                <p16:designElem xmlns:p16="http://schemas.microsoft.com/office/powerpoint/2015/main" val="1"/>
+              </p:ext>
+            </p:extLst>
+          </p:nvPr>
+        </p:nvSpPr>
+        <p:spPr>
+          <a:xfrm flipH="1" flipV="1">
+            <a:off x="0" y="0"/>
+            <a:ext cx="7472381" cy="6858000"/>
+          </a:xfrm>
+          <a:custGeom>
+            <a:avLst/>
+            <a:gdLst>
+              <a:gd name="connsiteX0" fmla="*/ 1232666 w 7472381"/>
+              <a:gd name="connsiteY0" fmla="*/ 0 h 6886575"/>
+              <a:gd name="connsiteX1" fmla="*/ 7472381 w 7472381"/>
+              <a:gd name="connsiteY1" fmla="*/ 0 h 6886575"/>
+              <a:gd name="connsiteX2" fmla="*/ 7472381 w 7472381"/>
+              <a:gd name="connsiteY2" fmla="*/ 814388 h 6886575"/>
+              <a:gd name="connsiteX3" fmla="*/ 7472381 w 7472381"/>
+              <a:gd name="connsiteY3" fmla="*/ 6411516 h 6886575"/>
+              <a:gd name="connsiteX4" fmla="*/ 7472381 w 7472381"/>
+              <a:gd name="connsiteY4" fmla="*/ 6886575 h 6886575"/>
+              <a:gd name="connsiteX5" fmla="*/ 6992676 w 7472381"/>
+              <a:gd name="connsiteY5" fmla="*/ 6886575 h 6886575"/>
+              <a:gd name="connsiteX6" fmla="*/ 1946893 w 7472381"/>
+              <a:gd name="connsiteY6" fmla="*/ 6886575 h 6886575"/>
+              <a:gd name="connsiteX7" fmla="*/ 1506276 w 7472381"/>
+              <a:gd name="connsiteY7" fmla="*/ 6686550 h 6886575"/>
+              <a:gd name="connsiteX8" fmla="*/ 1314394 w 7472381"/>
+              <a:gd name="connsiteY8" fmla="*/ 6457949 h 6886575"/>
+              <a:gd name="connsiteX9" fmla="*/ 1246880 w 7472381"/>
+              <a:gd name="connsiteY9" fmla="*/ 6393656 h 6886575"/>
+              <a:gd name="connsiteX10" fmla="*/ 1079872 w 7472381"/>
+              <a:gd name="connsiteY10" fmla="*/ 6307931 h 6886575"/>
+              <a:gd name="connsiteX11" fmla="*/ 788495 w 7472381"/>
+              <a:gd name="connsiteY11" fmla="*/ 6125765 h 6886575"/>
+              <a:gd name="connsiteX12" fmla="*/ 895097 w 7472381"/>
+              <a:gd name="connsiteY12" fmla="*/ 6082903 h 6886575"/>
+              <a:gd name="connsiteX13" fmla="*/ 1204239 w 7472381"/>
+              <a:gd name="connsiteY13" fmla="*/ 6193631 h 6886575"/>
+              <a:gd name="connsiteX14" fmla="*/ 1428102 w 7472381"/>
+              <a:gd name="connsiteY14" fmla="*/ 6222206 h 6886575"/>
+              <a:gd name="connsiteX15" fmla="*/ 1111852 w 7472381"/>
+              <a:gd name="connsiteY15" fmla="*/ 6029325 h 6886575"/>
+              <a:gd name="connsiteX16" fmla="*/ 806262 w 7472381"/>
+              <a:gd name="connsiteY16" fmla="*/ 5779294 h 6886575"/>
+              <a:gd name="connsiteX17" fmla="*/ 1040785 w 7472381"/>
+              <a:gd name="connsiteY17" fmla="*/ 5825728 h 6886575"/>
+              <a:gd name="connsiteX18" fmla="*/ 1051445 w 7472381"/>
+              <a:gd name="connsiteY18" fmla="*/ 5793581 h 6886575"/>
+              <a:gd name="connsiteX19" fmla="*/ 845349 w 7472381"/>
+              <a:gd name="connsiteY19" fmla="*/ 5497115 h 6886575"/>
+              <a:gd name="connsiteX20" fmla="*/ 745855 w 7472381"/>
+              <a:gd name="connsiteY20" fmla="*/ 5375672 h 6886575"/>
+              <a:gd name="connsiteX21" fmla="*/ 291024 w 7472381"/>
+              <a:gd name="connsiteY21" fmla="*/ 5014913 h 6886575"/>
+              <a:gd name="connsiteX22" fmla="*/ 724535 w 7472381"/>
+              <a:gd name="connsiteY22" fmla="*/ 5175647 h 6886575"/>
+              <a:gd name="connsiteX23" fmla="*/ 276811 w 7472381"/>
+              <a:gd name="connsiteY23" fmla="*/ 4825603 h 6886575"/>
+              <a:gd name="connsiteX24" fmla="*/ 60055 w 7472381"/>
+              <a:gd name="connsiteY24" fmla="*/ 4697016 h 6886575"/>
+              <a:gd name="connsiteX25" fmla="*/ 6755 w 7472381"/>
+              <a:gd name="connsiteY25" fmla="*/ 4622006 h 6886575"/>
+              <a:gd name="connsiteX26" fmla="*/ 102696 w 7472381"/>
+              <a:gd name="connsiteY26" fmla="*/ 4604146 h 6886575"/>
+              <a:gd name="connsiteX27" fmla="*/ 397625 w 7472381"/>
+              <a:gd name="connsiteY27" fmla="*/ 4632722 h 6886575"/>
+              <a:gd name="connsiteX28" fmla="*/ 31628 w 7472381"/>
+              <a:gd name="connsiteY28" fmla="*/ 4396978 h 6886575"/>
+              <a:gd name="connsiteX29" fmla="*/ 305237 w 7472381"/>
+              <a:gd name="connsiteY29" fmla="*/ 4432697 h 6886575"/>
+              <a:gd name="connsiteX30" fmla="*/ 383412 w 7472381"/>
+              <a:gd name="connsiteY30" fmla="*/ 4339828 h 6886575"/>
+              <a:gd name="connsiteX31" fmla="*/ 511333 w 7472381"/>
+              <a:gd name="connsiteY31" fmla="*/ 4189810 h 6886575"/>
+              <a:gd name="connsiteX32" fmla="*/ 600167 w 7472381"/>
+              <a:gd name="connsiteY32" fmla="*/ 4107656 h 6886575"/>
+              <a:gd name="connsiteX33" fmla="*/ 635701 w 7472381"/>
+              <a:gd name="connsiteY33" fmla="*/ 3843337 h 6886575"/>
+              <a:gd name="connsiteX34" fmla="*/ 561080 w 7472381"/>
+              <a:gd name="connsiteY34" fmla="*/ 3554015 h 6886575"/>
+              <a:gd name="connsiteX35" fmla="*/ 354985 w 7472381"/>
+              <a:gd name="connsiteY35" fmla="*/ 3407569 h 6886575"/>
+              <a:gd name="connsiteX36" fmla="*/ 415392 w 7472381"/>
+              <a:gd name="connsiteY36" fmla="*/ 3243263 h 6886575"/>
+              <a:gd name="connsiteX37" fmla="*/ 852456 w 7472381"/>
+              <a:gd name="connsiteY37" fmla="*/ 3343275 h 6886575"/>
+              <a:gd name="connsiteX38" fmla="*/ 202190 w 7472381"/>
+              <a:gd name="connsiteY38" fmla="*/ 2953940 h 6886575"/>
+              <a:gd name="connsiteX39" fmla="*/ 312344 w 7472381"/>
+              <a:gd name="connsiteY39" fmla="*/ 2936081 h 6886575"/>
+              <a:gd name="connsiteX40" fmla="*/ 706768 w 7472381"/>
+              <a:gd name="connsiteY40" fmla="*/ 2714625 h 6886575"/>
+              <a:gd name="connsiteX41" fmla="*/ 728088 w 7472381"/>
+              <a:gd name="connsiteY41" fmla="*/ 2703909 h 6886575"/>
+              <a:gd name="connsiteX42" fmla="*/ 795602 w 7472381"/>
+              <a:gd name="connsiteY42" fmla="*/ 2564606 h 6886575"/>
+              <a:gd name="connsiteX43" fmla="*/ 1008804 w 7472381"/>
+              <a:gd name="connsiteY43" fmla="*/ 2543175 h 6886575"/>
+              <a:gd name="connsiteX44" fmla="*/ 1186473 w 7472381"/>
+              <a:gd name="connsiteY44" fmla="*/ 2575322 h 6886575"/>
+              <a:gd name="connsiteX45" fmla="*/ 1378355 w 7472381"/>
+              <a:gd name="connsiteY45" fmla="*/ 2536031 h 6886575"/>
+              <a:gd name="connsiteX46" fmla="*/ 1548916 w 7472381"/>
+              <a:gd name="connsiteY46" fmla="*/ 2553891 h 6886575"/>
+              <a:gd name="connsiteX47" fmla="*/ 1694604 w 7472381"/>
+              <a:gd name="connsiteY47" fmla="*/ 2528888 h 6886575"/>
+              <a:gd name="connsiteX48" fmla="*/ 1552469 w 7472381"/>
+              <a:gd name="connsiteY48" fmla="*/ 2411015 h 6886575"/>
+              <a:gd name="connsiteX49" fmla="*/ 1353481 w 7472381"/>
+              <a:gd name="connsiteY49" fmla="*/ 2411015 h 6886575"/>
+              <a:gd name="connsiteX50" fmla="*/ 1211346 w 7472381"/>
+              <a:gd name="connsiteY50" fmla="*/ 2336007 h 6886575"/>
+              <a:gd name="connsiteX51" fmla="*/ 1076318 w 7472381"/>
+              <a:gd name="connsiteY51" fmla="*/ 2200275 h 6886575"/>
+              <a:gd name="connsiteX52" fmla="*/ 600167 w 7472381"/>
+              <a:gd name="connsiteY52" fmla="*/ 1982390 h 6886575"/>
+              <a:gd name="connsiteX53" fmla="*/ 514886 w 7472381"/>
+              <a:gd name="connsiteY53" fmla="*/ 1900238 h 6886575"/>
+              <a:gd name="connsiteX54" fmla="*/ 1872273 w 7472381"/>
+              <a:gd name="connsiteY54" fmla="*/ 2218135 h 6886575"/>
+              <a:gd name="connsiteX55" fmla="*/ 1452975 w 7472381"/>
+              <a:gd name="connsiteY55" fmla="*/ 2085975 h 6886575"/>
+              <a:gd name="connsiteX56" fmla="*/ 1737245 w 7472381"/>
+              <a:gd name="connsiteY56" fmla="*/ 2110978 h 6886575"/>
+              <a:gd name="connsiteX57" fmla="*/ 1893593 w 7472381"/>
+              <a:gd name="connsiteY57" fmla="*/ 2021681 h 6886575"/>
+              <a:gd name="connsiteX58" fmla="*/ 1893593 w 7472381"/>
+              <a:gd name="connsiteY58" fmla="*/ 1993106 h 6886575"/>
+              <a:gd name="connsiteX59" fmla="*/ 1776332 w 7472381"/>
+              <a:gd name="connsiteY59" fmla="*/ 1910953 h 6886575"/>
+              <a:gd name="connsiteX60" fmla="*/ 1708818 w 7472381"/>
+              <a:gd name="connsiteY60" fmla="*/ 1857375 h 6886575"/>
+              <a:gd name="connsiteX61" fmla="*/ 1524043 w 7472381"/>
+              <a:gd name="connsiteY61" fmla="*/ 1664493 h 6886575"/>
+              <a:gd name="connsiteX62" fmla="*/ 1655517 w 7472381"/>
+              <a:gd name="connsiteY62" fmla="*/ 1643062 h 6886575"/>
+              <a:gd name="connsiteX63" fmla="*/ 1705264 w 7472381"/>
+              <a:gd name="connsiteY63" fmla="*/ 1603772 h 6886575"/>
+              <a:gd name="connsiteX64" fmla="*/ 1669731 w 7472381"/>
+              <a:gd name="connsiteY64" fmla="*/ 1546622 h 6886575"/>
+              <a:gd name="connsiteX65" fmla="*/ 1261093 w 7472381"/>
+              <a:gd name="connsiteY65" fmla="*/ 1371600 h 6886575"/>
+              <a:gd name="connsiteX66" fmla="*/ 1229113 w 7472381"/>
+              <a:gd name="connsiteY66" fmla="*/ 1235869 h 6886575"/>
+              <a:gd name="connsiteX67" fmla="*/ 1307287 w 7472381"/>
+              <a:gd name="connsiteY67" fmla="*/ 1214437 h 6886575"/>
+              <a:gd name="connsiteX68" fmla="*/ 1396121 w 7472381"/>
+              <a:gd name="connsiteY68" fmla="*/ 1225153 h 6886575"/>
+              <a:gd name="connsiteX69" fmla="*/ 1325054 w 7472381"/>
+              <a:gd name="connsiteY69" fmla="*/ 1117997 h 6886575"/>
+              <a:gd name="connsiteX70" fmla="*/ 1037231 w 7472381"/>
+              <a:gd name="connsiteY70" fmla="*/ 1010841 h 6886575"/>
+              <a:gd name="connsiteX71" fmla="*/ 983931 w 7472381"/>
+              <a:gd name="connsiteY71" fmla="*/ 953690 h 6886575"/>
+              <a:gd name="connsiteX72" fmla="*/ 1054998 w 7472381"/>
+              <a:gd name="connsiteY72" fmla="*/ 925115 h 6886575"/>
+              <a:gd name="connsiteX73" fmla="*/ 1108299 w 7472381"/>
+              <a:gd name="connsiteY73" fmla="*/ 914400 h 6886575"/>
+              <a:gd name="connsiteX74" fmla="*/ 6755 w 7472381"/>
+              <a:gd name="connsiteY74" fmla="*/ 467915 h 6886575"/>
+              <a:gd name="connsiteX75" fmla="*/ 255490 w 7472381"/>
+              <a:gd name="connsiteY75" fmla="*/ 464344 h 6886575"/>
+              <a:gd name="connsiteX76" fmla="*/ 500673 w 7472381"/>
+              <a:gd name="connsiteY76" fmla="*/ 535781 h 6886575"/>
+              <a:gd name="connsiteX77" fmla="*/ 760069 w 7472381"/>
+              <a:gd name="connsiteY77" fmla="*/ 525066 h 6886575"/>
+              <a:gd name="connsiteX78" fmla="*/ 1005251 w 7472381"/>
+              <a:gd name="connsiteY78" fmla="*/ 560785 h 6886575"/>
+              <a:gd name="connsiteX79" fmla="*/ 1218453 w 7472381"/>
+              <a:gd name="connsiteY79" fmla="*/ 560785 h 6886575"/>
+              <a:gd name="connsiteX80" fmla="*/ 1019464 w 7472381"/>
+              <a:gd name="connsiteY80" fmla="*/ 507206 h 6886575"/>
+              <a:gd name="connsiteX81" fmla="*/ 944844 w 7472381"/>
+              <a:gd name="connsiteY81" fmla="*/ 417909 h 6886575"/>
+              <a:gd name="connsiteX82" fmla="*/ 969717 w 7472381"/>
+              <a:gd name="connsiteY82" fmla="*/ 335757 h 6886575"/>
+              <a:gd name="connsiteX83" fmla="*/ 1051445 w 7472381"/>
+              <a:gd name="connsiteY83" fmla="*/ 360759 h 6886575"/>
+              <a:gd name="connsiteX84" fmla="*/ 1147386 w 7472381"/>
+              <a:gd name="connsiteY84" fmla="*/ 453629 h 6886575"/>
+              <a:gd name="connsiteX85" fmla="*/ 1168706 w 7472381"/>
+              <a:gd name="connsiteY85" fmla="*/ 396478 h 6886575"/>
+              <a:gd name="connsiteX86" fmla="*/ 1225560 w 7472381"/>
+              <a:gd name="connsiteY86" fmla="*/ 353615 h 6886575"/>
+              <a:gd name="connsiteX87" fmla="*/ 1552469 w 7472381"/>
+              <a:gd name="connsiteY87" fmla="*/ 375047 h 6886575"/>
+              <a:gd name="connsiteX88" fmla="*/ 1335714 w 7472381"/>
+              <a:gd name="connsiteY88" fmla="*/ 192881 h 6886575"/>
+              <a:gd name="connsiteX89" fmla="*/ 1197133 w 7472381"/>
+              <a:gd name="connsiteY89" fmla="*/ 164306 h 6886575"/>
+              <a:gd name="connsiteX90" fmla="*/ 1165153 w 7472381"/>
+              <a:gd name="connsiteY90" fmla="*/ 89297 h 6886575"/>
+              <a:gd name="connsiteX91" fmla="*/ 1229113 w 7472381"/>
+              <a:gd name="connsiteY91" fmla="*/ 71437 h 6886575"/>
+              <a:gd name="connsiteX92" fmla="*/ 1548916 w 7472381"/>
+              <a:gd name="connsiteY92" fmla="*/ 135731 h 6886575"/>
+              <a:gd name="connsiteX93" fmla="*/ 1602217 w 7472381"/>
+              <a:gd name="connsiteY93" fmla="*/ 110728 h 6886575"/>
+              <a:gd name="connsiteX94" fmla="*/ 1232666 w 7472381"/>
+              <a:gd name="connsiteY94" fmla="*/ 0 h 6886575"/>
+            </a:gdLst>
+            <a:ahLst/>
+            <a:cxnLst>
+              <a:cxn ang="0">
+                <a:pos x="connsiteX0" y="connsiteY0"/>
+              </a:cxn>
+              <a:cxn ang="0">
+                <a:pos x="connsiteX1" y="connsiteY1"/>
+              </a:cxn>
+              <a:cxn ang="0">
+                <a:pos x="connsiteX2" y="connsiteY2"/>
+              </a:cxn>
+              <a:cxn ang="0">
+                <a:pos x="connsiteX3" y="connsiteY3"/>
+              </a:cxn>
+              <a:cxn ang="0">
+                <a:pos x="connsiteX4" y="connsiteY4"/>
+              </a:cxn>
+              <a:cxn ang="0">
+                <a:pos x="connsiteX5" y="connsiteY5"/>
+              </a:cxn>
+              <a:cxn ang="0">
+                <a:pos x="connsiteX6" y="connsiteY6"/>
+              </a:cxn>
+              <a:cxn ang="0">
+                <a:pos x="connsiteX7" y="connsiteY7"/>
+              </a:cxn>
+              <a:cxn ang="0">
+                <a:pos x="connsiteX8" y="connsiteY8"/>
+              </a:cxn>
+              <a:cxn ang="0">
+                <a:pos x="connsiteX9" y="connsiteY9"/>
+              </a:cxn>
+              <a:cxn ang="0">
+                <a:pos x="connsiteX10" y="connsiteY10"/>
+              </a:cxn>
+              <a:cxn ang="0">
+                <a:pos x="connsiteX11" y="connsiteY11"/>
+              </a:cxn>
+              <a:cxn ang="0">
+                <a:pos x="connsiteX12" y="connsiteY12"/>
+              </a:cxn>
+              <a:cxn ang="0">
+                <a:pos x="connsiteX13" y="connsiteY13"/>
+              </a:cxn>
+              <a:cxn ang="0">
+                <a:pos x="connsiteX14" y="connsiteY14"/>
+              </a:cxn>
+              <a:cxn ang="0">
+                <a:pos x="connsiteX15" y="connsiteY15"/>
+              </a:cxn>
+              <a:cxn ang="0">
+                <a:pos x="connsiteX16" y="connsiteY16"/>
+              </a:cxn>
+              <a:cxn ang="0">
+                <a:pos x="connsiteX17" y="connsiteY17"/>
+              </a:cxn>
+              <a:cxn ang="0">
+                <a:pos x="connsiteX18" y="connsiteY18"/>
+              </a:cxn>
+              <a:cxn ang="0">
+                <a:pos x="connsiteX19" y="connsiteY19"/>
+              </a:cxn>
+              <a:cxn ang="0">
+                <a:pos x="connsiteX20" y="connsiteY20"/>
+              </a:cxn>
+              <a:cxn ang="0">
+                <a:pos x="connsiteX21" y="connsiteY21"/>
+              </a:cxn>
+              <a:cxn ang="0">
+                <a:pos x="connsiteX22" y="connsiteY22"/>
+              </a:cxn>
+              <a:cxn ang="0">
+                <a:pos x="connsiteX23" y="connsiteY23"/>
+              </a:cxn>
+              <a:cxn ang="0">
+                <a:pos x="connsiteX24" y="connsiteY24"/>
+              </a:cxn>
+              <a:cxn ang="0">
+                <a:pos x="connsiteX25" y="connsiteY25"/>
+              </a:cxn>
+              <a:cxn ang="0">
+                <a:pos x="connsiteX26" y="connsiteY26"/>
+              </a:cxn>
+              <a:cxn ang="0">
+                <a:pos x="connsiteX27" y="connsiteY27"/>
+              </a:cxn>
+              <a:cxn ang="0">
+                <a:pos x="connsiteX28" y="connsiteY28"/>
+              </a:cxn>
+              <a:cxn ang="0">
+                <a:pos x="connsiteX29" y="connsiteY29"/>
+              </a:cxn>
+              <a:cxn ang="0">
+                <a:pos x="connsiteX30" y="connsiteY30"/>
+              </a:cxn>
+              <a:cxn ang="0">
+                <a:pos x="connsiteX31" y="connsiteY31"/>
+              </a:cxn>
+              <a:cxn ang="0">
+                <a:pos x="connsiteX32" y="connsiteY32"/>
+              </a:cxn>
+              <a:cxn ang="0">
+                <a:pos x="connsiteX33" y="connsiteY33"/>
+              </a:cxn>
+              <a:cxn ang="0">
+                <a:pos x="connsiteX34" y="connsiteY34"/>
+              </a:cxn>
+              <a:cxn ang="0">
+                <a:pos x="connsiteX35" y="connsiteY35"/>
+              </a:cxn>
+              <a:cxn ang="0">
+                <a:pos x="connsiteX36" y="connsiteY36"/>
+              </a:cxn>
+              <a:cxn ang="0">
+                <a:pos x="connsiteX37" y="connsiteY37"/>
+              </a:cxn>
+              <a:cxn ang="0">
+                <a:pos x="connsiteX38" y="connsiteY38"/>
+              </a:cxn>
+              <a:cxn ang="0">
+                <a:pos x="connsiteX39" y="connsiteY39"/>
+              </a:cxn>
+              <a:cxn ang="0">
+                <a:pos x="connsiteX40" y="connsiteY40"/>
+              </a:cxn>
+              <a:cxn ang="0">
+                <a:pos x="connsiteX41" y="connsiteY41"/>
+              </a:cxn>
+              <a:cxn ang="0">
+                <a:pos x="connsiteX42" y="connsiteY42"/>
+              </a:cxn>
+              <a:cxn ang="0">
+                <a:pos x="connsiteX43" y="connsiteY43"/>
+              </a:cxn>
+              <a:cxn ang="0">
+                <a:pos x="connsiteX44" y="connsiteY44"/>
+              </a:cxn>
+              <a:cxn ang="0">
+                <a:pos x="connsiteX45" y="connsiteY45"/>
+              </a:cxn>
+              <a:cxn ang="0">
+                <a:pos x="connsiteX46" y="connsiteY46"/>
+              </a:cxn>
+              <a:cxn ang="0">
+                <a:pos x="connsiteX47" y="connsiteY47"/>
+              </a:cxn>
+              <a:cxn ang="0">
+                <a:pos x="connsiteX48" y="connsiteY48"/>
+              </a:cxn>
+              <a:cxn ang="0">
+                <a:pos x="connsiteX49" y="connsiteY49"/>
+              </a:cxn>
+              <a:cxn ang="0">
+                <a:pos x="connsiteX50" y="connsiteY50"/>
+              </a:cxn>
+              <a:cxn ang="0">
+                <a:pos x="connsiteX51" y="connsiteY51"/>
+              </a:cxn>
+              <a:cxn ang="0">
+                <a:pos x="connsiteX52" y="connsiteY52"/>
+              </a:cxn>
+              <a:cxn ang="0">
+                <a:pos x="connsiteX53" y="connsiteY53"/>
+              </a:cxn>
+              <a:cxn ang="0">
+                <a:pos x="connsiteX54" y="connsiteY54"/>
+              </a:cxn>
+              <a:cxn ang="0">
+                <a:pos x="connsiteX55" y="connsiteY55"/>
+              </a:cxn>
+              <a:cxn ang="0">
+                <a:pos x="connsiteX56" y="connsiteY56"/>
+              </a:cxn>
+              <a:cxn ang="0">
+                <a:pos x="connsiteX57" y="connsiteY57"/>
+              </a:cxn>
+              <a:cxn ang="0">
+                <a:pos x="connsiteX58" y="connsiteY58"/>
+              </a:cxn>
+              <a:cxn ang="0">
+                <a:pos x="connsiteX59" y="connsiteY59"/>
+              </a:cxn>
+              <a:cxn ang="0">
+                <a:pos x="connsiteX60" y="connsiteY60"/>
+              </a:cxn>
+              <a:cxn ang="0">
+                <a:pos x="connsiteX61" y="connsiteY61"/>
+              </a:cxn>
+              <a:cxn ang="0">
+                <a:pos x="connsiteX62" y="connsiteY62"/>
+              </a:cxn>
+              <a:cxn ang="0">
+                <a:pos x="connsiteX63" y="connsiteY63"/>
+              </a:cxn>
+              <a:cxn ang="0">
+                <a:pos x="connsiteX64" y="connsiteY64"/>
+              </a:cxn>
+              <a:cxn ang="0">
+                <a:pos x="connsiteX65" y="connsiteY65"/>
+              </a:cxn>
+              <a:cxn ang="0">
+                <a:pos x="connsiteX66" y="connsiteY66"/>
+              </a:cxn>
+              <a:cxn ang="0">
+                <a:pos x="connsiteX67" y="connsiteY67"/>
+              </a:cxn>
+              <a:cxn ang="0">
+                <a:pos x="connsiteX68" y="connsiteY68"/>
+              </a:cxn>
+              <a:cxn ang="0">
+                <a:pos x="connsiteX69" y="connsiteY69"/>
+              </a:cxn>
+              <a:cxn ang="0">
+                <a:pos x="connsiteX70" y="connsiteY70"/>
+              </a:cxn>
+              <a:cxn ang="0">
+                <a:pos x="connsiteX71" y="connsiteY71"/>
+              </a:cxn>
+              <a:cxn ang="0">
+                <a:pos x="connsiteX72" y="connsiteY72"/>
+              </a:cxn>
+              <a:cxn ang="0">
+                <a:pos x="connsiteX73" y="connsiteY73"/>
+              </a:cxn>
+              <a:cxn ang="0">
+                <a:pos x="connsiteX74" y="connsiteY74"/>
+              </a:cxn>
+              <a:cxn ang="0">
+                <a:pos x="connsiteX75" y="connsiteY75"/>
+              </a:cxn>
+              <a:cxn ang="0">
+                <a:pos x="connsiteX76" y="connsiteY76"/>
+              </a:cxn>
+              <a:cxn ang="0">
+                <a:pos x="connsiteX77" y="connsiteY77"/>
+              </a:cxn>
+              <a:cxn ang="0">
+                <a:pos x="connsiteX78" y="connsiteY78"/>
+              </a:cxn>
+              <a:cxn ang="0">
+                <a:pos x="connsiteX79" y="connsiteY79"/>
+              </a:cxn>
+              <a:cxn ang="0">
+                <a:pos x="connsiteX80" y="connsiteY80"/>
+              </a:cxn>
+              <a:cxn ang="0">
+                <a:pos x="connsiteX81" y="connsiteY81"/>
+              </a:cxn>
+              <a:cxn ang="0">
+                <a:pos x="connsiteX82" y="connsiteY82"/>
+              </a:cxn>
+              <a:cxn ang="0">
+                <a:pos x="connsiteX83" y="connsiteY83"/>
+              </a:cxn>
+              <a:cxn ang="0">
+                <a:pos x="connsiteX84" y="connsiteY84"/>
+              </a:cxn>
+              <a:cxn ang="0">
+                <a:pos x="connsiteX85" y="connsiteY85"/>
+              </a:cxn>
+              <a:cxn ang="0">
+                <a:pos x="connsiteX86" y="connsiteY86"/>
+              </a:cxn>
+              <a:cxn ang="0">
+                <a:pos x="connsiteX87" y="connsiteY87"/>
+              </a:cxn>
+              <a:cxn ang="0">
+                <a:pos x="connsiteX88" y="connsiteY88"/>
+              </a:cxn>
+              <a:cxn ang="0">
+                <a:pos x="connsiteX89" y="connsiteY89"/>
+              </a:cxn>
+              <a:cxn ang="0">
+                <a:pos x="connsiteX90" y="connsiteY90"/>
+              </a:cxn>
+              <a:cxn ang="0">
+                <a:pos x="connsiteX91" y="connsiteY91"/>
+              </a:cxn>
+              <a:cxn ang="0">
+                <a:pos x="connsiteX92" y="connsiteY92"/>
+              </a:cxn>
+              <a:cxn ang="0">
+                <a:pos x="connsiteX93" y="connsiteY93"/>
+              </a:cxn>
+              <a:cxn ang="0">
+                <a:pos x="connsiteX94" y="connsiteY94"/>
+              </a:cxn>
+            </a:cxnLst>
+            <a:rect l="l" t="t" r="r" b="b"/>
+            <a:pathLst>
+              <a:path w="7472381" h="6886575">
+                <a:moveTo>
+                  <a:pt x="1232666" y="0"/>
+                </a:moveTo>
+                <a:lnTo>
+                  <a:pt x="7472381" y="0"/>
+                </a:lnTo>
+                <a:lnTo>
+                  <a:pt x="7472381" y="814388"/>
+                </a:lnTo>
+                <a:lnTo>
+                  <a:pt x="7472381" y="6411516"/>
+                </a:lnTo>
+                <a:lnTo>
+                  <a:pt x="7472381" y="6886575"/>
+                </a:lnTo>
+                <a:lnTo>
+                  <a:pt x="6992676" y="6886575"/>
+                </a:lnTo>
+                <a:lnTo>
+                  <a:pt x="1946893" y="6886575"/>
+                </a:lnTo>
+                <a:cubicBezTo>
+                  <a:pt x="1801205" y="6815137"/>
+                  <a:pt x="1662624" y="6729412"/>
+                  <a:pt x="1506276" y="6686550"/>
+                </a:cubicBezTo>
+                <a:cubicBezTo>
+                  <a:pt x="1399675" y="6657975"/>
+                  <a:pt x="1296627" y="6607969"/>
+                  <a:pt x="1314394" y="6457949"/>
+                </a:cubicBezTo>
+                <a:cubicBezTo>
+                  <a:pt x="1317947" y="6415087"/>
+                  <a:pt x="1289520" y="6382941"/>
+                  <a:pt x="1246880" y="6393656"/>
+                </a:cubicBezTo>
+                <a:cubicBezTo>
+                  <a:pt x="1165153" y="6415087"/>
+                  <a:pt x="1126065" y="6354365"/>
+                  <a:pt x="1079872" y="6307931"/>
+                </a:cubicBezTo>
+                <a:cubicBezTo>
+                  <a:pt x="998144" y="6225779"/>
+                  <a:pt x="919970" y="6140052"/>
+                  <a:pt x="788495" y="6125765"/>
+                </a:cubicBezTo>
+                <a:cubicBezTo>
+                  <a:pt x="813369" y="6061471"/>
+                  <a:pt x="856009" y="6068615"/>
+                  <a:pt x="895097" y="6082903"/>
+                </a:cubicBezTo>
+                <a:cubicBezTo>
+                  <a:pt x="998144" y="6118622"/>
+                  <a:pt x="1101192" y="6157912"/>
+                  <a:pt x="1204239" y="6193631"/>
+                </a:cubicBezTo>
+                <a:cubicBezTo>
+                  <a:pt x="1271754" y="6215062"/>
+                  <a:pt x="1339267" y="6247209"/>
+                  <a:pt x="1428102" y="6222206"/>
+                </a:cubicBezTo>
+                <a:cubicBezTo>
+                  <a:pt x="1349928" y="6093619"/>
+                  <a:pt x="1218453" y="6068615"/>
+                  <a:pt x="1111852" y="6029325"/>
+                </a:cubicBezTo>
+                <a:cubicBezTo>
+                  <a:pt x="980377" y="5979319"/>
+                  <a:pt x="902203" y="5886450"/>
+                  <a:pt x="806262" y="5779294"/>
+                </a:cubicBezTo>
+                <a:cubicBezTo>
+                  <a:pt x="902203" y="5750719"/>
+                  <a:pt x="962610" y="5829300"/>
+                  <a:pt x="1040785" y="5825728"/>
+                </a:cubicBezTo>
+                <a:cubicBezTo>
+                  <a:pt x="1044338" y="5815012"/>
+                  <a:pt x="1051445" y="5793581"/>
+                  <a:pt x="1051445" y="5793581"/>
+                </a:cubicBezTo>
+                <a:cubicBezTo>
+                  <a:pt x="923523" y="5736431"/>
+                  <a:pt x="866670" y="5629275"/>
+                  <a:pt x="845349" y="5497115"/>
+                </a:cubicBezTo>
+                <a:cubicBezTo>
+                  <a:pt x="838243" y="5429250"/>
+                  <a:pt x="792049" y="5407819"/>
+                  <a:pt x="745855" y="5375672"/>
+                </a:cubicBezTo>
+                <a:cubicBezTo>
+                  <a:pt x="589507" y="5264943"/>
+                  <a:pt x="422499" y="5164931"/>
+                  <a:pt x="291024" y="5014913"/>
+                </a:cubicBezTo>
+                <a:cubicBezTo>
+                  <a:pt x="443819" y="5032771"/>
+                  <a:pt x="564633" y="5132784"/>
+                  <a:pt x="724535" y="5175647"/>
+                </a:cubicBezTo>
+                <a:cubicBezTo>
+                  <a:pt x="596614" y="5011340"/>
+                  <a:pt x="429605" y="4925615"/>
+                  <a:pt x="276811" y="4825603"/>
+                </a:cubicBezTo>
+                <a:cubicBezTo>
+                  <a:pt x="205743" y="4779169"/>
+                  <a:pt x="141783" y="4722018"/>
+                  <a:pt x="60055" y="4697016"/>
+                </a:cubicBezTo>
+                <a:cubicBezTo>
+                  <a:pt x="31628" y="4689872"/>
+                  <a:pt x="-18119" y="4672013"/>
+                  <a:pt x="6755" y="4622006"/>
+                </a:cubicBezTo>
+                <a:cubicBezTo>
+                  <a:pt x="28075" y="4579144"/>
+                  <a:pt x="67162" y="4593432"/>
+                  <a:pt x="102696" y="4604146"/>
+                </a:cubicBezTo>
+                <a:cubicBezTo>
+                  <a:pt x="187976" y="4632722"/>
+                  <a:pt x="280364" y="4632722"/>
+                  <a:pt x="397625" y="4632722"/>
+                </a:cubicBezTo>
+                <a:cubicBezTo>
+                  <a:pt x="298131" y="4496990"/>
+                  <a:pt x="116909" y="4539853"/>
+                  <a:pt x="31628" y="4396978"/>
+                </a:cubicBezTo>
+                <a:cubicBezTo>
+                  <a:pt x="138229" y="4371976"/>
+                  <a:pt x="219957" y="4421982"/>
+                  <a:pt x="305237" y="4432697"/>
+                </a:cubicBezTo>
+                <a:cubicBezTo>
+                  <a:pt x="383412" y="4443413"/>
+                  <a:pt x="401178" y="4418409"/>
+                  <a:pt x="383412" y="4339828"/>
+                </a:cubicBezTo>
+                <a:cubicBezTo>
+                  <a:pt x="354985" y="4218385"/>
+                  <a:pt x="397625" y="4157662"/>
+                  <a:pt x="511333" y="4189810"/>
+                </a:cubicBezTo>
+                <a:cubicBezTo>
+                  <a:pt x="617934" y="4221956"/>
+                  <a:pt x="628594" y="4175522"/>
+                  <a:pt x="600167" y="4107656"/>
+                </a:cubicBezTo>
+                <a:cubicBezTo>
+                  <a:pt x="557527" y="4007644"/>
+                  <a:pt x="603720" y="3929063"/>
+                  <a:pt x="635701" y="3843337"/>
+                </a:cubicBezTo>
+                <a:cubicBezTo>
+                  <a:pt x="685448" y="3714750"/>
+                  <a:pt x="664128" y="3650456"/>
+                  <a:pt x="561080" y="3554015"/>
+                </a:cubicBezTo>
+                <a:cubicBezTo>
+                  <a:pt x="500673" y="3500438"/>
+                  <a:pt x="440265" y="3454003"/>
+                  <a:pt x="354985" y="3407569"/>
+                </a:cubicBezTo>
+                <a:cubicBezTo>
+                  <a:pt x="550420" y="3382565"/>
+                  <a:pt x="347878" y="3296841"/>
+                  <a:pt x="415392" y="3243263"/>
+                </a:cubicBezTo>
+                <a:cubicBezTo>
+                  <a:pt x="553973" y="3221831"/>
+                  <a:pt x="664128" y="3393282"/>
+                  <a:pt x="852456" y="3343275"/>
+                </a:cubicBezTo>
+                <a:cubicBezTo>
+                  <a:pt x="625041" y="3196828"/>
+                  <a:pt x="369198" y="3150393"/>
+                  <a:pt x="202190" y="2953940"/>
+                </a:cubicBezTo>
+                <a:cubicBezTo>
+                  <a:pt x="241277" y="2911078"/>
+                  <a:pt x="280364" y="2953940"/>
+                  <a:pt x="312344" y="2936081"/>
+                </a:cubicBezTo>
+                <a:cubicBezTo>
+                  <a:pt x="312344" y="2925365"/>
+                  <a:pt x="685448" y="2993232"/>
+                  <a:pt x="706768" y="2714625"/>
+                </a:cubicBezTo>
+                <a:cubicBezTo>
+                  <a:pt x="713875" y="2714625"/>
+                  <a:pt x="720982" y="2714625"/>
+                  <a:pt x="728088" y="2703909"/>
+                </a:cubicBezTo>
+                <a:cubicBezTo>
+                  <a:pt x="767175" y="2664619"/>
+                  <a:pt x="731642" y="2571750"/>
+                  <a:pt x="795602" y="2564606"/>
+                </a:cubicBezTo>
+                <a:cubicBezTo>
+                  <a:pt x="866670" y="2557462"/>
+                  <a:pt x="934184" y="2525315"/>
+                  <a:pt x="1008804" y="2543175"/>
+                </a:cubicBezTo>
+                <a:cubicBezTo>
+                  <a:pt x="1065658" y="2557462"/>
+                  <a:pt x="1126065" y="2575322"/>
+                  <a:pt x="1186473" y="2575322"/>
+                </a:cubicBezTo>
+                <a:cubicBezTo>
+                  <a:pt x="1250433" y="2575322"/>
+                  <a:pt x="1339267" y="2696766"/>
+                  <a:pt x="1378355" y="2536031"/>
+                </a:cubicBezTo>
+                <a:cubicBezTo>
+                  <a:pt x="1378355" y="2528888"/>
+                  <a:pt x="1488509" y="2546747"/>
+                  <a:pt x="1548916" y="2553891"/>
+                </a:cubicBezTo>
+                <a:cubicBezTo>
+                  <a:pt x="1598663" y="2561035"/>
+                  <a:pt x="1659071" y="2593181"/>
+                  <a:pt x="1694604" y="2528888"/>
+                </a:cubicBezTo>
+                <a:cubicBezTo>
+                  <a:pt x="1712371" y="2489596"/>
+                  <a:pt x="1627090" y="2418159"/>
+                  <a:pt x="1552469" y="2411015"/>
+                </a:cubicBezTo>
+                <a:cubicBezTo>
+                  <a:pt x="1484956" y="2403872"/>
+                  <a:pt x="1417442" y="2396728"/>
+                  <a:pt x="1353481" y="2411015"/>
+                </a:cubicBezTo>
+                <a:cubicBezTo>
+                  <a:pt x="1275307" y="2428875"/>
+                  <a:pt x="1232666" y="2400300"/>
+                  <a:pt x="1211346" y="2336007"/>
+                </a:cubicBezTo>
+                <a:cubicBezTo>
+                  <a:pt x="1186473" y="2268141"/>
+                  <a:pt x="1140279" y="2232422"/>
+                  <a:pt x="1076318" y="2200275"/>
+                </a:cubicBezTo>
+                <a:cubicBezTo>
+                  <a:pt x="919970" y="2121694"/>
+                  <a:pt x="770729" y="2028825"/>
+                  <a:pt x="600167" y="1982390"/>
+                </a:cubicBezTo>
+                <a:cubicBezTo>
+                  <a:pt x="568187" y="1975246"/>
+                  <a:pt x="529100" y="1960959"/>
+                  <a:pt x="514886" y="1900238"/>
+                </a:cubicBezTo>
+                <a:cubicBezTo>
+                  <a:pt x="976824" y="1993106"/>
+                  <a:pt x="1396121" y="2232422"/>
+                  <a:pt x="1872273" y="2218135"/>
+                </a:cubicBezTo>
+                <a:cubicBezTo>
+                  <a:pt x="1744351" y="2143125"/>
+                  <a:pt x="1591557" y="2139554"/>
+                  <a:pt x="1452975" y="2085975"/>
+                </a:cubicBezTo>
+                <a:cubicBezTo>
+                  <a:pt x="1552469" y="2046685"/>
+                  <a:pt x="1644857" y="2089547"/>
+                  <a:pt x="1737245" y="2110978"/>
+                </a:cubicBezTo>
+                <a:cubicBezTo>
+                  <a:pt x="1815419" y="2128837"/>
+                  <a:pt x="1886486" y="2132410"/>
+                  <a:pt x="1893593" y="2021681"/>
+                </a:cubicBezTo>
+                <a:cubicBezTo>
+                  <a:pt x="1893593" y="2010965"/>
+                  <a:pt x="1893593" y="2003821"/>
+                  <a:pt x="1893593" y="1993106"/>
+                </a:cubicBezTo>
+                <a:cubicBezTo>
+                  <a:pt x="1865166" y="1946672"/>
+                  <a:pt x="1826079" y="1925240"/>
+                  <a:pt x="1776332" y="1910953"/>
+                </a:cubicBezTo>
+                <a:cubicBezTo>
+                  <a:pt x="1747905" y="1903809"/>
+                  <a:pt x="1708818" y="1889522"/>
+                  <a:pt x="1708818" y="1857375"/>
+                </a:cubicBezTo>
+                <a:cubicBezTo>
+                  <a:pt x="1712371" y="1735931"/>
+                  <a:pt x="1616430" y="1700212"/>
+                  <a:pt x="1524043" y="1664493"/>
+                </a:cubicBezTo>
+                <a:cubicBezTo>
+                  <a:pt x="1573790" y="1603772"/>
+                  <a:pt x="1616430" y="1646635"/>
+                  <a:pt x="1655517" y="1643062"/>
+                </a:cubicBezTo>
+                <a:cubicBezTo>
+                  <a:pt x="1680391" y="1639491"/>
+                  <a:pt x="1705264" y="1635919"/>
+                  <a:pt x="1705264" y="1603772"/>
+                </a:cubicBezTo>
+                <a:cubicBezTo>
+                  <a:pt x="1705264" y="1578769"/>
+                  <a:pt x="1694604" y="1546622"/>
+                  <a:pt x="1669731" y="1546622"/>
+                </a:cubicBezTo>
+                <a:cubicBezTo>
+                  <a:pt x="1513383" y="1543050"/>
+                  <a:pt x="1424548" y="1371600"/>
+                  <a:pt x="1261093" y="1371600"/>
+                </a:cubicBezTo>
+                <a:cubicBezTo>
+                  <a:pt x="1161599" y="1371600"/>
+                  <a:pt x="1310841" y="1275159"/>
+                  <a:pt x="1229113" y="1235869"/>
+                </a:cubicBezTo>
+                <a:cubicBezTo>
+                  <a:pt x="1211346" y="1225153"/>
+                  <a:pt x="1278860" y="1210866"/>
+                  <a:pt x="1307287" y="1214437"/>
+                </a:cubicBezTo>
+                <a:cubicBezTo>
+                  <a:pt x="1335714" y="1218009"/>
+                  <a:pt x="1360588" y="1243013"/>
+                  <a:pt x="1396121" y="1225153"/>
+                </a:cubicBezTo>
+                <a:cubicBezTo>
+                  <a:pt x="1413888" y="1160860"/>
+                  <a:pt x="1367694" y="1135856"/>
+                  <a:pt x="1325054" y="1117997"/>
+                </a:cubicBezTo>
+                <a:cubicBezTo>
+                  <a:pt x="1232666" y="1075135"/>
+                  <a:pt x="1140279" y="1025129"/>
+                  <a:pt x="1037231" y="1010841"/>
+                </a:cubicBezTo>
+                <a:cubicBezTo>
+                  <a:pt x="1001698" y="1007269"/>
+                  <a:pt x="980377" y="989409"/>
+                  <a:pt x="983931" y="953690"/>
+                </a:cubicBezTo>
+                <a:cubicBezTo>
+                  <a:pt x="991037" y="907256"/>
+                  <a:pt x="1026571" y="921544"/>
+                  <a:pt x="1054998" y="925115"/>
+                </a:cubicBezTo>
+                <a:cubicBezTo>
+                  <a:pt x="1072765" y="928688"/>
+                  <a:pt x="1090532" y="939403"/>
+                  <a:pt x="1108299" y="914400"/>
+                </a:cubicBezTo>
+                <a:cubicBezTo>
+                  <a:pt x="692555" y="660797"/>
+                  <a:pt x="472246" y="675085"/>
+                  <a:pt x="6755" y="467915"/>
+                </a:cubicBezTo>
+                <a:cubicBezTo>
+                  <a:pt x="109802" y="428625"/>
+                  <a:pt x="184423" y="457200"/>
+                  <a:pt x="255490" y="464344"/>
+                </a:cubicBezTo>
+                <a:cubicBezTo>
+                  <a:pt x="433159" y="482203"/>
+                  <a:pt x="323004" y="514350"/>
+                  <a:pt x="500673" y="535781"/>
+                </a:cubicBezTo>
+                <a:cubicBezTo>
+                  <a:pt x="585954" y="546497"/>
+                  <a:pt x="664128" y="582216"/>
+                  <a:pt x="760069" y="525066"/>
+                </a:cubicBezTo>
+                <a:cubicBezTo>
+                  <a:pt x="824029" y="485775"/>
+                  <a:pt x="927077" y="528637"/>
+                  <a:pt x="1005251" y="560785"/>
+                </a:cubicBezTo>
+                <a:cubicBezTo>
+                  <a:pt x="1069212" y="589360"/>
+                  <a:pt x="1133172" y="596503"/>
+                  <a:pt x="1218453" y="560785"/>
+                </a:cubicBezTo>
+                <a:cubicBezTo>
+                  <a:pt x="1140279" y="539354"/>
+                  <a:pt x="1079872" y="521494"/>
+                  <a:pt x="1019464" y="507206"/>
+                </a:cubicBezTo>
+                <a:cubicBezTo>
+                  <a:pt x="969717" y="496491"/>
+                  <a:pt x="941290" y="471488"/>
+                  <a:pt x="944844" y="417909"/>
+                </a:cubicBezTo>
+                <a:cubicBezTo>
+                  <a:pt x="944844" y="389334"/>
+                  <a:pt x="934184" y="350044"/>
+                  <a:pt x="969717" y="335757"/>
+                </a:cubicBezTo>
+                <a:cubicBezTo>
+                  <a:pt x="998144" y="321469"/>
+                  <a:pt x="1037231" y="335757"/>
+                  <a:pt x="1051445" y="360759"/>
+                </a:cubicBezTo>
+                <a:cubicBezTo>
+                  <a:pt x="1069212" y="407194"/>
+                  <a:pt x="1086978" y="450056"/>
+                  <a:pt x="1147386" y="453629"/>
+                </a:cubicBezTo>
+                <a:cubicBezTo>
+                  <a:pt x="1229113" y="460771"/>
+                  <a:pt x="1182919" y="432197"/>
+                  <a:pt x="1168706" y="396478"/>
+                </a:cubicBezTo>
+                <a:cubicBezTo>
+                  <a:pt x="1154492" y="357188"/>
+                  <a:pt x="1197133" y="346472"/>
+                  <a:pt x="1225560" y="353615"/>
+                </a:cubicBezTo>
+                <a:cubicBezTo>
+                  <a:pt x="1332161" y="385763"/>
+                  <a:pt x="1442315" y="328613"/>
+                  <a:pt x="1552469" y="375047"/>
+                </a:cubicBezTo>
+                <a:cubicBezTo>
+                  <a:pt x="1524043" y="260747"/>
+                  <a:pt x="1463635" y="210741"/>
+                  <a:pt x="1335714" y="192881"/>
+                </a:cubicBezTo>
+                <a:cubicBezTo>
+                  <a:pt x="1289520" y="189310"/>
+                  <a:pt x="1239773" y="196453"/>
+                  <a:pt x="1197133" y="164306"/>
+                </a:cubicBezTo>
+                <a:cubicBezTo>
+                  <a:pt x="1172259" y="146447"/>
+                  <a:pt x="1147386" y="125016"/>
+                  <a:pt x="1165153" y="89297"/>
+                </a:cubicBezTo>
+                <a:cubicBezTo>
+                  <a:pt x="1175813" y="64294"/>
+                  <a:pt x="1204239" y="64294"/>
+                  <a:pt x="1229113" y="71437"/>
+                </a:cubicBezTo>
+                <a:cubicBezTo>
+                  <a:pt x="1332161" y="110728"/>
+                  <a:pt x="1442315" y="121444"/>
+                  <a:pt x="1548916" y="135731"/>
+                </a:cubicBezTo>
+                <a:cubicBezTo>
+                  <a:pt x="1566683" y="139303"/>
+                  <a:pt x="1584450" y="146447"/>
+                  <a:pt x="1602217" y="110728"/>
+                </a:cubicBezTo>
+                <a:cubicBezTo>
+                  <a:pt x="1477849" y="78581"/>
+                  <a:pt x="1357034" y="35719"/>
+                  <a:pt x="1232666" y="0"/>
+                </a:cubicBezTo>
+                <a:close/>
+              </a:path>
+            </a:pathLst>
+          </a:custGeom>
+          <a:solidFill>
+            <a:schemeClr val="bg2">
+              <a:alpha val="50000"/>
+            </a:schemeClr>
+          </a:solidFill>
+          <a:ln w="32707" cap="flat">
+            <a:noFill/>
+            <a:prstDash val="solid"/>
+            <a:miter/>
+          </a:ln>
+        </p:spPr>
+        <p:txBody>
+          <a:bodyPr wrap="square" rtlCol="0" anchor="ctr">
+            <a:noAutofit/>
+          </a:bodyPr>
+          <a:lstStyle/>
+          <a:p>
+            <a:endParaRPr lang="en-US">
+              <a:solidFill>
+                <a:schemeClr val="tx1"/>
+              </a:solidFill>
+            </a:endParaRPr>
+          </a:p>
+        </p:txBody>
+      </p:sp>
+      <p:sp>
+        <p:nvSpPr>
+          <p:cNvPr id="9" name="TextBox 8">
+            <a:extLst>
+              <a:ext uri="{FF2B5EF4-FFF2-40B4-BE49-F238E27FC236}">
+                <a16:creationId xmlns:a16="http://schemas.microsoft.com/office/drawing/2014/main" id="{0D936A14-3F0B-DC80-3A23-882500E60B4A}"/>
+              </a:ext>
+            </a:extLst>
+          </p:cNvPr>
+          <p:cNvSpPr txBox="1"/>
+          <p:nvPr/>
+        </p:nvSpPr>
+        <p:spPr>
+          <a:xfrm>
+            <a:off x="829211" y="229563"/>
+            <a:ext cx="4772975" cy="1800526"/>
+          </a:xfrm>
+          <a:prstGeom prst="rect">
+            <a:avLst/>
+          </a:prstGeom>
+        </p:spPr>
+        <p:txBody>
+          <a:bodyPr vert="horz" lIns="91440" tIns="45720" rIns="91440" bIns="45720" rtlCol="0" anchor="ctr">
+            <a:normAutofit/>
+          </a:bodyPr>
+          <a:lstStyle/>
+          <a:p>
+            <a:pPr>
+              <a:lnSpc>
+                <a:spcPct val="90000"/>
+              </a:lnSpc>
+              <a:spcBef>
+                <a:spcPct val="0"/>
+              </a:spcBef>
+              <a:spcAft>
+                <a:spcPts val="600"/>
+              </a:spcAft>
+            </a:pPr>
+            <a:r>
+              <a:rPr lang="en-US" sz="4400" b="1" i="0" dirty="0">
+                <a:effectLst/>
+                <a:latin typeface="+mj-lt"/>
+                <a:ea typeface="+mj-ea"/>
+                <a:cs typeface="+mj-cs"/>
+              </a:rPr>
+              <a:t>Principles of mass spectrometry</a:t>
+            </a:r>
+          </a:p>
+        </p:txBody>
+      </p:sp>
+      <p:sp>
+        <p:nvSpPr>
+          <p:cNvPr id="3078" name="Content Placeholder 2">
+            <a:extLst>
+              <a:ext uri="{FF2B5EF4-FFF2-40B4-BE49-F238E27FC236}">
+                <a16:creationId xmlns:a16="http://schemas.microsoft.com/office/drawing/2014/main" id="{89BD4F66-5257-E727-BD84-DF737C01CEFF}"/>
+              </a:ext>
+            </a:extLst>
+          </p:cNvPr>
+          <p:cNvSpPr>
+            <a:spLocks noGrp="1"/>
+          </p:cNvSpPr>
+          <p:nvPr>
+            <p:ph idx="1"/>
+          </p:nvPr>
+        </p:nvSpPr>
+        <p:spPr>
+          <a:xfrm>
+            <a:off x="1246824" y="2623381"/>
+            <a:ext cx="4772974" cy="3553581"/>
+          </a:xfrm>
+        </p:spPr>
+        <p:txBody>
+          <a:bodyPr vert="horz" lIns="91440" tIns="45720" rIns="91440" bIns="45720" rtlCol="0">
+            <a:normAutofit/>
+          </a:bodyPr>
+          <a:lstStyle/>
+          <a:p>
+            <a:r>
+              <a:rPr lang="en-US" sz="2000" b="1">
+                <a:effectLst/>
+              </a:rPr>
+              <a:t>generating charged particles (ions) to generate ion beam</a:t>
+            </a:r>
+          </a:p>
+          <a:p>
+            <a:endParaRPr lang="en-US" sz="2000" b="1">
+              <a:effectLst/>
+            </a:endParaRPr>
+          </a:p>
+          <a:p>
+            <a:r>
+              <a:rPr lang="en-US" sz="2000" b="1">
+                <a:effectLst/>
+              </a:rPr>
+              <a:t>ion beam manipulated under high vacuum</a:t>
+            </a:r>
+          </a:p>
+          <a:p>
+            <a:endParaRPr lang="en-US" sz="2000" b="1">
+              <a:effectLst/>
+            </a:endParaRPr>
+          </a:p>
+          <a:p>
+            <a:r>
+              <a:rPr lang="en-US" sz="2000" b="1">
+                <a:effectLst/>
+              </a:rPr>
+              <a:t>measure ions mass to charge ratio</a:t>
+            </a:r>
+          </a:p>
+          <a:p>
+            <a:pPr lvl="1"/>
+            <a:r>
+              <a:rPr lang="en-US" sz="2000" b="1">
+                <a:effectLst/>
+              </a:rPr>
+              <a:t>Parent ions </a:t>
+            </a:r>
+          </a:p>
+          <a:p>
+            <a:pPr lvl="1"/>
+            <a:r>
+              <a:rPr lang="en-US" sz="2000" b="1">
+                <a:effectLst/>
+              </a:rPr>
+              <a:t>daughter ions (fragmented)</a:t>
+            </a:r>
+          </a:p>
+        </p:txBody>
+      </p:sp>
+      <p:pic>
+        <p:nvPicPr>
+          <p:cNvPr id="3074" name="Picture 2" descr="How Does A Mass Spectrometer Work? | Chemistry Made Simple">
+            <a:extLst>
+              <a:ext uri="{FF2B5EF4-FFF2-40B4-BE49-F238E27FC236}">
+                <a16:creationId xmlns:a16="http://schemas.microsoft.com/office/drawing/2014/main" id="{EA1E20D9-FFA5-D077-0713-E2B4A6D27BE0}"/>
+              </a:ext>
+            </a:extLst>
+          </p:cNvPr>
+          <p:cNvPicPr>
+            <a:picLocks noChangeAspect="1" noChangeArrowheads="1"/>
+          </p:cNvPicPr>
+          <p:nvPr/>
+        </p:nvPicPr>
+        <p:blipFill rotWithShape="1">
+          <a:blip r:embed="rId2">
+            <a:extLst>
+              <a:ext uri="{28A0092B-C50C-407E-A947-70E740481C1C}">
+                <a14:useLocalDpi xmlns:a14="http://schemas.microsoft.com/office/drawing/2010/main" val="0"/>
+              </a:ext>
+            </a:extLst>
+          </a:blip>
+          <a:srcRect r="12268"/>
+          <a:stretch/>
+        </p:blipFill>
+        <p:spPr bwMode="auto">
+          <a:xfrm>
+            <a:off x="7211317" y="2623380"/>
+            <a:ext cx="4848421" cy="3357289"/>
+          </a:xfrm>
+          <a:prstGeom prst="rect">
+            <a:avLst/>
+          </a:prstGeom>
+          <a:noFill/>
+          <a:extLst>
+            <a:ext uri="{909E8E84-426E-40DD-AFC4-6F175D3DCCD1}">
+              <a14:hiddenFill xmlns:a14="http://schemas.microsoft.com/office/drawing/2010/main">
+                <a:solidFill>
+                  <a:srgbClr val="FFFFFF"/>
+                </a:solidFill>
+              </a14:hiddenFill>
+            </a:ext>
+          </a:extLst>
+        </p:spPr>
+      </p:pic>
+      <p:grpSp>
+        <p:nvGrpSpPr>
+          <p:cNvPr id="7" name="Group 6">
+            <a:extLst>
+              <a:ext uri="{FF2B5EF4-FFF2-40B4-BE49-F238E27FC236}">
+                <a16:creationId xmlns:a16="http://schemas.microsoft.com/office/drawing/2014/main" id="{9E195B3C-6324-B84A-9FA6-E503867083F1}"/>
+              </a:ext>
+            </a:extLst>
+          </p:cNvPr>
+          <p:cNvGrpSpPr/>
+          <p:nvPr/>
+        </p:nvGrpSpPr>
+        <p:grpSpPr>
+          <a:xfrm>
+            <a:off x="7181227" y="573044"/>
+            <a:ext cx="3848322" cy="1113563"/>
+            <a:chOff x="6576848" y="4694553"/>
+            <a:chExt cx="4143704" cy="1282262"/>
+          </a:xfrm>
+        </p:grpSpPr>
+        <p:sp>
+          <p:nvSpPr>
+            <p:cNvPr id="5" name="TextBox 4">
+              <a:extLst>
+                <a:ext uri="{FF2B5EF4-FFF2-40B4-BE49-F238E27FC236}">
+                  <a16:creationId xmlns:a16="http://schemas.microsoft.com/office/drawing/2014/main" id="{3829E24A-33F1-DBB7-1530-11D98880FC6E}"/>
+                </a:ext>
+              </a:extLst>
+            </p:cNvPr>
+            <p:cNvSpPr txBox="1"/>
+            <p:nvPr/>
+          </p:nvSpPr>
+          <p:spPr>
+            <a:xfrm>
+              <a:off x="6576848" y="4920186"/>
+              <a:ext cx="3279228" cy="830997"/>
+            </a:xfrm>
+            <a:prstGeom prst="rect">
+              <a:avLst/>
+            </a:prstGeom>
+            <a:noFill/>
+          </p:spPr>
+          <p:txBody>
+            <a:bodyPr wrap="square">
+              <a:spAutoFit/>
+            </a:bodyPr>
+            <a:lstStyle/>
+            <a:p>
+              <a:pPr defTabSz="841248">
+                <a:spcAft>
+                  <a:spcPts val="600"/>
+                </a:spcAft>
+              </a:pPr>
+              <a:r>
+                <a:rPr lang="en-FI" sz="2208" b="1" kern="100" dirty="0">
+                  <a:solidFill>
+                    <a:schemeClr val="tx1"/>
+                  </a:solidFill>
+                  <a:latin typeface="Aptos" panose="020B0004020202020204" pitchFamily="34" charset="0"/>
+                  <a:ea typeface="+mn-ea"/>
+                  <a:cs typeface="Arial" panose="020B0604020202020204" pitchFamily="34" charset="0"/>
+                </a:rPr>
+                <a:t>mass spectrometers do not measure mass</a:t>
+              </a:r>
+              <a:endParaRPr lang="en-FI" sz="2400" b="1" dirty="0"/>
+            </a:p>
+          </p:txBody>
+        </p:sp>
+        <p:sp>
+          <p:nvSpPr>
+            <p:cNvPr id="6" name="Cross 5">
+              <a:extLst>
+                <a:ext uri="{FF2B5EF4-FFF2-40B4-BE49-F238E27FC236}">
+                  <a16:creationId xmlns:a16="http://schemas.microsoft.com/office/drawing/2014/main" id="{A71E6835-2B1F-8720-E5E3-2ECB38D04B7B}"/>
+                </a:ext>
+              </a:extLst>
+            </p:cNvPr>
+            <p:cNvSpPr/>
+            <p:nvPr/>
+          </p:nvSpPr>
+          <p:spPr>
+            <a:xfrm rot="18726898">
+              <a:off x="9480332" y="4736594"/>
+              <a:ext cx="1282262" cy="1198179"/>
+            </a:xfrm>
+            <a:prstGeom prst="plus">
+              <a:avLst>
+                <a:gd name="adj" fmla="val 40789"/>
+              </a:avLst>
+            </a:prstGeom>
+            <a:solidFill>
+              <a:srgbClr val="FF0000"/>
+            </a:solidFill>
+            <a:ln>
+              <a:solidFill>
+                <a:srgbClr val="FF0000"/>
+              </a:solidFill>
+            </a:ln>
+          </p:spPr>
+          <p:style>
+            <a:lnRef idx="2">
+              <a:schemeClr val="accent1">
+                <a:shade val="15000"/>
+              </a:schemeClr>
+            </a:lnRef>
+            <a:fillRef idx="1">
+              <a:schemeClr val="accent1"/>
+            </a:fillRef>
+            <a:effectRef idx="0">
+              <a:schemeClr val="accent1"/>
+            </a:effectRef>
+            <a:fontRef idx="minor">
+              <a:schemeClr val="lt1"/>
+            </a:fontRef>
+          </p:style>
+          <p:txBody>
+            <a:bodyPr rtlCol="0" anchor="ctr"/>
+            <a:lstStyle/>
+            <a:p>
+              <a:pPr algn="ctr"/>
+              <a:endParaRPr lang="en-FI"/>
+            </a:p>
+          </p:txBody>
+        </p:sp>
+      </p:grpSp>
+    </p:spTree>
+    <p:extLst>
+      <p:ext uri="{BB962C8B-B14F-4D97-AF65-F5344CB8AC3E}">
+        <p14:creationId xmlns:p14="http://schemas.microsoft.com/office/powerpoint/2010/main" val="4269604322"/>
+      </p:ext>
+    </p:extLst>
+  </p:cSld>
+  <p:clrMapOvr>
+    <a:masterClrMapping/>
+  </p:clrMapOvr>
+</p:sld>
+</file>
+
+<file path=ppt/slides/slide7.xml><?xml version="1.0" encoding="utf-8"?>
+<p:sld xmlns:a="http://schemas.openxmlformats.org/drawingml/2006/main" xmlns:r="http://schemas.openxmlformats.org/officeDocument/2006/relationships" xmlns:p="http://schemas.openxmlformats.org/presentationml/2006/main">
+  <p:cSld>
+    <p:spTree>
+      <p:nvGrpSpPr>
+        <p:cNvPr id="1" name=""/>
+        <p:cNvGrpSpPr/>
+        <p:nvPr/>
+      </p:nvGrpSpPr>
+      <p:grpSpPr>
+        <a:xfrm>
+          <a:off x="0" y="0"/>
+          <a:ext cx="0" cy="0"/>
+          <a:chOff x="0" y="0"/>
+          <a:chExt cx="0" cy="0"/>
+        </a:xfrm>
+      </p:grpSpPr>
+      <p:pic>
+        <p:nvPicPr>
+          <p:cNvPr id="4098" name="Picture 2" descr="Mass spectrometry - the early days | Feature | RSC Education">
+            <a:extLst>
+              <a:ext uri="{FF2B5EF4-FFF2-40B4-BE49-F238E27FC236}">
+                <a16:creationId xmlns:a16="http://schemas.microsoft.com/office/drawing/2014/main" id="{F3CE1578-2D1D-19E5-5AC6-D0A5C646B842}"/>
+              </a:ext>
+            </a:extLst>
+          </p:cNvPr>
+          <p:cNvPicPr>
+            <a:picLocks noChangeAspect="1" noChangeArrowheads="1"/>
+          </p:cNvPicPr>
+          <p:nvPr/>
+        </p:nvPicPr>
+        <p:blipFill>
+          <a:blip r:embed="rId2">
+            <a:extLst>
+              <a:ext uri="{28A0092B-C50C-407E-A947-70E740481C1C}">
+                <a14:useLocalDpi xmlns:a14="http://schemas.microsoft.com/office/drawing/2010/main" val="0"/>
+              </a:ext>
+            </a:extLst>
+          </a:blip>
+          <a:srcRect/>
+          <a:stretch>
+            <a:fillRect/>
+          </a:stretch>
+        </p:blipFill>
+        <p:spPr bwMode="auto">
+          <a:xfrm>
+            <a:off x="1076174" y="4719144"/>
+            <a:ext cx="3616421" cy="2138855"/>
+          </a:xfrm>
+          <a:prstGeom prst="rect">
+            <a:avLst/>
+          </a:prstGeom>
+          <a:noFill/>
+          <a:extLst>
+            <a:ext uri="{909E8E84-426E-40DD-AFC4-6F175D3DCCD1}">
+              <a14:hiddenFill xmlns:a14="http://schemas.microsoft.com/office/drawing/2010/main">
+                <a:solidFill>
+                  <a:srgbClr val="FFFFFF"/>
+                </a:solidFill>
+              </a14:hiddenFill>
+            </a:ext>
+          </a:extLst>
+        </p:spPr>
+      </p:pic>
+      <p:pic>
+        <p:nvPicPr>
+          <p:cNvPr id="4100" name="Picture 4" descr="J. J. Thomson's cathode ray experiment - Mono Mole">
+            <a:extLst>
+              <a:ext uri="{FF2B5EF4-FFF2-40B4-BE49-F238E27FC236}">
+                <a16:creationId xmlns:a16="http://schemas.microsoft.com/office/drawing/2014/main" id="{5A260748-25CB-1B4B-581C-83175443094E}"/>
+              </a:ext>
+            </a:extLst>
+          </p:cNvPr>
+          <p:cNvPicPr>
+            <a:picLocks noChangeAspect="1" noChangeArrowheads="1"/>
+          </p:cNvPicPr>
+          <p:nvPr/>
+        </p:nvPicPr>
+        <p:blipFill>
+          <a:blip r:embed="rId3">
+            <a:extLst>
+              <a:ext uri="{28A0092B-C50C-407E-A947-70E740481C1C}">
+                <a14:useLocalDpi xmlns:a14="http://schemas.microsoft.com/office/drawing/2010/main" val="0"/>
+              </a:ext>
+            </a:extLst>
+          </a:blip>
+          <a:srcRect/>
+          <a:stretch>
+            <a:fillRect/>
+          </a:stretch>
+        </p:blipFill>
+        <p:spPr bwMode="auto">
+          <a:xfrm>
+            <a:off x="1223319" y="356144"/>
+            <a:ext cx="10268465" cy="3639422"/>
+          </a:xfrm>
+          <a:prstGeom prst="rect">
+            <a:avLst/>
+          </a:prstGeom>
+          <a:noFill/>
+          <a:extLst>
+            <a:ext uri="{909E8E84-426E-40DD-AFC4-6F175D3DCCD1}">
+              <a14:hiddenFill xmlns:a14="http://schemas.microsoft.com/office/drawing/2010/main">
+                <a:solidFill>
+                  <a:srgbClr val="FFFFFF"/>
+                </a:solidFill>
+              </a14:hiddenFill>
+            </a:ext>
+          </a:extLst>
+        </p:spPr>
+      </p:pic>
+      <p:sp>
+        <p:nvSpPr>
+          <p:cNvPr id="5" name="TextBox 4">
+            <a:extLst>
+              <a:ext uri="{FF2B5EF4-FFF2-40B4-BE49-F238E27FC236}">
+                <a16:creationId xmlns:a16="http://schemas.microsoft.com/office/drawing/2014/main" id="{43854314-BC88-7D10-A842-219116D37EE1}"/>
+              </a:ext>
+            </a:extLst>
+          </p:cNvPr>
+          <p:cNvSpPr txBox="1"/>
+          <p:nvPr/>
+        </p:nvSpPr>
+        <p:spPr>
+          <a:xfrm>
+            <a:off x="6716109" y="6441422"/>
+            <a:ext cx="5864773" cy="307777"/>
+          </a:xfrm>
+          <a:prstGeom prst="rect">
+            <a:avLst/>
+          </a:prstGeom>
+          <a:noFill/>
+        </p:spPr>
+        <p:txBody>
+          <a:bodyPr wrap="square">
+            <a:spAutoFit/>
+          </a:bodyPr>
+          <a:lstStyle/>
+          <a:p>
+            <a:r>
+              <a:rPr lang="en-FI" sz="1400" dirty="0"/>
+              <a:t>https://monomole.com/mass-spectrometry-thomson-cathode-ray/</a:t>
+            </a:r>
+          </a:p>
+        </p:txBody>
+      </p:sp>
+      <p:sp>
+        <p:nvSpPr>
+          <p:cNvPr id="12" name="TextBox 11">
+            <a:extLst>
+              <a:ext uri="{FF2B5EF4-FFF2-40B4-BE49-F238E27FC236}">
+                <a16:creationId xmlns:a16="http://schemas.microsoft.com/office/drawing/2014/main" id="{BAEE3C07-54CC-A1F4-577D-A4601685CC33}"/>
+              </a:ext>
+            </a:extLst>
+          </p:cNvPr>
+          <p:cNvSpPr txBox="1"/>
+          <p:nvPr/>
+        </p:nvSpPr>
+        <p:spPr>
+          <a:xfrm>
+            <a:off x="0" y="0"/>
+            <a:ext cx="6290440" cy="369332"/>
+          </a:xfrm>
+          <a:prstGeom prst="rect">
+            <a:avLst/>
+          </a:prstGeom>
+          <a:noFill/>
+        </p:spPr>
+        <p:txBody>
+          <a:bodyPr wrap="square">
+            <a:spAutoFit/>
+          </a:bodyPr>
+          <a:lstStyle/>
+          <a:p>
+            <a:pPr>
+              <a:buNone/>
+            </a:pPr>
+            <a:r>
+              <a:rPr lang="en-FI" sz="1800" kern="100" dirty="0">
+                <a:effectLst/>
+                <a:latin typeface="Aptos" panose="020B0004020202020204" pitchFamily="34" charset="0"/>
+                <a:ea typeface="Aptos" panose="020B0004020202020204" pitchFamily="34" charset="0"/>
+                <a:cs typeface="Arial" panose="020B0604020202020204" pitchFamily="34" charset="0"/>
+              </a:rPr>
+              <a:t>invented by jj thompson in 1913</a:t>
+            </a:r>
+          </a:p>
+        </p:txBody>
+      </p:sp>
+      <p:sp>
+        <p:nvSpPr>
+          <p:cNvPr id="14" name="TextBox 13">
+            <a:extLst>
+              <a:ext uri="{FF2B5EF4-FFF2-40B4-BE49-F238E27FC236}">
+                <a16:creationId xmlns:a16="http://schemas.microsoft.com/office/drawing/2014/main" id="{D8F1F118-AF54-C74F-F75D-CCDA2D4C2025}"/>
+              </a:ext>
+            </a:extLst>
+          </p:cNvPr>
+          <p:cNvSpPr txBox="1"/>
+          <p:nvPr/>
+        </p:nvSpPr>
+        <p:spPr>
+          <a:xfrm>
+            <a:off x="7499132" y="2972360"/>
+            <a:ext cx="1466193" cy="923330"/>
+          </a:xfrm>
+          <a:prstGeom prst="rect">
+            <a:avLst/>
+          </a:prstGeom>
+          <a:noFill/>
+        </p:spPr>
+        <p:txBody>
+          <a:bodyPr wrap="square">
+            <a:spAutoFit/>
+          </a:bodyPr>
+          <a:lstStyle/>
+          <a:p>
+            <a:pPr>
+              <a:buNone/>
+            </a:pPr>
+            <a:r>
+              <a:rPr lang="en-FI" sz="1800" kern="100" dirty="0">
+                <a:effectLst/>
+                <a:latin typeface="Aptos" panose="020B0004020202020204" pitchFamily="34" charset="0"/>
+                <a:ea typeface="Aptos" panose="020B0004020202020204" pitchFamily="34" charset="0"/>
+                <a:cs typeface="Arial" panose="020B0604020202020204" pitchFamily="34" charset="0"/>
+              </a:rPr>
+              <a:t>evacuated tube filled with gas </a:t>
+            </a:r>
+          </a:p>
+        </p:txBody>
+      </p:sp>
+      <p:sp>
+        <p:nvSpPr>
+          <p:cNvPr id="16" name="TextBox 15">
+            <a:extLst>
+              <a:ext uri="{FF2B5EF4-FFF2-40B4-BE49-F238E27FC236}">
+                <a16:creationId xmlns:a16="http://schemas.microsoft.com/office/drawing/2014/main" id="{38202A60-BD96-DBC7-7BD6-F583A8F9A25C}"/>
+              </a:ext>
+            </a:extLst>
+          </p:cNvPr>
+          <p:cNvSpPr txBox="1"/>
+          <p:nvPr/>
+        </p:nvSpPr>
+        <p:spPr>
+          <a:xfrm>
+            <a:off x="122999" y="1092910"/>
+            <a:ext cx="2200639" cy="923330"/>
+          </a:xfrm>
+          <a:prstGeom prst="rect">
+            <a:avLst/>
+          </a:prstGeom>
+          <a:noFill/>
+        </p:spPr>
+        <p:txBody>
+          <a:bodyPr wrap="square">
+            <a:spAutoFit/>
+          </a:bodyPr>
+          <a:lstStyle/>
+          <a:p>
+            <a:pPr>
+              <a:buNone/>
+            </a:pPr>
+            <a:r>
+              <a:rPr lang="en-FI" sz="1800" kern="100" dirty="0">
+                <a:effectLst/>
+                <a:latin typeface="Aptos" panose="020B0004020202020204" pitchFamily="34" charset="0"/>
+                <a:ea typeface="Aptos" panose="020B0004020202020204" pitchFamily="34" charset="0"/>
+                <a:cs typeface="Arial" panose="020B0604020202020204" pitchFamily="34" charset="0"/>
+              </a:rPr>
+              <a:t>Cathode with voltage </a:t>
+            </a:r>
+            <a:r>
+              <a:rPr lang="en-FI" kern="100" dirty="0">
+                <a:latin typeface="Aptos" panose="020B0004020202020204" pitchFamily="34" charset="0"/>
+                <a:ea typeface="Aptos" panose="020B0004020202020204" pitchFamily="34" charset="0"/>
+                <a:cs typeface="Arial" panose="020B0604020202020204" pitchFamily="34" charset="0"/>
+              </a:rPr>
+              <a:t> </a:t>
+            </a:r>
+            <a:r>
+              <a:rPr lang="en-FI" sz="1800" kern="100" dirty="0">
+                <a:effectLst/>
+                <a:latin typeface="Aptos" panose="020B0004020202020204" pitchFamily="34" charset="0"/>
+                <a:ea typeface="Aptos" panose="020B0004020202020204" pitchFamily="34" charset="0"/>
+                <a:cs typeface="Arial" panose="020B0604020202020204" pitchFamily="34" charset="0"/>
+              </a:rPr>
+              <a:t>applied to it</a:t>
+            </a:r>
+          </a:p>
+          <a:p>
+            <a:pPr>
+              <a:buNone/>
+            </a:pPr>
+            <a:r>
+              <a:rPr lang="en-FI" sz="1800" kern="100" dirty="0">
+                <a:effectLst/>
+                <a:latin typeface="Aptos" panose="020B0004020202020204" pitchFamily="34" charset="0"/>
+                <a:ea typeface="Aptos" panose="020B0004020202020204" pitchFamily="34" charset="0"/>
+                <a:cs typeface="Arial" panose="020B0604020202020204" pitchFamily="34" charset="0"/>
+              </a:rPr>
+              <a:t>(ion</a:t>
+            </a:r>
+            <a:r>
+              <a:rPr lang="en-FI" kern="100" dirty="0">
+                <a:latin typeface="Aptos" panose="020B0004020202020204" pitchFamily="34" charset="0"/>
+                <a:ea typeface="Aptos" panose="020B0004020202020204" pitchFamily="34" charset="0"/>
+                <a:cs typeface="Arial" panose="020B0604020202020204" pitchFamily="34" charset="0"/>
+              </a:rPr>
+              <a:t> </a:t>
+            </a:r>
+            <a:r>
+              <a:rPr lang="en-GB" sz="1800" kern="100" dirty="0">
+                <a:effectLst/>
+                <a:latin typeface="Aptos" panose="020B0004020202020204" pitchFamily="34" charset="0"/>
+                <a:ea typeface="Aptos" panose="020B0004020202020204" pitchFamily="34" charset="0"/>
+                <a:cs typeface="Arial" panose="020B0604020202020204" pitchFamily="34" charset="0"/>
+              </a:rPr>
+              <a:t>S</a:t>
+            </a:r>
+            <a:r>
+              <a:rPr lang="en-FI" sz="1800" kern="100" dirty="0">
+                <a:effectLst/>
+                <a:latin typeface="Aptos" panose="020B0004020202020204" pitchFamily="34" charset="0"/>
+                <a:ea typeface="Aptos" panose="020B0004020202020204" pitchFamily="34" charset="0"/>
+                <a:cs typeface="Arial" panose="020B0604020202020204" pitchFamily="34" charset="0"/>
+              </a:rPr>
+              <a:t>ource)</a:t>
+            </a:r>
+            <a:endParaRPr lang="en-FI" dirty="0"/>
+          </a:p>
+        </p:txBody>
+      </p:sp>
+      <p:sp>
+        <p:nvSpPr>
+          <p:cNvPr id="18" name="TextBox 17">
+            <a:extLst>
+              <a:ext uri="{FF2B5EF4-FFF2-40B4-BE49-F238E27FC236}">
+                <a16:creationId xmlns:a16="http://schemas.microsoft.com/office/drawing/2014/main" id="{6F84F72F-D125-1110-BC25-DFF1420D784B}"/>
+              </a:ext>
+            </a:extLst>
+          </p:cNvPr>
+          <p:cNvSpPr txBox="1"/>
+          <p:nvPr/>
+        </p:nvSpPr>
+        <p:spPr>
+          <a:xfrm>
+            <a:off x="4997669" y="2112795"/>
+            <a:ext cx="793531" cy="369332"/>
+          </a:xfrm>
+          <a:prstGeom prst="rect">
+            <a:avLst/>
+          </a:prstGeom>
+          <a:noFill/>
+        </p:spPr>
+        <p:txBody>
+          <a:bodyPr wrap="square">
+            <a:spAutoFit/>
+          </a:bodyPr>
+          <a:lstStyle/>
+          <a:p>
+            <a:r>
+              <a:rPr lang="en-FI" sz="1800" kern="100" dirty="0">
+                <a:effectLst/>
+                <a:latin typeface="Aptos" panose="020B0004020202020204" pitchFamily="34" charset="0"/>
+                <a:ea typeface="Aptos" panose="020B0004020202020204" pitchFamily="34" charset="0"/>
+                <a:cs typeface="Arial" panose="020B0604020202020204" pitchFamily="34" charset="0"/>
+              </a:rPr>
+              <a:t>beam</a:t>
+            </a:r>
+            <a:endParaRPr lang="en-FI" dirty="0"/>
+          </a:p>
+        </p:txBody>
+      </p:sp>
+      <p:sp>
+        <p:nvSpPr>
+          <p:cNvPr id="20" name="TextBox 19">
+            <a:extLst>
+              <a:ext uri="{FF2B5EF4-FFF2-40B4-BE49-F238E27FC236}">
+                <a16:creationId xmlns:a16="http://schemas.microsoft.com/office/drawing/2014/main" id="{EDB03113-47C8-505C-43F9-D832D457699F}"/>
+              </a:ext>
+            </a:extLst>
+          </p:cNvPr>
+          <p:cNvSpPr txBox="1"/>
+          <p:nvPr/>
+        </p:nvSpPr>
+        <p:spPr>
+          <a:xfrm>
+            <a:off x="3139965" y="2972360"/>
+            <a:ext cx="2107324" cy="923330"/>
+          </a:xfrm>
+          <a:prstGeom prst="rect">
+            <a:avLst/>
+          </a:prstGeom>
+          <a:noFill/>
+        </p:spPr>
+        <p:txBody>
+          <a:bodyPr wrap="square">
+            <a:spAutoFit/>
+          </a:bodyPr>
+          <a:lstStyle/>
+          <a:p>
+            <a:pPr>
+              <a:buNone/>
+            </a:pPr>
+            <a:endParaRPr lang="en-FI" sz="1800" kern="100" dirty="0">
+              <a:effectLst/>
+              <a:latin typeface="Aptos" panose="020B0004020202020204" pitchFamily="34" charset="0"/>
+              <a:ea typeface="Aptos" panose="020B0004020202020204" pitchFamily="34" charset="0"/>
+              <a:cs typeface="Arial" panose="020B0604020202020204" pitchFamily="34" charset="0"/>
+            </a:endParaRPr>
+          </a:p>
+          <a:p>
+            <a:pPr>
+              <a:buNone/>
+            </a:pPr>
+            <a:r>
+              <a:rPr lang="en-GB" sz="1800" kern="100" dirty="0">
+                <a:effectLst/>
+                <a:latin typeface="Aptos" panose="020B0004020202020204" pitchFamily="34" charset="0"/>
+                <a:ea typeface="Aptos" panose="020B0004020202020204" pitchFamily="34" charset="0"/>
+                <a:cs typeface="Arial" panose="020B0604020202020204" pitchFamily="34" charset="0"/>
+              </a:rPr>
+              <a:t>C</a:t>
+            </a:r>
+            <a:r>
+              <a:rPr lang="en-FI" sz="1800" kern="100" dirty="0">
+                <a:effectLst/>
+                <a:latin typeface="Aptos" panose="020B0004020202020204" pitchFamily="34" charset="0"/>
+                <a:ea typeface="Aptos" panose="020B0004020202020204" pitchFamily="34" charset="0"/>
+                <a:cs typeface="Arial" panose="020B0604020202020204" pitchFamily="34" charset="0"/>
+              </a:rPr>
+              <a:t>ollimated beam</a:t>
+            </a:r>
+          </a:p>
+          <a:p>
+            <a:pPr>
+              <a:buNone/>
+            </a:pPr>
+            <a:r>
+              <a:rPr lang="en-FI" sz="1800" kern="100" dirty="0">
+                <a:effectLst/>
+                <a:latin typeface="Aptos" panose="020B0004020202020204" pitchFamily="34" charset="0"/>
+                <a:ea typeface="Aptos" panose="020B0004020202020204" pitchFamily="34" charset="0"/>
+                <a:cs typeface="Arial" panose="020B0604020202020204" pitchFamily="34" charset="0"/>
+              </a:rPr>
+              <a:t>slits</a:t>
+            </a:r>
+          </a:p>
+        </p:txBody>
+      </p:sp>
+      <p:sp>
+        <p:nvSpPr>
+          <p:cNvPr id="22" name="TextBox 21">
+            <a:extLst>
+              <a:ext uri="{FF2B5EF4-FFF2-40B4-BE49-F238E27FC236}">
+                <a16:creationId xmlns:a16="http://schemas.microsoft.com/office/drawing/2014/main" id="{E4961E95-35E7-2DF5-4408-ADC2A45172B2}"/>
+              </a:ext>
+            </a:extLst>
+          </p:cNvPr>
+          <p:cNvSpPr txBox="1"/>
+          <p:nvPr/>
+        </p:nvSpPr>
+        <p:spPr>
+          <a:xfrm>
+            <a:off x="5628290" y="4345680"/>
+            <a:ext cx="4939861" cy="923330"/>
+          </a:xfrm>
+          <a:prstGeom prst="rect">
+            <a:avLst/>
+          </a:prstGeom>
+          <a:noFill/>
+        </p:spPr>
+        <p:txBody>
+          <a:bodyPr wrap="square">
+            <a:spAutoFit/>
+          </a:bodyPr>
+          <a:lstStyle/>
+          <a:p>
+            <a:pPr>
+              <a:buNone/>
+            </a:pPr>
+            <a:r>
+              <a:rPr lang="en-FI" sz="1800" kern="100" dirty="0">
+                <a:effectLst/>
+                <a:latin typeface="Aptos" panose="020B0004020202020204" pitchFamily="34" charset="0"/>
+                <a:ea typeface="Aptos" panose="020B0004020202020204" pitchFamily="34" charset="0"/>
+                <a:cs typeface="Arial" panose="020B0604020202020204" pitchFamily="34" charset="0"/>
+              </a:rPr>
+              <a:t>Two mass filters</a:t>
+            </a:r>
+          </a:p>
+          <a:p>
+            <a:pPr>
+              <a:buNone/>
+            </a:pPr>
+            <a:r>
+              <a:rPr lang="en-FI" sz="1800" kern="100" dirty="0">
+                <a:effectLst/>
+                <a:latin typeface="Aptos" panose="020B0004020202020204" pitchFamily="34" charset="0"/>
+                <a:ea typeface="Aptos" panose="020B0004020202020204" pitchFamily="34" charset="0"/>
+                <a:cs typeface="Arial" panose="020B0604020202020204" pitchFamily="34" charset="0"/>
+              </a:rPr>
+              <a:t>- magnetic coils -&gt; magnetic field</a:t>
+            </a:r>
+          </a:p>
+          <a:p>
+            <a:pPr>
+              <a:buNone/>
+            </a:pPr>
+            <a:r>
+              <a:rPr lang="en-FI" sz="1800" kern="100" dirty="0">
+                <a:effectLst/>
+                <a:latin typeface="Aptos" panose="020B0004020202020204" pitchFamily="34" charset="0"/>
+                <a:ea typeface="Aptos" panose="020B0004020202020204" pitchFamily="34" charset="0"/>
+                <a:cs typeface="Arial" panose="020B0604020202020204" pitchFamily="34" charset="0"/>
+              </a:rPr>
+              <a:t>- electrical diffraction plates -&gt; electrical field </a:t>
+            </a:r>
+            <a:endParaRPr lang="en-FI" dirty="0"/>
+          </a:p>
+        </p:txBody>
+      </p:sp>
+      <p:sp>
+        <p:nvSpPr>
+          <p:cNvPr id="24" name="TextBox 23">
+            <a:extLst>
+              <a:ext uri="{FF2B5EF4-FFF2-40B4-BE49-F238E27FC236}">
+                <a16:creationId xmlns:a16="http://schemas.microsoft.com/office/drawing/2014/main" id="{9AE71B6C-C48D-2524-9FED-DBA9504625D5}"/>
+              </a:ext>
+            </a:extLst>
+          </p:cNvPr>
+          <p:cNvSpPr txBox="1"/>
+          <p:nvPr/>
+        </p:nvSpPr>
+        <p:spPr>
+          <a:xfrm>
+            <a:off x="8697310" y="1991189"/>
+            <a:ext cx="730469" cy="369332"/>
+          </a:xfrm>
+          <a:prstGeom prst="rect">
+            <a:avLst/>
+          </a:prstGeom>
+          <a:noFill/>
+        </p:spPr>
+        <p:txBody>
+          <a:bodyPr wrap="square">
+            <a:spAutoFit/>
+          </a:bodyPr>
+          <a:lstStyle/>
+          <a:p>
+            <a:r>
+              <a:rPr lang="en-FI" sz="1800" kern="100" dirty="0">
+                <a:effectLst/>
+                <a:latin typeface="Aptos" panose="020B0004020202020204" pitchFamily="34" charset="0"/>
+                <a:ea typeface="Aptos" panose="020B0004020202020204" pitchFamily="34" charset="0"/>
+                <a:cs typeface="Arial" panose="020B0604020202020204" pitchFamily="34" charset="0"/>
+              </a:rPr>
+              <a:t>bent</a:t>
+            </a:r>
+            <a:endParaRPr lang="en-FI" dirty="0"/>
+          </a:p>
+        </p:txBody>
+      </p:sp>
+      <p:sp>
+        <p:nvSpPr>
+          <p:cNvPr id="26" name="TextBox 25">
+            <a:extLst>
+              <a:ext uri="{FF2B5EF4-FFF2-40B4-BE49-F238E27FC236}">
+                <a16:creationId xmlns:a16="http://schemas.microsoft.com/office/drawing/2014/main" id="{5E0593B0-1029-1217-9E01-D0C0FDAB193C}"/>
+              </a:ext>
+            </a:extLst>
+          </p:cNvPr>
+          <p:cNvSpPr txBox="1"/>
+          <p:nvPr/>
+        </p:nvSpPr>
+        <p:spPr>
+          <a:xfrm>
+            <a:off x="5628290" y="5345101"/>
+            <a:ext cx="7854992" cy="646331"/>
+          </a:xfrm>
+          <a:prstGeom prst="rect">
+            <a:avLst/>
+          </a:prstGeom>
+          <a:noFill/>
+        </p:spPr>
+        <p:txBody>
+          <a:bodyPr wrap="square">
+            <a:spAutoFit/>
+          </a:bodyPr>
+          <a:lstStyle/>
+          <a:p>
+            <a:pPr>
+              <a:buNone/>
+            </a:pPr>
+            <a:r>
+              <a:rPr lang="en-FI" sz="1800" kern="100" dirty="0">
+                <a:effectLst/>
+                <a:latin typeface="Aptos" panose="020B0004020202020204" pitchFamily="34" charset="0"/>
+                <a:ea typeface="Aptos" panose="020B0004020202020204" pitchFamily="34" charset="0"/>
+                <a:cs typeface="Arial" panose="020B0604020202020204" pitchFamily="34" charset="0"/>
+              </a:rPr>
+              <a:t>detector -&gt;</a:t>
+            </a:r>
+            <a:r>
+              <a:rPr lang="en-FI" sz="1800" kern="100" dirty="0">
+                <a:latin typeface="Aptos" panose="020B0004020202020204" pitchFamily="34" charset="0"/>
+                <a:ea typeface="Aptos" panose="020B0004020202020204" pitchFamily="34" charset="0"/>
+                <a:cs typeface="Arial" panose="020B0604020202020204" pitchFamily="34" charset="0"/>
+              </a:rPr>
+              <a:t> </a:t>
+            </a:r>
+            <a:r>
+              <a:rPr lang="en-FI" sz="1800" kern="100" dirty="0">
+                <a:effectLst/>
+                <a:latin typeface="Aptos" panose="020B0004020202020204" pitchFamily="34" charset="0"/>
+                <a:ea typeface="Aptos" panose="020B0004020202020204" pitchFamily="34" charset="0"/>
+                <a:cs typeface="Arial" panose="020B0604020202020204" pitchFamily="34" charset="0"/>
+              </a:rPr>
+              <a:t>fluorescent coating</a:t>
+            </a:r>
+          </a:p>
+          <a:p>
+            <a:pPr>
+              <a:buNone/>
+            </a:pPr>
+            <a:r>
+              <a:rPr lang="en-FI" sz="1800" kern="100" dirty="0">
+                <a:effectLst/>
+                <a:latin typeface="Aptos" panose="020B0004020202020204" pitchFamily="34" charset="0"/>
+                <a:ea typeface="Aptos" panose="020B0004020202020204" pitchFamily="34" charset="0"/>
+                <a:cs typeface="Arial" panose="020B0604020202020204" pitchFamily="34" charset="0"/>
+              </a:rPr>
+              <a:t>it will fluoresce when charged particle beam hits</a:t>
+            </a:r>
+          </a:p>
+        </p:txBody>
+      </p:sp>
+      <p:sp>
+        <p:nvSpPr>
+          <p:cNvPr id="28" name="TextBox 27">
+            <a:extLst>
+              <a:ext uri="{FF2B5EF4-FFF2-40B4-BE49-F238E27FC236}">
+                <a16:creationId xmlns:a16="http://schemas.microsoft.com/office/drawing/2014/main" id="{D3305524-8746-8DB8-CEEB-10E7210867EC}"/>
+              </a:ext>
+            </a:extLst>
+          </p:cNvPr>
+          <p:cNvSpPr txBox="1"/>
+          <p:nvPr/>
+        </p:nvSpPr>
+        <p:spPr>
+          <a:xfrm>
+            <a:off x="5628290" y="6031761"/>
+            <a:ext cx="6768662" cy="369332"/>
+          </a:xfrm>
+          <a:prstGeom prst="rect">
+            <a:avLst/>
+          </a:prstGeom>
+          <a:noFill/>
+        </p:spPr>
+        <p:txBody>
+          <a:bodyPr wrap="square">
+            <a:spAutoFit/>
+          </a:bodyPr>
+          <a:lstStyle/>
+          <a:p>
+            <a:r>
+              <a:rPr lang="en-FI" sz="1800" kern="100" dirty="0">
+                <a:effectLst/>
+                <a:latin typeface="Aptos" panose="020B0004020202020204" pitchFamily="34" charset="0"/>
+                <a:ea typeface="Aptos" panose="020B0004020202020204" pitchFamily="34" charset="0"/>
+                <a:cs typeface="Arial" panose="020B0604020202020204" pitchFamily="34" charset="0"/>
+              </a:rPr>
+              <a:t>He was able to separate different Neon isotope</a:t>
+            </a:r>
+            <a:endParaRPr lang="en-FI" dirty="0"/>
+          </a:p>
+        </p:txBody>
+      </p:sp>
+    </p:spTree>
+    <p:extLst>
+      <p:ext uri="{BB962C8B-B14F-4D97-AF65-F5344CB8AC3E}">
+        <p14:creationId xmlns:p14="http://schemas.microsoft.com/office/powerpoint/2010/main" val="3316317276"/>
+      </p:ext>
+    </p:extLst>
+  </p:cSld>
+  <p:clrMapOvr>
+    <a:masterClrMapping/>
+  </p:clrMapOvr>
+</p:sld>
+</file>
+
+<file path=ppt/slides/slide8.xml><?xml version="1.0" encoding="utf-8"?>
+<p:sld xmlns:a="http://schemas.openxmlformats.org/drawingml/2006/main" xmlns:r="http://schemas.openxmlformats.org/officeDocument/2006/relationships" xmlns:p="http://schemas.openxmlformats.org/presentationml/2006/main">
+  <p:cSld>
+    <p:bg>
+      <p:bgPr>
+        <a:solidFill>
+          <a:schemeClr val="bg1"/>
+        </a:solidFill>
+        <a:effectLst/>
+      </p:bgPr>
+    </p:bg>
+    <p:spTree>
+      <p:nvGrpSpPr>
+        <p:cNvPr id="1" name=""/>
+        <p:cNvGrpSpPr/>
+        <p:nvPr/>
+      </p:nvGrpSpPr>
+      <p:grpSpPr>
+        <a:xfrm>
+          <a:off x="0" y="0"/>
+          <a:ext cx="0" cy="0"/>
+          <a:chOff x="0" y="0"/>
+          <a:chExt cx="0" cy="0"/>
+        </a:xfrm>
+      </p:grpSpPr>
+      <p:sp>
+        <p:nvSpPr>
+          <p:cNvPr id="6151" name="Rectangle 6150">
+            <a:extLst>
+              <a:ext uri="{FF2B5EF4-FFF2-40B4-BE49-F238E27FC236}">
+                <a16:creationId xmlns:a16="http://schemas.microsoft.com/office/drawing/2014/main" id="{F3060C83-F051-4F0E-ABAD-AA0DFC48B218}"/>
+              </a:ext>
+              <a:ext uri="{C183D7F6-B498-43B3-948B-1728B52AA6E4}">
+                <adec:decorative xmlns:adec="http://schemas.microsoft.com/office/drawing/2017/decorative" val="1"/>
+              </a:ext>
+            </a:extLst>
+          </p:cNvPr>
+          <p:cNvSpPr>
+            <a:spLocks noGrp="1" noRot="1" noChangeAspect="1" noMove="1" noResize="1" noEditPoints="1" noAdjustHandles="1" noChangeArrowheads="1" noChangeShapeType="1" noTextEdit="1"/>
+          </p:cNvSpPr>
+          <p:nvPr>
+            <p:extLst>
+              <p:ext uri="{386F3935-93C4-4BCD-93E2-E3B085C9AB24}">
+                <p16:designElem xmlns:p16="http://schemas.microsoft.com/office/powerpoint/2015/main" val="1"/>
+              </p:ext>
+            </p:extLst>
+          </p:nvPr>
+        </p:nvSpPr>
+        <p:spPr>
+          <a:xfrm>
+            <a:off x="0" y="0"/>
+            <a:ext cx="12192000" cy="6858000"/>
+          </a:xfrm>
+          <a:prstGeom prst="rect">
+            <a:avLst/>
+          </a:prstGeom>
+          <a:solidFill>
+            <a:schemeClr val="bg1"/>
+          </a:solidFill>
+          <a:ln>
+            <a:noFill/>
+          </a:ln>
+        </p:spPr>
+        <p:style>
+          <a:lnRef idx="2">
+            <a:schemeClr val="accent1">
+              <a:shade val="50000"/>
+            </a:schemeClr>
+          </a:lnRef>
+          <a:fillRef idx="1">
+            <a:schemeClr val="accent1"/>
+          </a:fillRef>
+          <a:effectRef idx="0">
+            <a:schemeClr val="accent1"/>
+          </a:effectRef>
+          <a:fontRef idx="minor">
+            <a:schemeClr val="lt1"/>
+          </a:fontRef>
+        </p:style>
+        <p:txBody>
+          <a:bodyPr rtlCol="0" anchor="ctr"/>
+          <a:lstStyle/>
+          <a:p>
+            <a:pPr algn="ctr"/>
+            <a:endParaRPr lang="en-US" dirty="0"/>
+          </a:p>
+        </p:txBody>
+      </p:sp>
+      <p:sp>
+        <p:nvSpPr>
+          <p:cNvPr id="6153" name="Freeform: Shape 6152">
+            <a:extLst>
+              <a:ext uri="{FF2B5EF4-FFF2-40B4-BE49-F238E27FC236}">
+                <a16:creationId xmlns:a16="http://schemas.microsoft.com/office/drawing/2014/main" id="{83C98ABE-055B-441F-B07E-44F97F083C39}"/>
+              </a:ext>
+              <a:ext uri="{C183D7F6-B498-43B3-948B-1728B52AA6E4}">
+                <adec:decorative xmlns:adec="http://schemas.microsoft.com/office/drawing/2017/decorative" val="1"/>
+              </a:ext>
+            </a:extLst>
+          </p:cNvPr>
+          <p:cNvSpPr>
+            <a:spLocks noGrp="1" noRot="1" noChangeAspect="1" noMove="1" noResize="1" noEditPoints="1" noAdjustHandles="1" noChangeArrowheads="1" noChangeShapeType="1" noTextEdit="1"/>
+          </p:cNvSpPr>
+          <p:nvPr>
+            <p:extLst>
+              <p:ext uri="{386F3935-93C4-4BCD-93E2-E3B085C9AB24}">
+                <p16:designElem xmlns:p16="http://schemas.microsoft.com/office/powerpoint/2015/main" val="1"/>
+              </p:ext>
+            </p:extLst>
+          </p:nvPr>
+        </p:nvSpPr>
+        <p:spPr>
+          <a:xfrm rot="18900000" flipH="1">
+            <a:off x="-376156" y="-253670"/>
+            <a:ext cx="1827638" cy="1376989"/>
+          </a:xfrm>
+          <a:custGeom>
+            <a:avLst/>
+            <a:gdLst>
+              <a:gd name="connsiteX0" fmla="*/ 0 w 1827638"/>
+              <a:gd name="connsiteY0" fmla="*/ 987379 h 1376989"/>
+              <a:gd name="connsiteX1" fmla="*/ 987379 w 1827638"/>
+              <a:gd name="connsiteY1" fmla="*/ 0 h 1376989"/>
+              <a:gd name="connsiteX2" fmla="*/ 1827638 w 1827638"/>
+              <a:gd name="connsiteY2" fmla="*/ 840260 h 1376989"/>
+              <a:gd name="connsiteX3" fmla="*/ 1827638 w 1827638"/>
+              <a:gd name="connsiteY3" fmla="*/ 1376989 h 1376989"/>
+              <a:gd name="connsiteX4" fmla="*/ 0 w 1827638"/>
+              <a:gd name="connsiteY4" fmla="*/ 1376989 h 1376989"/>
+            </a:gdLst>
+            <a:ahLst/>
+            <a:cxnLst>
+              <a:cxn ang="0">
+                <a:pos x="connsiteX0" y="connsiteY0"/>
+              </a:cxn>
+              <a:cxn ang="0">
+                <a:pos x="connsiteX1" y="connsiteY1"/>
+              </a:cxn>
+              <a:cxn ang="0">
+                <a:pos x="connsiteX2" y="connsiteY2"/>
+              </a:cxn>
+              <a:cxn ang="0">
+                <a:pos x="connsiteX3" y="connsiteY3"/>
+              </a:cxn>
+              <a:cxn ang="0">
+                <a:pos x="connsiteX4" y="connsiteY4"/>
+              </a:cxn>
+            </a:cxnLst>
+            <a:rect l="l" t="t" r="r" b="b"/>
+            <a:pathLst>
+              <a:path w="1827638" h="1376989">
+                <a:moveTo>
+                  <a:pt x="0" y="987379"/>
+                </a:moveTo>
+                <a:lnTo>
+                  <a:pt x="987379" y="0"/>
+                </a:lnTo>
+                <a:lnTo>
+                  <a:pt x="1827638" y="840260"/>
+                </a:lnTo>
+                <a:lnTo>
+                  <a:pt x="1827638" y="1376989"/>
+                </a:lnTo>
+                <a:lnTo>
+                  <a:pt x="0" y="1376989"/>
+                </a:lnTo>
+                <a:close/>
+              </a:path>
+            </a:pathLst>
+          </a:custGeom>
+          <a:solidFill>
+            <a:schemeClr val="accent1">
+              <a:alpha val="30000"/>
+            </a:schemeClr>
+          </a:solidFill>
+          <a:ln>
+            <a:noFill/>
+          </a:ln>
+        </p:spPr>
+        <p:style>
+          <a:lnRef idx="2">
+            <a:schemeClr val="accent1">
+              <a:shade val="50000"/>
+            </a:schemeClr>
+          </a:lnRef>
+          <a:fillRef idx="1">
+            <a:schemeClr val="accent1"/>
+          </a:fillRef>
+          <a:effectRef idx="0">
+            <a:schemeClr val="accent1"/>
+          </a:effectRef>
+          <a:fontRef idx="minor">
+            <a:schemeClr val="lt1"/>
+          </a:fontRef>
+        </p:style>
+        <p:txBody>
+          <a:bodyPr rtlCol="0" anchor="ctr"/>
+          <a:lstStyle/>
+          <a:p>
+            <a:pPr algn="ctr"/>
+            <a:endParaRPr lang="en-US" dirty="0"/>
+          </a:p>
+        </p:txBody>
+      </p:sp>
+      <p:sp>
+        <p:nvSpPr>
+          <p:cNvPr id="6155" name="Rectangle 6154">
+            <a:extLst>
+              <a:ext uri="{FF2B5EF4-FFF2-40B4-BE49-F238E27FC236}">
+                <a16:creationId xmlns:a16="http://schemas.microsoft.com/office/drawing/2014/main" id="{29FDB030-9B49-4CED-8CCD-4D99382388AC}"/>
+              </a:ext>
+              <a:ext uri="{C183D7F6-B498-43B3-948B-1728B52AA6E4}">
+                <adec:decorative xmlns:adec="http://schemas.microsoft.com/office/drawing/2017/decorative" val="1"/>
+              </a:ext>
+            </a:extLst>
+          </p:cNvPr>
+          <p:cNvSpPr>
+            <a:spLocks noGrp="1" noRot="1" noChangeAspect="1" noMove="1" noResize="1" noEditPoints="1" noAdjustHandles="1" noChangeArrowheads="1" noChangeShapeType="1" noTextEdit="1"/>
+          </p:cNvSpPr>
+          <p:nvPr>
+            <p:extLst>
+              <p:ext uri="{386F3935-93C4-4BCD-93E2-E3B085C9AB24}">
+                <p16:designElem xmlns:p16="http://schemas.microsoft.com/office/powerpoint/2015/main" val="1"/>
+              </p:ext>
+            </p:extLst>
+          </p:nvPr>
+        </p:nvSpPr>
+        <p:spPr>
+          <a:xfrm rot="18900000" flipH="1">
+            <a:off x="891641" y="422146"/>
+            <a:ext cx="645368" cy="645368"/>
+          </a:xfrm>
+          <a:prstGeom prst="rect">
+            <a:avLst/>
+          </a:prstGeom>
+          <a:solidFill>
+            <a:schemeClr val="accent1">
+              <a:alpha val="30000"/>
+            </a:schemeClr>
+          </a:solidFill>
+          <a:ln>
+            <a:noFill/>
+          </a:ln>
+        </p:spPr>
+        <p:style>
+          <a:lnRef idx="2">
+            <a:schemeClr val="accent1">
+              <a:shade val="50000"/>
+            </a:schemeClr>
+          </a:lnRef>
+          <a:fillRef idx="1">
+            <a:schemeClr val="accent1"/>
+          </a:fillRef>
+          <a:effectRef idx="0">
+            <a:schemeClr val="accent1"/>
+          </a:effectRef>
+          <a:fontRef idx="minor">
+            <a:schemeClr val="lt1"/>
+          </a:fontRef>
+        </p:style>
+        <p:txBody>
+          <a:bodyPr rtlCol="0" anchor="ctr"/>
+          <a:lstStyle/>
+          <a:p>
+            <a:pPr algn="ctr"/>
+            <a:endParaRPr lang="en-US"/>
+          </a:p>
+        </p:txBody>
+      </p:sp>
+      <p:sp>
+        <p:nvSpPr>
+          <p:cNvPr id="6157" name="Rectangle 6156">
+            <a:extLst>
+              <a:ext uri="{FF2B5EF4-FFF2-40B4-BE49-F238E27FC236}">
+                <a16:creationId xmlns:a16="http://schemas.microsoft.com/office/drawing/2014/main" id="{3783CA14-24A1-485C-8B30-D6A5D87987AD}"/>
+              </a:ext>
+              <a:ext uri="{C183D7F6-B498-43B3-948B-1728B52AA6E4}">
+                <adec:decorative xmlns:adec="http://schemas.microsoft.com/office/drawing/2017/decorative" val="1"/>
+              </a:ext>
+            </a:extLst>
+          </p:cNvPr>
+          <p:cNvSpPr>
+            <a:spLocks noGrp="1" noRot="1" noChangeAspect="1" noMove="1" noResize="1" noEditPoints="1" noAdjustHandles="1" noChangeArrowheads="1" noChangeShapeType="1" noTextEdit="1"/>
+          </p:cNvSpPr>
+          <p:nvPr>
+            <p:extLst>
+              <p:ext uri="{386F3935-93C4-4BCD-93E2-E3B085C9AB24}">
+                <p16:designElem xmlns:p16="http://schemas.microsoft.com/office/powerpoint/2015/main" val="1"/>
+              </p:ext>
+            </p:extLst>
+          </p:nvPr>
+        </p:nvSpPr>
+        <p:spPr>
+          <a:xfrm rot="18900000" flipH="1">
+            <a:off x="10043482" y="655140"/>
+            <a:ext cx="687472" cy="687472"/>
+          </a:xfrm>
+          <a:prstGeom prst="rect">
+            <a:avLst/>
+          </a:prstGeom>
+          <a:solidFill>
+            <a:schemeClr val="accent4">
+              <a:alpha val="30000"/>
+            </a:schemeClr>
+          </a:solidFill>
+          <a:ln>
+            <a:noFill/>
+          </a:ln>
+        </p:spPr>
+        <p:style>
+          <a:lnRef idx="2">
+            <a:schemeClr val="accent1">
+              <a:shade val="50000"/>
+            </a:schemeClr>
+          </a:lnRef>
+          <a:fillRef idx="1">
+            <a:schemeClr val="accent1"/>
+          </a:fillRef>
+          <a:effectRef idx="0">
+            <a:schemeClr val="accent1"/>
+          </a:effectRef>
+          <a:fontRef idx="minor">
+            <a:schemeClr val="lt1"/>
+          </a:fontRef>
+        </p:style>
+        <p:txBody>
+          <a:bodyPr rtlCol="0" anchor="ctr"/>
+          <a:lstStyle/>
+          <a:p>
+            <a:pPr algn="ctr"/>
+            <a:endParaRPr lang="en-US"/>
+          </a:p>
+        </p:txBody>
+      </p:sp>
+      <p:sp>
+        <p:nvSpPr>
+          <p:cNvPr id="6159" name="Freeform: Shape 6158">
+            <a:extLst>
+              <a:ext uri="{FF2B5EF4-FFF2-40B4-BE49-F238E27FC236}">
+                <a16:creationId xmlns:a16="http://schemas.microsoft.com/office/drawing/2014/main" id="{9A97C86A-04D6-40F7-AE84-31AB43E6A846}"/>
+              </a:ext>
+              <a:ext uri="{C183D7F6-B498-43B3-948B-1728B52AA6E4}">
+                <adec:decorative xmlns:adec="http://schemas.microsoft.com/office/drawing/2017/decorative" val="1"/>
+              </a:ext>
+            </a:extLst>
+          </p:cNvPr>
+          <p:cNvSpPr>
+            <a:spLocks noGrp="1" noRot="1" noChangeAspect="1" noMove="1" noResize="1" noEditPoints="1" noAdjustHandles="1" noChangeArrowheads="1" noChangeShapeType="1" noTextEdit="1"/>
+          </p:cNvSpPr>
+          <p:nvPr>
+            <p:extLst>
+              <p:ext uri="{386F3935-93C4-4BCD-93E2-E3B085C9AB24}">
+                <p16:designElem xmlns:p16="http://schemas.microsoft.com/office/powerpoint/2015/main" val="1"/>
+              </p:ext>
+            </p:extLst>
+          </p:nvPr>
+        </p:nvSpPr>
+        <p:spPr>
+          <a:xfrm rot="10800000" flipH="1">
+            <a:off x="9356643" y="0"/>
+            <a:ext cx="2835357" cy="1480837"/>
+          </a:xfrm>
+          <a:custGeom>
+            <a:avLst/>
+            <a:gdLst>
+              <a:gd name="connsiteX0" fmla="*/ 2835357 w 2835357"/>
+              <a:gd name="connsiteY0" fmla="*/ 1480837 h 1480837"/>
+              <a:gd name="connsiteX1" fmla="*/ 0 w 2835357"/>
+              <a:gd name="connsiteY1" fmla="*/ 1480837 h 1480837"/>
+              <a:gd name="connsiteX2" fmla="*/ 1552727 w 2835357"/>
+              <a:gd name="connsiteY2" fmla="*/ 0 h 1480837"/>
+              <a:gd name="connsiteX3" fmla="*/ 2835357 w 2835357"/>
+              <a:gd name="connsiteY3" fmla="*/ 1223245 h 1480837"/>
+            </a:gdLst>
+            <a:ahLst/>
+            <a:cxnLst>
+              <a:cxn ang="0">
+                <a:pos x="connsiteX0" y="connsiteY0"/>
+              </a:cxn>
+              <a:cxn ang="0">
+                <a:pos x="connsiteX1" y="connsiteY1"/>
+              </a:cxn>
+              <a:cxn ang="0">
+                <a:pos x="connsiteX2" y="connsiteY2"/>
+              </a:cxn>
+              <a:cxn ang="0">
+                <a:pos x="connsiteX3" y="connsiteY3"/>
+              </a:cxn>
+            </a:cxnLst>
+            <a:rect l="l" t="t" r="r" b="b"/>
+            <a:pathLst>
+              <a:path w="2835357" h="1480837">
+                <a:moveTo>
+                  <a:pt x="2835357" y="1480837"/>
+                </a:moveTo>
+                <a:lnTo>
+                  <a:pt x="0" y="1480837"/>
+                </a:lnTo>
+                <a:lnTo>
+                  <a:pt x="1552727" y="0"/>
+                </a:lnTo>
+                <a:lnTo>
+                  <a:pt x="2835357" y="1223245"/>
+                </a:lnTo>
+                <a:close/>
+              </a:path>
+            </a:pathLst>
+          </a:custGeom>
+          <a:solidFill>
+            <a:schemeClr val="accent4">
+              <a:alpha val="30000"/>
+            </a:schemeClr>
+          </a:solidFill>
+          <a:ln>
+            <a:noFill/>
+          </a:ln>
+        </p:spPr>
+        <p:style>
+          <a:lnRef idx="2">
+            <a:schemeClr val="accent1">
+              <a:shade val="50000"/>
+            </a:schemeClr>
+          </a:lnRef>
+          <a:fillRef idx="1">
+            <a:schemeClr val="accent1"/>
+          </a:fillRef>
+          <a:effectRef idx="0">
+            <a:schemeClr val="accent1"/>
+          </a:effectRef>
+          <a:fontRef idx="minor">
+            <a:schemeClr val="lt1"/>
+          </a:fontRef>
+        </p:style>
+        <p:txBody>
+          <a:bodyPr wrap="square" rtlCol="0" anchor="ctr">
+            <a:noAutofit/>
+          </a:bodyPr>
+          <a:lstStyle/>
+          <a:p>
+            <a:pPr algn="ctr"/>
+            <a:endParaRPr lang="en-US" dirty="0"/>
+          </a:p>
+        </p:txBody>
+      </p:sp>
+      <p:sp>
+        <p:nvSpPr>
+          <p:cNvPr id="6161" name="Isosceles Triangle 6160">
+            <a:extLst>
+              <a:ext uri="{FF2B5EF4-FFF2-40B4-BE49-F238E27FC236}">
+                <a16:creationId xmlns:a16="http://schemas.microsoft.com/office/drawing/2014/main" id="{FF9F2414-84E8-453E-B1F3-389FDE8192D9}"/>
+              </a:ext>
+              <a:ext uri="{C183D7F6-B498-43B3-948B-1728B52AA6E4}">
+                <adec:decorative xmlns:adec="http://schemas.microsoft.com/office/drawing/2017/decorative" val="1"/>
+              </a:ext>
+            </a:extLst>
+          </p:cNvPr>
+          <p:cNvSpPr>
+            <a:spLocks noGrp="1" noRot="1" noChangeAspect="1" noMove="1" noResize="1" noEditPoints="1" noAdjustHandles="1" noChangeArrowheads="1" noChangeShapeType="1" noTextEdit="1"/>
+          </p:cNvSpPr>
+          <p:nvPr>
+            <p:extLst>
+              <p:ext uri="{386F3935-93C4-4BCD-93E2-E3B085C9AB24}">
+                <p16:designElem xmlns:p16="http://schemas.microsoft.com/office/powerpoint/2015/main" val="1"/>
+              </p:ext>
+            </p:extLst>
+          </p:nvPr>
+        </p:nvSpPr>
+        <p:spPr>
+          <a:xfrm flipH="1">
+            <a:off x="7976344" y="6115501"/>
+            <a:ext cx="1494513" cy="742499"/>
+          </a:xfrm>
+          <a:prstGeom prst="triangle">
+            <a:avLst/>
+          </a:prstGeom>
+          <a:solidFill>
+            <a:schemeClr val="accent1">
+              <a:alpha val="30000"/>
+            </a:schemeClr>
+          </a:solidFill>
+          <a:ln>
+            <a:noFill/>
+          </a:ln>
+        </p:spPr>
+        <p:style>
+          <a:lnRef idx="2">
+            <a:schemeClr val="accent1">
+              <a:shade val="50000"/>
+            </a:schemeClr>
+          </a:lnRef>
+          <a:fillRef idx="1">
+            <a:schemeClr val="accent1"/>
+          </a:fillRef>
+          <a:effectRef idx="0">
+            <a:schemeClr val="accent1"/>
+          </a:effectRef>
+          <a:fontRef idx="minor">
+            <a:schemeClr val="lt1"/>
+          </a:fontRef>
+        </p:style>
+        <p:txBody>
+          <a:bodyPr rtlCol="0" anchor="ctr"/>
+          <a:lstStyle/>
+          <a:p>
+            <a:pPr algn="ctr"/>
+            <a:endParaRPr lang="en-US"/>
+          </a:p>
+        </p:txBody>
+      </p:sp>
+      <p:pic>
+        <p:nvPicPr>
+          <p:cNvPr id="6146" name="Picture 2" descr="The Mass Spectrometer">
+            <a:extLst>
+              <a:ext uri="{FF2B5EF4-FFF2-40B4-BE49-F238E27FC236}">
+                <a16:creationId xmlns:a16="http://schemas.microsoft.com/office/drawing/2014/main" id="{D85AC0B8-4106-B419-B893-69C898C84912}"/>
+              </a:ext>
+            </a:extLst>
+          </p:cNvPr>
+          <p:cNvPicPr>
+            <a:picLocks noChangeAspect="1" noChangeArrowheads="1"/>
+          </p:cNvPicPr>
+          <p:nvPr/>
+        </p:nvPicPr>
+        <p:blipFill>
+          <a:blip r:embed="rId2">
+            <a:extLst>
+              <a:ext uri="{28A0092B-C50C-407E-A947-70E740481C1C}">
+                <a14:useLocalDpi xmlns:a14="http://schemas.microsoft.com/office/drawing/2010/main" val="0"/>
+              </a:ext>
+            </a:extLst>
+          </a:blip>
+          <a:stretch>
+            <a:fillRect/>
+          </a:stretch>
+        </p:blipFill>
+        <p:spPr bwMode="auto">
+          <a:xfrm>
+            <a:off x="2848303" y="3437"/>
+            <a:ext cx="5888596" cy="6211095"/>
+          </a:xfrm>
+          <a:prstGeom prst="rect">
+            <a:avLst/>
+          </a:prstGeom>
+          <a:noFill/>
+          <a:ln>
+            <a:noFill/>
+          </a:ln>
+          <a:extLst>
+            <a:ext uri="{909E8E84-426E-40DD-AFC4-6F175D3DCCD1}">
+              <a14:hiddenFill xmlns:a14="http://schemas.microsoft.com/office/drawing/2010/main">
+                <a:solidFill>
+                  <a:srgbClr val="FFFFFF"/>
+                </a:solidFill>
+              </a14:hiddenFill>
+            </a:ext>
+          </a:extLst>
+        </p:spPr>
+      </p:pic>
+      <p:sp>
+        <p:nvSpPr>
+          <p:cNvPr id="6163" name="Isosceles Triangle 6162">
+            <a:extLst>
+              <a:ext uri="{FF2B5EF4-FFF2-40B4-BE49-F238E27FC236}">
+                <a16:creationId xmlns:a16="http://schemas.microsoft.com/office/drawing/2014/main" id="{3ECA69A1-7536-43AC-85EF-C7106179F5ED}"/>
+              </a:ext>
+              <a:ext uri="{C183D7F6-B498-43B3-948B-1728B52AA6E4}">
+                <adec:decorative xmlns:adec="http://schemas.microsoft.com/office/drawing/2017/decorative" val="1"/>
+              </a:ext>
+            </a:extLst>
+          </p:cNvPr>
+          <p:cNvSpPr>
+            <a:spLocks noGrp="1" noRot="1" noChangeAspect="1" noMove="1" noResize="1" noEditPoints="1" noAdjustHandles="1" noChangeArrowheads="1" noChangeShapeType="1" noTextEdit="1"/>
+          </p:cNvSpPr>
+          <p:nvPr>
+            <p:extLst>
+              <p:ext uri="{386F3935-93C4-4BCD-93E2-E3B085C9AB24}">
+                <p16:designElem xmlns:p16="http://schemas.microsoft.com/office/powerpoint/2015/main" val="1"/>
+              </p:ext>
+            </p:extLst>
+          </p:nvPr>
+        </p:nvSpPr>
+        <p:spPr>
+          <a:xfrm flipH="1">
+            <a:off x="7604080" y="6453143"/>
+            <a:ext cx="814903" cy="404857"/>
+          </a:xfrm>
+          <a:prstGeom prst="triangle">
+            <a:avLst/>
+          </a:prstGeom>
+          <a:solidFill>
+            <a:schemeClr val="accent1">
+              <a:alpha val="30000"/>
+            </a:schemeClr>
+          </a:solidFill>
+          <a:ln>
+            <a:noFill/>
+          </a:ln>
+        </p:spPr>
+        <p:style>
+          <a:lnRef idx="2">
+            <a:schemeClr val="accent1">
+              <a:shade val="50000"/>
+            </a:schemeClr>
+          </a:lnRef>
+          <a:fillRef idx="1">
+            <a:schemeClr val="accent1"/>
+          </a:fillRef>
+          <a:effectRef idx="0">
+            <a:schemeClr val="accent1"/>
+          </a:effectRef>
+          <a:fontRef idx="minor">
+            <a:schemeClr val="lt1"/>
+          </a:fontRef>
+        </p:style>
+        <p:txBody>
+          <a:bodyPr rtlCol="0" anchor="ctr"/>
+          <a:lstStyle/>
+          <a:p>
+            <a:pPr algn="ctr"/>
+            <a:endParaRPr lang="en-US"/>
+          </a:p>
+        </p:txBody>
+      </p:sp>
+      <p:sp>
+        <p:nvSpPr>
+          <p:cNvPr id="6" name="TextBox 5">
+            <a:extLst>
+              <a:ext uri="{FF2B5EF4-FFF2-40B4-BE49-F238E27FC236}">
+                <a16:creationId xmlns:a16="http://schemas.microsoft.com/office/drawing/2014/main" id="{45D93978-916B-15AB-031A-8A95A0B0542D}"/>
+              </a:ext>
+            </a:extLst>
+          </p:cNvPr>
+          <p:cNvSpPr txBox="1"/>
+          <p:nvPr/>
+        </p:nvSpPr>
+        <p:spPr>
+          <a:xfrm>
+            <a:off x="157152" y="6569515"/>
+            <a:ext cx="7662041" cy="276999"/>
+          </a:xfrm>
+          <a:prstGeom prst="rect">
+            <a:avLst/>
+          </a:prstGeom>
+          <a:noFill/>
+        </p:spPr>
+        <p:txBody>
+          <a:bodyPr wrap="square">
+            <a:spAutoFit/>
+          </a:bodyPr>
+          <a:lstStyle/>
+          <a:p>
+            <a:r>
+              <a:rPr lang="en-FI" sz="1200" dirty="0"/>
+              <a:t>https://thornsandthistleshomestead.wordpress.com/2014/12/04/essential-oil-testing-deeper-dive-mass-spec/</a:t>
+            </a:r>
+          </a:p>
+        </p:txBody>
+      </p:sp>
+      <p:sp>
+        <p:nvSpPr>
+          <p:cNvPr id="7" name="Rounded Rectangle 6">
+            <a:extLst>
+              <a:ext uri="{FF2B5EF4-FFF2-40B4-BE49-F238E27FC236}">
+                <a16:creationId xmlns:a16="http://schemas.microsoft.com/office/drawing/2014/main" id="{113D0EDB-9F53-D744-3A74-C388E198CE1C}"/>
+              </a:ext>
+            </a:extLst>
+          </p:cNvPr>
+          <p:cNvSpPr/>
+          <p:nvPr/>
+        </p:nvSpPr>
+        <p:spPr>
+          <a:xfrm>
+            <a:off x="2848303" y="3846786"/>
+            <a:ext cx="3563007" cy="2367746"/>
+          </a:xfrm>
+          <a:prstGeom prst="roundRect">
+            <a:avLst>
+              <a:gd name="adj" fmla="val 9847"/>
+            </a:avLst>
+          </a:prstGeom>
+          <a:noFill/>
+          <a:ln>
+            <a:solidFill>
+              <a:srgbClr val="FF0000"/>
+            </a:solidFill>
+          </a:ln>
+        </p:spPr>
+        <p:style>
+          <a:lnRef idx="2">
+            <a:schemeClr val="accent1">
+              <a:shade val="15000"/>
+            </a:schemeClr>
+          </a:lnRef>
+          <a:fillRef idx="1">
+            <a:schemeClr val="accent1"/>
+          </a:fillRef>
+          <a:effectRef idx="0">
+            <a:schemeClr val="accent1"/>
+          </a:effectRef>
+          <a:fontRef idx="minor">
+            <a:schemeClr val="lt1"/>
+          </a:fontRef>
+        </p:style>
+        <p:txBody>
+          <a:bodyPr rtlCol="0" anchor="ctr"/>
+          <a:lstStyle/>
+          <a:p>
+            <a:pPr algn="ctr"/>
+            <a:endParaRPr lang="en-FI"/>
+          </a:p>
+        </p:txBody>
+      </p:sp>
+      <p:sp>
+        <p:nvSpPr>
+          <p:cNvPr id="8" name="Rounded Rectangle 7">
+            <a:extLst>
+              <a:ext uri="{FF2B5EF4-FFF2-40B4-BE49-F238E27FC236}">
+                <a16:creationId xmlns:a16="http://schemas.microsoft.com/office/drawing/2014/main" id="{B9E32262-0609-1E8F-EC79-69F8EEDA39BD}"/>
+              </a:ext>
+            </a:extLst>
+          </p:cNvPr>
+          <p:cNvSpPr/>
+          <p:nvPr/>
+        </p:nvSpPr>
+        <p:spPr>
+          <a:xfrm>
+            <a:off x="2834873" y="735933"/>
+            <a:ext cx="2346728" cy="2619994"/>
+          </a:xfrm>
+          <a:prstGeom prst="roundRect">
+            <a:avLst>
+              <a:gd name="adj" fmla="val 9847"/>
+            </a:avLst>
+          </a:prstGeom>
+          <a:noFill/>
+          <a:ln>
+            <a:solidFill>
+              <a:srgbClr val="FF0000"/>
+            </a:solidFill>
+          </a:ln>
+        </p:spPr>
+        <p:style>
+          <a:lnRef idx="2">
+            <a:schemeClr val="accent1">
+              <a:shade val="15000"/>
+            </a:schemeClr>
+          </a:lnRef>
+          <a:fillRef idx="1">
+            <a:schemeClr val="accent1"/>
+          </a:fillRef>
+          <a:effectRef idx="0">
+            <a:schemeClr val="accent1"/>
+          </a:effectRef>
+          <a:fontRef idx="minor">
+            <a:schemeClr val="lt1"/>
+          </a:fontRef>
+        </p:style>
+        <p:txBody>
+          <a:bodyPr rtlCol="0" anchor="ctr"/>
+          <a:lstStyle/>
+          <a:p>
+            <a:pPr algn="ctr"/>
+            <a:endParaRPr lang="en-FI"/>
+          </a:p>
+        </p:txBody>
+      </p:sp>
+      <p:sp>
+        <p:nvSpPr>
+          <p:cNvPr id="9" name="Rounded Rectangle 8">
+            <a:extLst>
+              <a:ext uri="{FF2B5EF4-FFF2-40B4-BE49-F238E27FC236}">
+                <a16:creationId xmlns:a16="http://schemas.microsoft.com/office/drawing/2014/main" id="{0A29EB2B-D076-FB61-DD7C-C63068CAE1A3}"/>
+              </a:ext>
+            </a:extLst>
+          </p:cNvPr>
+          <p:cNvSpPr/>
+          <p:nvPr/>
+        </p:nvSpPr>
+        <p:spPr>
+          <a:xfrm>
+            <a:off x="6095999" y="52554"/>
+            <a:ext cx="2017987" cy="3334406"/>
+          </a:xfrm>
+          <a:prstGeom prst="roundRect">
+            <a:avLst>
+              <a:gd name="adj" fmla="val 9847"/>
+            </a:avLst>
+          </a:prstGeom>
+          <a:noFill/>
+          <a:ln>
+            <a:solidFill>
+              <a:srgbClr val="FF0000"/>
+            </a:solidFill>
+          </a:ln>
+        </p:spPr>
+        <p:style>
+          <a:lnRef idx="2">
+            <a:schemeClr val="accent1">
+              <a:shade val="15000"/>
+            </a:schemeClr>
+          </a:lnRef>
+          <a:fillRef idx="1">
+            <a:schemeClr val="accent1"/>
+          </a:fillRef>
+          <a:effectRef idx="0">
+            <a:schemeClr val="accent1"/>
+          </a:effectRef>
+          <a:fontRef idx="minor">
+            <a:schemeClr val="lt1"/>
+          </a:fontRef>
+        </p:style>
+        <p:txBody>
+          <a:bodyPr rtlCol="0" anchor="ctr"/>
+          <a:lstStyle/>
+          <a:p>
+            <a:pPr algn="ctr"/>
+            <a:endParaRPr lang="en-FI"/>
+          </a:p>
+        </p:txBody>
+      </p:sp>
+      <p:sp>
+        <p:nvSpPr>
+          <p:cNvPr id="11" name="TextBox 10">
+            <a:extLst>
+              <a:ext uri="{FF2B5EF4-FFF2-40B4-BE49-F238E27FC236}">
+                <a16:creationId xmlns:a16="http://schemas.microsoft.com/office/drawing/2014/main" id="{35E2BF37-4955-C9DF-C86F-62F6B38E8A8D}"/>
+              </a:ext>
+            </a:extLst>
+          </p:cNvPr>
+          <p:cNvSpPr txBox="1"/>
+          <p:nvPr/>
+        </p:nvSpPr>
+        <p:spPr>
+          <a:xfrm>
+            <a:off x="3544303" y="2937317"/>
+            <a:ext cx="1942462" cy="461665"/>
+          </a:xfrm>
+          <a:prstGeom prst="rect">
+            <a:avLst/>
+          </a:prstGeom>
+          <a:noFill/>
+        </p:spPr>
+        <p:txBody>
+          <a:bodyPr wrap="square">
+            <a:spAutoFit/>
+          </a:bodyPr>
+          <a:lstStyle/>
+          <a:p>
+            <a:r>
+              <a:rPr lang="en-FI" sz="2400" b="1" dirty="0"/>
+              <a:t>Mass filter</a:t>
+            </a:r>
+          </a:p>
+        </p:txBody>
+      </p:sp>
+    </p:spTree>
+    <p:extLst>
+      <p:ext uri="{BB962C8B-B14F-4D97-AF65-F5344CB8AC3E}">
+        <p14:creationId xmlns:p14="http://schemas.microsoft.com/office/powerpoint/2010/main" val="1174710049"/>
+      </p:ext>
+    </p:extLst>
+  </p:cSld>
+  <p:clrMapOvr>
+    <a:masterClrMapping/>
+  </p:clrMapOvr>
+</p:sld>
+</file>
+
+<file path=ppt/slides/slide9.xml><?xml version="1.0" encoding="utf-8"?>
+<p:sld xmlns:a="http://schemas.openxmlformats.org/drawingml/2006/main" xmlns:r="http://schemas.openxmlformats.org/officeDocument/2006/relationships" xmlns:p="http://schemas.openxmlformats.org/presentationml/2006/main">
+  <p:cSld>
+    <p:bg>
+      <p:bgPr>
+        <a:solidFill>
+          <a:schemeClr val="bg1"/>
+        </a:solidFill>
+        <a:effectLst/>
+      </p:bgPr>
+    </p:bg>
+    <p:spTree>
+      <p:nvGrpSpPr>
+        <p:cNvPr id="1" name=""/>
+        <p:cNvGrpSpPr/>
+        <p:nvPr/>
+      </p:nvGrpSpPr>
+      <p:grpSpPr>
+        <a:xfrm>
+          <a:off x="0" y="0"/>
+          <a:ext cx="0" cy="0"/>
+          <a:chOff x="0" y="0"/>
+          <a:chExt cx="0" cy="0"/>
+        </a:xfrm>
+      </p:grpSpPr>
+      <p:sp useBgFill="1">
+        <p:nvSpPr>
+          <p:cNvPr id="5134" name="Rectangle 5133">
+            <a:extLst>
+              <a:ext uri="{FF2B5EF4-FFF2-40B4-BE49-F238E27FC236}">
+                <a16:creationId xmlns:a16="http://schemas.microsoft.com/office/drawing/2014/main" id="{1CD81A2A-6ED4-4EF4-A14C-912D31E14800}"/>
+              </a:ext>
+              <a:ext uri="{C183D7F6-B498-43B3-948B-1728B52AA6E4}">
+                <adec:decorative xmlns:adec="http://schemas.microsoft.com/office/drawing/2017/decorative" val="1"/>
+              </a:ext>
+            </a:extLst>
+          </p:cNvPr>
+          <p:cNvSpPr>
+            <a:spLocks noGrp="1" noRot="1" noChangeAspect="1" noMove="1" noResize="1" noEditPoints="1" noAdjustHandles="1" noChangeArrowheads="1" noChangeShapeType="1" noTextEdit="1"/>
+          </p:cNvSpPr>
+          <p:nvPr>
+            <p:extLst>
+              <p:ext uri="{386F3935-93C4-4BCD-93E2-E3B085C9AB24}">
+                <p16:designElem xmlns:p16="http://schemas.microsoft.com/office/powerpoint/2015/main" val="1"/>
+              </p:ext>
+            </p:extLst>
+          </p:nvPr>
+        </p:nvSpPr>
+        <p:spPr bwMode="white">
+          <a:xfrm>
+            <a:off x="0" y="0"/>
+            <a:ext cx="12192000" cy="6858000"/>
+          </a:xfrm>
+          <a:prstGeom prst="rect">
+            <a:avLst/>
+          </a:prstGeom>
+          <a:ln>
+            <a:noFill/>
+          </a:ln>
+        </p:spPr>
+        <p:style>
+          <a:lnRef idx="2">
+            <a:schemeClr val="accent1">
+              <a:shade val="50000"/>
+            </a:schemeClr>
+          </a:lnRef>
+          <a:fillRef idx="1">
+            <a:schemeClr val="accent1"/>
+          </a:fillRef>
+          <a:effectRef idx="0">
+            <a:schemeClr val="accent1"/>
+          </a:effectRef>
+          <a:fontRef idx="minor">
+            <a:schemeClr val="lt1"/>
+          </a:fontRef>
+        </p:style>
+        <p:txBody>
+          <a:bodyPr rtlCol="0" anchor="ctr"/>
+          <a:lstStyle>
+            <a:defPPr>
+              <a:defRPr lang="en-US"/>
+            </a:defPPr>
+            <a:lvl1pPr marL="0" algn="l" defTabSz="914400" rtl="0" eaLnBrk="1" latinLnBrk="0" hangingPunct="1">
+              <a:defRPr sz="1800" kern="1200">
+                <a:solidFill>
+                  <a:schemeClr val="lt1"/>
+                </a:solidFill>
+                <a:latin typeface="+mn-lt"/>
+                <a:ea typeface="+mn-ea"/>
+                <a:cs typeface="+mn-cs"/>
+              </a:defRPr>
+            </a:lvl1pPr>
+            <a:lvl2pPr marL="457200" algn="l" defTabSz="914400" rtl="0" eaLnBrk="1" latinLnBrk="0" hangingPunct="1">
+              <a:defRPr sz="1800" kern="1200">
+                <a:solidFill>
+                  <a:schemeClr val="lt1"/>
+                </a:solidFill>
+                <a:latin typeface="+mn-lt"/>
+                <a:ea typeface="+mn-ea"/>
+                <a:cs typeface="+mn-cs"/>
+              </a:defRPr>
+            </a:lvl2pPr>
+            <a:lvl3pPr marL="914400" algn="l" defTabSz="914400" rtl="0" eaLnBrk="1" latinLnBrk="0" hangingPunct="1">
+              <a:defRPr sz="1800" kern="1200">
+                <a:solidFill>
+                  <a:schemeClr val="lt1"/>
+                </a:solidFill>
+                <a:latin typeface="+mn-lt"/>
+                <a:ea typeface="+mn-ea"/>
+                <a:cs typeface="+mn-cs"/>
+              </a:defRPr>
+            </a:lvl3pPr>
+            <a:lvl4pPr marL="1371600" algn="l" defTabSz="914400" rtl="0" eaLnBrk="1" latinLnBrk="0" hangingPunct="1">
+              <a:defRPr sz="1800" kern="1200">
+                <a:solidFill>
+                  <a:schemeClr val="lt1"/>
+                </a:solidFill>
+                <a:latin typeface="+mn-lt"/>
+                <a:ea typeface="+mn-ea"/>
+                <a:cs typeface="+mn-cs"/>
+              </a:defRPr>
+            </a:lvl4pPr>
+            <a:lvl5pPr marL="1828800" algn="l" defTabSz="914400" rtl="0" eaLnBrk="1" latinLnBrk="0" hangingPunct="1">
+              <a:defRPr sz="1800" kern="1200">
+                <a:solidFill>
+                  <a:schemeClr val="lt1"/>
+                </a:solidFill>
+                <a:latin typeface="+mn-lt"/>
+                <a:ea typeface="+mn-ea"/>
+                <a:cs typeface="+mn-cs"/>
+              </a:defRPr>
+            </a:lvl5pPr>
+            <a:lvl6pPr marL="2286000" algn="l" defTabSz="914400" rtl="0" eaLnBrk="1" latinLnBrk="0" hangingPunct="1">
+              <a:defRPr sz="1800" kern="1200">
+                <a:solidFill>
+                  <a:schemeClr val="lt1"/>
+                </a:solidFill>
+                <a:latin typeface="+mn-lt"/>
+                <a:ea typeface="+mn-ea"/>
+                <a:cs typeface="+mn-cs"/>
+              </a:defRPr>
+            </a:lvl6pPr>
+            <a:lvl7pPr marL="2743200" algn="l" defTabSz="914400" rtl="0" eaLnBrk="1" latinLnBrk="0" hangingPunct="1">
+              <a:defRPr sz="1800" kern="1200">
+                <a:solidFill>
+                  <a:schemeClr val="lt1"/>
+                </a:solidFill>
+                <a:latin typeface="+mn-lt"/>
+                <a:ea typeface="+mn-ea"/>
+                <a:cs typeface="+mn-cs"/>
+              </a:defRPr>
+            </a:lvl7pPr>
+            <a:lvl8pPr marL="3200400" algn="l" defTabSz="914400" rtl="0" eaLnBrk="1" latinLnBrk="0" hangingPunct="1">
+              <a:defRPr sz="1800" kern="1200">
+                <a:solidFill>
+                  <a:schemeClr val="lt1"/>
+                </a:solidFill>
+                <a:latin typeface="+mn-lt"/>
+                <a:ea typeface="+mn-ea"/>
+                <a:cs typeface="+mn-cs"/>
+              </a:defRPr>
+            </a:lvl8pPr>
+            <a:lvl9pPr marL="3657600" algn="l" defTabSz="914400" rtl="0" eaLnBrk="1" latinLnBrk="0" hangingPunct="1">
+              <a:defRPr sz="1800" kern="1200">
+                <a:solidFill>
+                  <a:schemeClr val="lt1"/>
+                </a:solidFill>
+                <a:latin typeface="+mn-lt"/>
+                <a:ea typeface="+mn-ea"/>
+                <a:cs typeface="+mn-cs"/>
+              </a:defRPr>
+            </a:lvl9pPr>
+          </a:lstStyle>
+          <a:p>
+            <a:pPr algn="ctr"/>
+            <a:endParaRPr lang="en-US"/>
+          </a:p>
+        </p:txBody>
+      </p:sp>
+      <p:sp>
+        <p:nvSpPr>
+          <p:cNvPr id="2" name="Title 1">
+            <a:extLst>
+              <a:ext uri="{FF2B5EF4-FFF2-40B4-BE49-F238E27FC236}">
+                <a16:creationId xmlns:a16="http://schemas.microsoft.com/office/drawing/2014/main" id="{CBB9E64D-CE9A-97BD-00CA-5ED1DF3DEBD8}"/>
+              </a:ext>
+            </a:extLst>
+          </p:cNvPr>
+          <p:cNvSpPr>
+            <a:spLocks noGrp="1"/>
+          </p:cNvSpPr>
+          <p:nvPr>
+            <p:ph type="title"/>
+          </p:nvPr>
+        </p:nvSpPr>
+        <p:spPr>
+          <a:xfrm>
+            <a:off x="838200" y="365125"/>
+            <a:ext cx="5393361" cy="1325563"/>
+          </a:xfrm>
+        </p:spPr>
+        <p:txBody>
+          <a:bodyPr>
+            <a:normAutofit/>
+          </a:bodyPr>
+          <a:lstStyle/>
+          <a:p>
+            <a:r>
+              <a:rPr lang="en-GB" dirty="0">
+                <a:effectLst/>
+                <a:latin typeface="Helvetica" pitchFamily="2" charset="0"/>
+              </a:rPr>
+              <a:t>Ionization sources</a:t>
+            </a:r>
+            <a:endParaRPr lang="en-FI" dirty="0"/>
+          </a:p>
+        </p:txBody>
+      </p:sp>
+      <p:sp>
+        <p:nvSpPr>
+          <p:cNvPr id="5136" name="Freeform: Shape 5128">
+            <a:extLst>
+              <a:ext uri="{FF2B5EF4-FFF2-40B4-BE49-F238E27FC236}">
+                <a16:creationId xmlns:a16="http://schemas.microsoft.com/office/drawing/2014/main" id="{1661932C-CA15-4E17-B115-FAE7CBEE4789}"/>
+              </a:ext>
+              <a:ext uri="{C183D7F6-B498-43B3-948B-1728B52AA6E4}">
+                <adec:decorative xmlns:adec="http://schemas.microsoft.com/office/drawing/2017/decorative" val="1"/>
+              </a:ext>
+            </a:extLst>
+          </p:cNvPr>
+          <p:cNvSpPr>
+            <a:spLocks noGrp="1" noRot="1" noChangeAspect="1" noMove="1" noResize="1" noEditPoints="1" noAdjustHandles="1" noChangeArrowheads="1" noChangeShapeType="1" noTextEdit="1"/>
+          </p:cNvSpPr>
+          <p:nvPr>
+            <p:extLst>
+              <p:ext uri="{386F3935-93C4-4BCD-93E2-E3B085C9AB24}">
+                <p16:designElem xmlns:p16="http://schemas.microsoft.com/office/powerpoint/2015/main" val="1"/>
+              </p:ext>
+            </p:extLst>
+          </p:nvPr>
+        </p:nvSpPr>
+        <p:spPr>
+          <a:xfrm>
+            <a:off x="10198657" y="1"/>
+            <a:ext cx="1155142" cy="625027"/>
+          </a:xfrm>
+          <a:custGeom>
+            <a:avLst/>
+            <a:gdLst>
+              <a:gd name="connsiteX0" fmla="*/ 4784 w 1155142"/>
+              <a:gd name="connsiteY0" fmla="*/ 0 h 625027"/>
+              <a:gd name="connsiteX1" fmla="*/ 1150358 w 1155142"/>
+              <a:gd name="connsiteY1" fmla="*/ 0 h 625027"/>
+              <a:gd name="connsiteX2" fmla="*/ 1155142 w 1155142"/>
+              <a:gd name="connsiteY2" fmla="*/ 47456 h 625027"/>
+              <a:gd name="connsiteX3" fmla="*/ 577571 w 1155142"/>
+              <a:gd name="connsiteY3" fmla="*/ 625027 h 625027"/>
+              <a:gd name="connsiteX4" fmla="*/ 0 w 1155142"/>
+              <a:gd name="connsiteY4" fmla="*/ 47456 h 625027"/>
+            </a:gdLst>
+            <a:ahLst/>
+            <a:cxnLst>
+              <a:cxn ang="0">
+                <a:pos x="connsiteX0" y="connsiteY0"/>
+              </a:cxn>
+              <a:cxn ang="0">
+                <a:pos x="connsiteX1" y="connsiteY1"/>
+              </a:cxn>
+              <a:cxn ang="0">
+                <a:pos x="connsiteX2" y="connsiteY2"/>
+              </a:cxn>
+              <a:cxn ang="0">
+                <a:pos x="connsiteX3" y="connsiteY3"/>
+              </a:cxn>
+              <a:cxn ang="0">
+                <a:pos x="connsiteX4" y="connsiteY4"/>
+              </a:cxn>
+            </a:cxnLst>
+            <a:rect l="l" t="t" r="r" b="b"/>
+            <a:pathLst>
+              <a:path w="1155142" h="625027">
+                <a:moveTo>
+                  <a:pt x="4784" y="0"/>
+                </a:moveTo>
+                <a:lnTo>
+                  <a:pt x="1150358" y="0"/>
+                </a:lnTo>
+                <a:lnTo>
+                  <a:pt x="1155142" y="47456"/>
+                </a:lnTo>
+                <a:cubicBezTo>
+                  <a:pt x="1155142" y="366440"/>
+                  <a:pt x="896555" y="625027"/>
+                  <a:pt x="577571" y="625027"/>
+                </a:cubicBezTo>
+                <a:cubicBezTo>
+                  <a:pt x="258587" y="625027"/>
+                  <a:pt x="0" y="366440"/>
+                  <a:pt x="0" y="47456"/>
+                </a:cubicBezTo>
+                <a:close/>
+              </a:path>
+            </a:pathLst>
+          </a:custGeom>
+          <a:solidFill>
+            <a:schemeClr val="accent5">
+              <a:alpha val="95000"/>
+            </a:schemeClr>
+          </a:solidFill>
+          <a:ln>
+            <a:noFill/>
+          </a:ln>
+        </p:spPr>
+        <p:style>
+          <a:lnRef idx="2">
+            <a:schemeClr val="accent1">
+              <a:shade val="50000"/>
+            </a:schemeClr>
+          </a:lnRef>
+          <a:fillRef idx="1">
+            <a:schemeClr val="accent1"/>
+          </a:fillRef>
+          <a:effectRef idx="0">
+            <a:schemeClr val="accent1"/>
+          </a:effectRef>
+          <a:fontRef idx="minor">
+            <a:schemeClr val="lt1"/>
+          </a:fontRef>
+        </p:style>
+        <p:txBody>
+          <a:bodyPr wrap="square" rtlCol="0" anchor="ctr">
+            <a:noAutofit/>
+          </a:bodyPr>
+          <a:lstStyle/>
+          <a:p>
+            <a:pPr algn="ctr"/>
+            <a:endParaRPr lang="en-US"/>
+          </a:p>
+        </p:txBody>
+      </p:sp>
+      <p:graphicFrame>
+        <p:nvGraphicFramePr>
+          <p:cNvPr id="5145" name="Content Placeholder 2">
+            <a:extLst>
+              <a:ext uri="{FF2B5EF4-FFF2-40B4-BE49-F238E27FC236}">
+                <a16:creationId xmlns:a16="http://schemas.microsoft.com/office/drawing/2014/main" id="{7075EC80-E488-8B6D-D3A1-4DFB2265B90D}"/>
+              </a:ext>
+            </a:extLst>
+          </p:cNvPr>
+          <p:cNvGraphicFramePr>
+            <a:graphicFrameLocks noGrp="1"/>
+          </p:cNvGraphicFramePr>
+          <p:nvPr>
+            <p:ph idx="1"/>
+            <p:extLst>
+              <p:ext uri="{D42A27DB-BD31-4B8C-83A1-F6EECF244321}">
+                <p14:modId xmlns:p14="http://schemas.microsoft.com/office/powerpoint/2010/main" val="2945442428"/>
+              </p:ext>
+            </p:extLst>
+          </p:nvPr>
+        </p:nvGraphicFramePr>
+        <p:xfrm>
+          <a:off x="838200" y="746234"/>
+          <a:ext cx="7244253" cy="5430729"/>
+        </p:xfrm>
+        <a:graphic>
+          <a:graphicData uri="http://schemas.openxmlformats.org/drawingml/2006/diagram">
+            <dgm:relIds xmlns:dgm="http://schemas.openxmlformats.org/drawingml/2006/diagram" xmlns:r="http://schemas.openxmlformats.org/officeDocument/2006/relationships" r:dm="rId2" r:lo="rId3" r:qs="rId4" r:cs="rId5"/>
+          </a:graphicData>
+        </a:graphic>
+      </p:graphicFrame>
+      <p:sp>
+        <p:nvSpPr>
+          <p:cNvPr id="5138" name="Oval 5137">
+            <a:extLst>
+              <a:ext uri="{FF2B5EF4-FFF2-40B4-BE49-F238E27FC236}">
+                <a16:creationId xmlns:a16="http://schemas.microsoft.com/office/drawing/2014/main" id="{8590ADD5-9383-4D3D-9047-3DA2593CCB5D}"/>
+              </a:ext>
+              <a:ext uri="{C183D7F6-B498-43B3-948B-1728B52AA6E4}">
+                <adec:decorative xmlns:adec="http://schemas.microsoft.com/office/drawing/2017/decorative" val="1"/>
+              </a:ext>
+            </a:extLst>
+          </p:cNvPr>
+          <p:cNvSpPr>
+            <a:spLocks noGrp="1" noRot="1" noChangeAspect="1" noMove="1" noResize="1" noEditPoints="1" noAdjustHandles="1" noChangeArrowheads="1" noChangeShapeType="1" noTextEdit="1"/>
+          </p:cNvSpPr>
+          <p:nvPr>
+            <p:extLst>
+              <p:ext uri="{386F3935-93C4-4BCD-93E2-E3B085C9AB24}">
+                <p16:designElem xmlns:p16="http://schemas.microsoft.com/office/powerpoint/2015/main" val="1"/>
+              </p:ext>
+            </p:extLst>
+          </p:nvPr>
+        </p:nvSpPr>
+        <p:spPr>
+          <a:xfrm>
+            <a:off x="6808185" y="3423959"/>
+            <a:ext cx="540822" cy="540822"/>
+          </a:xfrm>
+          <a:prstGeom prst="ellipse">
+            <a:avLst/>
+          </a:prstGeom>
+          <a:noFill/>
+          <a:ln w="127000">
+            <a:solidFill>
+              <a:schemeClr val="accent5"/>
+            </a:solidFill>
+          </a:ln>
+        </p:spPr>
+        <p:style>
+          <a:lnRef idx="2">
+            <a:schemeClr val="accent1">
+              <a:shade val="50000"/>
+            </a:schemeClr>
+          </a:lnRef>
+          <a:fillRef idx="1">
+            <a:schemeClr val="accent1"/>
+          </a:fillRef>
+          <a:effectRef idx="0">
+            <a:schemeClr val="accent1"/>
+          </a:effectRef>
+          <a:fontRef idx="minor">
+            <a:schemeClr val="lt1"/>
+          </a:fontRef>
+        </p:style>
+        <p:txBody>
+          <a:bodyPr rtlCol="0" anchor="ctr"/>
+          <a:lstStyle/>
+          <a:p>
+            <a:pPr algn="ctr"/>
+            <a:endParaRPr lang="en-US"/>
+          </a:p>
+        </p:txBody>
+      </p:sp>
+      <p:pic>
+        <p:nvPicPr>
+          <p:cNvPr id="5122" name="Picture 2" descr="Graphical abstract: Ion sources for mass spectrometric identification and imaging of molecular species">
+            <a:extLst>
+              <a:ext uri="{FF2B5EF4-FFF2-40B4-BE49-F238E27FC236}">
+                <a16:creationId xmlns:a16="http://schemas.microsoft.com/office/drawing/2014/main" id="{62241EC7-B8B4-E74C-34A3-1BB0C98987E9}"/>
+              </a:ext>
+            </a:extLst>
+          </p:cNvPr>
+          <p:cNvPicPr>
+            <a:picLocks noChangeAspect="1" noChangeArrowheads="1"/>
+          </p:cNvPicPr>
+          <p:nvPr/>
+        </p:nvPicPr>
+        <p:blipFill>
+          <a:blip r:embed="rId7">
+            <a:extLst>
+              <a:ext uri="{28A0092B-C50C-407E-A947-70E740481C1C}">
+                <a14:useLocalDpi xmlns:a14="http://schemas.microsoft.com/office/drawing/2010/main" val="0"/>
+              </a:ext>
+            </a:extLst>
+          </a:blip>
+          <a:stretch>
+            <a:fillRect/>
+          </a:stretch>
+        </p:blipFill>
+        <p:spPr bwMode="auto">
+          <a:xfrm>
+            <a:off x="7069761" y="1027905"/>
+            <a:ext cx="5128071" cy="4405479"/>
+          </a:xfrm>
+          <a:custGeom>
+            <a:avLst/>
+            <a:gdLst/>
+            <a:ahLst/>
+            <a:cxnLst/>
+            <a:rect l="l" t="t" r="r" b="b"/>
+            <a:pathLst>
+              <a:path w="4114800" h="5712488">
+                <a:moveTo>
+                  <a:pt x="133155" y="0"/>
+                </a:moveTo>
+                <a:lnTo>
+                  <a:pt x="3981645" y="0"/>
+                </a:lnTo>
+                <a:cubicBezTo>
+                  <a:pt x="4055184" y="0"/>
+                  <a:pt x="4114800" y="59616"/>
+                  <a:pt x="4114800" y="133155"/>
+                </a:cubicBezTo>
+                <a:lnTo>
+                  <a:pt x="4114800" y="5579333"/>
+                </a:lnTo>
+                <a:cubicBezTo>
+                  <a:pt x="4114800" y="5652872"/>
+                  <a:pt x="4055184" y="5712488"/>
+                  <a:pt x="3981645" y="5712488"/>
+                </a:cubicBezTo>
+                <a:lnTo>
+                  <a:pt x="133155" y="5712488"/>
+                </a:lnTo>
+                <a:cubicBezTo>
+                  <a:pt x="59616" y="5712488"/>
+                  <a:pt x="0" y="5652872"/>
+                  <a:pt x="0" y="5579333"/>
+                </a:cubicBezTo>
+                <a:lnTo>
+                  <a:pt x="0" y="133155"/>
+                </a:lnTo>
+                <a:cubicBezTo>
+                  <a:pt x="0" y="59616"/>
+                  <a:pt x="59616" y="0"/>
+                  <a:pt x="133155" y="0"/>
+                </a:cubicBezTo>
+                <a:close/>
+              </a:path>
+            </a:pathLst>
+          </a:custGeom>
+          <a:noFill/>
+          <a:extLst>
+            <a:ext uri="{909E8E84-426E-40DD-AFC4-6F175D3DCCD1}">
+              <a14:hiddenFill xmlns:a14="http://schemas.microsoft.com/office/drawing/2010/main">
+                <a:solidFill>
+                  <a:srgbClr val="FFFFFF"/>
+                </a:solidFill>
+              </a14:hiddenFill>
+            </a:ext>
+          </a:extLst>
+        </p:spPr>
+      </p:pic>
+      <p:sp>
+        <p:nvSpPr>
+          <p:cNvPr id="5133" name="Freeform: Shape 5132">
+            <a:extLst>
+              <a:ext uri="{FF2B5EF4-FFF2-40B4-BE49-F238E27FC236}">
+                <a16:creationId xmlns:a16="http://schemas.microsoft.com/office/drawing/2014/main" id="{DABE3E45-88CF-45D8-8D40-C773324D93F6}"/>
+              </a:ext>
+              <a:ext uri="{C183D7F6-B498-43B3-948B-1728B52AA6E4}">
+                <adec:decorative xmlns:adec="http://schemas.microsoft.com/office/drawing/2017/decorative" val="1"/>
+              </a:ext>
+            </a:extLst>
+          </p:cNvPr>
+          <p:cNvSpPr>
+            <a:spLocks noGrp="1" noRot="1" noChangeAspect="1" noMove="1" noResize="1" noEditPoints="1" noAdjustHandles="1" noChangeArrowheads="1" noChangeShapeType="1" noTextEdit="1"/>
+          </p:cNvSpPr>
+          <p:nvPr>
+            <p:extLst>
+              <p:ext uri="{386F3935-93C4-4BCD-93E2-E3B085C9AB24}">
+                <p16:designElem xmlns:p16="http://schemas.microsoft.com/office/powerpoint/2015/main" val="1"/>
+              </p:ext>
+            </p:extLst>
+          </p:nvPr>
+        </p:nvSpPr>
+        <p:spPr>
+          <a:xfrm>
+            <a:off x="6749602" y="1"/>
+            <a:ext cx="2066948" cy="1621879"/>
+          </a:xfrm>
+          <a:custGeom>
+            <a:avLst/>
+            <a:gdLst>
+              <a:gd name="connsiteX0" fmla="*/ 0 w 2066948"/>
+              <a:gd name="connsiteY0" fmla="*/ 0 h 1621879"/>
+              <a:gd name="connsiteX1" fmla="*/ 123825 w 2066948"/>
+              <a:gd name="connsiteY1" fmla="*/ 0 h 1621879"/>
+              <a:gd name="connsiteX2" fmla="*/ 123825 w 2066948"/>
+              <a:gd name="connsiteY2" fmla="*/ 1452620 h 1621879"/>
+              <a:gd name="connsiteX3" fmla="*/ 1881378 w 2066948"/>
+              <a:gd name="connsiteY3" fmla="*/ 436017 h 1621879"/>
+              <a:gd name="connsiteX4" fmla="*/ 1127572 w 2066948"/>
+              <a:gd name="connsiteY4" fmla="*/ 0 h 1621879"/>
+              <a:gd name="connsiteX5" fmla="*/ 1374887 w 2066948"/>
+              <a:gd name="connsiteY5" fmla="*/ 0 h 1621879"/>
+              <a:gd name="connsiteX6" fmla="*/ 2035969 w 2066948"/>
+              <a:gd name="connsiteY6" fmla="*/ 382391 h 1621879"/>
+              <a:gd name="connsiteX7" fmla="*/ 2058648 w 2066948"/>
+              <a:gd name="connsiteY7" fmla="*/ 466963 h 1621879"/>
+              <a:gd name="connsiteX8" fmla="*/ 2035969 w 2066948"/>
+              <a:gd name="connsiteY8" fmla="*/ 489642 h 1621879"/>
+              <a:gd name="connsiteX9" fmla="*/ 92869 w 2066948"/>
+              <a:gd name="connsiteY9" fmla="*/ 1613592 h 1621879"/>
+              <a:gd name="connsiteX10" fmla="*/ 61913 w 2066948"/>
+              <a:gd name="connsiteY10" fmla="*/ 1621879 h 1621879"/>
+              <a:gd name="connsiteX11" fmla="*/ 0 w 2066948"/>
+              <a:gd name="connsiteY11" fmla="*/ 1559967 h 1621879"/>
+            </a:gdLst>
+            <a:ahLst/>
+            <a:cxnLst>
+              <a:cxn ang="0">
+                <a:pos x="connsiteX0" y="connsiteY0"/>
+              </a:cxn>
+              <a:cxn ang="0">
+                <a:pos x="connsiteX1" y="connsiteY1"/>
+              </a:cxn>
+              <a:cxn ang="0">
+                <a:pos x="connsiteX2" y="connsiteY2"/>
+              </a:cxn>
+              <a:cxn ang="0">
+                <a:pos x="connsiteX3" y="connsiteY3"/>
+              </a:cxn>
+              <a:cxn ang="0">
+                <a:pos x="connsiteX4" y="connsiteY4"/>
+              </a:cxn>
+              <a:cxn ang="0">
+                <a:pos x="connsiteX5" y="connsiteY5"/>
+              </a:cxn>
+              <a:cxn ang="0">
+                <a:pos x="connsiteX6" y="connsiteY6"/>
+              </a:cxn>
+              <a:cxn ang="0">
+                <a:pos x="connsiteX7" y="connsiteY7"/>
+              </a:cxn>
+              <a:cxn ang="0">
+                <a:pos x="connsiteX8" y="connsiteY8"/>
+              </a:cxn>
+              <a:cxn ang="0">
+                <a:pos x="connsiteX9" y="connsiteY9"/>
+              </a:cxn>
+              <a:cxn ang="0">
+                <a:pos x="connsiteX10" y="connsiteY10"/>
+              </a:cxn>
+              <a:cxn ang="0">
+                <a:pos x="connsiteX11" y="connsiteY11"/>
+              </a:cxn>
+            </a:cxnLst>
+            <a:rect l="l" t="t" r="r" b="b"/>
+            <a:pathLst>
+              <a:path w="2066948" h="1621879">
+                <a:moveTo>
+                  <a:pt x="0" y="0"/>
+                </a:moveTo>
+                <a:lnTo>
+                  <a:pt x="123825" y="0"/>
+                </a:lnTo>
+                <a:lnTo>
+                  <a:pt x="123825" y="1452620"/>
+                </a:lnTo>
+                <a:lnTo>
+                  <a:pt x="1881378" y="436017"/>
+                </a:lnTo>
+                <a:lnTo>
+                  <a:pt x="1127572" y="0"/>
+                </a:lnTo>
+                <a:lnTo>
+                  <a:pt x="1374887" y="0"/>
+                </a:lnTo>
+                <a:lnTo>
+                  <a:pt x="2035969" y="382391"/>
+                </a:lnTo>
+                <a:cubicBezTo>
+                  <a:pt x="2065582" y="399479"/>
+                  <a:pt x="2075745" y="437340"/>
+                  <a:pt x="2058648" y="466963"/>
+                </a:cubicBezTo>
+                <a:cubicBezTo>
+                  <a:pt x="2053219" y="476384"/>
+                  <a:pt x="2045389" y="484204"/>
+                  <a:pt x="2035969" y="489642"/>
+                </a:cubicBezTo>
+                <a:lnTo>
+                  <a:pt x="92869" y="1613592"/>
+                </a:lnTo>
+                <a:cubicBezTo>
+                  <a:pt x="83458" y="1619031"/>
+                  <a:pt x="72780" y="1621889"/>
+                  <a:pt x="61913" y="1621879"/>
+                </a:cubicBezTo>
+                <a:cubicBezTo>
+                  <a:pt x="27719" y="1621879"/>
+                  <a:pt x="0" y="1594161"/>
+                  <a:pt x="0" y="1559967"/>
+                </a:cubicBezTo>
+                <a:close/>
+              </a:path>
+            </a:pathLst>
+          </a:custGeom>
+          <a:solidFill>
+            <a:schemeClr val="accent6"/>
+          </a:solidFill>
+          <a:ln w="9525" cap="flat">
+            <a:noFill/>
+            <a:prstDash val="solid"/>
+            <a:miter/>
+          </a:ln>
+        </p:spPr>
+        <p:txBody>
+          <a:bodyPr rtlCol="0" anchor="ctr"/>
+          <a:lstStyle/>
+          <a:p>
+            <a:endParaRPr lang="en-US"/>
+          </a:p>
+        </p:txBody>
+      </p:sp>
+      <p:cxnSp>
+        <p:nvCxnSpPr>
+          <p:cNvPr id="5135" name="Straight Connector 5134">
+            <a:extLst>
+              <a:ext uri="{FF2B5EF4-FFF2-40B4-BE49-F238E27FC236}">
+                <a16:creationId xmlns:a16="http://schemas.microsoft.com/office/drawing/2014/main" id="{49CD1692-827B-4C8D-B4A1-134FD04CF45C}"/>
+              </a:ext>
+              <a:ext uri="{C183D7F6-B498-43B3-948B-1728B52AA6E4}">
+                <adec:decorative xmlns:adec="http://schemas.microsoft.com/office/drawing/2017/decorative" val="1"/>
+              </a:ext>
+            </a:extLst>
+          </p:cNvPr>
+          <p:cNvCxnSpPr>
+            <a:cxnSpLocks noGrp="1" noRot="1" noChangeAspect="1" noMove="1" noResize="1" noEditPoints="1" noAdjustHandles="1" noChangeArrowheads="1" noChangeShapeType="1"/>
+          </p:cNvCxnSpPr>
+          <p:nvPr>
+            <p:extLst>
+              <p:ext uri="{386F3935-93C4-4BCD-93E2-E3B085C9AB24}">
+                <p16:designElem xmlns:p16="http://schemas.microsoft.com/office/powerpoint/2015/main" val="1"/>
+              </p:ext>
+            </p:extLst>
+          </p:nvPr>
+        </p:nvCxnSpPr>
+        <p:spPr>
+          <a:xfrm>
+            <a:off x="12138745" y="1027906"/>
+            <a:ext cx="0" cy="1597708"/>
+          </a:xfrm>
+          <a:prstGeom prst="line">
+            <a:avLst/>
+          </a:prstGeom>
+          <a:ln w="127000" cap="rnd">
+            <a:solidFill>
+              <a:schemeClr val="accent4"/>
+            </a:solidFill>
+            <a:prstDash val="dash"/>
+          </a:ln>
+        </p:spPr>
+        <p:style>
+          <a:lnRef idx="1">
+            <a:schemeClr val="accent1"/>
+          </a:lnRef>
+          <a:fillRef idx="0">
+            <a:schemeClr val="accent1"/>
+          </a:fillRef>
+          <a:effectRef idx="0">
+            <a:schemeClr val="accent1"/>
+          </a:effectRef>
+          <a:fontRef idx="minor">
+            <a:schemeClr val="tx1"/>
+          </a:fontRef>
+        </p:style>
+      </p:cxnSp>
+      <p:sp>
+        <p:nvSpPr>
+          <p:cNvPr id="5137" name="Freeform: Shape 5136">
+            <a:extLst>
+              <a:ext uri="{FF2B5EF4-FFF2-40B4-BE49-F238E27FC236}">
+                <a16:creationId xmlns:a16="http://schemas.microsoft.com/office/drawing/2014/main" id="{B91ECDA9-56DC-4270-8F33-01C5637B8CEB}"/>
+              </a:ext>
+              <a:ext uri="{C183D7F6-B498-43B3-948B-1728B52AA6E4}">
+                <adec:decorative xmlns:adec="http://schemas.microsoft.com/office/drawing/2017/decorative" val="1"/>
+              </a:ext>
+            </a:extLst>
+          </p:cNvPr>
+          <p:cNvSpPr>
+            <a:spLocks noGrp="1" noRot="1" noChangeAspect="1" noMove="1" noResize="1" noEditPoints="1" noAdjustHandles="1" noChangeArrowheads="1" noChangeShapeType="1" noTextEdit="1"/>
+          </p:cNvSpPr>
+          <p:nvPr>
+            <p:extLst>
+              <p:ext uri="{386F3935-93C4-4BCD-93E2-E3B085C9AB24}">
+                <p16:designElem xmlns:p16="http://schemas.microsoft.com/office/powerpoint/2015/main" val="1"/>
+              </p:ext>
+            </p:extLst>
+          </p:nvPr>
+        </p:nvSpPr>
+        <p:spPr>
+          <a:xfrm rot="20463438">
+            <a:off x="7456580" y="5166682"/>
+            <a:ext cx="1835725" cy="2024785"/>
+          </a:xfrm>
+          <a:custGeom>
+            <a:avLst/>
+            <a:gdLst>
+              <a:gd name="connsiteX0" fmla="*/ 1801138 w 1835725"/>
+              <a:gd name="connsiteY0" fmla="*/ 1622662 h 2024785"/>
+              <a:gd name="connsiteX1" fmla="*/ 1835717 w 1835725"/>
+              <a:gd name="connsiteY1" fmla="*/ 1680254 h 2024785"/>
+              <a:gd name="connsiteX2" fmla="*/ 1812568 w 1835725"/>
+              <a:gd name="connsiteY2" fmla="*/ 1877193 h 2024785"/>
+              <a:gd name="connsiteX3" fmla="*/ 1776210 w 1835725"/>
+              <a:gd name="connsiteY3" fmla="*/ 2024785 h 2024785"/>
+              <a:gd name="connsiteX4" fmla="*/ 1655772 w 1835725"/>
+              <a:gd name="connsiteY4" fmla="*/ 1983449 h 2024785"/>
+              <a:gd name="connsiteX5" fmla="*/ 1687591 w 1835725"/>
+              <a:gd name="connsiteY5" fmla="*/ 1854495 h 2024785"/>
+              <a:gd name="connsiteX6" fmla="*/ 1708939 w 1835725"/>
+              <a:gd name="connsiteY6" fmla="*/ 1673301 h 2024785"/>
+              <a:gd name="connsiteX7" fmla="*/ 1778129 w 1835725"/>
+              <a:gd name="connsiteY7" fmla="*/ 1615979 h 2024785"/>
+              <a:gd name="connsiteX8" fmla="*/ 1801138 w 1835725"/>
+              <a:gd name="connsiteY8" fmla="*/ 1622662 h 2024785"/>
+              <a:gd name="connsiteX9" fmla="*/ 1585229 w 1835725"/>
+              <a:gd name="connsiteY9" fmla="*/ 764759 h 2024785"/>
+              <a:gd name="connsiteX10" fmla="*/ 1623024 w 1835725"/>
+              <a:gd name="connsiteY10" fmla="*/ 792810 h 2024785"/>
+              <a:gd name="connsiteX11" fmla="*/ 1777614 w 1835725"/>
+              <a:gd name="connsiteY11" fmla="*/ 1157141 h 2024785"/>
+              <a:gd name="connsiteX12" fmla="*/ 1733799 w 1835725"/>
+              <a:gd name="connsiteY12" fmla="*/ 1235532 h 2024785"/>
+              <a:gd name="connsiteX13" fmla="*/ 1716464 w 1835725"/>
+              <a:gd name="connsiteY13" fmla="*/ 1237722 h 2024785"/>
+              <a:gd name="connsiteX14" fmla="*/ 1716464 w 1835725"/>
+              <a:gd name="connsiteY14" fmla="*/ 1237913 h 2024785"/>
+              <a:gd name="connsiteX15" fmla="*/ 1655409 w 1835725"/>
+              <a:gd name="connsiteY15" fmla="*/ 1191717 h 2024785"/>
+              <a:gd name="connsiteX16" fmla="*/ 1513200 w 1835725"/>
+              <a:gd name="connsiteY16" fmla="*/ 856627 h 2024785"/>
+              <a:gd name="connsiteX17" fmla="*/ 1538499 w 1835725"/>
+              <a:gd name="connsiteY17" fmla="*/ 770415 h 2024785"/>
+              <a:gd name="connsiteX18" fmla="*/ 1585229 w 1835725"/>
+              <a:gd name="connsiteY18" fmla="*/ 764759 h 2024785"/>
+              <a:gd name="connsiteX19" fmla="*/ 477919 w 1835725"/>
+              <a:gd name="connsiteY19" fmla="*/ 21437 h 2024785"/>
+              <a:gd name="connsiteX20" fmla="*/ 509236 w 1835725"/>
+              <a:gd name="connsiteY20" fmla="*/ 84182 h 2024785"/>
+              <a:gd name="connsiteX21" fmla="*/ 445829 w 1835725"/>
+              <a:gd name="connsiteY21" fmla="*/ 139871 h 2024785"/>
+              <a:gd name="connsiteX22" fmla="*/ 437447 w 1835725"/>
+              <a:gd name="connsiteY22" fmla="*/ 139395 h 2024785"/>
+              <a:gd name="connsiteX23" fmla="*/ 73211 w 1835725"/>
+              <a:gd name="connsiteY23" fmla="*/ 137204 h 2024785"/>
+              <a:gd name="connsiteX24" fmla="*/ 749 w 1835725"/>
+              <a:gd name="connsiteY24" fmla="*/ 84082 h 2024785"/>
+              <a:gd name="connsiteX25" fmla="*/ 53871 w 1835725"/>
+              <a:gd name="connsiteY25" fmla="*/ 11621 h 2024785"/>
+              <a:gd name="connsiteX26" fmla="*/ 58352 w 1835725"/>
+              <a:gd name="connsiteY26" fmla="*/ 11093 h 2024785"/>
+              <a:gd name="connsiteX27" fmla="*/ 454020 w 1835725"/>
+              <a:gd name="connsiteY27" fmla="*/ 13474 h 2024785"/>
+              <a:gd name="connsiteX28" fmla="*/ 477919 w 1835725"/>
+              <a:gd name="connsiteY28" fmla="*/ 21437 h 2024785"/>
+              <a:gd name="connsiteX29" fmla="*/ 957797 w 1835725"/>
+              <a:gd name="connsiteY29" fmla="*/ 167970 h 2024785"/>
+              <a:gd name="connsiteX30" fmla="*/ 1286982 w 1835725"/>
+              <a:gd name="connsiteY30" fmla="*/ 387616 h 2024785"/>
+              <a:gd name="connsiteX31" fmla="*/ 1293725 w 1835725"/>
+              <a:gd name="connsiteY31" fmla="*/ 477075 h 2024785"/>
+              <a:gd name="connsiteX32" fmla="*/ 1245453 w 1835725"/>
+              <a:gd name="connsiteY32" fmla="*/ 499154 h 2024785"/>
+              <a:gd name="connsiteX33" fmla="*/ 1245167 w 1835725"/>
+              <a:gd name="connsiteY33" fmla="*/ 499154 h 2024785"/>
+              <a:gd name="connsiteX34" fmla="*/ 1203638 w 1835725"/>
+              <a:gd name="connsiteY34" fmla="*/ 484104 h 2024785"/>
+              <a:gd name="connsiteX35" fmla="*/ 900647 w 1835725"/>
+              <a:gd name="connsiteY35" fmla="*/ 281508 h 2024785"/>
+              <a:gd name="connsiteX36" fmla="*/ 872454 w 1835725"/>
+              <a:gd name="connsiteY36" fmla="*/ 196164 h 2024785"/>
+              <a:gd name="connsiteX37" fmla="*/ 957797 w 1835725"/>
+              <a:gd name="connsiteY37" fmla="*/ 167970 h 2024785"/>
+            </a:gdLst>
+            <a:ahLst/>
+            <a:cxnLst>
+              <a:cxn ang="0">
+                <a:pos x="connsiteX0" y="connsiteY0"/>
+              </a:cxn>
+              <a:cxn ang="0">
+                <a:pos x="connsiteX1" y="connsiteY1"/>
+              </a:cxn>
+              <a:cxn ang="0">
+                <a:pos x="connsiteX2" y="connsiteY2"/>
+              </a:cxn>
+              <a:cxn ang="0">
+                <a:pos x="connsiteX3" y="connsiteY3"/>
+              </a:cxn>
+              <a:cxn ang="0">
+                <a:pos x="connsiteX4" y="connsiteY4"/>
+              </a:cxn>
+              <a:cxn ang="0">
+                <a:pos x="connsiteX5" y="connsiteY5"/>
+              </a:cxn>
+              <a:cxn ang="0">
+                <a:pos x="connsiteX6" y="connsiteY6"/>
+              </a:cxn>
+              <a:cxn ang="0">
+                <a:pos x="connsiteX7" y="connsiteY7"/>
+              </a:cxn>
+              <a:cxn ang="0">
+                <a:pos x="connsiteX8" y="connsiteY8"/>
+              </a:cxn>
+              <a:cxn ang="0">
+                <a:pos x="connsiteX9" y="connsiteY9"/>
+              </a:cxn>
+              <a:cxn ang="0">
+                <a:pos x="connsiteX10" y="connsiteY10"/>
+              </a:cxn>
+              <a:cxn ang="0">
+                <a:pos x="connsiteX11" y="connsiteY11"/>
+              </a:cxn>
+              <a:cxn ang="0">
+                <a:pos x="connsiteX12" y="connsiteY12"/>
+              </a:cxn>
+              <a:cxn ang="0">
+                <a:pos x="connsiteX13" y="connsiteY13"/>
+              </a:cxn>
+              <a:cxn ang="0">
+                <a:pos x="connsiteX14" y="connsiteY14"/>
+              </a:cxn>
+              <a:cxn ang="0">
+                <a:pos x="connsiteX15" y="connsiteY15"/>
+              </a:cxn>
+              <a:cxn ang="0">
+                <a:pos x="connsiteX16" y="connsiteY16"/>
+              </a:cxn>
+              <a:cxn ang="0">
+                <a:pos x="connsiteX17" y="connsiteY17"/>
+              </a:cxn>
+              <a:cxn ang="0">
+                <a:pos x="connsiteX18" y="connsiteY18"/>
+              </a:cxn>
+              <a:cxn ang="0">
+                <a:pos x="connsiteX19" y="connsiteY19"/>
+              </a:cxn>
+              <a:cxn ang="0">
+                <a:pos x="connsiteX20" y="connsiteY20"/>
+              </a:cxn>
+              <a:cxn ang="0">
+                <a:pos x="connsiteX21" y="connsiteY21"/>
+              </a:cxn>
+              <a:cxn ang="0">
+                <a:pos x="connsiteX22" y="connsiteY22"/>
+              </a:cxn>
+              <a:cxn ang="0">
+                <a:pos x="connsiteX23" y="connsiteY23"/>
+              </a:cxn>
+              <a:cxn ang="0">
+                <a:pos x="connsiteX24" y="connsiteY24"/>
+              </a:cxn>
+              <a:cxn ang="0">
+                <a:pos x="connsiteX25" y="connsiteY25"/>
+              </a:cxn>
+              <a:cxn ang="0">
+                <a:pos x="connsiteX26" y="connsiteY26"/>
+              </a:cxn>
+              <a:cxn ang="0">
+                <a:pos x="connsiteX27" y="connsiteY27"/>
+              </a:cxn>
+              <a:cxn ang="0">
+                <a:pos x="connsiteX28" y="connsiteY28"/>
+              </a:cxn>
+              <a:cxn ang="0">
+                <a:pos x="connsiteX29" y="connsiteY29"/>
+              </a:cxn>
+              <a:cxn ang="0">
+                <a:pos x="connsiteX30" y="connsiteY30"/>
+              </a:cxn>
+              <a:cxn ang="0">
+                <a:pos x="connsiteX31" y="connsiteY31"/>
+              </a:cxn>
+              <a:cxn ang="0">
+                <a:pos x="connsiteX32" y="connsiteY32"/>
+              </a:cxn>
+              <a:cxn ang="0">
+                <a:pos x="connsiteX33" y="connsiteY33"/>
+              </a:cxn>
+              <a:cxn ang="0">
+                <a:pos x="connsiteX34" y="connsiteY34"/>
+              </a:cxn>
+              <a:cxn ang="0">
+                <a:pos x="connsiteX35" y="connsiteY35"/>
+              </a:cxn>
+              <a:cxn ang="0">
+                <a:pos x="connsiteX36" y="connsiteY36"/>
+              </a:cxn>
+              <a:cxn ang="0">
+                <a:pos x="connsiteX37" y="connsiteY37"/>
+              </a:cxn>
+            </a:cxnLst>
+            <a:rect l="l" t="t" r="r" b="b"/>
+            <a:pathLst>
+              <a:path w="1835725" h="2024785">
+                <a:moveTo>
+                  <a:pt x="1801138" y="1622662"/>
+                </a:moveTo>
+                <a:cubicBezTo>
+                  <a:pt x="1822105" y="1633400"/>
+                  <a:pt x="1836117" y="1655372"/>
+                  <a:pt x="1835717" y="1680254"/>
+                </a:cubicBezTo>
+                <a:cubicBezTo>
+                  <a:pt x="1832093" y="1746382"/>
+                  <a:pt x="1824354" y="1812154"/>
+                  <a:pt x="1812568" y="1877193"/>
+                </a:cubicBezTo>
+                <a:lnTo>
+                  <a:pt x="1776210" y="2024785"/>
+                </a:lnTo>
+                <a:lnTo>
+                  <a:pt x="1655772" y="1983449"/>
+                </a:lnTo>
+                <a:lnTo>
+                  <a:pt x="1687591" y="1854495"/>
+                </a:lnTo>
+                <a:cubicBezTo>
+                  <a:pt x="1698455" y="1794657"/>
+                  <a:pt x="1705590" y="1734142"/>
+                  <a:pt x="1708939" y="1673301"/>
+                </a:cubicBezTo>
+                <a:cubicBezTo>
+                  <a:pt x="1712216" y="1638363"/>
+                  <a:pt x="1743190" y="1612703"/>
+                  <a:pt x="1778129" y="1615979"/>
+                </a:cubicBezTo>
+                <a:cubicBezTo>
+                  <a:pt x="1786387" y="1616753"/>
+                  <a:pt x="1794149" y="1619084"/>
+                  <a:pt x="1801138" y="1622662"/>
+                </a:cubicBezTo>
+                <a:close/>
+                <a:moveTo>
+                  <a:pt x="1585229" y="764759"/>
+                </a:moveTo>
+                <a:cubicBezTo>
+                  <a:pt x="1600438" y="768789"/>
+                  <a:pt x="1614156" y="778436"/>
+                  <a:pt x="1623024" y="792810"/>
+                </a:cubicBezTo>
+                <a:cubicBezTo>
+                  <a:pt x="1689575" y="907319"/>
+                  <a:pt x="1741505" y="1029715"/>
+                  <a:pt x="1777614" y="1157141"/>
+                </a:cubicBezTo>
+                <a:cubicBezTo>
+                  <a:pt x="1787149" y="1190888"/>
+                  <a:pt x="1767537" y="1225969"/>
+                  <a:pt x="1733799" y="1235532"/>
+                </a:cubicBezTo>
+                <a:cubicBezTo>
+                  <a:pt x="1728151" y="1237046"/>
+                  <a:pt x="1722312" y="1237780"/>
+                  <a:pt x="1716464" y="1237722"/>
+                </a:cubicBezTo>
+                <a:lnTo>
+                  <a:pt x="1716464" y="1237913"/>
+                </a:lnTo>
+                <a:cubicBezTo>
+                  <a:pt x="1688070" y="1237913"/>
+                  <a:pt x="1663124" y="1219044"/>
+                  <a:pt x="1655409" y="1191717"/>
+                </a:cubicBezTo>
+                <a:cubicBezTo>
+                  <a:pt x="1622214" y="1074512"/>
+                  <a:pt x="1574437" y="961936"/>
+                  <a:pt x="1513200" y="856627"/>
+                </a:cubicBezTo>
+                <a:cubicBezTo>
+                  <a:pt x="1496379" y="825834"/>
+                  <a:pt x="1507704" y="787236"/>
+                  <a:pt x="1538499" y="770415"/>
+                </a:cubicBezTo>
+                <a:cubicBezTo>
+                  <a:pt x="1553325" y="762319"/>
+                  <a:pt x="1570022" y="760730"/>
+                  <a:pt x="1585229" y="764759"/>
+                </a:cubicBezTo>
+                <a:close/>
+                <a:moveTo>
+                  <a:pt x="477919" y="21437"/>
+                </a:moveTo>
+                <a:cubicBezTo>
+                  <a:pt x="499341" y="33775"/>
+                  <a:pt x="512445" y="58102"/>
+                  <a:pt x="509236" y="84182"/>
+                </a:cubicBezTo>
+                <a:cubicBezTo>
+                  <a:pt x="505303" y="116151"/>
+                  <a:pt x="478038" y="140098"/>
+                  <a:pt x="445829" y="139871"/>
+                </a:cubicBezTo>
+                <a:cubicBezTo>
+                  <a:pt x="443027" y="139899"/>
+                  <a:pt x="440227" y="139740"/>
+                  <a:pt x="437447" y="139395"/>
+                </a:cubicBezTo>
+                <a:cubicBezTo>
+                  <a:pt x="316592" y="123615"/>
+                  <a:pt x="194247" y="122878"/>
+                  <a:pt x="73211" y="137204"/>
+                </a:cubicBezTo>
+                <a:cubicBezTo>
+                  <a:pt x="38532" y="142545"/>
+                  <a:pt x="6090" y="118762"/>
+                  <a:pt x="749" y="84082"/>
+                </a:cubicBezTo>
+                <a:cubicBezTo>
+                  <a:pt x="-4591" y="49403"/>
+                  <a:pt x="19192" y="16961"/>
+                  <a:pt x="53871" y="11621"/>
+                </a:cubicBezTo>
+                <a:cubicBezTo>
+                  <a:pt x="55358" y="11392"/>
+                  <a:pt x="56852" y="11216"/>
+                  <a:pt x="58352" y="11093"/>
+                </a:cubicBezTo>
+                <a:cubicBezTo>
+                  <a:pt x="189834" y="-4456"/>
+                  <a:pt x="322735" y="-3656"/>
+                  <a:pt x="454020" y="13474"/>
+                </a:cubicBezTo>
+                <a:cubicBezTo>
+                  <a:pt x="462713" y="14543"/>
+                  <a:pt x="470778" y="17324"/>
+                  <a:pt x="477919" y="21437"/>
+                </a:cubicBezTo>
+                <a:close/>
+                <a:moveTo>
+                  <a:pt x="957797" y="167970"/>
+                </a:moveTo>
+                <a:cubicBezTo>
+                  <a:pt x="1076184" y="227289"/>
+                  <a:pt x="1186759" y="301068"/>
+                  <a:pt x="1286982" y="387616"/>
+                </a:cubicBezTo>
+                <a:cubicBezTo>
+                  <a:pt x="1313547" y="410457"/>
+                  <a:pt x="1316566" y="450510"/>
+                  <a:pt x="1293725" y="477075"/>
+                </a:cubicBezTo>
+                <a:cubicBezTo>
+                  <a:pt x="1281638" y="491137"/>
+                  <a:pt x="1263998" y="499204"/>
+                  <a:pt x="1245453" y="499154"/>
+                </a:cubicBezTo>
+                <a:lnTo>
+                  <a:pt x="1245167" y="499154"/>
+                </a:lnTo>
+                <a:cubicBezTo>
+                  <a:pt x="1229965" y="499301"/>
+                  <a:pt x="1215220" y="493956"/>
+                  <a:pt x="1203638" y="484104"/>
+                </a:cubicBezTo>
+                <a:cubicBezTo>
+                  <a:pt x="1111407" y="404300"/>
+                  <a:pt x="1009633" y="336248"/>
+                  <a:pt x="900647" y="281508"/>
+                </a:cubicBezTo>
+                <a:cubicBezTo>
+                  <a:pt x="869295" y="265726"/>
+                  <a:pt x="856672" y="227516"/>
+                  <a:pt x="872454" y="196164"/>
+                </a:cubicBezTo>
+                <a:cubicBezTo>
+                  <a:pt x="888235" y="164811"/>
+                  <a:pt x="926445" y="152188"/>
+                  <a:pt x="957797" y="167970"/>
+                </a:cubicBezTo>
+                <a:close/>
+              </a:path>
+            </a:pathLst>
+          </a:custGeom>
+          <a:solidFill>
+            <a:schemeClr val="accent4"/>
+          </a:solidFill>
+          <a:ln w="9525" cap="flat">
+            <a:noFill/>
+            <a:prstDash val="solid"/>
+            <a:miter/>
+          </a:ln>
+        </p:spPr>
+        <p:txBody>
+          <a:bodyPr rtlCol="0" anchor="ctr"/>
+          <a:lstStyle/>
+          <a:p>
+            <a:endParaRPr lang="en-US"/>
+          </a:p>
+        </p:txBody>
+      </p:sp>
+      <p:sp>
+        <p:nvSpPr>
+          <p:cNvPr id="5139" name="Freeform: Shape 5138">
+            <a:extLst>
+              <a:ext uri="{FF2B5EF4-FFF2-40B4-BE49-F238E27FC236}">
+                <a16:creationId xmlns:a16="http://schemas.microsoft.com/office/drawing/2014/main" id="{75F47824-961D-465D-84F9-EAE11BC6173B}"/>
+              </a:ext>
+              <a:ext uri="{C183D7F6-B498-43B3-948B-1728B52AA6E4}">
+                <adec:decorative xmlns:adec="http://schemas.microsoft.com/office/drawing/2017/decorative" val="1"/>
+              </a:ext>
+            </a:extLst>
+          </p:cNvPr>
+          <p:cNvSpPr>
+            <a:spLocks noGrp="1" noRot="1" noChangeAspect="1" noMove="1" noResize="1" noEditPoints="1" noAdjustHandles="1" noChangeArrowheads="1" noChangeShapeType="1" noTextEdit="1"/>
+          </p:cNvSpPr>
+          <p:nvPr>
+            <p:extLst>
+              <p:ext uri="{386F3935-93C4-4BCD-93E2-E3B085C9AB24}">
+                <p16:designElem xmlns:p16="http://schemas.microsoft.com/office/powerpoint/2015/main" val="1"/>
+              </p:ext>
+            </p:extLst>
+          </p:nvPr>
+        </p:nvSpPr>
+        <p:spPr>
+          <a:xfrm>
+            <a:off x="6809527" y="6033795"/>
+            <a:ext cx="1991064" cy="824205"/>
+          </a:xfrm>
+          <a:custGeom>
+            <a:avLst/>
+            <a:gdLst>
+              <a:gd name="connsiteX0" fmla="*/ 995532 w 1991064"/>
+              <a:gd name="connsiteY0" fmla="*/ 0 h 824205"/>
+              <a:gd name="connsiteX1" fmla="*/ 1984823 w 1991064"/>
+              <a:gd name="connsiteY1" fmla="*/ 784423 h 824205"/>
+              <a:gd name="connsiteX2" fmla="*/ 1991064 w 1991064"/>
+              <a:gd name="connsiteY2" fmla="*/ 824205 h 824205"/>
+              <a:gd name="connsiteX3" fmla="*/ 0 w 1991064"/>
+              <a:gd name="connsiteY3" fmla="*/ 824205 h 824205"/>
+              <a:gd name="connsiteX4" fmla="*/ 6241 w 1991064"/>
+              <a:gd name="connsiteY4" fmla="*/ 784423 h 824205"/>
+              <a:gd name="connsiteX5" fmla="*/ 995532 w 1991064"/>
+              <a:gd name="connsiteY5" fmla="*/ 0 h 824205"/>
+            </a:gdLst>
+            <a:ahLst/>
+            <a:cxnLst>
+              <a:cxn ang="0">
+                <a:pos x="connsiteX0" y="connsiteY0"/>
+              </a:cxn>
+              <a:cxn ang="0">
+                <a:pos x="connsiteX1" y="connsiteY1"/>
+              </a:cxn>
+              <a:cxn ang="0">
+                <a:pos x="connsiteX2" y="connsiteY2"/>
+              </a:cxn>
+              <a:cxn ang="0">
+                <a:pos x="connsiteX3" y="connsiteY3"/>
+              </a:cxn>
+              <a:cxn ang="0">
+                <a:pos x="connsiteX4" y="connsiteY4"/>
+              </a:cxn>
+              <a:cxn ang="0">
+                <a:pos x="connsiteX5" y="connsiteY5"/>
+              </a:cxn>
+            </a:cxnLst>
+            <a:rect l="l" t="t" r="r" b="b"/>
+            <a:pathLst>
+              <a:path w="1991064" h="824205">
+                <a:moveTo>
+                  <a:pt x="995532" y="0"/>
+                </a:moveTo>
+                <a:cubicBezTo>
+                  <a:pt x="1483521" y="0"/>
+                  <a:pt x="1890663" y="336754"/>
+                  <a:pt x="1984823" y="784423"/>
+                </a:cubicBezTo>
+                <a:lnTo>
+                  <a:pt x="1991064" y="824205"/>
+                </a:lnTo>
+                <a:lnTo>
+                  <a:pt x="0" y="824205"/>
+                </a:lnTo>
+                <a:lnTo>
+                  <a:pt x="6241" y="784423"/>
+                </a:lnTo>
+                <a:cubicBezTo>
+                  <a:pt x="100402" y="336754"/>
+                  <a:pt x="507544" y="0"/>
+                  <a:pt x="995532" y="0"/>
+                </a:cubicBezTo>
+                <a:close/>
+              </a:path>
+            </a:pathLst>
+          </a:custGeom>
+          <a:solidFill>
+            <a:schemeClr val="accent2"/>
+          </a:solidFill>
+          <a:ln>
+            <a:noFill/>
+          </a:ln>
+        </p:spPr>
+        <p:style>
+          <a:lnRef idx="2">
+            <a:schemeClr val="accent1">
+              <a:shade val="50000"/>
+            </a:schemeClr>
+          </a:lnRef>
+          <a:fillRef idx="1">
+            <a:schemeClr val="accent1"/>
+          </a:fillRef>
+          <a:effectRef idx="0">
+            <a:schemeClr val="accent1"/>
+          </a:effectRef>
+          <a:fontRef idx="minor">
+            <a:schemeClr val="lt1"/>
+          </a:fontRef>
+        </p:style>
+        <p:txBody>
+          <a:bodyPr wrap="square" rtlCol="0" anchor="ctr">
+            <a:noAutofit/>
+          </a:bodyPr>
+          <a:lstStyle/>
+          <a:p>
+            <a:pPr algn="ctr"/>
+            <a:endParaRPr lang="en-US" dirty="0"/>
+          </a:p>
+        </p:txBody>
+      </p:sp>
+      <p:sp>
+        <p:nvSpPr>
+          <p:cNvPr id="5141" name="Freeform: Shape 5140">
+            <a:extLst>
+              <a:ext uri="{FF2B5EF4-FFF2-40B4-BE49-F238E27FC236}">
+                <a16:creationId xmlns:a16="http://schemas.microsoft.com/office/drawing/2014/main" id="{FEC9DA3E-C1D7-472D-B7C0-F71AE41FBA23}"/>
+              </a:ext>
+              <a:ext uri="{C183D7F6-B498-43B3-948B-1728B52AA6E4}">
+                <adec:decorative xmlns:adec="http://schemas.microsoft.com/office/drawing/2017/decorative" val="1"/>
+              </a:ext>
+            </a:extLst>
+          </p:cNvPr>
+          <p:cNvSpPr>
+            <a:spLocks noGrp="1" noRot="1" noChangeAspect="1" noMove="1" noResize="1" noEditPoints="1" noAdjustHandles="1" noChangeArrowheads="1" noChangeShapeType="1" noTextEdit="1"/>
+          </p:cNvSpPr>
+          <p:nvPr>
+            <p:extLst>
+              <p:ext uri="{386F3935-93C4-4BCD-93E2-E3B085C9AB24}">
+                <p16:designElem xmlns:p16="http://schemas.microsoft.com/office/powerpoint/2015/main" val="1"/>
+              </p:ext>
+            </p:extLst>
+          </p:nvPr>
+        </p:nvSpPr>
+        <p:spPr>
+          <a:xfrm>
+            <a:off x="10851696" y="5519196"/>
+            <a:ext cx="1340305" cy="1338805"/>
+          </a:xfrm>
+          <a:custGeom>
+            <a:avLst/>
+            <a:gdLst>
+              <a:gd name="connsiteX0" fmla="*/ 61913 w 1340305"/>
+              <a:gd name="connsiteY0" fmla="*/ 0 h 1338805"/>
+              <a:gd name="connsiteX1" fmla="*/ 1340305 w 1340305"/>
+              <a:gd name="connsiteY1" fmla="*/ 0 h 1338805"/>
+              <a:gd name="connsiteX2" fmla="*/ 1340305 w 1340305"/>
+              <a:gd name="connsiteY2" fmla="*/ 123825 h 1338805"/>
+              <a:gd name="connsiteX3" fmla="*/ 123825 w 1340305"/>
+              <a:gd name="connsiteY3" fmla="*/ 123825 h 1338805"/>
+              <a:gd name="connsiteX4" fmla="*/ 123825 w 1340305"/>
+              <a:gd name="connsiteY4" fmla="*/ 1338805 h 1338805"/>
+              <a:gd name="connsiteX5" fmla="*/ 0 w 1340305"/>
+              <a:gd name="connsiteY5" fmla="*/ 1338805 h 1338805"/>
+              <a:gd name="connsiteX6" fmla="*/ 0 w 1340305"/>
+              <a:gd name="connsiteY6" fmla="*/ 61913 h 1338805"/>
+              <a:gd name="connsiteX7" fmla="*/ 61913 w 1340305"/>
+              <a:gd name="connsiteY7" fmla="*/ 0 h 1338805"/>
+            </a:gdLst>
+            <a:ahLst/>
+            <a:cxnLst>
+              <a:cxn ang="0">
+                <a:pos x="connsiteX0" y="connsiteY0"/>
+              </a:cxn>
+              <a:cxn ang="0">
+                <a:pos x="connsiteX1" y="connsiteY1"/>
+              </a:cxn>
+              <a:cxn ang="0">
+                <a:pos x="connsiteX2" y="connsiteY2"/>
+              </a:cxn>
+              <a:cxn ang="0">
+                <a:pos x="connsiteX3" y="connsiteY3"/>
+              </a:cxn>
+              <a:cxn ang="0">
+                <a:pos x="connsiteX4" y="connsiteY4"/>
+              </a:cxn>
+              <a:cxn ang="0">
+                <a:pos x="connsiteX5" y="connsiteY5"/>
+              </a:cxn>
+              <a:cxn ang="0">
+                <a:pos x="connsiteX6" y="connsiteY6"/>
+              </a:cxn>
+              <a:cxn ang="0">
+                <a:pos x="connsiteX7" y="connsiteY7"/>
+              </a:cxn>
+            </a:cxnLst>
+            <a:rect l="l" t="t" r="r" b="b"/>
+            <a:pathLst>
+              <a:path w="1340305" h="1338805">
+                <a:moveTo>
+                  <a:pt x="61913" y="0"/>
+                </a:moveTo>
+                <a:lnTo>
+                  <a:pt x="1340305" y="0"/>
+                </a:lnTo>
+                <a:lnTo>
+                  <a:pt x="1340305" y="123825"/>
+                </a:lnTo>
+                <a:lnTo>
+                  <a:pt x="123825" y="123825"/>
+                </a:lnTo>
+                <a:lnTo>
+                  <a:pt x="123825" y="1338805"/>
+                </a:lnTo>
+                <a:lnTo>
+                  <a:pt x="0" y="1338805"/>
+                </a:lnTo>
+                <a:lnTo>
+                  <a:pt x="0" y="61913"/>
+                </a:lnTo>
+                <a:cubicBezTo>
+                  <a:pt x="0" y="27719"/>
+                  <a:pt x="27719" y="0"/>
+                  <a:pt x="61913" y="0"/>
+                </a:cubicBezTo>
+                <a:close/>
+              </a:path>
+            </a:pathLst>
+          </a:custGeom>
+          <a:solidFill>
+            <a:schemeClr val="accent6"/>
+          </a:solidFill>
+          <a:ln w="9525" cap="flat">
+            <a:noFill/>
+            <a:prstDash val="solid"/>
+            <a:miter/>
+          </a:ln>
+        </p:spPr>
+        <p:txBody>
+          <a:bodyPr rtlCol="0" anchor="ctr"/>
+          <a:lstStyle/>
+          <a:p>
+            <a:endParaRPr lang="en-US"/>
+          </a:p>
+        </p:txBody>
+      </p:sp>
+      <p:sp>
+        <p:nvSpPr>
+          <p:cNvPr id="5" name="TextBox 4">
+            <a:extLst>
+              <a:ext uri="{FF2B5EF4-FFF2-40B4-BE49-F238E27FC236}">
+                <a16:creationId xmlns:a16="http://schemas.microsoft.com/office/drawing/2014/main" id="{14062BC3-00B5-EBF0-00BA-883173807E3E}"/>
+              </a:ext>
+            </a:extLst>
+          </p:cNvPr>
+          <p:cNvSpPr txBox="1"/>
+          <p:nvPr/>
+        </p:nvSpPr>
+        <p:spPr>
+          <a:xfrm>
+            <a:off x="7177642" y="6581000"/>
+            <a:ext cx="7464191" cy="276999"/>
+          </a:xfrm>
+          <a:prstGeom prst="rect">
+            <a:avLst/>
+          </a:prstGeom>
+          <a:noFill/>
+        </p:spPr>
+        <p:txBody>
+          <a:bodyPr wrap="square">
+            <a:spAutoFit/>
+          </a:bodyPr>
+          <a:lstStyle/>
+          <a:p>
+            <a:r>
+              <a:rPr lang="en-FI" sz="1200" dirty="0"/>
+              <a:t>https://pubs.rsc.org/en/content/articlelanding/2014/np/c3np70094a</a:t>
+            </a:r>
+          </a:p>
+        </p:txBody>
+      </p:sp>
+    </p:spTree>
+    <p:extLst>
+      <p:ext uri="{BB962C8B-B14F-4D97-AF65-F5344CB8AC3E}">
+        <p14:creationId xmlns:p14="http://schemas.microsoft.com/office/powerpoint/2010/main" val="4117791606"/>
       </p:ext>
     </p:extLst>
   </p:cSld>
